--- a/Doc/2414_Presentation.pptx
+++ b/Doc/2414_Presentation.pptx
@@ -4,6 +4,9 @@
   <p:sldMasterIdLst>
     <p:sldMasterId id="2147483648" r:id="rId1"/>
   </p:sldMasterIdLst>
+  <p:notesMasterIdLst>
+    <p:notesMasterId r:id="rId26"/>
+  </p:notesMasterIdLst>
   <p:sldIdLst>
     <p:sldId id="256" r:id="rId2"/>
     <p:sldId id="261" r:id="rId3"/>
@@ -23,10 +26,12 @@
     <p:sldId id="268" r:id="rId17"/>
     <p:sldId id="269" r:id="rId18"/>
     <p:sldId id="277" r:id="rId19"/>
-    <p:sldId id="281" r:id="rId20"/>
-    <p:sldId id="278" r:id="rId21"/>
-    <p:sldId id="279" r:id="rId22"/>
-    <p:sldId id="280" r:id="rId23"/>
+    <p:sldId id="282" r:id="rId20"/>
+    <p:sldId id="283" r:id="rId21"/>
+    <p:sldId id="281" r:id="rId22"/>
+    <p:sldId id="278" r:id="rId23"/>
+    <p:sldId id="279" r:id="rId24"/>
+    <p:sldId id="280" r:id="rId25"/>
   </p:sldIdLst>
   <p:sldSz cx="9144000" cy="6858000" type="screen4x3"/>
   <p:notesSz cx="6858000" cy="9144000"/>
@@ -142,6 +147,455 @@
     </p:ext>
   </p:extLst>
 </p:presentation>
+</file>
+
+<file path=ppt/notesMasters/notesMaster1.xml><?xml version="1.0" encoding="utf-8"?>
+<p:notesMaster xmlns:a="http://schemas.openxmlformats.org/drawingml/2006/main" xmlns:r="http://schemas.openxmlformats.org/officeDocument/2006/relationships" xmlns:p="http://schemas.openxmlformats.org/presentationml/2006/main">
+  <p:cSld>
+    <p:bg>
+      <p:bgRef idx="1001">
+        <a:schemeClr val="bg1"/>
+      </p:bgRef>
+    </p:bg>
+    <p:spTree>
+      <p:nvGrpSpPr>
+        <p:cNvPr id="1" name=""/>
+        <p:cNvGrpSpPr/>
+        <p:nvPr/>
+      </p:nvGrpSpPr>
+      <p:grpSpPr>
+        <a:xfrm>
+          <a:off x="0" y="0"/>
+          <a:ext cx="0" cy="0"/>
+          <a:chOff x="0" y="0"/>
+          <a:chExt cx="0" cy="0"/>
+        </a:xfrm>
+      </p:grpSpPr>
+      <p:sp>
+        <p:nvSpPr>
+          <p:cNvPr id="2" name="Espace réservé de l'en-tête 1"/>
+          <p:cNvSpPr>
+            <a:spLocks noGrp="1"/>
+          </p:cNvSpPr>
+          <p:nvPr>
+            <p:ph type="hdr" sz="quarter"/>
+          </p:nvPr>
+        </p:nvSpPr>
+        <p:spPr>
+          <a:xfrm>
+            <a:off x="0" y="0"/>
+            <a:ext cx="2971800" cy="458788"/>
+          </a:xfrm>
+          <a:prstGeom prst="rect">
+            <a:avLst/>
+          </a:prstGeom>
+        </p:spPr>
+        <p:txBody>
+          <a:bodyPr vert="horz" lIns="91440" tIns="45720" rIns="91440" bIns="45720" rtlCol="0"/>
+          <a:lstStyle>
+            <a:lvl1pPr algn="l">
+              <a:defRPr sz="1200"/>
+            </a:lvl1pPr>
+          </a:lstStyle>
+          <a:p>
+            <a:endParaRPr lang="fr-CH"/>
+          </a:p>
+        </p:txBody>
+      </p:sp>
+      <p:sp>
+        <p:nvSpPr>
+          <p:cNvPr id="3" name="Espace réservé de la date 2"/>
+          <p:cNvSpPr>
+            <a:spLocks noGrp="1"/>
+          </p:cNvSpPr>
+          <p:nvPr>
+            <p:ph type="dt" idx="1"/>
+          </p:nvPr>
+        </p:nvSpPr>
+        <p:spPr>
+          <a:xfrm>
+            <a:off x="3884613" y="0"/>
+            <a:ext cx="2971800" cy="458788"/>
+          </a:xfrm>
+          <a:prstGeom prst="rect">
+            <a:avLst/>
+          </a:prstGeom>
+        </p:spPr>
+        <p:txBody>
+          <a:bodyPr vert="horz" lIns="91440" tIns="45720" rIns="91440" bIns="45720" rtlCol="0"/>
+          <a:lstStyle>
+            <a:lvl1pPr algn="r">
+              <a:defRPr sz="1200"/>
+            </a:lvl1pPr>
+          </a:lstStyle>
+          <a:p>
+            <a:fld id="{A948385E-3BF3-4DBF-8FAC-276583E7B2F7}" type="datetimeFigureOut">
+              <a:rPr lang="fr-CH" smtClean="0"/>
+              <a:t>20.06.2025</a:t>
+            </a:fld>
+            <a:endParaRPr lang="fr-CH"/>
+          </a:p>
+        </p:txBody>
+      </p:sp>
+      <p:sp>
+        <p:nvSpPr>
+          <p:cNvPr id="4" name="Espace réservé de l'image des diapositives 3"/>
+          <p:cNvSpPr>
+            <a:spLocks noGrp="1" noRot="1" noChangeAspect="1"/>
+          </p:cNvSpPr>
+          <p:nvPr>
+            <p:ph type="sldImg" idx="2"/>
+          </p:nvPr>
+        </p:nvSpPr>
+        <p:spPr>
+          <a:xfrm>
+            <a:off x="1371600" y="1143000"/>
+            <a:ext cx="4114800" cy="3086100"/>
+          </a:xfrm>
+          <a:prstGeom prst="rect">
+            <a:avLst/>
+          </a:prstGeom>
+          <a:noFill/>
+          <a:ln w="12700">
+            <a:solidFill>
+              <a:prstClr val="black"/>
+            </a:solidFill>
+          </a:ln>
+        </p:spPr>
+        <p:txBody>
+          <a:bodyPr vert="horz" lIns="91440" tIns="45720" rIns="91440" bIns="45720" rtlCol="0" anchor="ctr"/>
+          <a:lstStyle/>
+          <a:p>
+            <a:endParaRPr lang="fr-CH"/>
+          </a:p>
+        </p:txBody>
+      </p:sp>
+      <p:sp>
+        <p:nvSpPr>
+          <p:cNvPr id="5" name="Espace réservé des notes 4"/>
+          <p:cNvSpPr>
+            <a:spLocks noGrp="1"/>
+          </p:cNvSpPr>
+          <p:nvPr>
+            <p:ph type="body" sz="quarter" idx="3"/>
+          </p:nvPr>
+        </p:nvSpPr>
+        <p:spPr>
+          <a:xfrm>
+            <a:off x="685800" y="4400550"/>
+            <a:ext cx="5486400" cy="3600450"/>
+          </a:xfrm>
+          <a:prstGeom prst="rect">
+            <a:avLst/>
+          </a:prstGeom>
+        </p:spPr>
+        <p:txBody>
+          <a:bodyPr vert="horz" lIns="91440" tIns="45720" rIns="91440" bIns="45720" rtlCol="0"/>
+          <a:lstStyle/>
+          <a:p>
+            <a:pPr lvl="0"/>
+            <a:r>
+              <a:rPr lang="fr-FR"/>
+              <a:t>Cliquez pour modifier les styles du texte du masque</a:t>
+            </a:r>
+          </a:p>
+          <a:p>
+            <a:pPr lvl="1"/>
+            <a:r>
+              <a:rPr lang="fr-FR"/>
+              <a:t>Deuxième niveau</a:t>
+            </a:r>
+          </a:p>
+          <a:p>
+            <a:pPr lvl="2"/>
+            <a:r>
+              <a:rPr lang="fr-FR"/>
+              <a:t>Troisième niveau</a:t>
+            </a:r>
+          </a:p>
+          <a:p>
+            <a:pPr lvl="3"/>
+            <a:r>
+              <a:rPr lang="fr-FR"/>
+              <a:t>Quatrième niveau</a:t>
+            </a:r>
+          </a:p>
+          <a:p>
+            <a:pPr lvl="4"/>
+            <a:r>
+              <a:rPr lang="fr-FR"/>
+              <a:t>Cinquième niveau</a:t>
+            </a:r>
+            <a:endParaRPr lang="fr-CH"/>
+          </a:p>
+        </p:txBody>
+      </p:sp>
+      <p:sp>
+        <p:nvSpPr>
+          <p:cNvPr id="6" name="Espace réservé du pied de page 5"/>
+          <p:cNvSpPr>
+            <a:spLocks noGrp="1"/>
+          </p:cNvSpPr>
+          <p:nvPr>
+            <p:ph type="ftr" sz="quarter" idx="4"/>
+          </p:nvPr>
+        </p:nvSpPr>
+        <p:spPr>
+          <a:xfrm>
+            <a:off x="0" y="8685213"/>
+            <a:ext cx="2971800" cy="458787"/>
+          </a:xfrm>
+          <a:prstGeom prst="rect">
+            <a:avLst/>
+          </a:prstGeom>
+        </p:spPr>
+        <p:txBody>
+          <a:bodyPr vert="horz" lIns="91440" tIns="45720" rIns="91440" bIns="45720" rtlCol="0" anchor="b"/>
+          <a:lstStyle>
+            <a:lvl1pPr algn="l">
+              <a:defRPr sz="1200"/>
+            </a:lvl1pPr>
+          </a:lstStyle>
+          <a:p>
+            <a:endParaRPr lang="fr-CH"/>
+          </a:p>
+        </p:txBody>
+      </p:sp>
+      <p:sp>
+        <p:nvSpPr>
+          <p:cNvPr id="7" name="Espace réservé du numéro de diapositive 6"/>
+          <p:cNvSpPr>
+            <a:spLocks noGrp="1"/>
+          </p:cNvSpPr>
+          <p:nvPr>
+            <p:ph type="sldNum" sz="quarter" idx="5"/>
+          </p:nvPr>
+        </p:nvSpPr>
+        <p:spPr>
+          <a:xfrm>
+            <a:off x="3884613" y="8685213"/>
+            <a:ext cx="2971800" cy="458787"/>
+          </a:xfrm>
+          <a:prstGeom prst="rect">
+            <a:avLst/>
+          </a:prstGeom>
+        </p:spPr>
+        <p:txBody>
+          <a:bodyPr vert="horz" lIns="91440" tIns="45720" rIns="91440" bIns="45720" rtlCol="0" anchor="b"/>
+          <a:lstStyle>
+            <a:lvl1pPr algn="r">
+              <a:defRPr sz="1200"/>
+            </a:lvl1pPr>
+          </a:lstStyle>
+          <a:p>
+            <a:fld id="{9ED9C65F-3587-481F-A796-953F887DAB47}" type="slidenum">
+              <a:rPr lang="fr-CH" smtClean="0"/>
+              <a:t>‹N°›</a:t>
+            </a:fld>
+            <a:endParaRPr lang="fr-CH"/>
+          </a:p>
+        </p:txBody>
+      </p:sp>
+    </p:spTree>
+    <p:extLst>
+      <p:ext uri="{BB962C8B-B14F-4D97-AF65-F5344CB8AC3E}">
+        <p14:creationId xmlns:p14="http://schemas.microsoft.com/office/powerpoint/2010/main" val="609076816"/>
+      </p:ext>
+    </p:extLst>
+  </p:cSld>
+  <p:clrMap bg1="lt1" tx1="dk1" bg2="lt2" tx2="dk2" accent1="accent1" accent2="accent2" accent3="accent3" accent4="accent4" accent5="accent5" accent6="accent6" hlink="hlink" folHlink="folHlink"/>
+  <p:notesStyle>
+    <a:lvl1pPr marL="0" algn="l" defTabSz="914400" rtl="0" eaLnBrk="1" latinLnBrk="0" hangingPunct="1">
+      <a:defRPr sz="1200" kern="1200">
+        <a:solidFill>
+          <a:schemeClr val="tx1"/>
+        </a:solidFill>
+        <a:latin typeface="+mn-lt"/>
+        <a:ea typeface="+mn-ea"/>
+        <a:cs typeface="+mn-cs"/>
+      </a:defRPr>
+    </a:lvl1pPr>
+    <a:lvl2pPr marL="457200" algn="l" defTabSz="914400" rtl="0" eaLnBrk="1" latinLnBrk="0" hangingPunct="1">
+      <a:defRPr sz="1200" kern="1200">
+        <a:solidFill>
+          <a:schemeClr val="tx1"/>
+        </a:solidFill>
+        <a:latin typeface="+mn-lt"/>
+        <a:ea typeface="+mn-ea"/>
+        <a:cs typeface="+mn-cs"/>
+      </a:defRPr>
+    </a:lvl2pPr>
+    <a:lvl3pPr marL="914400" algn="l" defTabSz="914400" rtl="0" eaLnBrk="1" latinLnBrk="0" hangingPunct="1">
+      <a:defRPr sz="1200" kern="1200">
+        <a:solidFill>
+          <a:schemeClr val="tx1"/>
+        </a:solidFill>
+        <a:latin typeface="+mn-lt"/>
+        <a:ea typeface="+mn-ea"/>
+        <a:cs typeface="+mn-cs"/>
+      </a:defRPr>
+    </a:lvl3pPr>
+    <a:lvl4pPr marL="1371600" algn="l" defTabSz="914400" rtl="0" eaLnBrk="1" latinLnBrk="0" hangingPunct="1">
+      <a:defRPr sz="1200" kern="1200">
+        <a:solidFill>
+          <a:schemeClr val="tx1"/>
+        </a:solidFill>
+        <a:latin typeface="+mn-lt"/>
+        <a:ea typeface="+mn-ea"/>
+        <a:cs typeface="+mn-cs"/>
+      </a:defRPr>
+    </a:lvl4pPr>
+    <a:lvl5pPr marL="1828800" algn="l" defTabSz="914400" rtl="0" eaLnBrk="1" latinLnBrk="0" hangingPunct="1">
+      <a:defRPr sz="1200" kern="1200">
+        <a:solidFill>
+          <a:schemeClr val="tx1"/>
+        </a:solidFill>
+        <a:latin typeface="+mn-lt"/>
+        <a:ea typeface="+mn-ea"/>
+        <a:cs typeface="+mn-cs"/>
+      </a:defRPr>
+    </a:lvl5pPr>
+    <a:lvl6pPr marL="2286000" algn="l" defTabSz="914400" rtl="0" eaLnBrk="1" latinLnBrk="0" hangingPunct="1">
+      <a:defRPr sz="1200" kern="1200">
+        <a:solidFill>
+          <a:schemeClr val="tx1"/>
+        </a:solidFill>
+        <a:latin typeface="+mn-lt"/>
+        <a:ea typeface="+mn-ea"/>
+        <a:cs typeface="+mn-cs"/>
+      </a:defRPr>
+    </a:lvl6pPr>
+    <a:lvl7pPr marL="2743200" algn="l" defTabSz="914400" rtl="0" eaLnBrk="1" latinLnBrk="0" hangingPunct="1">
+      <a:defRPr sz="1200" kern="1200">
+        <a:solidFill>
+          <a:schemeClr val="tx1"/>
+        </a:solidFill>
+        <a:latin typeface="+mn-lt"/>
+        <a:ea typeface="+mn-ea"/>
+        <a:cs typeface="+mn-cs"/>
+      </a:defRPr>
+    </a:lvl7pPr>
+    <a:lvl8pPr marL="3200400" algn="l" defTabSz="914400" rtl="0" eaLnBrk="1" latinLnBrk="0" hangingPunct="1">
+      <a:defRPr sz="1200" kern="1200">
+        <a:solidFill>
+          <a:schemeClr val="tx1"/>
+        </a:solidFill>
+        <a:latin typeface="+mn-lt"/>
+        <a:ea typeface="+mn-ea"/>
+        <a:cs typeface="+mn-cs"/>
+      </a:defRPr>
+    </a:lvl8pPr>
+    <a:lvl9pPr marL="3657600" algn="l" defTabSz="914400" rtl="0" eaLnBrk="1" latinLnBrk="0" hangingPunct="1">
+      <a:defRPr sz="1200" kern="1200">
+        <a:solidFill>
+          <a:schemeClr val="tx1"/>
+        </a:solidFill>
+        <a:latin typeface="+mn-lt"/>
+        <a:ea typeface="+mn-ea"/>
+        <a:cs typeface="+mn-cs"/>
+      </a:defRPr>
+    </a:lvl9pPr>
+  </p:notesStyle>
+</p:notesMaster>
+</file>
+
+<file path=ppt/notesSlides/notesSlide1.xml><?xml version="1.0" encoding="utf-8"?>
+<p:notes xmlns:a="http://schemas.openxmlformats.org/drawingml/2006/main" xmlns:r="http://schemas.openxmlformats.org/officeDocument/2006/relationships" xmlns:p="http://schemas.openxmlformats.org/presentationml/2006/main">
+  <p:cSld>
+    <p:spTree>
+      <p:nvGrpSpPr>
+        <p:cNvPr id="1" name=""/>
+        <p:cNvGrpSpPr/>
+        <p:nvPr/>
+      </p:nvGrpSpPr>
+      <p:grpSpPr>
+        <a:xfrm>
+          <a:off x="0" y="0"/>
+          <a:ext cx="0" cy="0"/>
+          <a:chOff x="0" y="0"/>
+          <a:chExt cx="0" cy="0"/>
+        </a:xfrm>
+      </p:grpSpPr>
+      <p:sp>
+        <p:nvSpPr>
+          <p:cNvPr id="2" name="Espace réservé de l'image des diapositives 1"/>
+          <p:cNvSpPr>
+            <a:spLocks noGrp="1" noRot="1" noChangeAspect="1"/>
+          </p:cNvSpPr>
+          <p:nvPr>
+            <p:ph type="sldImg"/>
+          </p:nvPr>
+        </p:nvSpPr>
+        <p:spPr/>
+      </p:sp>
+      <p:sp>
+        <p:nvSpPr>
+          <p:cNvPr id="3" name="Espace réservé des notes 2"/>
+          <p:cNvSpPr>
+            <a:spLocks noGrp="1"/>
+          </p:cNvSpPr>
+          <p:nvPr>
+            <p:ph type="body" idx="1"/>
+          </p:nvPr>
+        </p:nvSpPr>
+        <p:spPr/>
+        <p:txBody>
+          <a:bodyPr/>
+          <a:lstStyle/>
+          <a:p>
+            <a:r>
+              <a:rPr lang="fr-CH" dirty="0" err="1"/>
+              <a:t>Psk</a:t>
+            </a:r>
+            <a:r>
+              <a:rPr lang="fr-CH" dirty="0"/>
+              <a:t> c2c: tout relais ensembles </a:t>
+            </a:r>
+            <a:r>
+              <a:rPr lang="fr-CH" dirty="0" err="1"/>
+              <a:t>etc</a:t>
+            </a:r>
+            <a:r>
+              <a:rPr lang="fr-CH" dirty="0"/>
+              <a:t> </a:t>
+            </a:r>
+          </a:p>
+        </p:txBody>
+      </p:sp>
+      <p:sp>
+        <p:nvSpPr>
+          <p:cNvPr id="4" name="Espace réservé du numéro de diapositive 3"/>
+          <p:cNvSpPr>
+            <a:spLocks noGrp="1"/>
+          </p:cNvSpPr>
+          <p:nvPr>
+            <p:ph type="sldNum" sz="quarter" idx="5"/>
+          </p:nvPr>
+        </p:nvSpPr>
+        <p:spPr/>
+        <p:txBody>
+          <a:bodyPr/>
+          <a:lstStyle/>
+          <a:p>
+            <a:fld id="{9ED9C65F-3587-481F-A796-953F887DAB47}" type="slidenum">
+              <a:rPr lang="fr-CH" smtClean="0"/>
+              <a:t>12</a:t>
+            </a:fld>
+            <a:endParaRPr lang="fr-CH"/>
+          </a:p>
+        </p:txBody>
+      </p:sp>
+    </p:spTree>
+    <p:extLst>
+      <p:ext uri="{BB962C8B-B14F-4D97-AF65-F5344CB8AC3E}">
+        <p14:creationId xmlns:p14="http://schemas.microsoft.com/office/powerpoint/2010/main" val="1806357388"/>
+      </p:ext>
+    </p:extLst>
+  </p:cSld>
+  <p:clrMapOvr>
+    <a:masterClrMapping/>
+  </p:clrMapOvr>
+</p:notes>
 </file>
 
 <file path=ppt/slideLayouts/slideLayout1.xml><?xml version="1.0" encoding="utf-8"?>
@@ -3711,6 +4165,47 @@
           </a:p>
         </p:txBody>
       </p:sp>
+      <p:pic>
+        <p:nvPicPr>
+          <p:cNvPr id="4" name="Image 3">
+            <a:extLst>
+              <a:ext uri="{FF2B5EF4-FFF2-40B4-BE49-F238E27FC236}">
+                <a16:creationId xmlns:a16="http://schemas.microsoft.com/office/drawing/2014/main" id="{0815BF76-F839-1089-4C33-EDF38100FCDC}"/>
+              </a:ext>
+            </a:extLst>
+          </p:cNvPr>
+          <p:cNvPicPr>
+            <a:picLocks noChangeAspect="1"/>
+          </p:cNvPicPr>
+          <p:nvPr/>
+        </p:nvPicPr>
+        <p:blipFill>
+          <a:blip r:embed="rId2">
+            <a:extLst>
+              <a:ext uri="{28A0092B-C50C-407E-A947-70E740481C1C}">
+                <a14:useLocalDpi xmlns:a14="http://schemas.microsoft.com/office/drawing/2010/main" val="0"/>
+              </a:ext>
+            </a:extLst>
+          </a:blip>
+          <a:srcRect r="29349"/>
+          <a:stretch>
+            <a:fillRect/>
+          </a:stretch>
+        </p:blipFill>
+        <p:spPr bwMode="auto">
+          <a:xfrm rot="402362">
+            <a:off x="3918048" y="638203"/>
+            <a:ext cx="2282219" cy="7006590"/>
+          </a:xfrm>
+          <a:prstGeom prst="rect">
+            <a:avLst/>
+          </a:prstGeom>
+          <a:noFill/>
+          <a:ln>
+            <a:noFill/>
+          </a:ln>
+        </p:spPr>
+      </p:pic>
     </p:spTree>
   </p:cSld>
   <p:clrMapOvr>
@@ -4954,7 +5449,7 @@
                   <a:srgbClr val="FFFFFF"/>
                 </a:solidFill>
               </a:rPr>
-              <a:t>Fonctionnalités</a:t>
+              <a:t>Functionalités</a:t>
             </a:r>
             <a:r>
               <a:rPr lang="en-US" sz="3500" dirty="0">
@@ -5034,6 +5529,41 @@
               <a:buFontTx/>
               <a:buChar char="-"/>
             </a:pPr>
+            <a:endParaRPr lang="fr-FR" dirty="0"/>
+          </a:p>
+          <a:p>
+            <a:pPr>
+              <a:buFontTx/>
+              <a:buChar char="-"/>
+            </a:pPr>
+            <a:endParaRPr lang="fr-FR" dirty="0"/>
+          </a:p>
+          <a:p>
+            <a:pPr>
+              <a:buFontTx/>
+              <a:buChar char="-"/>
+            </a:pPr>
+            <a:endParaRPr lang="fr-FR" dirty="0"/>
+          </a:p>
+          <a:p>
+            <a:pPr>
+              <a:buFontTx/>
+              <a:buChar char="-"/>
+            </a:pPr>
+            <a:endParaRPr lang="fr-FR" dirty="0"/>
+          </a:p>
+          <a:p>
+            <a:pPr>
+              <a:buFontTx/>
+              <a:buChar char="-"/>
+            </a:pPr>
+            <a:endParaRPr lang="fr-FR" dirty="0"/>
+          </a:p>
+          <a:p>
+            <a:pPr>
+              <a:buFontTx/>
+              <a:buChar char="-"/>
+            </a:pPr>
             <a:r>
               <a:rPr lang="fr-FR" dirty="0"/>
               <a:t>Capacité RTC inefficace à maintenir tension</a:t>
@@ -5048,6 +5578,88 @@
           </a:p>
         </p:txBody>
       </p:sp>
+      <p:pic>
+        <p:nvPicPr>
+          <p:cNvPr id="3" name="Image 2">
+            <a:extLst>
+              <a:ext uri="{FF2B5EF4-FFF2-40B4-BE49-F238E27FC236}">
+                <a16:creationId xmlns:a16="http://schemas.microsoft.com/office/drawing/2014/main" id="{5B7E8A68-FEFB-8EB1-4B01-0775C82D1A13}"/>
+              </a:ext>
+            </a:extLst>
+          </p:cNvPr>
+          <p:cNvPicPr>
+            <a:picLocks noChangeAspect="1"/>
+          </p:cNvPicPr>
+          <p:nvPr/>
+        </p:nvPicPr>
+        <p:blipFill>
+          <a:blip r:embed="rId2" cstate="print">
+            <a:extLst>
+              <a:ext uri="{28A0092B-C50C-407E-A947-70E740481C1C}">
+                <a14:useLocalDpi xmlns:a14="http://schemas.microsoft.com/office/drawing/2010/main" val="0"/>
+              </a:ext>
+            </a:extLst>
+          </a:blip>
+          <a:srcRect/>
+          <a:stretch>
+            <a:fillRect/>
+          </a:stretch>
+        </p:blipFill>
+        <p:spPr bwMode="auto">
+          <a:xfrm>
+            <a:off x="589783" y="2277120"/>
+            <a:ext cx="3893075" cy="2505819"/>
+          </a:xfrm>
+          <a:prstGeom prst="rect">
+            <a:avLst/>
+          </a:prstGeom>
+          <a:noFill/>
+          <a:ln>
+            <a:noFill/>
+          </a:ln>
+        </p:spPr>
+      </p:pic>
+      <p:pic>
+        <p:nvPicPr>
+          <p:cNvPr id="4" name="Image 3">
+            <a:extLst>
+              <a:ext uri="{FF2B5EF4-FFF2-40B4-BE49-F238E27FC236}">
+                <a16:creationId xmlns:a16="http://schemas.microsoft.com/office/drawing/2014/main" id="{EEBB4932-EC14-D396-455E-441F9FD36F7E}"/>
+              </a:ext>
+            </a:extLst>
+          </p:cNvPr>
+          <p:cNvPicPr>
+            <a:picLocks noChangeAspect="1"/>
+          </p:cNvPicPr>
+          <p:nvPr/>
+        </p:nvPicPr>
+        <p:blipFill>
+          <a:blip r:embed="rId3" cstate="print">
+            <a:extLst>
+              <a:ext uri="{28A0092B-C50C-407E-A947-70E740481C1C}">
+                <a14:useLocalDpi xmlns:a14="http://schemas.microsoft.com/office/drawing/2010/main" val="0"/>
+              </a:ext>
+            </a:extLst>
+          </a:blip>
+          <a:srcRect/>
+          <a:stretch>
+            <a:fillRect/>
+          </a:stretch>
+        </p:blipFill>
+        <p:spPr bwMode="auto">
+          <a:xfrm>
+            <a:off x="4572000" y="2277120"/>
+            <a:ext cx="3893076" cy="2505819"/>
+          </a:xfrm>
+          <a:prstGeom prst="rect">
+            <a:avLst/>
+          </a:prstGeom>
+          <a:noFill/>
+          <a:ln>
+            <a:noFill/>
+          </a:ln>
+        </p:spPr>
+      </p:pic>
     </p:spTree>
     <p:extLst>
       <p:ext uri="{BB962C8B-B14F-4D97-AF65-F5344CB8AC3E}">
@@ -5598,7 +6210,7 @@
             </a:pPr>
             <a:r>
               <a:rPr lang="fr-FR" dirty="0"/>
-              <a:t>Consommation maximale non mesurée</a:t>
+              <a:t>Consommation maximale non mesurée, mais pourquoi ?</a:t>
             </a:r>
           </a:p>
           <a:p>
@@ -5616,6 +6228,21 @@
               </a:rPr>
               <a:t> en fin de présentation </a:t>
             </a:r>
+          </a:p>
+          <a:p>
+            <a:pPr>
+              <a:buFontTx/>
+              <a:buChar char="-"/>
+            </a:pPr>
+            <a:endParaRPr lang="fr-FR" dirty="0">
+              <a:sym typeface="Wingdings" panose="05000000000000000000" pitchFamily="2" charset="2"/>
+            </a:endParaRPr>
+          </a:p>
+          <a:p>
+            <a:pPr>
+              <a:buFontTx/>
+              <a:buChar char="-"/>
+            </a:pPr>
             <a:endParaRPr lang="fr-CH" dirty="0"/>
           </a:p>
         </p:txBody>
@@ -6184,7 +6811,13 @@
             </a:pPr>
             <a:r>
               <a:rPr lang="fr-FR" dirty="0"/>
-              <a:t>Toutes les fonctionnalités ne sont pas intégrées</a:t>
+              <a:t>Toutes les fonctionnalités ne sont pas intégrées </a:t>
+            </a:r>
+            <a:r>
+              <a:rPr lang="fr-FR" dirty="0">
+                <a:sym typeface="Wingdings" panose="05000000000000000000" pitchFamily="2" charset="2"/>
+              </a:rPr>
+              <a:t> BT </a:t>
             </a:r>
             <a:endParaRPr lang="fr-CH" dirty="0"/>
           </a:p>
@@ -7289,19 +7922,20 @@
             </a:pPr>
             <a:r>
               <a:rPr lang="fr-FR" dirty="0"/>
-              <a:t>Apps dédiées pour chaque fonction</a:t>
-            </a:r>
-          </a:p>
-          <a:p>
-            <a:pPr marL="0" indent="0">
-              <a:buNone/>
-            </a:pPr>
-            <a:endParaRPr lang="fr-FR" dirty="0"/>
-          </a:p>
-          <a:p>
-            <a:pPr marL="0" indent="0">
-              <a:buNone/>
-            </a:pPr>
+              <a:t>Apps dédiées pour chaque fonction et mise en relation via </a:t>
+            </a:r>
+            <a:r>
+              <a:rPr lang="fr-FR" dirty="0" err="1"/>
+              <a:t>EventBus</a:t>
+            </a:r>
+            <a:r>
+              <a:rPr lang="fr-FR" dirty="0"/>
+              <a:t> et </a:t>
+            </a:r>
+            <a:r>
+              <a:rPr lang="fr-FR" dirty="0" err="1"/>
+              <a:t>TaskControl</a:t>
+            </a:r>
             <a:endParaRPr lang="fr-FR" dirty="0"/>
           </a:p>
           <a:p>
@@ -7309,26 +7943,51 @@
               <a:buFontTx/>
               <a:buChar char="-"/>
             </a:pPr>
-            <a:r>
-              <a:rPr lang="fr-FR" dirty="0"/>
-              <a:t>Mise en relation via </a:t>
-            </a:r>
-            <a:r>
-              <a:rPr lang="fr-FR" dirty="0" err="1"/>
-              <a:t>EventBus</a:t>
-            </a:r>
-            <a:r>
-              <a:rPr lang="fr-FR" dirty="0"/>
-              <a:t> et </a:t>
-            </a:r>
-            <a:r>
-              <a:rPr lang="fr-FR" dirty="0" err="1"/>
-              <a:t>TaskControl</a:t>
-            </a:r>
             <a:endParaRPr lang="fr-FR" dirty="0"/>
           </a:p>
         </p:txBody>
       </p:sp>
+      <p:pic>
+        <p:nvPicPr>
+          <p:cNvPr id="9" name="Image 8">
+            <a:extLst>
+              <a:ext uri="{FF2B5EF4-FFF2-40B4-BE49-F238E27FC236}">
+                <a16:creationId xmlns:a16="http://schemas.microsoft.com/office/drawing/2014/main" id="{916A5FB2-E18A-2220-5F75-785EF71D12B5}"/>
+              </a:ext>
+            </a:extLst>
+          </p:cNvPr>
+          <p:cNvPicPr>
+            <a:picLocks noChangeAspect="1"/>
+          </p:cNvPicPr>
+          <p:nvPr/>
+        </p:nvPicPr>
+        <p:blipFill>
+          <a:blip r:embed="rId2" cstate="print">
+            <a:extLst>
+              <a:ext uri="{28A0092B-C50C-407E-A947-70E740481C1C}">
+                <a14:useLocalDpi xmlns:a14="http://schemas.microsoft.com/office/drawing/2010/main" val="0"/>
+              </a:ext>
+            </a:extLst>
+          </a:blip>
+          <a:srcRect/>
+          <a:stretch>
+            <a:fillRect/>
+          </a:stretch>
+        </p:blipFill>
+        <p:spPr bwMode="auto">
+          <a:xfrm>
+            <a:off x="1010353" y="3101009"/>
+            <a:ext cx="6486047" cy="2554619"/>
+          </a:xfrm>
+          <a:prstGeom prst="rect">
+            <a:avLst/>
+          </a:prstGeom>
+          <a:noFill/>
+          <a:ln>
+            <a:noFill/>
+          </a:ln>
+        </p:spPr>
+      </p:pic>
     </p:spTree>
     <p:extLst>
       <p:ext uri="{BB962C8B-B14F-4D97-AF65-F5344CB8AC3E}">
@@ -9026,7 +9685,7 @@
             </a:pPr>
             <a:r>
               <a:rPr lang="fr-FR" dirty="0"/>
-              <a:t>Amélioration menu</a:t>
+              <a:t>Amélioration  du menu</a:t>
             </a:r>
           </a:p>
           <a:p>
@@ -9086,23 +9745,9 @@
 <file path=ppt/slides/slide19.xml><?xml version="1.0" encoding="utf-8"?>
 <p:sld xmlns:a="http://schemas.openxmlformats.org/drawingml/2006/main" xmlns:r="http://schemas.openxmlformats.org/officeDocument/2006/relationships" xmlns:p="http://schemas.openxmlformats.org/presentationml/2006/main">
   <p:cSld>
-    <p:bg>
-      <p:bgPr>
-        <a:solidFill>
-          <a:schemeClr val="bg1"/>
-        </a:solidFill>
-        <a:effectLst/>
-      </p:bgPr>
-    </p:bg>
     <p:spTree>
       <p:nvGrpSpPr>
-        <p:cNvPr id="1" name="">
-          <a:extLst>
-            <a:ext uri="{FF2B5EF4-FFF2-40B4-BE49-F238E27FC236}">
-              <a16:creationId xmlns:a16="http://schemas.microsoft.com/office/drawing/2014/main" id="{5E34365C-04D0-8F76-E3F0-A2EDAA49605F}"/>
-            </a:ext>
-          </a:extLst>
-        </p:cNvPr>
+        <p:cNvPr id="1" name=""/>
         <p:cNvGrpSpPr/>
         <p:nvPr/>
       </p:nvGrpSpPr>
@@ -9114,550 +9759,63 @@
           <a:chExt cx="0" cy="0"/>
         </a:xfrm>
       </p:grpSpPr>
-      <p:sp useBgFill="1">
-        <p:nvSpPr>
-          <p:cNvPr id="1035" name="Rectangle 1034">
+      <p:pic>
+        <p:nvPicPr>
+          <p:cNvPr id="3076" name="Picture 4" descr="PlantUML diagram">
             <a:extLst>
               <a:ext uri="{FF2B5EF4-FFF2-40B4-BE49-F238E27FC236}">
-                <a16:creationId xmlns:a16="http://schemas.microsoft.com/office/drawing/2014/main" id="{7AE3B9B3-2048-9D89-71AD-05F036EC9BCC}"/>
-              </a:ext>
-              <a:ext uri="{C183D7F6-B498-43B3-948B-1728B52AA6E4}">
-                <adec:decorative xmlns:adec="http://schemas.microsoft.com/office/drawing/2017/decorative" val="1"/>
+                <a16:creationId xmlns:a16="http://schemas.microsoft.com/office/drawing/2014/main" id="{9EBBB912-858A-E41C-574D-62A89B5F29B7}"/>
               </a:ext>
             </a:extLst>
           </p:cNvPr>
-          <p:cNvSpPr>
-            <a:spLocks noGrp="1" noRot="1" noChangeAspect="1" noMove="1" noResize="1" noEditPoints="1" noAdjustHandles="1" noChangeArrowheads="1" noChangeShapeType="1" noTextEdit="1"/>
-          </p:cNvSpPr>
-          <p:nvPr>
-            <p:extLst>
-              <p:ext uri="{386F3935-93C4-4BCD-93E2-E3B085C9AB24}">
-                <p16:designElem xmlns:p16="http://schemas.microsoft.com/office/powerpoint/2015/main" val="1"/>
-              </p:ext>
-            </p:extLst>
-          </p:nvPr>
-        </p:nvSpPr>
-        <p:spPr>
+          <p:cNvPicPr>
+            <a:picLocks noChangeAspect="1" noChangeArrowheads="1"/>
+          </p:cNvPicPr>
+          <p:nvPr/>
+        </p:nvPicPr>
+        <p:blipFill>
+          <a:blip r:embed="rId2">
+            <a:extLst>
+              <a:ext uri="{28A0092B-C50C-407E-A947-70E740481C1C}">
+                <a14:useLocalDpi xmlns:a14="http://schemas.microsoft.com/office/drawing/2010/main" val="0"/>
+              </a:ext>
+            </a:extLst>
+          </a:blip>
+          <a:srcRect/>
+          <a:stretch>
+            <a:fillRect/>
+          </a:stretch>
+        </p:blipFill>
+        <p:spPr bwMode="auto">
           <a:xfrm>
-            <a:off x="0" y="0"/>
-            <a:ext cx="9144000" cy="6858000"/>
+            <a:off x="0" y="1169001"/>
+            <a:ext cx="9144000" cy="3976687"/>
           </a:xfrm>
           <a:prstGeom prst="rect">
             <a:avLst/>
           </a:prstGeom>
-          <a:ln w="12700" cap="flat" cmpd="sng" algn="ctr">
-            <a:noFill/>
-            <a:prstDash val="solid"/>
-            <a:miter lim="800000"/>
-          </a:ln>
-          <a:effectLst/>
+          <a:noFill/>
           <a:extLst>
-            <a:ext uri="{91240B29-F687-4F45-9708-019B960494DF}">
-              <a14:hiddenLine xmlns:a14="http://schemas.microsoft.com/office/drawing/2010/main" w="12700" cap="flat" cmpd="sng" algn="ctr">
+            <a:ext uri="{909E8E84-426E-40DD-AFC4-6F175D3DCCD1}">
+              <a14:hiddenFill xmlns:a14="http://schemas.microsoft.com/office/drawing/2010/main">
                 <a:solidFill>
-                  <a:schemeClr val="accent1">
-                    <a:shade val="50000"/>
-                  </a:schemeClr>
+                  <a:srgbClr val="FFFFFF"/>
                 </a:solidFill>
-                <a:prstDash val="solid"/>
-                <a:miter lim="800000"/>
-              </a14:hiddenLine>
+              </a14:hiddenFill>
             </a:ext>
           </a:extLst>
         </p:spPr>
-        <p:style>
-          <a:lnRef idx="2">
-            <a:schemeClr val="accent1">
-              <a:shade val="50000"/>
-            </a:schemeClr>
-          </a:lnRef>
-          <a:fillRef idx="1">
-            <a:schemeClr val="accent1"/>
-          </a:fillRef>
-          <a:effectRef idx="0">
-            <a:schemeClr val="accent1"/>
-          </a:effectRef>
-          <a:fontRef idx="minor">
-            <a:schemeClr val="lt1"/>
-          </a:fontRef>
-        </p:style>
-        <p:txBody>
-          <a:bodyPr rtlCol="0" anchor="ctr"/>
-          <a:lstStyle/>
-          <a:p>
-            <a:pPr algn="ctr"/>
-            <a:endParaRPr lang="en-US" sz="2000"/>
-          </a:p>
-        </p:txBody>
-      </p:sp>
-      <p:sp>
-        <p:nvSpPr>
-          <p:cNvPr id="1037" name="Rectangle 1036">
-            <a:extLst>
-              <a:ext uri="{FF2B5EF4-FFF2-40B4-BE49-F238E27FC236}">
-                <a16:creationId xmlns:a16="http://schemas.microsoft.com/office/drawing/2014/main" id="{99E603C5-3CB4-A0DF-3758-002DFEAE28F3}"/>
-              </a:ext>
-              <a:ext uri="{C183D7F6-B498-43B3-948B-1728B52AA6E4}">
-                <adec:decorative xmlns:adec="http://schemas.microsoft.com/office/drawing/2017/decorative" val="1"/>
-              </a:ext>
-            </a:extLst>
-          </p:cNvPr>
-          <p:cNvSpPr>
-            <a:spLocks noGrp="1" noRot="1" noChangeAspect="1" noMove="1" noResize="1" noEditPoints="1" noAdjustHandles="1" noChangeArrowheads="1" noChangeShapeType="1" noTextEdit="1"/>
-          </p:cNvSpPr>
-          <p:nvPr>
-            <p:extLst>
-              <p:ext uri="{386F3935-93C4-4BCD-93E2-E3B085C9AB24}">
-                <p16:designElem xmlns:p16="http://schemas.microsoft.com/office/powerpoint/2015/main" val="1"/>
-              </p:ext>
-            </p:extLst>
-          </p:nvPr>
-        </p:nvSpPr>
-        <p:spPr>
-          <a:xfrm flipH="1">
-            <a:off x="1" y="492"/>
-            <a:ext cx="9143999" cy="1575955"/>
-          </a:xfrm>
-          <a:prstGeom prst="rect">
-            <a:avLst/>
-          </a:prstGeom>
-          <a:gradFill>
-            <a:gsLst>
-              <a:gs pos="0">
-                <a:schemeClr val="accent1">
-                  <a:lumMod val="50000"/>
-                </a:schemeClr>
-              </a:gs>
-              <a:gs pos="100000">
-                <a:schemeClr val="accent1">
-                  <a:lumMod val="75000"/>
-                </a:schemeClr>
-              </a:gs>
-            </a:gsLst>
-            <a:lin ang="8400000" scaled="0"/>
-          </a:gradFill>
-          <a:ln>
-            <a:noFill/>
-          </a:ln>
-        </p:spPr>
-        <p:style>
-          <a:lnRef idx="2">
-            <a:schemeClr val="accent1">
-              <a:shade val="50000"/>
-            </a:schemeClr>
-          </a:lnRef>
-          <a:fillRef idx="1">
-            <a:schemeClr val="accent1"/>
-          </a:fillRef>
-          <a:effectRef idx="0">
-            <a:schemeClr val="accent1"/>
-          </a:effectRef>
-          <a:fontRef idx="minor">
-            <a:schemeClr val="lt1"/>
-          </a:fontRef>
-        </p:style>
-        <p:txBody>
-          <a:bodyPr rtlCol="0" anchor="ctr"/>
-          <a:lstStyle/>
-          <a:p>
-            <a:pPr algn="ctr"/>
-            <a:endParaRPr lang="en-US"/>
-          </a:p>
-        </p:txBody>
-      </p:sp>
-      <p:sp>
-        <p:nvSpPr>
-          <p:cNvPr id="1039" name="Rectangle 1038">
-            <a:extLst>
-              <a:ext uri="{FF2B5EF4-FFF2-40B4-BE49-F238E27FC236}">
-                <a16:creationId xmlns:a16="http://schemas.microsoft.com/office/drawing/2014/main" id="{3BA5BE80-DCB6-D96D-B3F8-CB39C4030E49}"/>
-              </a:ext>
-              <a:ext uri="{C183D7F6-B498-43B3-948B-1728B52AA6E4}">
-                <adec:decorative xmlns:adec="http://schemas.microsoft.com/office/drawing/2017/decorative" val="1"/>
-              </a:ext>
-            </a:extLst>
-          </p:cNvPr>
-          <p:cNvSpPr>
-            <a:spLocks noGrp="1" noRot="1" noChangeAspect="1" noMove="1" noResize="1" noEditPoints="1" noAdjustHandles="1" noChangeArrowheads="1" noChangeShapeType="1" noTextEdit="1"/>
-          </p:cNvSpPr>
-          <p:nvPr>
-            <p:extLst>
-              <p:ext uri="{386F3935-93C4-4BCD-93E2-E3B085C9AB24}">
-                <p16:designElem xmlns:p16="http://schemas.microsoft.com/office/powerpoint/2015/main" val="1"/>
-              </p:ext>
-            </p:extLst>
-          </p:nvPr>
-        </p:nvSpPr>
-        <p:spPr>
-          <a:xfrm rot="10800000" flipH="1">
-            <a:off x="6096642" y="35"/>
-            <a:ext cx="3047358" cy="1576412"/>
-          </a:xfrm>
-          <a:prstGeom prst="rect">
-            <a:avLst/>
-          </a:prstGeom>
-          <a:gradFill>
-            <a:gsLst>
-              <a:gs pos="19000">
-                <a:schemeClr val="accent1">
-                  <a:lumMod val="50000"/>
-                  <a:alpha val="68000"/>
-                </a:schemeClr>
-              </a:gs>
-              <a:gs pos="100000">
-                <a:schemeClr val="accent1">
-                  <a:alpha val="79000"/>
-                </a:schemeClr>
-              </a:gs>
-            </a:gsLst>
-            <a:lin ang="19200000" scaled="0"/>
-          </a:gradFill>
-          <a:ln>
-            <a:noFill/>
-          </a:ln>
-        </p:spPr>
-        <p:style>
-          <a:lnRef idx="2">
-            <a:schemeClr val="accent1">
-              <a:shade val="50000"/>
-            </a:schemeClr>
-          </a:lnRef>
-          <a:fillRef idx="1">
-            <a:schemeClr val="accent1"/>
-          </a:fillRef>
-          <a:effectRef idx="0">
-            <a:schemeClr val="accent1"/>
-          </a:effectRef>
-          <a:fontRef idx="minor">
-            <a:schemeClr val="lt1"/>
-          </a:fontRef>
-        </p:style>
-        <p:txBody>
-          <a:bodyPr rtlCol="0" anchor="ctr"/>
-          <a:lstStyle/>
-          <a:p>
-            <a:pPr algn="ctr"/>
-            <a:endParaRPr lang="en-US"/>
-          </a:p>
-        </p:txBody>
-      </p:sp>
-      <p:sp>
-        <p:nvSpPr>
-          <p:cNvPr id="1041" name="Rectangle 1040">
-            <a:extLst>
-              <a:ext uri="{FF2B5EF4-FFF2-40B4-BE49-F238E27FC236}">
-                <a16:creationId xmlns:a16="http://schemas.microsoft.com/office/drawing/2014/main" id="{E2F3A6A6-C4AC-114F-DC1D-67DA4EAC15F7}"/>
-              </a:ext>
-              <a:ext uri="{C183D7F6-B498-43B3-948B-1728B52AA6E4}">
-                <adec:decorative xmlns:adec="http://schemas.microsoft.com/office/drawing/2017/decorative" val="1"/>
-              </a:ext>
-            </a:extLst>
-          </p:cNvPr>
-          <p:cNvSpPr>
-            <a:spLocks noGrp="1" noRot="1" noChangeAspect="1" noMove="1" noResize="1" noEditPoints="1" noAdjustHandles="1" noChangeArrowheads="1" noChangeShapeType="1" noTextEdit="1"/>
-          </p:cNvSpPr>
-          <p:nvPr>
-            <p:extLst>
-              <p:ext uri="{386F3935-93C4-4BCD-93E2-E3B085C9AB24}">
-                <p16:designElem xmlns:p16="http://schemas.microsoft.com/office/powerpoint/2015/main" val="1"/>
-              </p:ext>
-            </p:extLst>
-          </p:nvPr>
-        </p:nvSpPr>
-        <p:spPr>
-          <a:xfrm rot="5400000">
-            <a:off x="3783778" y="-3783777"/>
-            <a:ext cx="1576446" cy="9144001"/>
-          </a:xfrm>
-          <a:prstGeom prst="rect">
-            <a:avLst/>
-          </a:prstGeom>
-          <a:gradFill>
-            <a:gsLst>
-              <a:gs pos="16000">
-                <a:srgbClr val="000000">
-                  <a:alpha val="0"/>
-                </a:srgbClr>
-              </a:gs>
-              <a:gs pos="99000">
-                <a:srgbClr val="000000">
-                  <a:alpha val="87000"/>
-                </a:srgbClr>
-              </a:gs>
-            </a:gsLst>
-            <a:lin ang="11400000" scaled="0"/>
-          </a:gradFill>
-          <a:ln>
-            <a:noFill/>
-          </a:ln>
-        </p:spPr>
-        <p:style>
-          <a:lnRef idx="2">
-            <a:schemeClr val="accent1">
-              <a:shade val="50000"/>
-            </a:schemeClr>
-          </a:lnRef>
-          <a:fillRef idx="1">
-            <a:schemeClr val="accent1"/>
-          </a:fillRef>
-          <a:effectRef idx="0">
-            <a:schemeClr val="accent1"/>
-          </a:effectRef>
-          <a:fontRef idx="minor">
-            <a:schemeClr val="lt1"/>
-          </a:fontRef>
-        </p:style>
-        <p:txBody>
-          <a:bodyPr rtlCol="0" anchor="ctr"/>
-          <a:lstStyle/>
-          <a:p>
-            <a:pPr algn="ctr"/>
-            <a:endParaRPr lang="en-US" dirty="0"/>
-          </a:p>
-        </p:txBody>
-      </p:sp>
-      <p:sp>
-        <p:nvSpPr>
-          <p:cNvPr id="1043" name="Rectangle 1042">
-            <a:extLst>
-              <a:ext uri="{FF2B5EF4-FFF2-40B4-BE49-F238E27FC236}">
-                <a16:creationId xmlns:a16="http://schemas.microsoft.com/office/drawing/2014/main" id="{DEFF5F3A-710D-4400-A5E0-7835221B98BA}"/>
-              </a:ext>
-              <a:ext uri="{C183D7F6-B498-43B3-948B-1728B52AA6E4}">
-                <adec:decorative xmlns:adec="http://schemas.microsoft.com/office/drawing/2017/decorative" val="1"/>
-              </a:ext>
-            </a:extLst>
-          </p:cNvPr>
-          <p:cNvSpPr>
-            <a:spLocks noGrp="1" noRot="1" noChangeAspect="1" noMove="1" noResize="1" noEditPoints="1" noAdjustHandles="1" noChangeArrowheads="1" noChangeShapeType="1" noTextEdit="1"/>
-          </p:cNvSpPr>
-          <p:nvPr>
-            <p:extLst>
-              <p:ext uri="{386F3935-93C4-4BCD-93E2-E3B085C9AB24}">
-                <p16:designElem xmlns:p16="http://schemas.microsoft.com/office/powerpoint/2015/main" val="1"/>
-              </p:ext>
-            </p:extLst>
-          </p:nvPr>
-        </p:nvSpPr>
-        <p:spPr>
-          <a:xfrm>
-            <a:off x="2869075" y="986"/>
-            <a:ext cx="3227567" cy="1575461"/>
-          </a:xfrm>
-          <a:prstGeom prst="rect">
-            <a:avLst/>
-          </a:prstGeom>
-          <a:gradFill>
-            <a:gsLst>
-              <a:gs pos="0">
-                <a:schemeClr val="accent1">
-                  <a:alpha val="17000"/>
-                </a:schemeClr>
-              </a:gs>
-              <a:gs pos="74000">
-                <a:schemeClr val="accent1">
-                  <a:lumMod val="50000"/>
-                  <a:alpha val="0"/>
-                </a:schemeClr>
-              </a:gs>
-            </a:gsLst>
-            <a:lin ang="14400000" scaled="0"/>
-          </a:gradFill>
-          <a:ln>
-            <a:noFill/>
-          </a:ln>
-        </p:spPr>
-        <p:style>
-          <a:lnRef idx="2">
-            <a:schemeClr val="accent1">
-              <a:shade val="50000"/>
-            </a:schemeClr>
-          </a:lnRef>
-          <a:fillRef idx="1">
-            <a:schemeClr val="accent1"/>
-          </a:fillRef>
-          <a:effectRef idx="0">
-            <a:schemeClr val="accent1"/>
-          </a:effectRef>
-          <a:fontRef idx="minor">
-            <a:schemeClr val="lt1"/>
-          </a:fontRef>
-        </p:style>
-        <p:txBody>
-          <a:bodyPr rtlCol="0" anchor="ctr"/>
-          <a:lstStyle/>
-          <a:p>
-            <a:pPr algn="ctr"/>
-            <a:endParaRPr lang="en-US"/>
-          </a:p>
-        </p:txBody>
-      </p:sp>
-      <p:sp>
-        <p:nvSpPr>
-          <p:cNvPr id="2" name="Title 1">
-            <a:extLst>
-              <a:ext uri="{FF2B5EF4-FFF2-40B4-BE49-F238E27FC236}">
-                <a16:creationId xmlns:a16="http://schemas.microsoft.com/office/drawing/2014/main" id="{AF93B9F2-A6B0-6885-49F0-8D2582C173FD}"/>
-              </a:ext>
-            </a:extLst>
-          </p:cNvPr>
-          <p:cNvSpPr>
-            <a:spLocks noGrp="1"/>
-          </p:cNvSpPr>
-          <p:nvPr>
-            <p:ph type="title"/>
-          </p:nvPr>
-        </p:nvSpPr>
-        <p:spPr>
-          <a:xfrm>
-            <a:off x="524785" y="353160"/>
-            <a:ext cx="5318475" cy="898581"/>
-          </a:xfrm>
-        </p:spPr>
-        <p:txBody>
-          <a:bodyPr vert="horz" lIns="91440" tIns="45720" rIns="91440" bIns="45720" rtlCol="0" anchor="ctr">
-            <a:normAutofit fontScale="90000"/>
-          </a:bodyPr>
-          <a:lstStyle/>
-          <a:p>
-            <a:pPr algn="l" defTabSz="914400">
-              <a:lnSpc>
-                <a:spcPct val="90000"/>
-              </a:lnSpc>
-            </a:pPr>
-            <a:r>
-              <a:rPr lang="en-US" sz="3500" dirty="0">
-                <a:solidFill>
-                  <a:srgbClr val="FFFFFF"/>
-                </a:solidFill>
-              </a:rPr>
-              <a:t>4. Fait </a:t>
-            </a:r>
-            <a:r>
-              <a:rPr lang="en-US" sz="3500" dirty="0" err="1">
-                <a:solidFill>
-                  <a:srgbClr val="FFFFFF"/>
-                </a:solidFill>
-              </a:rPr>
-              <a:t>depuis</a:t>
-            </a:r>
-            <a:r>
-              <a:rPr lang="en-US" sz="3500" dirty="0">
-                <a:solidFill>
-                  <a:srgbClr val="FFFFFF"/>
-                </a:solidFill>
-              </a:rPr>
-              <a:t> le </a:t>
-            </a:r>
-            <a:r>
-              <a:rPr lang="en-US" sz="3500" dirty="0" err="1">
-                <a:solidFill>
-                  <a:srgbClr val="FFFFFF"/>
-                </a:solidFill>
-              </a:rPr>
-              <a:t>rendu</a:t>
-            </a:r>
-            <a:r>
-              <a:rPr lang="en-US" sz="3500" dirty="0">
-                <a:solidFill>
-                  <a:srgbClr val="FFFFFF"/>
-                </a:solidFill>
-              </a:rPr>
-              <a:t> – Comparation des </a:t>
-            </a:r>
-            <a:r>
-              <a:rPr lang="en-US" sz="3500" dirty="0" err="1">
-                <a:solidFill>
-                  <a:srgbClr val="FFFFFF"/>
-                </a:solidFill>
-              </a:rPr>
-              <a:t>couts</a:t>
-            </a:r>
-            <a:endParaRPr lang="en-US" sz="3500" dirty="0">
-              <a:solidFill>
-                <a:srgbClr val="FFFFFF"/>
-              </a:solidFill>
-            </a:endParaRPr>
-          </a:p>
-        </p:txBody>
-      </p:sp>
-      <p:sp>
-        <p:nvSpPr>
-          <p:cNvPr id="8" name="Espace réservé du contenu 7">
-            <a:extLst>
-              <a:ext uri="{FF2B5EF4-FFF2-40B4-BE49-F238E27FC236}">
-                <a16:creationId xmlns:a16="http://schemas.microsoft.com/office/drawing/2014/main" id="{9FCE6E9D-E013-23AB-F01E-4E49640F1807}"/>
-              </a:ext>
-            </a:extLst>
-          </p:cNvPr>
-          <p:cNvSpPr>
-            <a:spLocks noGrp="1"/>
-          </p:cNvSpPr>
-          <p:nvPr>
-            <p:ph idx="1"/>
-          </p:nvPr>
-        </p:nvSpPr>
-        <p:spPr/>
-        <p:txBody>
-          <a:bodyPr>
-            <a:normAutofit/>
-          </a:bodyPr>
-          <a:lstStyle/>
-          <a:p>
-            <a:pPr marL="0" indent="0">
-              <a:buNone/>
-            </a:pPr>
-            <a:r>
-              <a:rPr lang="fr-FR" dirty="0"/>
-              <a:t>Prévision: </a:t>
-            </a:r>
-          </a:p>
-          <a:p>
-            <a:pPr marL="0" indent="0">
-              <a:buNone/>
-            </a:pPr>
-            <a:endParaRPr lang="fr-FR" dirty="0"/>
-          </a:p>
-          <a:p>
-            <a:pPr marL="0" indent="0">
-              <a:buNone/>
-            </a:pPr>
-            <a:endParaRPr lang="fr-FR" dirty="0"/>
-          </a:p>
-          <a:p>
-            <a:pPr marL="0" indent="0">
-              <a:buNone/>
-            </a:pPr>
-            <a:r>
-              <a:rPr lang="fr-FR"/>
-              <a:t>Réel:  </a:t>
-            </a:r>
-            <a:endParaRPr lang="fr-FR" dirty="0"/>
-          </a:p>
-        </p:txBody>
-      </p:sp>
+      </p:pic>
     </p:spTree>
     <p:extLst>
       <p:ext uri="{BB962C8B-B14F-4D97-AF65-F5344CB8AC3E}">
-        <p14:creationId xmlns:p14="http://schemas.microsoft.com/office/powerpoint/2010/main" val="3946527455"/>
+        <p14:creationId xmlns:p14="http://schemas.microsoft.com/office/powerpoint/2010/main" val="1783110142"/>
       </p:ext>
     </p:extLst>
   </p:cSld>
   <p:clrMapOvr>
     <a:masterClrMapping/>
   </p:clrMapOvr>
-  <mc:AlternateContent xmlns:mc="http://schemas.openxmlformats.org/markup-compatibility/2006">
-    <mc:Choice xmlns:p14="http://schemas.microsoft.com/office/powerpoint/2010/main" Requires="p14">
-      <p:transition spd="slow" p14:dur="1600">
-        <p14:conveyor dir="l"/>
-      </p:transition>
-    </mc:Choice>
-    <mc:Fallback>
-      <p:transition spd="slow">
-        <p:fade/>
-      </p:transition>
-    </mc:Fallback>
-  </mc:AlternateContent>
 </p:sld>
 </file>
 
@@ -10900,6 +11058,89 @@
 <file path=ppt/slides/slide20.xml><?xml version="1.0" encoding="utf-8"?>
 <p:sld xmlns:a="http://schemas.openxmlformats.org/drawingml/2006/main" xmlns:r="http://schemas.openxmlformats.org/officeDocument/2006/relationships" xmlns:p="http://schemas.openxmlformats.org/presentationml/2006/main">
   <p:cSld>
+    <p:spTree>
+      <p:nvGrpSpPr>
+        <p:cNvPr id="1" name="">
+          <a:extLst>
+            <a:ext uri="{FF2B5EF4-FFF2-40B4-BE49-F238E27FC236}">
+              <a16:creationId xmlns:a16="http://schemas.microsoft.com/office/drawing/2014/main" id="{CD026ADC-A2BA-D96F-E98B-BE96B4B41368}"/>
+            </a:ext>
+          </a:extLst>
+        </p:cNvPr>
+        <p:cNvGrpSpPr/>
+        <p:nvPr/>
+      </p:nvGrpSpPr>
+      <p:grpSpPr>
+        <a:xfrm>
+          <a:off x="0" y="0"/>
+          <a:ext cx="0" cy="0"/>
+          <a:chOff x="0" y="0"/>
+          <a:chExt cx="0" cy="0"/>
+        </a:xfrm>
+      </p:grpSpPr>
+      <p:pic>
+        <p:nvPicPr>
+          <p:cNvPr id="8194" name="Picture 2" descr="PlantUML diagram">
+            <a:extLst>
+              <a:ext uri="{FF2B5EF4-FFF2-40B4-BE49-F238E27FC236}">
+                <a16:creationId xmlns:a16="http://schemas.microsoft.com/office/drawing/2014/main" id="{8D880815-71EE-50CE-8A9F-CFA7CF0D882B}"/>
+              </a:ext>
+            </a:extLst>
+          </p:cNvPr>
+          <p:cNvPicPr>
+            <a:picLocks noChangeAspect="1" noChangeArrowheads="1"/>
+          </p:cNvPicPr>
+          <p:nvPr/>
+        </p:nvPicPr>
+        <p:blipFill>
+          <a:blip r:embed="rId2">
+            <a:extLst>
+              <a:ext uri="{28A0092B-C50C-407E-A947-70E740481C1C}">
+                <a14:useLocalDpi xmlns:a14="http://schemas.microsoft.com/office/drawing/2010/main" val="0"/>
+              </a:ext>
+            </a:extLst>
+          </a:blip>
+          <a:srcRect/>
+          <a:stretch>
+            <a:fillRect/>
+          </a:stretch>
+        </p:blipFill>
+        <p:spPr bwMode="auto">
+          <a:xfrm>
+            <a:off x="0" y="1575035"/>
+            <a:ext cx="9144000" cy="3976687"/>
+          </a:xfrm>
+          <a:prstGeom prst="rect">
+            <a:avLst/>
+          </a:prstGeom>
+          <a:noFill/>
+          <a:extLst>
+            <a:ext uri="{909E8E84-426E-40DD-AFC4-6F175D3DCCD1}">
+              <a14:hiddenFill xmlns:a14="http://schemas.microsoft.com/office/drawing/2010/main">
+                <a:solidFill>
+                  <a:srgbClr val="FFFFFF"/>
+                </a:solidFill>
+              </a14:hiddenFill>
+            </a:ext>
+          </a:extLst>
+        </p:spPr>
+      </p:pic>
+    </p:spTree>
+    <p:extLst>
+      <p:ext uri="{BB962C8B-B14F-4D97-AF65-F5344CB8AC3E}">
+        <p14:creationId xmlns:p14="http://schemas.microsoft.com/office/powerpoint/2010/main" val="332336919"/>
+      </p:ext>
+    </p:extLst>
+  </p:cSld>
+  <p:clrMapOvr>
+    <a:masterClrMapping/>
+  </p:clrMapOvr>
+</p:sld>
+</file>
+
+<file path=ppt/slides/slide21.xml><?xml version="1.0" encoding="utf-8"?>
+<p:sld xmlns:a="http://schemas.openxmlformats.org/drawingml/2006/main" xmlns:r="http://schemas.openxmlformats.org/officeDocument/2006/relationships" xmlns:p="http://schemas.openxmlformats.org/presentationml/2006/main">
+  <p:cSld>
     <p:bg>
       <p:bgPr>
         <a:solidFill>
@@ -10913,7 +11154,7 @@
         <p:cNvPr id="1" name="">
           <a:extLst>
             <a:ext uri="{FF2B5EF4-FFF2-40B4-BE49-F238E27FC236}">
-              <a16:creationId xmlns:a16="http://schemas.microsoft.com/office/drawing/2014/main" id="{E51554BB-BBF7-AFD6-A22C-5D3B18882B5F}"/>
+              <a16:creationId xmlns:a16="http://schemas.microsoft.com/office/drawing/2014/main" id="{5E34365C-04D0-8F76-E3F0-A2EDAA49605F}"/>
             </a:ext>
           </a:extLst>
         </p:cNvPr>
@@ -10933,7 +11174,7 @@
           <p:cNvPr id="1035" name="Rectangle 1034">
             <a:extLst>
               <a:ext uri="{FF2B5EF4-FFF2-40B4-BE49-F238E27FC236}">
-                <a16:creationId xmlns:a16="http://schemas.microsoft.com/office/drawing/2014/main" id="{C2861635-532E-3028-B5DB-E49994887F0A}"/>
+                <a16:creationId xmlns:a16="http://schemas.microsoft.com/office/drawing/2014/main" id="{7AE3B9B3-2048-9D89-71AD-05F036EC9BCC}"/>
               </a:ext>
               <a:ext uri="{C183D7F6-B498-43B3-948B-1728B52AA6E4}">
                 <adec:decorative xmlns:adec="http://schemas.microsoft.com/office/drawing/2017/decorative" val="1"/>
@@ -11009,7 +11250,7 @@
           <p:cNvPr id="1037" name="Rectangle 1036">
             <a:extLst>
               <a:ext uri="{FF2B5EF4-FFF2-40B4-BE49-F238E27FC236}">
-                <a16:creationId xmlns:a16="http://schemas.microsoft.com/office/drawing/2014/main" id="{64CA2076-0D2C-C652-5944-431730314F9A}"/>
+                <a16:creationId xmlns:a16="http://schemas.microsoft.com/office/drawing/2014/main" id="{99E603C5-3CB4-A0DF-3758-002DFEAE28F3}"/>
               </a:ext>
               <a:ext uri="{C183D7F6-B498-43B3-948B-1728B52AA6E4}">
                 <adec:decorative xmlns:adec="http://schemas.microsoft.com/office/drawing/2017/decorative" val="1"/>
@@ -11084,7 +11325,7 @@
           <p:cNvPr id="1039" name="Rectangle 1038">
             <a:extLst>
               <a:ext uri="{FF2B5EF4-FFF2-40B4-BE49-F238E27FC236}">
-                <a16:creationId xmlns:a16="http://schemas.microsoft.com/office/drawing/2014/main" id="{EF0A1981-D5A2-0699-A6B4-5A03DF8CF403}"/>
+                <a16:creationId xmlns:a16="http://schemas.microsoft.com/office/drawing/2014/main" id="{3BA5BE80-DCB6-D96D-B3F8-CB39C4030E49}"/>
               </a:ext>
               <a:ext uri="{C183D7F6-B498-43B3-948B-1728B52AA6E4}">
                 <adec:decorative xmlns:adec="http://schemas.microsoft.com/office/drawing/2017/decorative" val="1"/>
@@ -11160,7 +11401,7 @@
           <p:cNvPr id="1041" name="Rectangle 1040">
             <a:extLst>
               <a:ext uri="{FF2B5EF4-FFF2-40B4-BE49-F238E27FC236}">
-                <a16:creationId xmlns:a16="http://schemas.microsoft.com/office/drawing/2014/main" id="{870376F0-19E5-C0A7-27F7-11A545B6C6A2}"/>
+                <a16:creationId xmlns:a16="http://schemas.microsoft.com/office/drawing/2014/main" id="{E2F3A6A6-C4AC-114F-DC1D-67DA4EAC15F7}"/>
               </a:ext>
               <a:ext uri="{C183D7F6-B498-43B3-948B-1728B52AA6E4}">
                 <adec:decorative xmlns:adec="http://schemas.microsoft.com/office/drawing/2017/decorative" val="1"/>
@@ -11235,7 +11476,7 @@
           <p:cNvPr id="1043" name="Rectangle 1042">
             <a:extLst>
               <a:ext uri="{FF2B5EF4-FFF2-40B4-BE49-F238E27FC236}">
-                <a16:creationId xmlns:a16="http://schemas.microsoft.com/office/drawing/2014/main" id="{3A7C18DD-6C91-E793-55F5-E6262AD2ECC6}"/>
+                <a16:creationId xmlns:a16="http://schemas.microsoft.com/office/drawing/2014/main" id="{DEFF5F3A-710D-4400-A5E0-7835221B98BA}"/>
               </a:ext>
               <a:ext uri="{C183D7F6-B498-43B3-948B-1728B52AA6E4}">
                 <adec:decorative xmlns:adec="http://schemas.microsoft.com/office/drawing/2017/decorative" val="1"/>
@@ -11311,7 +11552,7 @@
           <p:cNvPr id="2" name="Title 1">
             <a:extLst>
               <a:ext uri="{FF2B5EF4-FFF2-40B4-BE49-F238E27FC236}">
-                <a16:creationId xmlns:a16="http://schemas.microsoft.com/office/drawing/2014/main" id="{9BC54C57-9E22-BFD9-8DD4-7F8EC37E2C42}"/>
+                <a16:creationId xmlns:a16="http://schemas.microsoft.com/office/drawing/2014/main" id="{AF93B9F2-A6B0-6885-49F0-8D2582C173FD}"/>
               </a:ext>
             </a:extLst>
           </p:cNvPr>
@@ -11330,7 +11571,7 @@
         </p:spPr>
         <p:txBody>
           <a:bodyPr vert="horz" lIns="91440" tIns="45720" rIns="91440" bIns="45720" rtlCol="0" anchor="ctr">
-            <a:normAutofit/>
+            <a:normAutofit fontScale="90000"/>
           </a:bodyPr>
           <a:lstStyle/>
           <a:p>
@@ -11345,7 +11586,7 @@
                   <a:srgbClr val="FFFFFF"/>
                 </a:solidFill>
               </a:rPr>
-              <a:t>5. Etat  </a:t>
+              <a:t>4. Fait </a:t>
             </a:r>
             <a:r>
               <a:rPr lang="en-US" sz="3500" dirty="0" err="1">
@@ -11353,7 +11594,7 @@
                   <a:srgbClr val="FFFFFF"/>
                 </a:solidFill>
               </a:rPr>
-              <a:t>actuel</a:t>
+              <a:t>depuis</a:t>
             </a:r>
             <a:r>
               <a:rPr lang="en-US" sz="3500" dirty="0">
@@ -11361,7 +11602,7 @@
                   <a:srgbClr val="FFFFFF"/>
                 </a:solidFill>
               </a:rPr>
-              <a:t> -</a:t>
+              <a:t> le </a:t>
             </a:r>
             <a:r>
               <a:rPr lang="en-US" sz="3500" dirty="0" err="1">
@@ -11369,7 +11610,23 @@
                   <a:srgbClr val="FFFFFF"/>
                 </a:solidFill>
               </a:rPr>
-              <a:t>Problèmes</a:t>
+              <a:t>rendu</a:t>
+            </a:r>
+            <a:r>
+              <a:rPr lang="en-US" sz="3500" dirty="0">
+                <a:solidFill>
+                  <a:srgbClr val="FFFFFF"/>
+                </a:solidFill>
+              </a:rPr>
+              <a:t> – Comparation des </a:t>
+            </a:r>
+            <a:r>
+              <a:rPr lang="en-US" sz="3500" dirty="0" err="1">
+                <a:solidFill>
+                  <a:srgbClr val="FFFFFF"/>
+                </a:solidFill>
+              </a:rPr>
+              <a:t>couts</a:t>
             </a:r>
             <a:endParaRPr lang="en-US" sz="3500" dirty="0">
               <a:solidFill>
@@ -11384,7 +11641,7 @@
           <p:cNvPr id="8" name="Espace réservé du contenu 7">
             <a:extLst>
               <a:ext uri="{FF2B5EF4-FFF2-40B4-BE49-F238E27FC236}">
-                <a16:creationId xmlns:a16="http://schemas.microsoft.com/office/drawing/2014/main" id="{C0145DA4-A4BE-F9F7-6172-113BC0DC3E28}"/>
+                <a16:creationId xmlns:a16="http://schemas.microsoft.com/office/drawing/2014/main" id="{9FCE6E9D-E013-23AB-F01E-4E49640F1807}"/>
               </a:ext>
             </a:extLst>
           </p:cNvPr>
@@ -11402,76 +11659,79 @@
           </a:bodyPr>
           <a:lstStyle/>
           <a:p>
-            <a:pPr>
-              <a:buFontTx/>
-              <a:buChar char="-"/>
+            <a:pPr marL="0" indent="0">
+              <a:buNone/>
             </a:pPr>
             <a:r>
               <a:rPr lang="fr-FR" dirty="0"/>
-              <a:t>Montage imprécis hauteur écran / </a:t>
-            </a:r>
-            <a:r>
-              <a:rPr lang="fr-FR" dirty="0" err="1"/>
-              <a:t>touch</a:t>
-            </a:r>
+              <a:t>Prévision: </a:t>
+            </a:r>
+          </a:p>
+          <a:p>
+            <a:pPr marL="0" indent="0">
+              <a:buNone/>
+            </a:pPr>
             <a:endParaRPr lang="fr-FR" dirty="0"/>
           </a:p>
           <a:p>
-            <a:pPr>
-              <a:buFontTx/>
-              <a:buChar char="-"/>
+            <a:pPr marL="0" indent="0">
+              <a:buNone/>
             </a:pPr>
+            <a:endParaRPr lang="fr-FR" dirty="0"/>
+          </a:p>
+          <a:p>
+            <a:pPr marL="0" indent="0">
+              <a:buNone/>
+            </a:pPr>
             <a:r>
               <a:rPr lang="fr-FR" dirty="0"/>
-              <a:t>Alimentation improvisée via trou de test</a:t>
-            </a:r>
-          </a:p>
-          <a:p>
-            <a:pPr>
-              <a:buFontTx/>
-              <a:buChar char="-"/>
-            </a:pPr>
-            <a:r>
+              <a:t>Réel:</a:t>
+            </a:r>
+            <a:br>
               <a:rPr lang="fr-FR" dirty="0"/>
-              <a:t>Buzzer trop faible</a:t>
-            </a:r>
-          </a:p>
-          <a:p>
-            <a:pPr>
-              <a:buFontTx/>
-              <a:buChar char="-"/>
-            </a:pPr>
+            </a:br>
             <a:r>
               <a:rPr lang="fr-FR" dirty="0"/>
-              <a:t>USB-C inutile pour communication série</a:t>
-            </a:r>
-          </a:p>
-          <a:p>
-            <a:pPr>
-              <a:buFontTx/>
-              <a:buChar char="-"/>
-            </a:pPr>
-            <a:r>
-              <a:rPr lang="fr-FR" dirty="0"/>
-              <a:t>Presse-étoupes absents</a:t>
-            </a:r>
-          </a:p>
-          <a:p>
-            <a:pPr>
-              <a:buFontTx/>
-              <a:buChar char="-"/>
-            </a:pPr>
-            <a:r>
-              <a:rPr lang="fr-FR" dirty="0"/>
-              <a:t>Pas d’adaptation mécanique finale réalisée</a:t>
-            </a:r>
-          </a:p>
-        </p:txBody>
-      </p:sp>
+              <a:t> SPB7:</a:t>
+            </a:r>
+          </a:p>
+        </p:txBody>
+      </p:sp>
+      <p:pic>
+        <p:nvPicPr>
+          <p:cNvPr id="10" name="Image 9">
+            <a:extLst>
+              <a:ext uri="{FF2B5EF4-FFF2-40B4-BE49-F238E27FC236}">
+                <a16:creationId xmlns:a16="http://schemas.microsoft.com/office/drawing/2014/main" id="{7FDF4541-A293-449F-E687-4471D5CBE032}"/>
+              </a:ext>
+            </a:extLst>
+          </p:cNvPr>
+          <p:cNvPicPr>
+            <a:picLocks noChangeAspect="1"/>
+          </p:cNvPicPr>
+          <p:nvPr/>
+        </p:nvPicPr>
+        <p:blipFill>
+          <a:blip r:embed="rId2"/>
+          <a:srcRect l="71016" t="-1739" r="3506" b="42902"/>
+          <a:stretch>
+            <a:fillRect/>
+          </a:stretch>
+        </p:blipFill>
+        <p:spPr>
+          <a:xfrm>
+            <a:off x="524785" y="4440644"/>
+            <a:ext cx="1757239" cy="1367625"/>
+          </a:xfrm>
+          <a:prstGeom prst="rect">
+            <a:avLst/>
+          </a:prstGeom>
+        </p:spPr>
+      </p:pic>
     </p:spTree>
     <p:extLst>
       <p:ext uri="{BB962C8B-B14F-4D97-AF65-F5344CB8AC3E}">
-        <p14:creationId xmlns:p14="http://schemas.microsoft.com/office/powerpoint/2010/main" val="1795910476"/>
+        <p14:creationId xmlns:p14="http://schemas.microsoft.com/office/powerpoint/2010/main" val="3946527455"/>
       </p:ext>
     </p:extLst>
   </p:cSld>
@@ -11493,7 +11753,7 @@
 </p:sld>
 </file>
 
-<file path=ppt/slides/slide21.xml><?xml version="1.0" encoding="utf-8"?>
+<file path=ppt/slides/slide22.xml><?xml version="1.0" encoding="utf-8"?>
 <p:sld xmlns:a="http://schemas.openxmlformats.org/drawingml/2006/main" xmlns:r="http://schemas.openxmlformats.org/officeDocument/2006/relationships" xmlns:p="http://schemas.openxmlformats.org/presentationml/2006/main">
   <p:cSld>
     <p:bg>
@@ -11509,7 +11769,7 @@
         <p:cNvPr id="1" name="">
           <a:extLst>
             <a:ext uri="{FF2B5EF4-FFF2-40B4-BE49-F238E27FC236}">
-              <a16:creationId xmlns:a16="http://schemas.microsoft.com/office/drawing/2014/main" id="{0DBF06C3-8463-53B8-F331-0EACB4026488}"/>
+              <a16:creationId xmlns:a16="http://schemas.microsoft.com/office/drawing/2014/main" id="{E51554BB-BBF7-AFD6-A22C-5D3B18882B5F}"/>
             </a:ext>
           </a:extLst>
         </p:cNvPr>
@@ -11529,7 +11789,7 @@
           <p:cNvPr id="1035" name="Rectangle 1034">
             <a:extLst>
               <a:ext uri="{FF2B5EF4-FFF2-40B4-BE49-F238E27FC236}">
-                <a16:creationId xmlns:a16="http://schemas.microsoft.com/office/drawing/2014/main" id="{209BB795-B730-5073-1D96-AA1AA5801A7B}"/>
+                <a16:creationId xmlns:a16="http://schemas.microsoft.com/office/drawing/2014/main" id="{C2861635-532E-3028-B5DB-E49994887F0A}"/>
               </a:ext>
               <a:ext uri="{C183D7F6-B498-43B3-948B-1728B52AA6E4}">
                 <adec:decorative xmlns:adec="http://schemas.microsoft.com/office/drawing/2017/decorative" val="1"/>
@@ -11605,7 +11865,7 @@
           <p:cNvPr id="1037" name="Rectangle 1036">
             <a:extLst>
               <a:ext uri="{FF2B5EF4-FFF2-40B4-BE49-F238E27FC236}">
-                <a16:creationId xmlns:a16="http://schemas.microsoft.com/office/drawing/2014/main" id="{2B43EDF5-0AB4-674C-788C-CABC74D147DE}"/>
+                <a16:creationId xmlns:a16="http://schemas.microsoft.com/office/drawing/2014/main" id="{64CA2076-0D2C-C652-5944-431730314F9A}"/>
               </a:ext>
               <a:ext uri="{C183D7F6-B498-43B3-948B-1728B52AA6E4}">
                 <adec:decorative xmlns:adec="http://schemas.microsoft.com/office/drawing/2017/decorative" val="1"/>
@@ -11680,7 +11940,7 @@
           <p:cNvPr id="1039" name="Rectangle 1038">
             <a:extLst>
               <a:ext uri="{FF2B5EF4-FFF2-40B4-BE49-F238E27FC236}">
-                <a16:creationId xmlns:a16="http://schemas.microsoft.com/office/drawing/2014/main" id="{098C0E15-53C2-CB16-50CC-0A879FD284E0}"/>
+                <a16:creationId xmlns:a16="http://schemas.microsoft.com/office/drawing/2014/main" id="{EF0A1981-D5A2-0699-A6B4-5A03DF8CF403}"/>
               </a:ext>
               <a:ext uri="{C183D7F6-B498-43B3-948B-1728B52AA6E4}">
                 <adec:decorative xmlns:adec="http://schemas.microsoft.com/office/drawing/2017/decorative" val="1"/>
@@ -11756,7 +12016,7 @@
           <p:cNvPr id="1041" name="Rectangle 1040">
             <a:extLst>
               <a:ext uri="{FF2B5EF4-FFF2-40B4-BE49-F238E27FC236}">
-                <a16:creationId xmlns:a16="http://schemas.microsoft.com/office/drawing/2014/main" id="{4946958A-D763-738C-1FAD-CD0DBB4D733C}"/>
+                <a16:creationId xmlns:a16="http://schemas.microsoft.com/office/drawing/2014/main" id="{870376F0-19E5-C0A7-27F7-11A545B6C6A2}"/>
               </a:ext>
               <a:ext uri="{C183D7F6-B498-43B3-948B-1728B52AA6E4}">
                 <adec:decorative xmlns:adec="http://schemas.microsoft.com/office/drawing/2017/decorative" val="1"/>
@@ -11831,7 +12091,7 @@
           <p:cNvPr id="1043" name="Rectangle 1042">
             <a:extLst>
               <a:ext uri="{FF2B5EF4-FFF2-40B4-BE49-F238E27FC236}">
-                <a16:creationId xmlns:a16="http://schemas.microsoft.com/office/drawing/2014/main" id="{D44F0CAE-0AB8-7FFD-B6D7-8AF99B8C992B}"/>
+                <a16:creationId xmlns:a16="http://schemas.microsoft.com/office/drawing/2014/main" id="{3A7C18DD-6C91-E793-55F5-E6262AD2ECC6}"/>
               </a:ext>
               <a:ext uri="{C183D7F6-B498-43B3-948B-1728B52AA6E4}">
                 <adec:decorative xmlns:adec="http://schemas.microsoft.com/office/drawing/2017/decorative" val="1"/>
@@ -11907,6 +12167,602 @@
           <p:cNvPr id="2" name="Title 1">
             <a:extLst>
               <a:ext uri="{FF2B5EF4-FFF2-40B4-BE49-F238E27FC236}">
+                <a16:creationId xmlns:a16="http://schemas.microsoft.com/office/drawing/2014/main" id="{9BC54C57-9E22-BFD9-8DD4-7F8EC37E2C42}"/>
+              </a:ext>
+            </a:extLst>
+          </p:cNvPr>
+          <p:cNvSpPr>
+            <a:spLocks noGrp="1"/>
+          </p:cNvSpPr>
+          <p:nvPr>
+            <p:ph type="title"/>
+          </p:nvPr>
+        </p:nvSpPr>
+        <p:spPr>
+          <a:xfrm>
+            <a:off x="524785" y="353160"/>
+            <a:ext cx="5318475" cy="898581"/>
+          </a:xfrm>
+        </p:spPr>
+        <p:txBody>
+          <a:bodyPr vert="horz" lIns="91440" tIns="45720" rIns="91440" bIns="45720" rtlCol="0" anchor="ctr">
+            <a:normAutofit/>
+          </a:bodyPr>
+          <a:lstStyle/>
+          <a:p>
+            <a:pPr algn="l" defTabSz="914400">
+              <a:lnSpc>
+                <a:spcPct val="90000"/>
+              </a:lnSpc>
+            </a:pPr>
+            <a:r>
+              <a:rPr lang="en-US" sz="3500" dirty="0">
+                <a:solidFill>
+                  <a:srgbClr val="FFFFFF"/>
+                </a:solidFill>
+              </a:rPr>
+              <a:t>5. Etat  </a:t>
+            </a:r>
+            <a:r>
+              <a:rPr lang="en-US" sz="3500" dirty="0" err="1">
+                <a:solidFill>
+                  <a:srgbClr val="FFFFFF"/>
+                </a:solidFill>
+              </a:rPr>
+              <a:t>actuel</a:t>
+            </a:r>
+            <a:r>
+              <a:rPr lang="en-US" sz="3500" dirty="0">
+                <a:solidFill>
+                  <a:srgbClr val="FFFFFF"/>
+                </a:solidFill>
+              </a:rPr>
+              <a:t> -</a:t>
+            </a:r>
+            <a:r>
+              <a:rPr lang="en-US" sz="3500" dirty="0" err="1">
+                <a:solidFill>
+                  <a:srgbClr val="FFFFFF"/>
+                </a:solidFill>
+              </a:rPr>
+              <a:t>Problèmes</a:t>
+            </a:r>
+            <a:endParaRPr lang="en-US" sz="3500" dirty="0">
+              <a:solidFill>
+                <a:srgbClr val="FFFFFF"/>
+              </a:solidFill>
+            </a:endParaRPr>
+          </a:p>
+        </p:txBody>
+      </p:sp>
+      <p:sp>
+        <p:nvSpPr>
+          <p:cNvPr id="8" name="Espace réservé du contenu 7">
+            <a:extLst>
+              <a:ext uri="{FF2B5EF4-FFF2-40B4-BE49-F238E27FC236}">
+                <a16:creationId xmlns:a16="http://schemas.microsoft.com/office/drawing/2014/main" id="{C0145DA4-A4BE-F9F7-6172-113BC0DC3E28}"/>
+              </a:ext>
+            </a:extLst>
+          </p:cNvPr>
+          <p:cNvSpPr>
+            <a:spLocks noGrp="1"/>
+          </p:cNvSpPr>
+          <p:nvPr>
+            <p:ph idx="1"/>
+          </p:nvPr>
+        </p:nvSpPr>
+        <p:spPr/>
+        <p:txBody>
+          <a:bodyPr>
+            <a:normAutofit/>
+          </a:bodyPr>
+          <a:lstStyle/>
+          <a:p>
+            <a:pPr>
+              <a:buFontTx/>
+              <a:buChar char="-"/>
+            </a:pPr>
+            <a:r>
+              <a:rPr lang="fr-FR" dirty="0"/>
+              <a:t>Montage imprécis hauteur écran / </a:t>
+            </a:r>
+            <a:r>
+              <a:rPr lang="fr-FR" dirty="0" err="1"/>
+              <a:t>touch</a:t>
+            </a:r>
+            <a:endParaRPr lang="fr-FR" dirty="0"/>
+          </a:p>
+          <a:p>
+            <a:pPr>
+              <a:buFontTx/>
+              <a:buChar char="-"/>
+            </a:pPr>
+            <a:r>
+              <a:rPr lang="fr-FR" dirty="0"/>
+              <a:t>Alimentation improvisée via trou de test</a:t>
+            </a:r>
+          </a:p>
+          <a:p>
+            <a:pPr>
+              <a:buFontTx/>
+              <a:buChar char="-"/>
+            </a:pPr>
+            <a:r>
+              <a:rPr lang="fr-FR" dirty="0"/>
+              <a:t>Buzzer trop faible</a:t>
+            </a:r>
+          </a:p>
+          <a:p>
+            <a:pPr>
+              <a:buFontTx/>
+              <a:buChar char="-"/>
+            </a:pPr>
+            <a:r>
+              <a:rPr lang="fr-FR" dirty="0"/>
+              <a:t>USB-C inutile pour communication série</a:t>
+            </a:r>
+          </a:p>
+          <a:p>
+            <a:pPr>
+              <a:buFontTx/>
+              <a:buChar char="-"/>
+            </a:pPr>
+            <a:r>
+              <a:rPr lang="fr-FR" dirty="0"/>
+              <a:t>Presse-étoupes absents</a:t>
+            </a:r>
+          </a:p>
+          <a:p>
+            <a:pPr>
+              <a:buFontTx/>
+              <a:buChar char="-"/>
+            </a:pPr>
+            <a:r>
+              <a:rPr lang="fr-FR" dirty="0"/>
+              <a:t>Pas d’adaptation mécanique finale réalisée</a:t>
+            </a:r>
+          </a:p>
+        </p:txBody>
+      </p:sp>
+    </p:spTree>
+    <p:extLst>
+      <p:ext uri="{BB962C8B-B14F-4D97-AF65-F5344CB8AC3E}">
+        <p14:creationId xmlns:p14="http://schemas.microsoft.com/office/powerpoint/2010/main" val="1795910476"/>
+      </p:ext>
+    </p:extLst>
+  </p:cSld>
+  <p:clrMapOvr>
+    <a:masterClrMapping/>
+  </p:clrMapOvr>
+  <mc:AlternateContent xmlns:mc="http://schemas.openxmlformats.org/markup-compatibility/2006">
+    <mc:Choice xmlns:p14="http://schemas.microsoft.com/office/powerpoint/2010/main" Requires="p14">
+      <p:transition spd="slow" p14:dur="1600">
+        <p14:conveyor dir="l"/>
+      </p:transition>
+    </mc:Choice>
+    <mc:Fallback>
+      <p:transition spd="slow">
+        <p:fade/>
+      </p:transition>
+    </mc:Fallback>
+  </mc:AlternateContent>
+</p:sld>
+</file>
+
+<file path=ppt/slides/slide23.xml><?xml version="1.0" encoding="utf-8"?>
+<p:sld xmlns:a="http://schemas.openxmlformats.org/drawingml/2006/main" xmlns:r="http://schemas.openxmlformats.org/officeDocument/2006/relationships" xmlns:p="http://schemas.openxmlformats.org/presentationml/2006/main">
+  <p:cSld>
+    <p:bg>
+      <p:bgPr>
+        <a:solidFill>
+          <a:schemeClr val="bg1"/>
+        </a:solidFill>
+        <a:effectLst/>
+      </p:bgPr>
+    </p:bg>
+    <p:spTree>
+      <p:nvGrpSpPr>
+        <p:cNvPr id="1" name="">
+          <a:extLst>
+            <a:ext uri="{FF2B5EF4-FFF2-40B4-BE49-F238E27FC236}">
+              <a16:creationId xmlns:a16="http://schemas.microsoft.com/office/drawing/2014/main" id="{0DBF06C3-8463-53B8-F331-0EACB4026488}"/>
+            </a:ext>
+          </a:extLst>
+        </p:cNvPr>
+        <p:cNvGrpSpPr/>
+        <p:nvPr/>
+      </p:nvGrpSpPr>
+      <p:grpSpPr>
+        <a:xfrm>
+          <a:off x="0" y="0"/>
+          <a:ext cx="0" cy="0"/>
+          <a:chOff x="0" y="0"/>
+          <a:chExt cx="0" cy="0"/>
+        </a:xfrm>
+      </p:grpSpPr>
+      <p:sp useBgFill="1">
+        <p:nvSpPr>
+          <p:cNvPr id="1035" name="Rectangle 1034">
+            <a:extLst>
+              <a:ext uri="{FF2B5EF4-FFF2-40B4-BE49-F238E27FC236}">
+                <a16:creationId xmlns:a16="http://schemas.microsoft.com/office/drawing/2014/main" id="{209BB795-B730-5073-1D96-AA1AA5801A7B}"/>
+              </a:ext>
+              <a:ext uri="{C183D7F6-B498-43B3-948B-1728B52AA6E4}">
+                <adec:decorative xmlns:adec="http://schemas.microsoft.com/office/drawing/2017/decorative" val="1"/>
+              </a:ext>
+            </a:extLst>
+          </p:cNvPr>
+          <p:cNvSpPr>
+            <a:spLocks noGrp="1" noRot="1" noChangeAspect="1" noMove="1" noResize="1" noEditPoints="1" noAdjustHandles="1" noChangeArrowheads="1" noChangeShapeType="1" noTextEdit="1"/>
+          </p:cNvSpPr>
+          <p:nvPr>
+            <p:extLst>
+              <p:ext uri="{386F3935-93C4-4BCD-93E2-E3B085C9AB24}">
+                <p16:designElem xmlns:p16="http://schemas.microsoft.com/office/powerpoint/2015/main" val="1"/>
+              </p:ext>
+            </p:extLst>
+          </p:nvPr>
+        </p:nvSpPr>
+        <p:spPr>
+          <a:xfrm>
+            <a:off x="0" y="0"/>
+            <a:ext cx="9144000" cy="6858000"/>
+          </a:xfrm>
+          <a:prstGeom prst="rect">
+            <a:avLst/>
+          </a:prstGeom>
+          <a:ln w="12700" cap="flat" cmpd="sng" algn="ctr">
+            <a:noFill/>
+            <a:prstDash val="solid"/>
+            <a:miter lim="800000"/>
+          </a:ln>
+          <a:effectLst/>
+          <a:extLst>
+            <a:ext uri="{91240B29-F687-4F45-9708-019B960494DF}">
+              <a14:hiddenLine xmlns:a14="http://schemas.microsoft.com/office/drawing/2010/main" w="12700" cap="flat" cmpd="sng" algn="ctr">
+                <a:solidFill>
+                  <a:schemeClr val="accent1">
+                    <a:shade val="50000"/>
+                  </a:schemeClr>
+                </a:solidFill>
+                <a:prstDash val="solid"/>
+                <a:miter lim="800000"/>
+              </a14:hiddenLine>
+            </a:ext>
+          </a:extLst>
+        </p:spPr>
+        <p:style>
+          <a:lnRef idx="2">
+            <a:schemeClr val="accent1">
+              <a:shade val="50000"/>
+            </a:schemeClr>
+          </a:lnRef>
+          <a:fillRef idx="1">
+            <a:schemeClr val="accent1"/>
+          </a:fillRef>
+          <a:effectRef idx="0">
+            <a:schemeClr val="accent1"/>
+          </a:effectRef>
+          <a:fontRef idx="minor">
+            <a:schemeClr val="lt1"/>
+          </a:fontRef>
+        </p:style>
+        <p:txBody>
+          <a:bodyPr rtlCol="0" anchor="ctr"/>
+          <a:lstStyle/>
+          <a:p>
+            <a:pPr algn="ctr"/>
+            <a:endParaRPr lang="en-US" sz="2000"/>
+          </a:p>
+        </p:txBody>
+      </p:sp>
+      <p:sp>
+        <p:nvSpPr>
+          <p:cNvPr id="1037" name="Rectangle 1036">
+            <a:extLst>
+              <a:ext uri="{FF2B5EF4-FFF2-40B4-BE49-F238E27FC236}">
+                <a16:creationId xmlns:a16="http://schemas.microsoft.com/office/drawing/2014/main" id="{2B43EDF5-0AB4-674C-788C-CABC74D147DE}"/>
+              </a:ext>
+              <a:ext uri="{C183D7F6-B498-43B3-948B-1728B52AA6E4}">
+                <adec:decorative xmlns:adec="http://schemas.microsoft.com/office/drawing/2017/decorative" val="1"/>
+              </a:ext>
+            </a:extLst>
+          </p:cNvPr>
+          <p:cNvSpPr>
+            <a:spLocks noGrp="1" noRot="1" noChangeAspect="1" noMove="1" noResize="1" noEditPoints="1" noAdjustHandles="1" noChangeArrowheads="1" noChangeShapeType="1" noTextEdit="1"/>
+          </p:cNvSpPr>
+          <p:nvPr>
+            <p:extLst>
+              <p:ext uri="{386F3935-93C4-4BCD-93E2-E3B085C9AB24}">
+                <p16:designElem xmlns:p16="http://schemas.microsoft.com/office/powerpoint/2015/main" val="1"/>
+              </p:ext>
+            </p:extLst>
+          </p:nvPr>
+        </p:nvSpPr>
+        <p:spPr>
+          <a:xfrm flipH="1">
+            <a:off x="1" y="492"/>
+            <a:ext cx="9143999" cy="1575955"/>
+          </a:xfrm>
+          <a:prstGeom prst="rect">
+            <a:avLst/>
+          </a:prstGeom>
+          <a:gradFill>
+            <a:gsLst>
+              <a:gs pos="0">
+                <a:schemeClr val="accent1">
+                  <a:lumMod val="50000"/>
+                </a:schemeClr>
+              </a:gs>
+              <a:gs pos="100000">
+                <a:schemeClr val="accent1">
+                  <a:lumMod val="75000"/>
+                </a:schemeClr>
+              </a:gs>
+            </a:gsLst>
+            <a:lin ang="8400000" scaled="0"/>
+          </a:gradFill>
+          <a:ln>
+            <a:noFill/>
+          </a:ln>
+        </p:spPr>
+        <p:style>
+          <a:lnRef idx="2">
+            <a:schemeClr val="accent1">
+              <a:shade val="50000"/>
+            </a:schemeClr>
+          </a:lnRef>
+          <a:fillRef idx="1">
+            <a:schemeClr val="accent1"/>
+          </a:fillRef>
+          <a:effectRef idx="0">
+            <a:schemeClr val="accent1"/>
+          </a:effectRef>
+          <a:fontRef idx="minor">
+            <a:schemeClr val="lt1"/>
+          </a:fontRef>
+        </p:style>
+        <p:txBody>
+          <a:bodyPr rtlCol="0" anchor="ctr"/>
+          <a:lstStyle/>
+          <a:p>
+            <a:pPr algn="ctr"/>
+            <a:endParaRPr lang="en-US"/>
+          </a:p>
+        </p:txBody>
+      </p:sp>
+      <p:sp>
+        <p:nvSpPr>
+          <p:cNvPr id="1039" name="Rectangle 1038">
+            <a:extLst>
+              <a:ext uri="{FF2B5EF4-FFF2-40B4-BE49-F238E27FC236}">
+                <a16:creationId xmlns:a16="http://schemas.microsoft.com/office/drawing/2014/main" id="{098C0E15-53C2-CB16-50CC-0A879FD284E0}"/>
+              </a:ext>
+              <a:ext uri="{C183D7F6-B498-43B3-948B-1728B52AA6E4}">
+                <adec:decorative xmlns:adec="http://schemas.microsoft.com/office/drawing/2017/decorative" val="1"/>
+              </a:ext>
+            </a:extLst>
+          </p:cNvPr>
+          <p:cNvSpPr>
+            <a:spLocks noGrp="1" noRot="1" noChangeAspect="1" noMove="1" noResize="1" noEditPoints="1" noAdjustHandles="1" noChangeArrowheads="1" noChangeShapeType="1" noTextEdit="1"/>
+          </p:cNvSpPr>
+          <p:nvPr>
+            <p:extLst>
+              <p:ext uri="{386F3935-93C4-4BCD-93E2-E3B085C9AB24}">
+                <p16:designElem xmlns:p16="http://schemas.microsoft.com/office/powerpoint/2015/main" val="1"/>
+              </p:ext>
+            </p:extLst>
+          </p:nvPr>
+        </p:nvSpPr>
+        <p:spPr>
+          <a:xfrm rot="10800000" flipH="1">
+            <a:off x="6096642" y="35"/>
+            <a:ext cx="3047358" cy="1576412"/>
+          </a:xfrm>
+          <a:prstGeom prst="rect">
+            <a:avLst/>
+          </a:prstGeom>
+          <a:gradFill>
+            <a:gsLst>
+              <a:gs pos="19000">
+                <a:schemeClr val="accent1">
+                  <a:lumMod val="50000"/>
+                  <a:alpha val="68000"/>
+                </a:schemeClr>
+              </a:gs>
+              <a:gs pos="100000">
+                <a:schemeClr val="accent1">
+                  <a:alpha val="79000"/>
+                </a:schemeClr>
+              </a:gs>
+            </a:gsLst>
+            <a:lin ang="19200000" scaled="0"/>
+          </a:gradFill>
+          <a:ln>
+            <a:noFill/>
+          </a:ln>
+        </p:spPr>
+        <p:style>
+          <a:lnRef idx="2">
+            <a:schemeClr val="accent1">
+              <a:shade val="50000"/>
+            </a:schemeClr>
+          </a:lnRef>
+          <a:fillRef idx="1">
+            <a:schemeClr val="accent1"/>
+          </a:fillRef>
+          <a:effectRef idx="0">
+            <a:schemeClr val="accent1"/>
+          </a:effectRef>
+          <a:fontRef idx="minor">
+            <a:schemeClr val="lt1"/>
+          </a:fontRef>
+        </p:style>
+        <p:txBody>
+          <a:bodyPr rtlCol="0" anchor="ctr"/>
+          <a:lstStyle/>
+          <a:p>
+            <a:pPr algn="ctr"/>
+            <a:endParaRPr lang="en-US"/>
+          </a:p>
+        </p:txBody>
+      </p:sp>
+      <p:sp>
+        <p:nvSpPr>
+          <p:cNvPr id="1041" name="Rectangle 1040">
+            <a:extLst>
+              <a:ext uri="{FF2B5EF4-FFF2-40B4-BE49-F238E27FC236}">
+                <a16:creationId xmlns:a16="http://schemas.microsoft.com/office/drawing/2014/main" id="{4946958A-D763-738C-1FAD-CD0DBB4D733C}"/>
+              </a:ext>
+              <a:ext uri="{C183D7F6-B498-43B3-948B-1728B52AA6E4}">
+                <adec:decorative xmlns:adec="http://schemas.microsoft.com/office/drawing/2017/decorative" val="1"/>
+              </a:ext>
+            </a:extLst>
+          </p:cNvPr>
+          <p:cNvSpPr>
+            <a:spLocks noGrp="1" noRot="1" noChangeAspect="1" noMove="1" noResize="1" noEditPoints="1" noAdjustHandles="1" noChangeArrowheads="1" noChangeShapeType="1" noTextEdit="1"/>
+          </p:cNvSpPr>
+          <p:nvPr>
+            <p:extLst>
+              <p:ext uri="{386F3935-93C4-4BCD-93E2-E3B085C9AB24}">
+                <p16:designElem xmlns:p16="http://schemas.microsoft.com/office/powerpoint/2015/main" val="1"/>
+              </p:ext>
+            </p:extLst>
+          </p:nvPr>
+        </p:nvSpPr>
+        <p:spPr>
+          <a:xfrm rot="5400000">
+            <a:off x="3783778" y="-3783777"/>
+            <a:ext cx="1576446" cy="9144001"/>
+          </a:xfrm>
+          <a:prstGeom prst="rect">
+            <a:avLst/>
+          </a:prstGeom>
+          <a:gradFill>
+            <a:gsLst>
+              <a:gs pos="16000">
+                <a:srgbClr val="000000">
+                  <a:alpha val="0"/>
+                </a:srgbClr>
+              </a:gs>
+              <a:gs pos="99000">
+                <a:srgbClr val="000000">
+                  <a:alpha val="87000"/>
+                </a:srgbClr>
+              </a:gs>
+            </a:gsLst>
+            <a:lin ang="11400000" scaled="0"/>
+          </a:gradFill>
+          <a:ln>
+            <a:noFill/>
+          </a:ln>
+        </p:spPr>
+        <p:style>
+          <a:lnRef idx="2">
+            <a:schemeClr val="accent1">
+              <a:shade val="50000"/>
+            </a:schemeClr>
+          </a:lnRef>
+          <a:fillRef idx="1">
+            <a:schemeClr val="accent1"/>
+          </a:fillRef>
+          <a:effectRef idx="0">
+            <a:schemeClr val="accent1"/>
+          </a:effectRef>
+          <a:fontRef idx="minor">
+            <a:schemeClr val="lt1"/>
+          </a:fontRef>
+        </p:style>
+        <p:txBody>
+          <a:bodyPr rtlCol="0" anchor="ctr"/>
+          <a:lstStyle/>
+          <a:p>
+            <a:pPr algn="ctr"/>
+            <a:endParaRPr lang="en-US" dirty="0"/>
+          </a:p>
+        </p:txBody>
+      </p:sp>
+      <p:sp>
+        <p:nvSpPr>
+          <p:cNvPr id="1043" name="Rectangle 1042">
+            <a:extLst>
+              <a:ext uri="{FF2B5EF4-FFF2-40B4-BE49-F238E27FC236}">
+                <a16:creationId xmlns:a16="http://schemas.microsoft.com/office/drawing/2014/main" id="{D44F0CAE-0AB8-7FFD-B6D7-8AF99B8C992B}"/>
+              </a:ext>
+              <a:ext uri="{C183D7F6-B498-43B3-948B-1728B52AA6E4}">
+                <adec:decorative xmlns:adec="http://schemas.microsoft.com/office/drawing/2017/decorative" val="1"/>
+              </a:ext>
+            </a:extLst>
+          </p:cNvPr>
+          <p:cNvSpPr>
+            <a:spLocks noGrp="1" noRot="1" noChangeAspect="1" noMove="1" noResize="1" noEditPoints="1" noAdjustHandles="1" noChangeArrowheads="1" noChangeShapeType="1" noTextEdit="1"/>
+          </p:cNvSpPr>
+          <p:nvPr>
+            <p:extLst>
+              <p:ext uri="{386F3935-93C4-4BCD-93E2-E3B085C9AB24}">
+                <p16:designElem xmlns:p16="http://schemas.microsoft.com/office/powerpoint/2015/main" val="1"/>
+              </p:ext>
+            </p:extLst>
+          </p:nvPr>
+        </p:nvSpPr>
+        <p:spPr>
+          <a:xfrm>
+            <a:off x="2869075" y="986"/>
+            <a:ext cx="3227567" cy="1575461"/>
+          </a:xfrm>
+          <a:prstGeom prst="rect">
+            <a:avLst/>
+          </a:prstGeom>
+          <a:gradFill>
+            <a:gsLst>
+              <a:gs pos="0">
+                <a:schemeClr val="accent1">
+                  <a:alpha val="17000"/>
+                </a:schemeClr>
+              </a:gs>
+              <a:gs pos="74000">
+                <a:schemeClr val="accent1">
+                  <a:lumMod val="50000"/>
+                  <a:alpha val="0"/>
+                </a:schemeClr>
+              </a:gs>
+            </a:gsLst>
+            <a:lin ang="14400000" scaled="0"/>
+          </a:gradFill>
+          <a:ln>
+            <a:noFill/>
+          </a:ln>
+        </p:spPr>
+        <p:style>
+          <a:lnRef idx="2">
+            <a:schemeClr val="accent1">
+              <a:shade val="50000"/>
+            </a:schemeClr>
+          </a:lnRef>
+          <a:fillRef idx="1">
+            <a:schemeClr val="accent1"/>
+          </a:fillRef>
+          <a:effectRef idx="0">
+            <a:schemeClr val="accent1"/>
+          </a:effectRef>
+          <a:fontRef idx="minor">
+            <a:schemeClr val="lt1"/>
+          </a:fontRef>
+        </p:style>
+        <p:txBody>
+          <a:bodyPr rtlCol="0" anchor="ctr"/>
+          <a:lstStyle/>
+          <a:p>
+            <a:pPr algn="ctr"/>
+            <a:endParaRPr lang="en-US"/>
+          </a:p>
+        </p:txBody>
+      </p:sp>
+      <p:sp>
+        <p:nvSpPr>
+          <p:cNvPr id="2" name="Title 1">
+            <a:extLst>
+              <a:ext uri="{FF2B5EF4-FFF2-40B4-BE49-F238E27FC236}">
                 <a16:creationId xmlns:a16="http://schemas.microsoft.com/office/drawing/2014/main" id="{C0CE098B-7C37-92F9-3DAD-79B7EEE38C37}"/>
               </a:ext>
             </a:extLst>
@@ -12018,7 +12874,7 @@
 </p:sld>
 </file>
 
-<file path=ppt/slides/slide22.xml><?xml version="1.0" encoding="utf-8"?>
+<file path=ppt/slides/slide24.xml><?xml version="1.0" encoding="utf-8"?>
 <p:sld xmlns:a="http://schemas.openxmlformats.org/drawingml/2006/main" xmlns:r="http://schemas.openxmlformats.org/officeDocument/2006/relationships" xmlns:p="http://schemas.openxmlformats.org/presentationml/2006/main">
   <p:cSld>
     <p:bg>
@@ -13292,7 +14148,24 @@
             </a:r>
           </a:p>
           <a:p>
-            <a:endParaRPr lang="fr-FR" sz="1700" dirty="0"/>
+            <a:pPr>
+              <a:buFontTx/>
+              <a:buChar char="-"/>
+            </a:pPr>
+            <a:r>
+              <a:rPr lang="fr-FR" sz="1700" dirty="0"/>
+              <a:t>Il s’agit de réaliser une évolution d’un boîtier de test pour Sprinkler (détection incendie - DI). Intégration mécanique, densité des composants, fonctionnalités</a:t>
+            </a:r>
+          </a:p>
+          <a:p>
+            <a:pPr>
+              <a:buFontTx/>
+              <a:buChar char="-"/>
+            </a:pPr>
+            <a:r>
+              <a:rPr lang="fr-FR" sz="1700" dirty="0"/>
+              <a:t>I/O extendeur pour Esser 4in/2out</a:t>
+            </a:r>
           </a:p>
           <a:p>
             <a:pPr marL="0" indent="0">
@@ -13403,6 +14276,128 @@
                       </p:childTnLst>
                     </p:cTn>
                   </p:par>
+                  <p:par>
+                    <p:cTn id="8" fill="hold">
+                      <p:stCondLst>
+                        <p:cond delay="indefinite"/>
+                      </p:stCondLst>
+                      <p:childTnLst>
+                        <p:par>
+                          <p:cTn id="9" fill="hold">
+                            <p:stCondLst>
+                              <p:cond delay="0"/>
+                            </p:stCondLst>
+                            <p:childTnLst>
+                              <p:par>
+                                <p:cTn id="10" presetID="10" presetClass="entr" presetSubtype="0" fill="hold" nodeType="clickEffect">
+                                  <p:stCondLst>
+                                    <p:cond delay="0"/>
+                                  </p:stCondLst>
+                                  <p:childTnLst>
+                                    <p:set>
+                                      <p:cBhvr>
+                                        <p:cTn id="11" dur="1" fill="hold">
+                                          <p:stCondLst>
+                                            <p:cond delay="0"/>
+                                          </p:stCondLst>
+                                        </p:cTn>
+                                        <p:tgtEl>
+                                          <p:spTgt spid="3">
+                                            <p:txEl>
+                                              <p:pRg st="1" end="1"/>
+                                            </p:txEl>
+                                          </p:spTgt>
+                                        </p:tgtEl>
+                                        <p:attrNameLst>
+                                          <p:attrName>style.visibility</p:attrName>
+                                        </p:attrNameLst>
+                                      </p:cBhvr>
+                                      <p:to>
+                                        <p:strVal val="visible"/>
+                                      </p:to>
+                                    </p:set>
+                                    <p:animEffect transition="in" filter="fade">
+                                      <p:cBhvr>
+                                        <p:cTn id="12" dur="500"/>
+                                        <p:tgtEl>
+                                          <p:spTgt spid="3">
+                                            <p:txEl>
+                                              <p:pRg st="1" end="1"/>
+                                            </p:txEl>
+                                          </p:spTgt>
+                                        </p:tgtEl>
+                                      </p:cBhvr>
+                                    </p:animEffect>
+                                  </p:childTnLst>
+                                </p:cTn>
+                              </p:par>
+                            </p:childTnLst>
+                          </p:cTn>
+                        </p:par>
+                      </p:childTnLst>
+                    </p:cTn>
+                  </p:par>
+                  <p:par>
+                    <p:cTn id="13" fill="hold">
+                      <p:stCondLst>
+                        <p:cond delay="indefinite"/>
+                      </p:stCondLst>
+                      <p:childTnLst>
+                        <p:par>
+                          <p:cTn id="14" fill="hold">
+                            <p:stCondLst>
+                              <p:cond delay="0"/>
+                            </p:stCondLst>
+                            <p:childTnLst>
+                              <p:par>
+                                <p:cTn id="15" presetID="10" presetClass="entr" presetSubtype="0" fill="hold" nodeType="clickEffect">
+                                  <p:stCondLst>
+                                    <p:cond delay="0"/>
+                                  </p:stCondLst>
+                                  <p:childTnLst>
+                                    <p:set>
+                                      <p:cBhvr>
+                                        <p:cTn id="16" dur="1" fill="hold">
+                                          <p:stCondLst>
+                                            <p:cond delay="0"/>
+                                          </p:stCondLst>
+                                        </p:cTn>
+                                        <p:tgtEl>
+                                          <p:spTgt spid="3">
+                                            <p:txEl>
+                                              <p:pRg st="2" end="2"/>
+                                            </p:txEl>
+                                          </p:spTgt>
+                                        </p:tgtEl>
+                                        <p:attrNameLst>
+                                          <p:attrName>style.visibility</p:attrName>
+                                        </p:attrNameLst>
+                                      </p:cBhvr>
+                                      <p:to>
+                                        <p:strVal val="visible"/>
+                                      </p:to>
+                                    </p:set>
+                                    <p:animEffect transition="in" filter="fade">
+                                      <p:cBhvr>
+                                        <p:cTn id="17" dur="500"/>
+                                        <p:tgtEl>
+                                          <p:spTgt spid="3">
+                                            <p:txEl>
+                                              <p:pRg st="2" end="2"/>
+                                            </p:txEl>
+                                          </p:spTgt>
+                                        </p:tgtEl>
+                                      </p:cBhvr>
+                                    </p:animEffect>
+                                  </p:childTnLst>
+                                </p:cTn>
+                              </p:par>
+                            </p:childTnLst>
+                          </p:cTn>
+                        </p:par>
+                      </p:childTnLst>
+                    </p:cTn>
+                  </p:par>
                 </p:childTnLst>
               </p:cTn>
               <p:prevCondLst>
@@ -13957,8 +14952,8 @@
         </p:nvSpPr>
         <p:spPr>
           <a:xfrm>
-            <a:off x="787180" y="2228671"/>
-            <a:ext cx="3617843" cy="2031325"/>
+            <a:off x="659959" y="1967726"/>
+            <a:ext cx="7076660" cy="1477328"/>
           </a:xfrm>
           <a:prstGeom prst="rect">
             <a:avLst/>
@@ -13997,7 +14992,7 @@
             </a:pPr>
             <a:r>
               <a:rPr lang="fr-CH" dirty="0"/>
-              <a:t>Complexité V1 Soft </a:t>
+              <a:t>I/O</a:t>
             </a:r>
           </a:p>
           <a:p>
@@ -14007,7 +15002,7 @@
             </a:pPr>
             <a:r>
               <a:rPr lang="fr-CH" dirty="0"/>
-              <a:t>V2 Soft</a:t>
+              <a:t>BUS</a:t>
             </a:r>
           </a:p>
           <a:p>
@@ -14015,10 +15010,102 @@
               <a:buFontTx/>
               <a:buChar char="-"/>
             </a:pPr>
+            <a:r>
+              <a:rPr lang="fr-CH" dirty="0" err="1"/>
+              <a:t>Etc</a:t>
+            </a:r>
             <a:endParaRPr lang="fr-CH" dirty="0"/>
           </a:p>
         </p:txBody>
       </p:sp>
+      <p:pic>
+        <p:nvPicPr>
+          <p:cNvPr id="6" name="Image 5">
+            <a:extLst>
+              <a:ext uri="{FF2B5EF4-FFF2-40B4-BE49-F238E27FC236}">
+                <a16:creationId xmlns:a16="http://schemas.microsoft.com/office/drawing/2014/main" id="{CB94E090-953A-7626-7924-509A579AB7C0}"/>
+              </a:ext>
+            </a:extLst>
+          </p:cNvPr>
+          <p:cNvPicPr>
+            <a:picLocks noChangeAspect="1"/>
+          </p:cNvPicPr>
+          <p:nvPr/>
+        </p:nvPicPr>
+        <p:blipFill rotWithShape="1">
+          <a:blip r:embed="rId2" cstate="print">
+            <a:extLst>
+              <a:ext uri="{28A0092B-C50C-407E-A947-70E740481C1C}">
+                <a14:useLocalDpi xmlns:a14="http://schemas.microsoft.com/office/drawing/2010/main" val="0"/>
+              </a:ext>
+            </a:extLst>
+          </a:blip>
+          <a:srcRect r="28826" b="22969"/>
+          <a:stretch/>
+        </p:blipFill>
+        <p:spPr bwMode="auto">
+          <a:xfrm>
+            <a:off x="516754" y="3523691"/>
+            <a:ext cx="4373298" cy="2186649"/>
+          </a:xfrm>
+          <a:prstGeom prst="rect">
+            <a:avLst/>
+          </a:prstGeom>
+          <a:noFill/>
+          <a:ln>
+            <a:noFill/>
+          </a:ln>
+          <a:extLst>
+            <a:ext uri="{53640926-AAD7-44D8-BBD7-CCE9431645EC}">
+              <a14:shadowObscured xmlns:a14="http://schemas.microsoft.com/office/drawing/2010/main"/>
+            </a:ext>
+          </a:extLst>
+        </p:spPr>
+      </p:pic>
+      <p:pic>
+        <p:nvPicPr>
+          <p:cNvPr id="8" name="Image 7">
+            <a:extLst>
+              <a:ext uri="{FF2B5EF4-FFF2-40B4-BE49-F238E27FC236}">
+                <a16:creationId xmlns:a16="http://schemas.microsoft.com/office/drawing/2014/main" id="{17BF03EE-CFE0-608F-2A2F-F6C46D07A5F1}"/>
+              </a:ext>
+            </a:extLst>
+          </p:cNvPr>
+          <p:cNvPicPr>
+            <a:picLocks noChangeAspect="1"/>
+          </p:cNvPicPr>
+          <p:nvPr/>
+        </p:nvPicPr>
+        <p:blipFill rotWithShape="1">
+          <a:blip r:embed="rId3" cstate="print">
+            <a:extLst>
+              <a:ext uri="{28A0092B-C50C-407E-A947-70E740481C1C}">
+                <a14:useLocalDpi xmlns:a14="http://schemas.microsoft.com/office/drawing/2010/main" val="0"/>
+              </a:ext>
+            </a:extLst>
+          </a:blip>
+          <a:srcRect l="6240" t="10803" r="36663" b="12897"/>
+          <a:stretch/>
+        </p:blipFill>
+        <p:spPr bwMode="auto">
+          <a:xfrm rot="5400000">
+            <a:off x="5163385" y="3523691"/>
+            <a:ext cx="2879725" cy="1778000"/>
+          </a:xfrm>
+          <a:prstGeom prst="rect">
+            <a:avLst/>
+          </a:prstGeom>
+          <a:noFill/>
+          <a:ln>
+            <a:noFill/>
+          </a:ln>
+          <a:extLst>
+            <a:ext uri="{53640926-AAD7-44D8-BBD7-CCE9431645EC}">
+              <a14:shadowObscured xmlns:a14="http://schemas.microsoft.com/office/drawing/2010/main"/>
+            </a:ext>
+          </a:extLst>
+        </p:spPr>
+      </p:pic>
     </p:spTree>
     <p:extLst>
       <p:ext uri="{BB962C8B-B14F-4D97-AF65-F5344CB8AC3E}">
@@ -14550,6 +15637,13 @@
             </a:r>
           </a:p>
           <a:p>
+            <a:pPr>
+              <a:buFontTx/>
+              <a:buChar char="-"/>
+            </a:pPr>
+            <a:endParaRPr lang="fr-FR" dirty="0"/>
+          </a:p>
+          <a:p>
             <a:pPr marL="0" indent="0">
               <a:buNone/>
             </a:pPr>
@@ -14557,6 +15651,52 @@
           </a:p>
         </p:txBody>
       </p:sp>
+      <p:pic>
+        <p:nvPicPr>
+          <p:cNvPr id="7" name="Image 6">
+            <a:extLst>
+              <a:ext uri="{FF2B5EF4-FFF2-40B4-BE49-F238E27FC236}">
+                <a16:creationId xmlns:a16="http://schemas.microsoft.com/office/drawing/2014/main" id="{99A99CDD-205A-43AD-2CE0-10AF8F908BEE}"/>
+              </a:ext>
+            </a:extLst>
+          </p:cNvPr>
+          <p:cNvPicPr>
+            <a:picLocks noChangeAspect="1"/>
+          </p:cNvPicPr>
+          <p:nvPr/>
+        </p:nvPicPr>
+        <p:blipFill rotWithShape="1">
+          <a:blip r:embed="rId2" cstate="print">
+            <a:extLst>
+              <a:ext uri="{28A0092B-C50C-407E-A947-70E740481C1C}">
+                <a14:useLocalDpi xmlns:a14="http://schemas.microsoft.com/office/drawing/2010/main" val="0"/>
+              </a:ext>
+            </a:extLst>
+          </a:blip>
+          <a:srcRect l="30893" t="39940" r="30428" b="39018"/>
+          <a:stretch>
+            <a:fillRect/>
+          </a:stretch>
+        </p:blipFill>
+        <p:spPr bwMode="auto">
+          <a:xfrm>
+            <a:off x="1053915" y="3198580"/>
+            <a:ext cx="2130107" cy="2059220"/>
+          </a:xfrm>
+          <a:prstGeom prst="rect">
+            <a:avLst/>
+          </a:prstGeom>
+          <a:noFill/>
+          <a:ln>
+            <a:noFill/>
+          </a:ln>
+          <a:extLst>
+            <a:ext uri="{53640926-AAD7-44D8-BBD7-CCE9431645EC}">
+              <a14:shadowObscured xmlns:a14="http://schemas.microsoft.com/office/drawing/2010/main"/>
+            </a:ext>
+          </a:extLst>
+        </p:spPr>
+      </p:pic>
     </p:spTree>
     <p:extLst>
       <p:ext uri="{BB962C8B-B14F-4D97-AF65-F5344CB8AC3E}">
@@ -15084,8 +16224,15 @@
             </a:pPr>
             <a:r>
               <a:rPr lang="fr-FR" dirty="0"/>
-              <a:t>relais</a:t>
-            </a:r>
+              <a:t>Relais</a:t>
+            </a:r>
+          </a:p>
+          <a:p>
+            <a:pPr>
+              <a:buFontTx/>
+              <a:buChar char="-"/>
+            </a:pPr>
+            <a:endParaRPr lang="fr-FR" dirty="0"/>
           </a:p>
           <a:p>
             <a:pPr marL="0" indent="0">
@@ -15095,6 +16242,52 @@
           </a:p>
         </p:txBody>
       </p:sp>
+      <p:pic>
+        <p:nvPicPr>
+          <p:cNvPr id="4" name="Image 3">
+            <a:extLst>
+              <a:ext uri="{FF2B5EF4-FFF2-40B4-BE49-F238E27FC236}">
+                <a16:creationId xmlns:a16="http://schemas.microsoft.com/office/drawing/2014/main" id="{D55C246B-0F15-4BC2-4401-9C1C931489BB}"/>
+              </a:ext>
+            </a:extLst>
+          </p:cNvPr>
+          <p:cNvPicPr>
+            <a:picLocks noChangeAspect="1"/>
+          </p:cNvPicPr>
+          <p:nvPr/>
+        </p:nvPicPr>
+        <p:blipFill rotWithShape="1">
+          <a:blip r:embed="rId2" cstate="print">
+            <a:extLst>
+              <a:ext uri="{28A0092B-C50C-407E-A947-70E740481C1C}">
+                <a14:useLocalDpi xmlns:a14="http://schemas.microsoft.com/office/drawing/2010/main" val="0"/>
+              </a:ext>
+            </a:extLst>
+          </a:blip>
+          <a:srcRect l="47499" t="23864" r="33209"/>
+          <a:stretch>
+            <a:fillRect/>
+          </a:stretch>
+        </p:blipFill>
+        <p:spPr bwMode="auto">
+          <a:xfrm rot="5400000">
+            <a:off x="2259292" y="2240209"/>
+            <a:ext cx="2224629" cy="4054488"/>
+          </a:xfrm>
+          <a:prstGeom prst="rect">
+            <a:avLst/>
+          </a:prstGeom>
+          <a:noFill/>
+          <a:ln>
+            <a:noFill/>
+          </a:ln>
+          <a:extLst>
+            <a:ext uri="{53640926-AAD7-44D8-BBD7-CCE9431645EC}">
+              <a14:shadowObscured xmlns:a14="http://schemas.microsoft.com/office/drawing/2010/main"/>
+            </a:ext>
+          </a:extLst>
+        </p:spPr>
+      </p:pic>
     </p:spTree>
     <p:extLst>
       <p:ext uri="{BB962C8B-B14F-4D97-AF65-F5344CB8AC3E}">
@@ -15646,6 +16839,96 @@
           </a:p>
         </p:txBody>
       </p:sp>
+      <p:pic>
+        <p:nvPicPr>
+          <p:cNvPr id="3" name="Image 2">
+            <a:extLst>
+              <a:ext uri="{FF2B5EF4-FFF2-40B4-BE49-F238E27FC236}">
+                <a16:creationId xmlns:a16="http://schemas.microsoft.com/office/drawing/2014/main" id="{1A50F542-2E83-40DD-9DCF-BAD22C4EDB83}"/>
+              </a:ext>
+            </a:extLst>
+          </p:cNvPr>
+          <p:cNvPicPr>
+            <a:picLocks noChangeAspect="1"/>
+          </p:cNvPicPr>
+          <p:nvPr/>
+        </p:nvPicPr>
+        <p:blipFill rotWithShape="1">
+          <a:blip r:embed="rId2" cstate="print">
+            <a:extLst>
+              <a:ext uri="{28A0092B-C50C-407E-A947-70E740481C1C}">
+                <a14:useLocalDpi xmlns:a14="http://schemas.microsoft.com/office/drawing/2010/main" val="0"/>
+              </a:ext>
+            </a:extLst>
+          </a:blip>
+          <a:srcRect t="25944" r="28151" b="36875"/>
+          <a:stretch>
+            <a:fillRect/>
+          </a:stretch>
+        </p:blipFill>
+        <p:spPr bwMode="auto">
+          <a:xfrm>
+            <a:off x="5414838" y="2927368"/>
+            <a:ext cx="2857197" cy="2628339"/>
+          </a:xfrm>
+          <a:prstGeom prst="rect">
+            <a:avLst/>
+          </a:prstGeom>
+          <a:noFill/>
+          <a:ln>
+            <a:noFill/>
+          </a:ln>
+          <a:extLst>
+            <a:ext uri="{53640926-AAD7-44D8-BBD7-CCE9431645EC}">
+              <a14:shadowObscured xmlns:a14="http://schemas.microsoft.com/office/drawing/2010/main"/>
+            </a:ext>
+          </a:extLst>
+        </p:spPr>
+      </p:pic>
+      <p:pic>
+        <p:nvPicPr>
+          <p:cNvPr id="4" name="Image 3">
+            <a:extLst>
+              <a:ext uri="{FF2B5EF4-FFF2-40B4-BE49-F238E27FC236}">
+                <a16:creationId xmlns:a16="http://schemas.microsoft.com/office/drawing/2014/main" id="{EE7D61C0-493E-1D5A-17B1-E552B73245EB}"/>
+              </a:ext>
+            </a:extLst>
+          </p:cNvPr>
+          <p:cNvPicPr>
+            <a:picLocks noChangeAspect="1"/>
+          </p:cNvPicPr>
+          <p:nvPr/>
+        </p:nvPicPr>
+        <p:blipFill rotWithShape="1">
+          <a:blip r:embed="rId3" cstate="print">
+            <a:extLst>
+              <a:ext uri="{28A0092B-C50C-407E-A947-70E740481C1C}">
+                <a14:useLocalDpi xmlns:a14="http://schemas.microsoft.com/office/drawing/2010/main" val="0"/>
+              </a:ext>
+            </a:extLst>
+          </a:blip>
+          <a:srcRect l="36716" t="28653" r="37476"/>
+          <a:stretch/>
+        </p:blipFill>
+        <p:spPr bwMode="auto">
+          <a:xfrm>
+            <a:off x="1069485" y="3030661"/>
+            <a:ext cx="2238258" cy="2859031"/>
+          </a:xfrm>
+          <a:prstGeom prst="rect">
+            <a:avLst/>
+          </a:prstGeom>
+          <a:noFill/>
+          <a:ln>
+            <a:noFill/>
+          </a:ln>
+          <a:extLst>
+            <a:ext uri="{53640926-AAD7-44D8-BBD7-CCE9431645EC}">
+              <a14:shadowObscured xmlns:a14="http://schemas.microsoft.com/office/drawing/2010/main"/>
+            </a:ext>
+          </a:extLst>
+        </p:spPr>
+      </p:pic>
     </p:spTree>
     <p:extLst>
       <p:ext uri="{BB962C8B-B14F-4D97-AF65-F5344CB8AC3E}">
@@ -16205,6 +17488,52 @@
           </a:p>
         </p:txBody>
       </p:sp>
+      <p:pic>
+        <p:nvPicPr>
+          <p:cNvPr id="3" name="Image 2">
+            <a:extLst>
+              <a:ext uri="{FF2B5EF4-FFF2-40B4-BE49-F238E27FC236}">
+                <a16:creationId xmlns:a16="http://schemas.microsoft.com/office/drawing/2014/main" id="{4DBCBA98-78DD-F976-83DD-1911DD2DDDF9}"/>
+              </a:ext>
+            </a:extLst>
+          </p:cNvPr>
+          <p:cNvPicPr>
+            <a:picLocks noChangeAspect="1"/>
+          </p:cNvPicPr>
+          <p:nvPr/>
+        </p:nvPicPr>
+        <p:blipFill rotWithShape="1">
+          <a:blip r:embed="rId2" cstate="print">
+            <a:extLst>
+              <a:ext uri="{28A0092B-C50C-407E-A947-70E740481C1C}">
+                <a14:useLocalDpi xmlns:a14="http://schemas.microsoft.com/office/drawing/2010/main" val="0"/>
+              </a:ext>
+            </a:extLst>
+          </a:blip>
+          <a:srcRect l="22719" t="43237" r="46833" b="44614"/>
+          <a:stretch>
+            <a:fillRect/>
+          </a:stretch>
+        </p:blipFill>
+        <p:spPr bwMode="auto">
+          <a:xfrm>
+            <a:off x="958132" y="3263592"/>
+            <a:ext cx="2965836" cy="2103539"/>
+          </a:xfrm>
+          <a:prstGeom prst="rect">
+            <a:avLst/>
+          </a:prstGeom>
+          <a:noFill/>
+          <a:ln>
+            <a:noFill/>
+          </a:ln>
+          <a:extLst>
+            <a:ext uri="{53640926-AAD7-44D8-BBD7-CCE9431645EC}">
+              <a14:shadowObscured xmlns:a14="http://schemas.microsoft.com/office/drawing/2010/main"/>
+            </a:ext>
+          </a:extLst>
+        </p:spPr>
+      </p:pic>
     </p:spTree>
     <p:extLst>
       <p:ext uri="{BB962C8B-B14F-4D97-AF65-F5344CB8AC3E}">
@@ -16764,6 +18093,52 @@
           </a:p>
         </p:txBody>
       </p:sp>
+      <p:pic>
+        <p:nvPicPr>
+          <p:cNvPr id="3" name="Image 2">
+            <a:extLst>
+              <a:ext uri="{FF2B5EF4-FFF2-40B4-BE49-F238E27FC236}">
+                <a16:creationId xmlns:a16="http://schemas.microsoft.com/office/drawing/2014/main" id="{6F24B830-3A1F-42DB-8827-2F9AEA31C7A3}"/>
+              </a:ext>
+            </a:extLst>
+          </p:cNvPr>
+          <p:cNvPicPr>
+            <a:picLocks noChangeAspect="1"/>
+          </p:cNvPicPr>
+          <p:nvPr/>
+        </p:nvPicPr>
+        <p:blipFill rotWithShape="1">
+          <a:blip r:embed="rId2" cstate="print">
+            <a:extLst>
+              <a:ext uri="{28A0092B-C50C-407E-A947-70E740481C1C}">
+                <a14:useLocalDpi xmlns:a14="http://schemas.microsoft.com/office/drawing/2010/main" val="0"/>
+              </a:ext>
+            </a:extLst>
+          </a:blip>
+          <a:srcRect l="33850" t="7629" r="46388" b="66877"/>
+          <a:stretch>
+            <a:fillRect/>
+          </a:stretch>
+        </p:blipFill>
+        <p:spPr bwMode="auto">
+          <a:xfrm>
+            <a:off x="2496709" y="3363402"/>
+            <a:ext cx="2735249" cy="1630017"/>
+          </a:xfrm>
+          <a:prstGeom prst="rect">
+            <a:avLst/>
+          </a:prstGeom>
+          <a:noFill/>
+          <a:ln>
+            <a:noFill/>
+          </a:ln>
+          <a:extLst>
+            <a:ext uri="{53640926-AAD7-44D8-BBD7-CCE9431645EC}">
+              <a14:shadowObscured xmlns:a14="http://schemas.microsoft.com/office/drawing/2010/main"/>
+            </a:ext>
+          </a:extLst>
+        </p:spPr>
+      </p:pic>
     </p:spTree>
     <p:extLst>
       <p:ext uri="{BB962C8B-B14F-4D97-AF65-F5344CB8AC3E}">
@@ -17107,4 +18482,319 @@
   </a:objectDefaults>
   <a:extraClrSchemeLst/>
 </a:theme>
+</file>
+
+<file path=ppt/theme/theme2.xml><?xml version="1.0" encoding="utf-8"?>
+<a:theme xmlns:a="http://schemas.openxmlformats.org/drawingml/2006/main" name="Thème Office">
+  <a:themeElements>
+    <a:clrScheme name="Office">
+      <a:dk1>
+        <a:sysClr val="windowText" lastClr="000000"/>
+      </a:dk1>
+      <a:lt1>
+        <a:sysClr val="window" lastClr="FFFFFF"/>
+      </a:lt1>
+      <a:dk2>
+        <a:srgbClr val="0E2841"/>
+      </a:dk2>
+      <a:lt2>
+        <a:srgbClr val="E8E8E8"/>
+      </a:lt2>
+      <a:accent1>
+        <a:srgbClr val="156082"/>
+      </a:accent1>
+      <a:accent2>
+        <a:srgbClr val="E97132"/>
+      </a:accent2>
+      <a:accent3>
+        <a:srgbClr val="196B24"/>
+      </a:accent3>
+      <a:accent4>
+        <a:srgbClr val="0F9ED5"/>
+      </a:accent4>
+      <a:accent5>
+        <a:srgbClr val="A02B93"/>
+      </a:accent5>
+      <a:accent6>
+        <a:srgbClr val="4EA72E"/>
+      </a:accent6>
+      <a:hlink>
+        <a:srgbClr val="467886"/>
+      </a:hlink>
+      <a:folHlink>
+        <a:srgbClr val="96607D"/>
+      </a:folHlink>
+    </a:clrScheme>
+    <a:fontScheme name="Office">
+      <a:majorFont>
+        <a:latin typeface="Aptos Display" panose="02110004020202020204"/>
+        <a:ea typeface=""/>
+        <a:cs typeface=""/>
+        <a:font script="Jpan" typeface="游ゴシック Light"/>
+        <a:font script="Hang" typeface="맑은 고딕"/>
+        <a:font script="Hans" typeface="等线 Light"/>
+        <a:font script="Hant" typeface="新細明體"/>
+        <a:font script="Arab" typeface="Times New Roman"/>
+        <a:font script="Hebr" typeface="Times New Roman"/>
+        <a:font script="Thai" typeface="Angsana New"/>
+        <a:font script="Ethi" typeface="Nyala"/>
+        <a:font script="Beng" typeface="Vrinda"/>
+        <a:font script="Gujr" typeface="Shruti"/>
+        <a:font script="Khmr" typeface="MoolBoran"/>
+        <a:font script="Knda" typeface="Tunga"/>
+        <a:font script="Guru" typeface="Raavi"/>
+        <a:font script="Cans" typeface="Euphemia"/>
+        <a:font script="Cher" typeface="Plantagenet Cherokee"/>
+        <a:font script="Yiii" typeface="Microsoft Yi Baiti"/>
+        <a:font script="Tibt" typeface="Microsoft Himalaya"/>
+        <a:font script="Thaa" typeface="MV Boli"/>
+        <a:font script="Deva" typeface="Mangal"/>
+        <a:font script="Telu" typeface="Gautami"/>
+        <a:font script="Taml" typeface="Latha"/>
+        <a:font script="Syrc" typeface="Estrangelo Edessa"/>
+        <a:font script="Orya" typeface="Kalinga"/>
+        <a:font script="Mlym" typeface="Kartika"/>
+        <a:font script="Laoo" typeface="DokChampa"/>
+        <a:font script="Sinh" typeface="Iskoola Pota"/>
+        <a:font script="Mong" typeface="Mongolian Baiti"/>
+        <a:font script="Viet" typeface="Times New Roman"/>
+        <a:font script="Uigh" typeface="Microsoft Uighur"/>
+        <a:font script="Geor" typeface="Sylfaen"/>
+        <a:font script="Armn" typeface="Arial"/>
+        <a:font script="Bugi" typeface="Leelawadee UI"/>
+        <a:font script="Bopo" typeface="Microsoft JhengHei"/>
+        <a:font script="Java" typeface="Javanese Text"/>
+        <a:font script="Lisu" typeface="Segoe UI"/>
+        <a:font script="Mymr" typeface="Myanmar Text"/>
+        <a:font script="Nkoo" typeface="Ebrima"/>
+        <a:font script="Olck" typeface="Nirmala UI"/>
+        <a:font script="Osma" typeface="Ebrima"/>
+        <a:font script="Phag" typeface="Phagspa"/>
+        <a:font script="Syrn" typeface="Estrangelo Edessa"/>
+        <a:font script="Syrj" typeface="Estrangelo Edessa"/>
+        <a:font script="Syre" typeface="Estrangelo Edessa"/>
+        <a:font script="Sora" typeface="Nirmala UI"/>
+        <a:font script="Tale" typeface="Microsoft Tai Le"/>
+        <a:font script="Talu" typeface="Microsoft New Tai Lue"/>
+        <a:font script="Tfng" typeface="Ebrima"/>
+      </a:majorFont>
+      <a:minorFont>
+        <a:latin typeface="Aptos" panose="02110004020202020204"/>
+        <a:ea typeface=""/>
+        <a:cs typeface=""/>
+        <a:font script="Jpan" typeface="游ゴシック"/>
+        <a:font script="Hang" typeface="맑은 고딕"/>
+        <a:font script="Hans" typeface="等线"/>
+        <a:font script="Hant" typeface="新細明體"/>
+        <a:font script="Arab" typeface="Arial"/>
+        <a:font script="Hebr" typeface="Arial"/>
+        <a:font script="Thai" typeface="Cordia New"/>
+        <a:font script="Ethi" typeface="Nyala"/>
+        <a:font script="Beng" typeface="Vrinda"/>
+        <a:font script="Gujr" typeface="Shruti"/>
+        <a:font script="Khmr" typeface="DaunPenh"/>
+        <a:font script="Knda" typeface="Tunga"/>
+        <a:font script="Guru" typeface="Raavi"/>
+        <a:font script="Cans" typeface="Euphemia"/>
+        <a:font script="Cher" typeface="Plantagenet Cherokee"/>
+        <a:font script="Yiii" typeface="Microsoft Yi Baiti"/>
+        <a:font script="Tibt" typeface="Microsoft Himalaya"/>
+        <a:font script="Thaa" typeface="MV Boli"/>
+        <a:font script="Deva" typeface="Mangal"/>
+        <a:font script="Telu" typeface="Gautami"/>
+        <a:font script="Taml" typeface="Latha"/>
+        <a:font script="Syrc" typeface="Estrangelo Edessa"/>
+        <a:font script="Orya" typeface="Kalinga"/>
+        <a:font script="Mlym" typeface="Kartika"/>
+        <a:font script="Laoo" typeface="DokChampa"/>
+        <a:font script="Sinh" typeface="Iskoola Pota"/>
+        <a:font script="Mong" typeface="Mongolian Baiti"/>
+        <a:font script="Viet" typeface="Arial"/>
+        <a:font script="Uigh" typeface="Microsoft Uighur"/>
+        <a:font script="Geor" typeface="Sylfaen"/>
+        <a:font script="Armn" typeface="Arial"/>
+        <a:font script="Bugi" typeface="Leelawadee UI"/>
+        <a:font script="Bopo" typeface="Microsoft JhengHei"/>
+        <a:font script="Java" typeface="Javanese Text"/>
+        <a:font script="Lisu" typeface="Segoe UI"/>
+        <a:font script="Mymr" typeface="Myanmar Text"/>
+        <a:font script="Nkoo" typeface="Ebrima"/>
+        <a:font script="Olck" typeface="Nirmala UI"/>
+        <a:font script="Osma" typeface="Ebrima"/>
+        <a:font script="Phag" typeface="Phagspa"/>
+        <a:font script="Syrn" typeface="Estrangelo Edessa"/>
+        <a:font script="Syrj" typeface="Estrangelo Edessa"/>
+        <a:font script="Syre" typeface="Estrangelo Edessa"/>
+        <a:font script="Sora" typeface="Nirmala UI"/>
+        <a:font script="Tale" typeface="Microsoft Tai Le"/>
+        <a:font script="Talu" typeface="Microsoft New Tai Lue"/>
+        <a:font script="Tfng" typeface="Ebrima"/>
+      </a:minorFont>
+    </a:fontScheme>
+    <a:fmtScheme name="Office">
+      <a:fillStyleLst>
+        <a:solidFill>
+          <a:schemeClr val="phClr"/>
+        </a:solidFill>
+        <a:gradFill rotWithShape="1">
+          <a:gsLst>
+            <a:gs pos="0">
+              <a:schemeClr val="phClr">
+                <a:lumMod val="110000"/>
+                <a:satMod val="105000"/>
+                <a:tint val="67000"/>
+              </a:schemeClr>
+            </a:gs>
+            <a:gs pos="50000">
+              <a:schemeClr val="phClr">
+                <a:lumMod val="105000"/>
+                <a:satMod val="103000"/>
+                <a:tint val="73000"/>
+              </a:schemeClr>
+            </a:gs>
+            <a:gs pos="100000">
+              <a:schemeClr val="phClr">
+                <a:lumMod val="105000"/>
+                <a:satMod val="109000"/>
+                <a:tint val="81000"/>
+              </a:schemeClr>
+            </a:gs>
+          </a:gsLst>
+          <a:lin ang="5400000" scaled="0"/>
+        </a:gradFill>
+        <a:gradFill rotWithShape="1">
+          <a:gsLst>
+            <a:gs pos="0">
+              <a:schemeClr val="phClr">
+                <a:satMod val="103000"/>
+                <a:lumMod val="102000"/>
+                <a:tint val="94000"/>
+              </a:schemeClr>
+            </a:gs>
+            <a:gs pos="50000">
+              <a:schemeClr val="phClr">
+                <a:satMod val="110000"/>
+                <a:lumMod val="100000"/>
+                <a:shade val="100000"/>
+              </a:schemeClr>
+            </a:gs>
+            <a:gs pos="100000">
+              <a:schemeClr val="phClr">
+                <a:lumMod val="99000"/>
+                <a:satMod val="120000"/>
+                <a:shade val="78000"/>
+              </a:schemeClr>
+            </a:gs>
+          </a:gsLst>
+          <a:lin ang="5400000" scaled="0"/>
+        </a:gradFill>
+      </a:fillStyleLst>
+      <a:lnStyleLst>
+        <a:ln w="12700" cap="flat" cmpd="sng" algn="ctr">
+          <a:solidFill>
+            <a:schemeClr val="phClr"/>
+          </a:solidFill>
+          <a:prstDash val="solid"/>
+          <a:miter lim="800000"/>
+        </a:ln>
+        <a:ln w="19050" cap="flat" cmpd="sng" algn="ctr">
+          <a:solidFill>
+            <a:schemeClr val="phClr"/>
+          </a:solidFill>
+          <a:prstDash val="solid"/>
+          <a:miter lim="800000"/>
+        </a:ln>
+        <a:ln w="25400" cap="flat" cmpd="sng" algn="ctr">
+          <a:solidFill>
+            <a:schemeClr val="phClr"/>
+          </a:solidFill>
+          <a:prstDash val="solid"/>
+          <a:miter lim="800000"/>
+        </a:ln>
+      </a:lnStyleLst>
+      <a:effectStyleLst>
+        <a:effectStyle>
+          <a:effectLst/>
+        </a:effectStyle>
+        <a:effectStyle>
+          <a:effectLst/>
+        </a:effectStyle>
+        <a:effectStyle>
+          <a:effectLst>
+            <a:outerShdw blurRad="57150" dist="19050" dir="5400000" algn="ctr" rotWithShape="0">
+              <a:srgbClr val="000000">
+                <a:alpha val="63000"/>
+              </a:srgbClr>
+            </a:outerShdw>
+          </a:effectLst>
+        </a:effectStyle>
+      </a:effectStyleLst>
+      <a:bgFillStyleLst>
+        <a:solidFill>
+          <a:schemeClr val="phClr"/>
+        </a:solidFill>
+        <a:solidFill>
+          <a:schemeClr val="phClr">
+            <a:tint val="95000"/>
+            <a:satMod val="170000"/>
+          </a:schemeClr>
+        </a:solidFill>
+        <a:gradFill rotWithShape="1">
+          <a:gsLst>
+            <a:gs pos="0">
+              <a:schemeClr val="phClr">
+                <a:tint val="93000"/>
+                <a:satMod val="150000"/>
+                <a:shade val="98000"/>
+                <a:lumMod val="102000"/>
+              </a:schemeClr>
+            </a:gs>
+            <a:gs pos="50000">
+              <a:schemeClr val="phClr">
+                <a:tint val="98000"/>
+                <a:satMod val="130000"/>
+                <a:shade val="90000"/>
+                <a:lumMod val="103000"/>
+              </a:schemeClr>
+            </a:gs>
+            <a:gs pos="100000">
+              <a:schemeClr val="phClr">
+                <a:shade val="63000"/>
+                <a:satMod val="120000"/>
+              </a:schemeClr>
+            </a:gs>
+          </a:gsLst>
+          <a:lin ang="5400000" scaled="0"/>
+        </a:gradFill>
+      </a:bgFillStyleLst>
+    </a:fmtScheme>
+  </a:themeElements>
+  <a:objectDefaults>
+    <a:lnDef>
+      <a:spPr/>
+      <a:bodyPr/>
+      <a:lstStyle/>
+      <a:style>
+        <a:lnRef idx="2">
+          <a:schemeClr val="accent1"/>
+        </a:lnRef>
+        <a:fillRef idx="0">
+          <a:schemeClr val="accent1"/>
+        </a:fillRef>
+        <a:effectRef idx="1">
+          <a:schemeClr val="accent1"/>
+        </a:effectRef>
+        <a:fontRef idx="minor">
+          <a:schemeClr val="tx1"/>
+        </a:fontRef>
+      </a:style>
+    </a:lnDef>
+  </a:objectDefaults>
+  <a:extraClrSchemeLst/>
+  <a:extLst>
+    <a:ext uri="{05A4C25C-085E-4340-85A3-A5531E510DB2}">
+      <thm15:themeFamily xmlns:thm15="http://schemas.microsoft.com/office/thememl/2012/main" name="Office Theme" id="{2E142A2C-CD16-42D6-873A-C26D2A0506FA}" vid="{1BDDFF52-6CD6-40A5-AB3C-68EB2F1E4D0A}"/>
+    </a:ext>
+  </a:extLst>
+</a:theme>
 </file>
--- a/Doc/2414_Presentation.pptx
+++ b/Doc/2414_Presentation.pptx
@@ -5,7 +5,7 @@
     <p:sldMasterId id="2147483648" r:id="rId1"/>
   </p:sldMasterIdLst>
   <p:notesMasterIdLst>
-    <p:notesMasterId r:id="rId26"/>
+    <p:notesMasterId r:id="rId25"/>
   </p:notesMasterIdLst>
   <p:sldIdLst>
     <p:sldId id="256" r:id="rId2"/>
@@ -23,15 +23,14 @@
     <p:sldId id="265" r:id="rId14"/>
     <p:sldId id="266" r:id="rId15"/>
     <p:sldId id="267" r:id="rId16"/>
-    <p:sldId id="268" r:id="rId17"/>
-    <p:sldId id="269" r:id="rId18"/>
-    <p:sldId id="277" r:id="rId19"/>
-    <p:sldId id="282" r:id="rId20"/>
-    <p:sldId id="283" r:id="rId21"/>
-    <p:sldId id="281" r:id="rId22"/>
-    <p:sldId id="278" r:id="rId23"/>
-    <p:sldId id="279" r:id="rId24"/>
-    <p:sldId id="280" r:id="rId25"/>
+    <p:sldId id="269" r:id="rId17"/>
+    <p:sldId id="277" r:id="rId18"/>
+    <p:sldId id="282" r:id="rId19"/>
+    <p:sldId id="283" r:id="rId20"/>
+    <p:sldId id="281" r:id="rId21"/>
+    <p:sldId id="278" r:id="rId22"/>
+    <p:sldId id="279" r:id="rId23"/>
+    <p:sldId id="280" r:id="rId24"/>
   </p:sldIdLst>
   <p:sldSz cx="9144000" cy="6858000" type="screen4x3"/>
   <p:notesSz cx="6858000" cy="9144000"/>
@@ -4336,6 +4335,97 @@
                       </p:childTnLst>
                     </p:cTn>
                   </p:par>
+                  <p:par>
+                    <p:cTn id="11" fill="hold">
+                      <p:stCondLst>
+                        <p:cond delay="indefinite"/>
+                      </p:stCondLst>
+                      <p:childTnLst>
+                        <p:par>
+                          <p:cTn id="12" fill="hold">
+                            <p:stCondLst>
+                              <p:cond delay="0"/>
+                            </p:stCondLst>
+                            <p:childTnLst>
+                              <p:par>
+                                <p:cTn id="13" presetID="2" presetClass="entr" presetSubtype="4" fill="hold" nodeType="clickEffect">
+                                  <p:stCondLst>
+                                    <p:cond delay="0"/>
+                                  </p:stCondLst>
+                                  <p:childTnLst>
+                                    <p:set>
+                                      <p:cBhvr>
+                                        <p:cTn id="14" dur="1" fill="hold">
+                                          <p:stCondLst>
+                                            <p:cond delay="0"/>
+                                          </p:stCondLst>
+                                        </p:cTn>
+                                        <p:tgtEl>
+                                          <p:spTgt spid="4"/>
+                                        </p:tgtEl>
+                                        <p:attrNameLst>
+                                          <p:attrName>style.visibility</p:attrName>
+                                        </p:attrNameLst>
+                                      </p:cBhvr>
+                                      <p:to>
+                                        <p:strVal val="visible"/>
+                                      </p:to>
+                                    </p:set>
+                                    <p:anim calcmode="lin" valueType="num">
+                                      <p:cBhvr additive="base">
+                                        <p:cTn id="15" dur="500" fill="hold"/>
+                                        <p:tgtEl>
+                                          <p:spTgt spid="4"/>
+                                        </p:tgtEl>
+                                        <p:attrNameLst>
+                                          <p:attrName>ppt_x</p:attrName>
+                                        </p:attrNameLst>
+                                      </p:cBhvr>
+                                      <p:tavLst>
+                                        <p:tav tm="0">
+                                          <p:val>
+                                            <p:strVal val="#ppt_x"/>
+                                          </p:val>
+                                        </p:tav>
+                                        <p:tav tm="100000">
+                                          <p:val>
+                                            <p:strVal val="#ppt_x"/>
+                                          </p:val>
+                                        </p:tav>
+                                      </p:tavLst>
+                                    </p:anim>
+                                    <p:anim calcmode="lin" valueType="num">
+                                      <p:cBhvr additive="base">
+                                        <p:cTn id="16" dur="500" fill="hold"/>
+                                        <p:tgtEl>
+                                          <p:spTgt spid="4"/>
+                                        </p:tgtEl>
+                                        <p:attrNameLst>
+                                          <p:attrName>ppt_y</p:attrName>
+                                        </p:attrNameLst>
+                                      </p:cBhvr>
+                                      <p:tavLst>
+                                        <p:tav tm="0">
+                                          <p:val>
+                                            <p:strVal val="1+#ppt_h/2"/>
+                                          </p:val>
+                                        </p:tav>
+                                        <p:tav tm="100000">
+                                          <p:val>
+                                            <p:strVal val="#ppt_y"/>
+                                          </p:val>
+                                        </p:tav>
+                                      </p:tavLst>
+                                    </p:anim>
+                                  </p:childTnLst>
+                                </p:cTn>
+                              </p:par>
+                            </p:childTnLst>
+                          </p:cTn>
+                        </p:par>
+                      </p:childTnLst>
+                    </p:cTn>
+                  </p:par>
                 </p:childTnLst>
               </p:cTn>
               <p:prevCondLst>
@@ -4948,6 +5038,16 @@
               <a:buFontTx/>
               <a:buChar char="-"/>
             </a:pPr>
+            <a:r>
+              <a:rPr lang="fr-FR" dirty="0"/>
+              <a:t>Registre à décalage</a:t>
+            </a:r>
+          </a:p>
+          <a:p>
+            <a:pPr>
+              <a:buFontTx/>
+              <a:buChar char="-"/>
+            </a:pPr>
             <a:endParaRPr lang="fr-CH" dirty="0"/>
           </a:p>
         </p:txBody>
@@ -4962,18 +5062,769 @@
   <p:clrMapOvr>
     <a:masterClrMapping/>
   </p:clrMapOvr>
-  <mc:AlternateContent xmlns:mc="http://schemas.openxmlformats.org/markup-compatibility/2006">
-    <mc:Choice xmlns:p14="http://schemas.microsoft.com/office/powerpoint/2010/main" Requires="p14">
+  <mc:AlternateContent xmlns:mc="http://schemas.openxmlformats.org/markup-compatibility/2006" xmlns:p14="http://schemas.microsoft.com/office/powerpoint/2010/main">
+    <mc:Choice Requires="p14">
       <p:transition spd="slow" p14:dur="1600">
         <p14:conveyor dir="l"/>
       </p:transition>
     </mc:Choice>
-    <mc:Fallback>
+    <mc:Fallback xmlns="">
       <p:transition spd="slow">
         <p:fade/>
       </p:transition>
     </mc:Fallback>
   </mc:AlternateContent>
+  <p:timing>
+    <p:tnLst>
+      <p:par>
+        <p:cTn id="1" dur="indefinite" restart="never" nodeType="tmRoot">
+          <p:childTnLst>
+            <p:seq concurrent="1" nextAc="seek">
+              <p:cTn id="2" dur="indefinite" nodeType="mainSeq">
+                <p:childTnLst>
+                  <p:par>
+                    <p:cTn id="3" fill="hold">
+                      <p:stCondLst>
+                        <p:cond delay="indefinite"/>
+                      </p:stCondLst>
+                      <p:childTnLst>
+                        <p:par>
+                          <p:cTn id="4" fill="hold">
+                            <p:stCondLst>
+                              <p:cond delay="0"/>
+                            </p:stCondLst>
+                            <p:childTnLst>
+                              <p:par>
+                                <p:cTn id="5" presetID="2" presetClass="entr" presetSubtype="4" fill="hold" nodeType="clickEffect">
+                                  <p:stCondLst>
+                                    <p:cond delay="0"/>
+                                  </p:stCondLst>
+                                  <p:childTnLst>
+                                    <p:set>
+                                      <p:cBhvr>
+                                        <p:cTn id="6" dur="1" fill="hold">
+                                          <p:stCondLst>
+                                            <p:cond delay="0"/>
+                                          </p:stCondLst>
+                                        </p:cTn>
+                                        <p:tgtEl>
+                                          <p:spTgt spid="8">
+                                            <p:txEl>
+                                              <p:pRg st="0" end="0"/>
+                                            </p:txEl>
+                                          </p:spTgt>
+                                        </p:tgtEl>
+                                        <p:attrNameLst>
+                                          <p:attrName>style.visibility</p:attrName>
+                                        </p:attrNameLst>
+                                      </p:cBhvr>
+                                      <p:to>
+                                        <p:strVal val="visible"/>
+                                      </p:to>
+                                    </p:set>
+                                    <p:anim calcmode="lin" valueType="num">
+                                      <p:cBhvr additive="base">
+                                        <p:cTn id="7" dur="500" fill="hold"/>
+                                        <p:tgtEl>
+                                          <p:spTgt spid="8">
+                                            <p:txEl>
+                                              <p:pRg st="0" end="0"/>
+                                            </p:txEl>
+                                          </p:spTgt>
+                                        </p:tgtEl>
+                                        <p:attrNameLst>
+                                          <p:attrName>ppt_x</p:attrName>
+                                        </p:attrNameLst>
+                                      </p:cBhvr>
+                                      <p:tavLst>
+                                        <p:tav tm="0">
+                                          <p:val>
+                                            <p:strVal val="#ppt_x"/>
+                                          </p:val>
+                                        </p:tav>
+                                        <p:tav tm="100000">
+                                          <p:val>
+                                            <p:strVal val="#ppt_x"/>
+                                          </p:val>
+                                        </p:tav>
+                                      </p:tavLst>
+                                    </p:anim>
+                                    <p:anim calcmode="lin" valueType="num">
+                                      <p:cBhvr additive="base">
+                                        <p:cTn id="8" dur="500" fill="hold"/>
+                                        <p:tgtEl>
+                                          <p:spTgt spid="8">
+                                            <p:txEl>
+                                              <p:pRg st="0" end="0"/>
+                                            </p:txEl>
+                                          </p:spTgt>
+                                        </p:tgtEl>
+                                        <p:attrNameLst>
+                                          <p:attrName>ppt_y</p:attrName>
+                                        </p:attrNameLst>
+                                      </p:cBhvr>
+                                      <p:tavLst>
+                                        <p:tav tm="0">
+                                          <p:val>
+                                            <p:strVal val="1+#ppt_h/2"/>
+                                          </p:val>
+                                        </p:tav>
+                                        <p:tav tm="100000">
+                                          <p:val>
+                                            <p:strVal val="#ppt_y"/>
+                                          </p:val>
+                                        </p:tav>
+                                      </p:tavLst>
+                                    </p:anim>
+                                  </p:childTnLst>
+                                </p:cTn>
+                              </p:par>
+                            </p:childTnLst>
+                          </p:cTn>
+                        </p:par>
+                      </p:childTnLst>
+                    </p:cTn>
+                  </p:par>
+                  <p:par>
+                    <p:cTn id="9" fill="hold">
+                      <p:stCondLst>
+                        <p:cond delay="indefinite"/>
+                      </p:stCondLst>
+                      <p:childTnLst>
+                        <p:par>
+                          <p:cTn id="10" fill="hold">
+                            <p:stCondLst>
+                              <p:cond delay="0"/>
+                            </p:stCondLst>
+                            <p:childTnLst>
+                              <p:par>
+                                <p:cTn id="11" presetID="2" presetClass="entr" presetSubtype="4" fill="hold" nodeType="clickEffect">
+                                  <p:stCondLst>
+                                    <p:cond delay="0"/>
+                                  </p:stCondLst>
+                                  <p:childTnLst>
+                                    <p:set>
+                                      <p:cBhvr>
+                                        <p:cTn id="12" dur="1" fill="hold">
+                                          <p:stCondLst>
+                                            <p:cond delay="0"/>
+                                          </p:stCondLst>
+                                        </p:cTn>
+                                        <p:tgtEl>
+                                          <p:spTgt spid="8">
+                                            <p:txEl>
+                                              <p:pRg st="1" end="1"/>
+                                            </p:txEl>
+                                          </p:spTgt>
+                                        </p:tgtEl>
+                                        <p:attrNameLst>
+                                          <p:attrName>style.visibility</p:attrName>
+                                        </p:attrNameLst>
+                                      </p:cBhvr>
+                                      <p:to>
+                                        <p:strVal val="visible"/>
+                                      </p:to>
+                                    </p:set>
+                                    <p:anim calcmode="lin" valueType="num">
+                                      <p:cBhvr additive="base">
+                                        <p:cTn id="13" dur="500" fill="hold"/>
+                                        <p:tgtEl>
+                                          <p:spTgt spid="8">
+                                            <p:txEl>
+                                              <p:pRg st="1" end="1"/>
+                                            </p:txEl>
+                                          </p:spTgt>
+                                        </p:tgtEl>
+                                        <p:attrNameLst>
+                                          <p:attrName>ppt_x</p:attrName>
+                                        </p:attrNameLst>
+                                      </p:cBhvr>
+                                      <p:tavLst>
+                                        <p:tav tm="0">
+                                          <p:val>
+                                            <p:strVal val="#ppt_x"/>
+                                          </p:val>
+                                        </p:tav>
+                                        <p:tav tm="100000">
+                                          <p:val>
+                                            <p:strVal val="#ppt_x"/>
+                                          </p:val>
+                                        </p:tav>
+                                      </p:tavLst>
+                                    </p:anim>
+                                    <p:anim calcmode="lin" valueType="num">
+                                      <p:cBhvr additive="base">
+                                        <p:cTn id="14" dur="500" fill="hold"/>
+                                        <p:tgtEl>
+                                          <p:spTgt spid="8">
+                                            <p:txEl>
+                                              <p:pRg st="1" end="1"/>
+                                            </p:txEl>
+                                          </p:spTgt>
+                                        </p:tgtEl>
+                                        <p:attrNameLst>
+                                          <p:attrName>ppt_y</p:attrName>
+                                        </p:attrNameLst>
+                                      </p:cBhvr>
+                                      <p:tavLst>
+                                        <p:tav tm="0">
+                                          <p:val>
+                                            <p:strVal val="1+#ppt_h/2"/>
+                                          </p:val>
+                                        </p:tav>
+                                        <p:tav tm="100000">
+                                          <p:val>
+                                            <p:strVal val="#ppt_y"/>
+                                          </p:val>
+                                        </p:tav>
+                                      </p:tavLst>
+                                    </p:anim>
+                                  </p:childTnLst>
+                                </p:cTn>
+                              </p:par>
+                            </p:childTnLst>
+                          </p:cTn>
+                        </p:par>
+                      </p:childTnLst>
+                    </p:cTn>
+                  </p:par>
+                  <p:par>
+                    <p:cTn id="15" fill="hold">
+                      <p:stCondLst>
+                        <p:cond delay="indefinite"/>
+                      </p:stCondLst>
+                      <p:childTnLst>
+                        <p:par>
+                          <p:cTn id="16" fill="hold">
+                            <p:stCondLst>
+                              <p:cond delay="0"/>
+                            </p:stCondLst>
+                            <p:childTnLst>
+                              <p:par>
+                                <p:cTn id="17" presetID="2" presetClass="entr" presetSubtype="4" fill="hold" nodeType="clickEffect">
+                                  <p:stCondLst>
+                                    <p:cond delay="0"/>
+                                  </p:stCondLst>
+                                  <p:childTnLst>
+                                    <p:set>
+                                      <p:cBhvr>
+                                        <p:cTn id="18" dur="1" fill="hold">
+                                          <p:stCondLst>
+                                            <p:cond delay="0"/>
+                                          </p:stCondLst>
+                                        </p:cTn>
+                                        <p:tgtEl>
+                                          <p:spTgt spid="8">
+                                            <p:txEl>
+                                              <p:pRg st="2" end="2"/>
+                                            </p:txEl>
+                                          </p:spTgt>
+                                        </p:tgtEl>
+                                        <p:attrNameLst>
+                                          <p:attrName>style.visibility</p:attrName>
+                                        </p:attrNameLst>
+                                      </p:cBhvr>
+                                      <p:to>
+                                        <p:strVal val="visible"/>
+                                      </p:to>
+                                    </p:set>
+                                    <p:anim calcmode="lin" valueType="num">
+                                      <p:cBhvr additive="base">
+                                        <p:cTn id="19" dur="500" fill="hold"/>
+                                        <p:tgtEl>
+                                          <p:spTgt spid="8">
+                                            <p:txEl>
+                                              <p:pRg st="2" end="2"/>
+                                            </p:txEl>
+                                          </p:spTgt>
+                                        </p:tgtEl>
+                                        <p:attrNameLst>
+                                          <p:attrName>ppt_x</p:attrName>
+                                        </p:attrNameLst>
+                                      </p:cBhvr>
+                                      <p:tavLst>
+                                        <p:tav tm="0">
+                                          <p:val>
+                                            <p:strVal val="#ppt_x"/>
+                                          </p:val>
+                                        </p:tav>
+                                        <p:tav tm="100000">
+                                          <p:val>
+                                            <p:strVal val="#ppt_x"/>
+                                          </p:val>
+                                        </p:tav>
+                                      </p:tavLst>
+                                    </p:anim>
+                                    <p:anim calcmode="lin" valueType="num">
+                                      <p:cBhvr additive="base">
+                                        <p:cTn id="20" dur="500" fill="hold"/>
+                                        <p:tgtEl>
+                                          <p:spTgt spid="8">
+                                            <p:txEl>
+                                              <p:pRg st="2" end="2"/>
+                                            </p:txEl>
+                                          </p:spTgt>
+                                        </p:tgtEl>
+                                        <p:attrNameLst>
+                                          <p:attrName>ppt_y</p:attrName>
+                                        </p:attrNameLst>
+                                      </p:cBhvr>
+                                      <p:tavLst>
+                                        <p:tav tm="0">
+                                          <p:val>
+                                            <p:strVal val="1+#ppt_h/2"/>
+                                          </p:val>
+                                        </p:tav>
+                                        <p:tav tm="100000">
+                                          <p:val>
+                                            <p:strVal val="#ppt_y"/>
+                                          </p:val>
+                                        </p:tav>
+                                      </p:tavLst>
+                                    </p:anim>
+                                  </p:childTnLst>
+                                </p:cTn>
+                              </p:par>
+                            </p:childTnLst>
+                          </p:cTn>
+                        </p:par>
+                      </p:childTnLst>
+                    </p:cTn>
+                  </p:par>
+                  <p:par>
+                    <p:cTn id="21" fill="hold">
+                      <p:stCondLst>
+                        <p:cond delay="indefinite"/>
+                      </p:stCondLst>
+                      <p:childTnLst>
+                        <p:par>
+                          <p:cTn id="22" fill="hold">
+                            <p:stCondLst>
+                              <p:cond delay="0"/>
+                            </p:stCondLst>
+                            <p:childTnLst>
+                              <p:par>
+                                <p:cTn id="23" presetID="2" presetClass="entr" presetSubtype="4" fill="hold" nodeType="clickEffect">
+                                  <p:stCondLst>
+                                    <p:cond delay="0"/>
+                                  </p:stCondLst>
+                                  <p:childTnLst>
+                                    <p:set>
+                                      <p:cBhvr>
+                                        <p:cTn id="24" dur="1" fill="hold">
+                                          <p:stCondLst>
+                                            <p:cond delay="0"/>
+                                          </p:stCondLst>
+                                        </p:cTn>
+                                        <p:tgtEl>
+                                          <p:spTgt spid="8">
+                                            <p:txEl>
+                                              <p:pRg st="3" end="3"/>
+                                            </p:txEl>
+                                          </p:spTgt>
+                                        </p:tgtEl>
+                                        <p:attrNameLst>
+                                          <p:attrName>style.visibility</p:attrName>
+                                        </p:attrNameLst>
+                                      </p:cBhvr>
+                                      <p:to>
+                                        <p:strVal val="visible"/>
+                                      </p:to>
+                                    </p:set>
+                                    <p:anim calcmode="lin" valueType="num">
+                                      <p:cBhvr additive="base">
+                                        <p:cTn id="25" dur="500" fill="hold"/>
+                                        <p:tgtEl>
+                                          <p:spTgt spid="8">
+                                            <p:txEl>
+                                              <p:pRg st="3" end="3"/>
+                                            </p:txEl>
+                                          </p:spTgt>
+                                        </p:tgtEl>
+                                        <p:attrNameLst>
+                                          <p:attrName>ppt_x</p:attrName>
+                                        </p:attrNameLst>
+                                      </p:cBhvr>
+                                      <p:tavLst>
+                                        <p:tav tm="0">
+                                          <p:val>
+                                            <p:strVal val="#ppt_x"/>
+                                          </p:val>
+                                        </p:tav>
+                                        <p:tav tm="100000">
+                                          <p:val>
+                                            <p:strVal val="#ppt_x"/>
+                                          </p:val>
+                                        </p:tav>
+                                      </p:tavLst>
+                                    </p:anim>
+                                    <p:anim calcmode="lin" valueType="num">
+                                      <p:cBhvr additive="base">
+                                        <p:cTn id="26" dur="500" fill="hold"/>
+                                        <p:tgtEl>
+                                          <p:spTgt spid="8">
+                                            <p:txEl>
+                                              <p:pRg st="3" end="3"/>
+                                            </p:txEl>
+                                          </p:spTgt>
+                                        </p:tgtEl>
+                                        <p:attrNameLst>
+                                          <p:attrName>ppt_y</p:attrName>
+                                        </p:attrNameLst>
+                                      </p:cBhvr>
+                                      <p:tavLst>
+                                        <p:tav tm="0">
+                                          <p:val>
+                                            <p:strVal val="1+#ppt_h/2"/>
+                                          </p:val>
+                                        </p:tav>
+                                        <p:tav tm="100000">
+                                          <p:val>
+                                            <p:strVal val="#ppt_y"/>
+                                          </p:val>
+                                        </p:tav>
+                                      </p:tavLst>
+                                    </p:anim>
+                                  </p:childTnLst>
+                                </p:cTn>
+                              </p:par>
+                            </p:childTnLst>
+                          </p:cTn>
+                        </p:par>
+                      </p:childTnLst>
+                    </p:cTn>
+                  </p:par>
+                  <p:par>
+                    <p:cTn id="27" fill="hold">
+                      <p:stCondLst>
+                        <p:cond delay="indefinite"/>
+                      </p:stCondLst>
+                      <p:childTnLst>
+                        <p:par>
+                          <p:cTn id="28" fill="hold">
+                            <p:stCondLst>
+                              <p:cond delay="0"/>
+                            </p:stCondLst>
+                            <p:childTnLst>
+                              <p:par>
+                                <p:cTn id="29" presetID="2" presetClass="entr" presetSubtype="4" fill="hold" nodeType="clickEffect">
+                                  <p:stCondLst>
+                                    <p:cond delay="0"/>
+                                  </p:stCondLst>
+                                  <p:childTnLst>
+                                    <p:set>
+                                      <p:cBhvr>
+                                        <p:cTn id="30" dur="1" fill="hold">
+                                          <p:stCondLst>
+                                            <p:cond delay="0"/>
+                                          </p:stCondLst>
+                                        </p:cTn>
+                                        <p:tgtEl>
+                                          <p:spTgt spid="8">
+                                            <p:txEl>
+                                              <p:pRg st="4" end="4"/>
+                                            </p:txEl>
+                                          </p:spTgt>
+                                        </p:tgtEl>
+                                        <p:attrNameLst>
+                                          <p:attrName>style.visibility</p:attrName>
+                                        </p:attrNameLst>
+                                      </p:cBhvr>
+                                      <p:to>
+                                        <p:strVal val="visible"/>
+                                      </p:to>
+                                    </p:set>
+                                    <p:anim calcmode="lin" valueType="num">
+                                      <p:cBhvr additive="base">
+                                        <p:cTn id="31" dur="500" fill="hold"/>
+                                        <p:tgtEl>
+                                          <p:spTgt spid="8">
+                                            <p:txEl>
+                                              <p:pRg st="4" end="4"/>
+                                            </p:txEl>
+                                          </p:spTgt>
+                                        </p:tgtEl>
+                                        <p:attrNameLst>
+                                          <p:attrName>ppt_x</p:attrName>
+                                        </p:attrNameLst>
+                                      </p:cBhvr>
+                                      <p:tavLst>
+                                        <p:tav tm="0">
+                                          <p:val>
+                                            <p:strVal val="#ppt_x"/>
+                                          </p:val>
+                                        </p:tav>
+                                        <p:tav tm="100000">
+                                          <p:val>
+                                            <p:strVal val="#ppt_x"/>
+                                          </p:val>
+                                        </p:tav>
+                                      </p:tavLst>
+                                    </p:anim>
+                                    <p:anim calcmode="lin" valueType="num">
+                                      <p:cBhvr additive="base">
+                                        <p:cTn id="32" dur="500" fill="hold"/>
+                                        <p:tgtEl>
+                                          <p:spTgt spid="8">
+                                            <p:txEl>
+                                              <p:pRg st="4" end="4"/>
+                                            </p:txEl>
+                                          </p:spTgt>
+                                        </p:tgtEl>
+                                        <p:attrNameLst>
+                                          <p:attrName>ppt_y</p:attrName>
+                                        </p:attrNameLst>
+                                      </p:cBhvr>
+                                      <p:tavLst>
+                                        <p:tav tm="0">
+                                          <p:val>
+                                            <p:strVal val="1+#ppt_h/2"/>
+                                          </p:val>
+                                        </p:tav>
+                                        <p:tav tm="100000">
+                                          <p:val>
+                                            <p:strVal val="#ppt_y"/>
+                                          </p:val>
+                                        </p:tav>
+                                      </p:tavLst>
+                                    </p:anim>
+                                  </p:childTnLst>
+                                </p:cTn>
+                              </p:par>
+                            </p:childTnLst>
+                          </p:cTn>
+                        </p:par>
+                      </p:childTnLst>
+                    </p:cTn>
+                  </p:par>
+                  <p:par>
+                    <p:cTn id="33" fill="hold">
+                      <p:stCondLst>
+                        <p:cond delay="indefinite"/>
+                      </p:stCondLst>
+                      <p:childTnLst>
+                        <p:par>
+                          <p:cTn id="34" fill="hold">
+                            <p:stCondLst>
+                              <p:cond delay="0"/>
+                            </p:stCondLst>
+                            <p:childTnLst>
+                              <p:par>
+                                <p:cTn id="35" presetID="2" presetClass="entr" presetSubtype="4" fill="hold" nodeType="clickEffect">
+                                  <p:stCondLst>
+                                    <p:cond delay="0"/>
+                                  </p:stCondLst>
+                                  <p:childTnLst>
+                                    <p:set>
+                                      <p:cBhvr>
+                                        <p:cTn id="36" dur="1" fill="hold">
+                                          <p:stCondLst>
+                                            <p:cond delay="0"/>
+                                          </p:stCondLst>
+                                        </p:cTn>
+                                        <p:tgtEl>
+                                          <p:spTgt spid="8">
+                                            <p:txEl>
+                                              <p:pRg st="5" end="5"/>
+                                            </p:txEl>
+                                          </p:spTgt>
+                                        </p:tgtEl>
+                                        <p:attrNameLst>
+                                          <p:attrName>style.visibility</p:attrName>
+                                        </p:attrNameLst>
+                                      </p:cBhvr>
+                                      <p:to>
+                                        <p:strVal val="visible"/>
+                                      </p:to>
+                                    </p:set>
+                                    <p:anim calcmode="lin" valueType="num">
+                                      <p:cBhvr additive="base">
+                                        <p:cTn id="37" dur="500" fill="hold"/>
+                                        <p:tgtEl>
+                                          <p:spTgt spid="8">
+                                            <p:txEl>
+                                              <p:pRg st="5" end="5"/>
+                                            </p:txEl>
+                                          </p:spTgt>
+                                        </p:tgtEl>
+                                        <p:attrNameLst>
+                                          <p:attrName>ppt_x</p:attrName>
+                                        </p:attrNameLst>
+                                      </p:cBhvr>
+                                      <p:tavLst>
+                                        <p:tav tm="0">
+                                          <p:val>
+                                            <p:strVal val="#ppt_x"/>
+                                          </p:val>
+                                        </p:tav>
+                                        <p:tav tm="100000">
+                                          <p:val>
+                                            <p:strVal val="#ppt_x"/>
+                                          </p:val>
+                                        </p:tav>
+                                      </p:tavLst>
+                                    </p:anim>
+                                    <p:anim calcmode="lin" valueType="num">
+                                      <p:cBhvr additive="base">
+                                        <p:cTn id="38" dur="500" fill="hold"/>
+                                        <p:tgtEl>
+                                          <p:spTgt spid="8">
+                                            <p:txEl>
+                                              <p:pRg st="5" end="5"/>
+                                            </p:txEl>
+                                          </p:spTgt>
+                                        </p:tgtEl>
+                                        <p:attrNameLst>
+                                          <p:attrName>ppt_y</p:attrName>
+                                        </p:attrNameLst>
+                                      </p:cBhvr>
+                                      <p:tavLst>
+                                        <p:tav tm="0">
+                                          <p:val>
+                                            <p:strVal val="1+#ppt_h/2"/>
+                                          </p:val>
+                                        </p:tav>
+                                        <p:tav tm="100000">
+                                          <p:val>
+                                            <p:strVal val="#ppt_y"/>
+                                          </p:val>
+                                        </p:tav>
+                                      </p:tavLst>
+                                    </p:anim>
+                                  </p:childTnLst>
+                                </p:cTn>
+                              </p:par>
+                            </p:childTnLst>
+                          </p:cTn>
+                        </p:par>
+                      </p:childTnLst>
+                    </p:cTn>
+                  </p:par>
+                  <p:par>
+                    <p:cTn id="39" fill="hold">
+                      <p:stCondLst>
+                        <p:cond delay="indefinite"/>
+                      </p:stCondLst>
+                      <p:childTnLst>
+                        <p:par>
+                          <p:cTn id="40" fill="hold">
+                            <p:stCondLst>
+                              <p:cond delay="0"/>
+                            </p:stCondLst>
+                            <p:childTnLst>
+                              <p:par>
+                                <p:cTn id="41" presetID="2" presetClass="entr" presetSubtype="4" fill="hold" nodeType="clickEffect">
+                                  <p:stCondLst>
+                                    <p:cond delay="0"/>
+                                  </p:stCondLst>
+                                  <p:childTnLst>
+                                    <p:set>
+                                      <p:cBhvr>
+                                        <p:cTn id="42" dur="1" fill="hold">
+                                          <p:stCondLst>
+                                            <p:cond delay="0"/>
+                                          </p:stCondLst>
+                                        </p:cTn>
+                                        <p:tgtEl>
+                                          <p:spTgt spid="8">
+                                            <p:txEl>
+                                              <p:pRg st="6" end="6"/>
+                                            </p:txEl>
+                                          </p:spTgt>
+                                        </p:tgtEl>
+                                        <p:attrNameLst>
+                                          <p:attrName>style.visibility</p:attrName>
+                                        </p:attrNameLst>
+                                      </p:cBhvr>
+                                      <p:to>
+                                        <p:strVal val="visible"/>
+                                      </p:to>
+                                    </p:set>
+                                    <p:anim calcmode="lin" valueType="num">
+                                      <p:cBhvr additive="base">
+                                        <p:cTn id="43" dur="500" fill="hold"/>
+                                        <p:tgtEl>
+                                          <p:spTgt spid="8">
+                                            <p:txEl>
+                                              <p:pRg st="6" end="6"/>
+                                            </p:txEl>
+                                          </p:spTgt>
+                                        </p:tgtEl>
+                                        <p:attrNameLst>
+                                          <p:attrName>ppt_x</p:attrName>
+                                        </p:attrNameLst>
+                                      </p:cBhvr>
+                                      <p:tavLst>
+                                        <p:tav tm="0">
+                                          <p:val>
+                                            <p:strVal val="#ppt_x"/>
+                                          </p:val>
+                                        </p:tav>
+                                        <p:tav tm="100000">
+                                          <p:val>
+                                            <p:strVal val="#ppt_x"/>
+                                          </p:val>
+                                        </p:tav>
+                                      </p:tavLst>
+                                    </p:anim>
+                                    <p:anim calcmode="lin" valueType="num">
+                                      <p:cBhvr additive="base">
+                                        <p:cTn id="44" dur="500" fill="hold"/>
+                                        <p:tgtEl>
+                                          <p:spTgt spid="8">
+                                            <p:txEl>
+                                              <p:pRg st="6" end="6"/>
+                                            </p:txEl>
+                                          </p:spTgt>
+                                        </p:tgtEl>
+                                        <p:attrNameLst>
+                                          <p:attrName>ppt_y</p:attrName>
+                                        </p:attrNameLst>
+                                      </p:cBhvr>
+                                      <p:tavLst>
+                                        <p:tav tm="0">
+                                          <p:val>
+                                            <p:strVal val="1+#ppt_h/2"/>
+                                          </p:val>
+                                        </p:tav>
+                                        <p:tav tm="100000">
+                                          <p:val>
+                                            <p:strVal val="#ppt_y"/>
+                                          </p:val>
+                                        </p:tav>
+                                      </p:tavLst>
+                                    </p:anim>
+                                  </p:childTnLst>
+                                </p:cTn>
+                              </p:par>
+                            </p:childTnLst>
+                          </p:cTn>
+                        </p:par>
+                      </p:childTnLst>
+                    </p:cTn>
+                  </p:par>
+                </p:childTnLst>
+              </p:cTn>
+              <p:prevCondLst>
+                <p:cond evt="onPrev" delay="0">
+                  <p:tgtEl>
+                    <p:sldTgt/>
+                  </p:tgtEl>
+                </p:cond>
+              </p:prevCondLst>
+              <p:nextCondLst>
+                <p:cond evt="onNext" delay="0">
+                  <p:tgtEl>
+                    <p:sldTgt/>
+                  </p:tgtEl>
+                </p:cond>
+              </p:nextCondLst>
+            </p:seq>
+          </p:childTnLst>
+        </p:cTn>
+      </p:par>
+    </p:tnLst>
+  </p:timing>
 </p:sld>
 </file>
 
@@ -5670,18 +6521,439 @@
   <p:clrMapOvr>
     <a:masterClrMapping/>
   </p:clrMapOvr>
-  <mc:AlternateContent xmlns:mc="http://schemas.openxmlformats.org/markup-compatibility/2006">
-    <mc:Choice xmlns:p14="http://schemas.microsoft.com/office/powerpoint/2010/main" Requires="p14">
+  <mc:AlternateContent xmlns:mc="http://schemas.openxmlformats.org/markup-compatibility/2006" xmlns:p14="http://schemas.microsoft.com/office/powerpoint/2010/main">
+    <mc:Choice Requires="p14">
       <p:transition spd="slow" p14:dur="1600">
         <p14:conveyor dir="l"/>
       </p:transition>
     </mc:Choice>
-    <mc:Fallback>
+    <mc:Fallback xmlns="">
       <p:transition spd="slow">
         <p:fade/>
       </p:transition>
     </mc:Fallback>
   </mc:AlternateContent>
+  <p:timing>
+    <p:tnLst>
+      <p:par>
+        <p:cTn id="1" dur="indefinite" restart="never" nodeType="tmRoot">
+          <p:childTnLst>
+            <p:seq concurrent="1" nextAc="seek">
+              <p:cTn id="2" dur="indefinite" nodeType="mainSeq">
+                <p:childTnLst>
+                  <p:par>
+                    <p:cTn id="3" fill="hold">
+                      <p:stCondLst>
+                        <p:cond delay="indefinite"/>
+                      </p:stCondLst>
+                      <p:childTnLst>
+                        <p:par>
+                          <p:cTn id="4" fill="hold">
+                            <p:stCondLst>
+                              <p:cond delay="0"/>
+                            </p:stCondLst>
+                            <p:childTnLst>
+                              <p:par>
+                                <p:cTn id="5" presetID="2" presetClass="entr" presetSubtype="4" fill="hold" grpId="0" nodeType="clickEffect">
+                                  <p:stCondLst>
+                                    <p:cond delay="0"/>
+                                  </p:stCondLst>
+                                  <p:childTnLst>
+                                    <p:set>
+                                      <p:cBhvr>
+                                        <p:cTn id="6" dur="1" fill="hold">
+                                          <p:stCondLst>
+                                            <p:cond delay="0"/>
+                                          </p:stCondLst>
+                                        </p:cTn>
+                                        <p:tgtEl>
+                                          <p:spTgt spid="8">
+                                            <p:txEl>
+                                              <p:pRg st="0" end="0"/>
+                                            </p:txEl>
+                                          </p:spTgt>
+                                        </p:tgtEl>
+                                        <p:attrNameLst>
+                                          <p:attrName>style.visibility</p:attrName>
+                                        </p:attrNameLst>
+                                      </p:cBhvr>
+                                      <p:to>
+                                        <p:strVal val="visible"/>
+                                      </p:to>
+                                    </p:set>
+                                    <p:anim calcmode="lin" valueType="num">
+                                      <p:cBhvr additive="base">
+                                        <p:cTn id="7" dur="500" fill="hold"/>
+                                        <p:tgtEl>
+                                          <p:spTgt spid="8">
+                                            <p:txEl>
+                                              <p:pRg st="0" end="0"/>
+                                            </p:txEl>
+                                          </p:spTgt>
+                                        </p:tgtEl>
+                                        <p:attrNameLst>
+                                          <p:attrName>ppt_x</p:attrName>
+                                        </p:attrNameLst>
+                                      </p:cBhvr>
+                                      <p:tavLst>
+                                        <p:tav tm="0">
+                                          <p:val>
+                                            <p:strVal val="#ppt_x"/>
+                                          </p:val>
+                                        </p:tav>
+                                        <p:tav tm="100000">
+                                          <p:val>
+                                            <p:strVal val="#ppt_x"/>
+                                          </p:val>
+                                        </p:tav>
+                                      </p:tavLst>
+                                    </p:anim>
+                                    <p:anim calcmode="lin" valueType="num">
+                                      <p:cBhvr additive="base">
+                                        <p:cTn id="8" dur="500" fill="hold"/>
+                                        <p:tgtEl>
+                                          <p:spTgt spid="8">
+                                            <p:txEl>
+                                              <p:pRg st="0" end="0"/>
+                                            </p:txEl>
+                                          </p:spTgt>
+                                        </p:tgtEl>
+                                        <p:attrNameLst>
+                                          <p:attrName>ppt_y</p:attrName>
+                                        </p:attrNameLst>
+                                      </p:cBhvr>
+                                      <p:tavLst>
+                                        <p:tav tm="0">
+                                          <p:val>
+                                            <p:strVal val="1+#ppt_h/2"/>
+                                          </p:val>
+                                        </p:tav>
+                                        <p:tav tm="100000">
+                                          <p:val>
+                                            <p:strVal val="#ppt_y"/>
+                                          </p:val>
+                                        </p:tav>
+                                      </p:tavLst>
+                                    </p:anim>
+                                  </p:childTnLst>
+                                </p:cTn>
+                              </p:par>
+                            </p:childTnLst>
+                          </p:cTn>
+                        </p:par>
+                      </p:childTnLst>
+                    </p:cTn>
+                  </p:par>
+                  <p:par>
+                    <p:cTn id="9" fill="hold">
+                      <p:stCondLst>
+                        <p:cond delay="indefinite"/>
+                      </p:stCondLst>
+                      <p:childTnLst>
+                        <p:par>
+                          <p:cTn id="10" fill="hold">
+                            <p:stCondLst>
+                              <p:cond delay="0"/>
+                            </p:stCondLst>
+                            <p:childTnLst>
+                              <p:par>
+                                <p:cTn id="11" presetID="2" presetClass="entr" presetSubtype="4" fill="hold" nodeType="clickEffect">
+                                  <p:stCondLst>
+                                    <p:cond delay="0"/>
+                                  </p:stCondLst>
+                                  <p:childTnLst>
+                                    <p:set>
+                                      <p:cBhvr>
+                                        <p:cTn id="12" dur="1" fill="hold">
+                                          <p:stCondLst>
+                                            <p:cond delay="0"/>
+                                          </p:stCondLst>
+                                        </p:cTn>
+                                        <p:tgtEl>
+                                          <p:spTgt spid="3"/>
+                                        </p:tgtEl>
+                                        <p:attrNameLst>
+                                          <p:attrName>style.visibility</p:attrName>
+                                        </p:attrNameLst>
+                                      </p:cBhvr>
+                                      <p:to>
+                                        <p:strVal val="visible"/>
+                                      </p:to>
+                                    </p:set>
+                                    <p:anim calcmode="lin" valueType="num">
+                                      <p:cBhvr additive="base">
+                                        <p:cTn id="13" dur="500" fill="hold"/>
+                                        <p:tgtEl>
+                                          <p:spTgt spid="3"/>
+                                        </p:tgtEl>
+                                        <p:attrNameLst>
+                                          <p:attrName>ppt_x</p:attrName>
+                                        </p:attrNameLst>
+                                      </p:cBhvr>
+                                      <p:tavLst>
+                                        <p:tav tm="0">
+                                          <p:val>
+                                            <p:strVal val="#ppt_x"/>
+                                          </p:val>
+                                        </p:tav>
+                                        <p:tav tm="100000">
+                                          <p:val>
+                                            <p:strVal val="#ppt_x"/>
+                                          </p:val>
+                                        </p:tav>
+                                      </p:tavLst>
+                                    </p:anim>
+                                    <p:anim calcmode="lin" valueType="num">
+                                      <p:cBhvr additive="base">
+                                        <p:cTn id="14" dur="500" fill="hold"/>
+                                        <p:tgtEl>
+                                          <p:spTgt spid="3"/>
+                                        </p:tgtEl>
+                                        <p:attrNameLst>
+                                          <p:attrName>ppt_y</p:attrName>
+                                        </p:attrNameLst>
+                                      </p:cBhvr>
+                                      <p:tavLst>
+                                        <p:tav tm="0">
+                                          <p:val>
+                                            <p:strVal val="1+#ppt_h/2"/>
+                                          </p:val>
+                                        </p:tav>
+                                        <p:tav tm="100000">
+                                          <p:val>
+                                            <p:strVal val="#ppt_y"/>
+                                          </p:val>
+                                        </p:tav>
+                                      </p:tavLst>
+                                    </p:anim>
+                                  </p:childTnLst>
+                                </p:cTn>
+                              </p:par>
+                            </p:childTnLst>
+                          </p:cTn>
+                        </p:par>
+                      </p:childTnLst>
+                    </p:cTn>
+                  </p:par>
+                  <p:par>
+                    <p:cTn id="15" fill="hold">
+                      <p:stCondLst>
+                        <p:cond delay="indefinite"/>
+                      </p:stCondLst>
+                      <p:childTnLst>
+                        <p:par>
+                          <p:cTn id="16" fill="hold">
+                            <p:stCondLst>
+                              <p:cond delay="0"/>
+                            </p:stCondLst>
+                            <p:childTnLst>
+                              <p:par>
+                                <p:cTn id="17" presetID="2" presetClass="entr" presetSubtype="4" fill="hold" nodeType="clickEffect">
+                                  <p:stCondLst>
+                                    <p:cond delay="0"/>
+                                  </p:stCondLst>
+                                  <p:childTnLst>
+                                    <p:set>
+                                      <p:cBhvr>
+                                        <p:cTn id="18" dur="1" fill="hold">
+                                          <p:stCondLst>
+                                            <p:cond delay="0"/>
+                                          </p:stCondLst>
+                                        </p:cTn>
+                                        <p:tgtEl>
+                                          <p:spTgt spid="4"/>
+                                        </p:tgtEl>
+                                        <p:attrNameLst>
+                                          <p:attrName>style.visibility</p:attrName>
+                                        </p:attrNameLst>
+                                      </p:cBhvr>
+                                      <p:to>
+                                        <p:strVal val="visible"/>
+                                      </p:to>
+                                    </p:set>
+                                    <p:anim calcmode="lin" valueType="num">
+                                      <p:cBhvr additive="base">
+                                        <p:cTn id="19" dur="500" fill="hold"/>
+                                        <p:tgtEl>
+                                          <p:spTgt spid="4"/>
+                                        </p:tgtEl>
+                                        <p:attrNameLst>
+                                          <p:attrName>ppt_x</p:attrName>
+                                        </p:attrNameLst>
+                                      </p:cBhvr>
+                                      <p:tavLst>
+                                        <p:tav tm="0">
+                                          <p:val>
+                                            <p:strVal val="#ppt_x"/>
+                                          </p:val>
+                                        </p:tav>
+                                        <p:tav tm="100000">
+                                          <p:val>
+                                            <p:strVal val="#ppt_x"/>
+                                          </p:val>
+                                        </p:tav>
+                                      </p:tavLst>
+                                    </p:anim>
+                                    <p:anim calcmode="lin" valueType="num">
+                                      <p:cBhvr additive="base">
+                                        <p:cTn id="20" dur="500" fill="hold"/>
+                                        <p:tgtEl>
+                                          <p:spTgt spid="4"/>
+                                        </p:tgtEl>
+                                        <p:attrNameLst>
+                                          <p:attrName>ppt_y</p:attrName>
+                                        </p:attrNameLst>
+                                      </p:cBhvr>
+                                      <p:tavLst>
+                                        <p:tav tm="0">
+                                          <p:val>
+                                            <p:strVal val="1+#ppt_h/2"/>
+                                          </p:val>
+                                        </p:tav>
+                                        <p:tav tm="100000">
+                                          <p:val>
+                                            <p:strVal val="#ppt_y"/>
+                                          </p:val>
+                                        </p:tav>
+                                      </p:tavLst>
+                                    </p:anim>
+                                  </p:childTnLst>
+                                </p:cTn>
+                              </p:par>
+                            </p:childTnLst>
+                          </p:cTn>
+                        </p:par>
+                      </p:childTnLst>
+                    </p:cTn>
+                  </p:par>
+                  <p:par>
+                    <p:cTn id="21" fill="hold">
+                      <p:stCondLst>
+                        <p:cond delay="indefinite"/>
+                      </p:stCondLst>
+                      <p:childTnLst>
+                        <p:par>
+                          <p:cTn id="22" fill="hold">
+                            <p:stCondLst>
+                              <p:cond delay="0"/>
+                            </p:stCondLst>
+                            <p:childTnLst>
+                              <p:par>
+                                <p:cTn id="23" presetID="2" presetClass="entr" presetSubtype="4" fill="hold" grpId="0" nodeType="clickEffect">
+                                  <p:stCondLst>
+                                    <p:cond delay="0"/>
+                                  </p:stCondLst>
+                                  <p:childTnLst>
+                                    <p:set>
+                                      <p:cBhvr>
+                                        <p:cTn id="24" dur="1" fill="hold">
+                                          <p:stCondLst>
+                                            <p:cond delay="0"/>
+                                          </p:stCondLst>
+                                        </p:cTn>
+                                        <p:tgtEl>
+                                          <p:spTgt spid="8">
+                                            <p:txEl>
+                                              <p:pRg st="6" end="6"/>
+                                            </p:txEl>
+                                          </p:spTgt>
+                                        </p:tgtEl>
+                                        <p:attrNameLst>
+                                          <p:attrName>style.visibility</p:attrName>
+                                        </p:attrNameLst>
+                                      </p:cBhvr>
+                                      <p:to>
+                                        <p:strVal val="visible"/>
+                                      </p:to>
+                                    </p:set>
+                                    <p:anim calcmode="lin" valueType="num">
+                                      <p:cBhvr additive="base">
+                                        <p:cTn id="25" dur="500" fill="hold"/>
+                                        <p:tgtEl>
+                                          <p:spTgt spid="8">
+                                            <p:txEl>
+                                              <p:pRg st="6" end="6"/>
+                                            </p:txEl>
+                                          </p:spTgt>
+                                        </p:tgtEl>
+                                        <p:attrNameLst>
+                                          <p:attrName>ppt_x</p:attrName>
+                                        </p:attrNameLst>
+                                      </p:cBhvr>
+                                      <p:tavLst>
+                                        <p:tav tm="0">
+                                          <p:val>
+                                            <p:strVal val="#ppt_x"/>
+                                          </p:val>
+                                        </p:tav>
+                                        <p:tav tm="100000">
+                                          <p:val>
+                                            <p:strVal val="#ppt_x"/>
+                                          </p:val>
+                                        </p:tav>
+                                      </p:tavLst>
+                                    </p:anim>
+                                    <p:anim calcmode="lin" valueType="num">
+                                      <p:cBhvr additive="base">
+                                        <p:cTn id="26" dur="500" fill="hold"/>
+                                        <p:tgtEl>
+                                          <p:spTgt spid="8">
+                                            <p:txEl>
+                                              <p:pRg st="6" end="6"/>
+                                            </p:txEl>
+                                          </p:spTgt>
+                                        </p:tgtEl>
+                                        <p:attrNameLst>
+                                          <p:attrName>ppt_y</p:attrName>
+                                        </p:attrNameLst>
+                                      </p:cBhvr>
+                                      <p:tavLst>
+                                        <p:tav tm="0">
+                                          <p:val>
+                                            <p:strVal val="1+#ppt_h/2"/>
+                                          </p:val>
+                                        </p:tav>
+                                        <p:tav tm="100000">
+                                          <p:val>
+                                            <p:strVal val="#ppt_y"/>
+                                          </p:val>
+                                        </p:tav>
+                                      </p:tavLst>
+                                    </p:anim>
+                                  </p:childTnLst>
+                                </p:cTn>
+                              </p:par>
+                            </p:childTnLst>
+                          </p:cTn>
+                        </p:par>
+                      </p:childTnLst>
+                    </p:cTn>
+                  </p:par>
+                </p:childTnLst>
+              </p:cTn>
+              <p:prevCondLst>
+                <p:cond evt="onPrev" delay="0">
+                  <p:tgtEl>
+                    <p:sldTgt/>
+                  </p:tgtEl>
+                </p:cond>
+              </p:prevCondLst>
+              <p:nextCondLst>
+                <p:cond evt="onNext" delay="0">
+                  <p:tgtEl>
+                    <p:sldTgt/>
+                  </p:tgtEl>
+                </p:cond>
+              </p:nextCondLst>
+            </p:seq>
+          </p:childTnLst>
+        </p:cTn>
+      </p:par>
+    </p:tnLst>
+    <p:bldLst>
+      <p:bldP spid="8" grpId="0" uiExpand="1" build="p"/>
+    </p:bldLst>
+  </p:timing>
 </p:sld>
 </file>
 
@@ -6214,6 +7486,18 @@
             </a:r>
           </a:p>
           <a:p>
+            <a:pPr marL="0" indent="0">
+              <a:buNone/>
+            </a:pPr>
+            <a:endParaRPr lang="fr-FR" dirty="0"/>
+          </a:p>
+          <a:p>
+            <a:pPr marL="0" indent="0">
+              <a:buNone/>
+            </a:pPr>
+            <a:endParaRPr lang="fr-FR" dirty="0"/>
+          </a:p>
+          <a:p>
             <a:pPr>
               <a:buFontTx/>
               <a:buChar char="-"/>
@@ -6257,18 +7541,254 @@
   <p:clrMapOvr>
     <a:masterClrMapping/>
   </p:clrMapOvr>
-  <mc:AlternateContent xmlns:mc="http://schemas.openxmlformats.org/markup-compatibility/2006">
-    <mc:Choice xmlns:p14="http://schemas.microsoft.com/office/powerpoint/2010/main" Requires="p14">
+  <mc:AlternateContent xmlns:mc="http://schemas.openxmlformats.org/markup-compatibility/2006" xmlns:p14="http://schemas.microsoft.com/office/powerpoint/2010/main">
+    <mc:Choice Requires="p14">
       <p:transition spd="slow" p14:dur="1600">
         <p14:conveyor dir="l"/>
       </p:transition>
     </mc:Choice>
-    <mc:Fallback>
+    <mc:Fallback xmlns="">
       <p:transition spd="slow">
         <p:fade/>
       </p:transition>
     </mc:Fallback>
   </mc:AlternateContent>
+  <p:timing>
+    <p:tnLst>
+      <p:par>
+        <p:cTn id="1" dur="indefinite" restart="never" nodeType="tmRoot">
+          <p:childTnLst>
+            <p:seq concurrent="1" nextAc="seek">
+              <p:cTn id="2" dur="indefinite" nodeType="mainSeq">
+                <p:childTnLst>
+                  <p:par>
+                    <p:cTn id="3" fill="hold">
+                      <p:stCondLst>
+                        <p:cond delay="indefinite"/>
+                      </p:stCondLst>
+                      <p:childTnLst>
+                        <p:par>
+                          <p:cTn id="4" fill="hold">
+                            <p:stCondLst>
+                              <p:cond delay="0"/>
+                            </p:stCondLst>
+                            <p:childTnLst>
+                              <p:par>
+                                <p:cTn id="5" presetID="2" presetClass="entr" presetSubtype="4" fill="hold" nodeType="clickEffect">
+                                  <p:stCondLst>
+                                    <p:cond delay="0"/>
+                                  </p:stCondLst>
+                                  <p:childTnLst>
+                                    <p:set>
+                                      <p:cBhvr>
+                                        <p:cTn id="6" dur="1" fill="hold">
+                                          <p:stCondLst>
+                                            <p:cond delay="0"/>
+                                          </p:stCondLst>
+                                        </p:cTn>
+                                        <p:tgtEl>
+                                          <p:spTgt spid="8">
+                                            <p:txEl>
+                                              <p:pRg st="0" end="0"/>
+                                            </p:txEl>
+                                          </p:spTgt>
+                                        </p:tgtEl>
+                                        <p:attrNameLst>
+                                          <p:attrName>style.visibility</p:attrName>
+                                        </p:attrNameLst>
+                                      </p:cBhvr>
+                                      <p:to>
+                                        <p:strVal val="visible"/>
+                                      </p:to>
+                                    </p:set>
+                                    <p:anim calcmode="lin" valueType="num">
+                                      <p:cBhvr additive="base">
+                                        <p:cTn id="7" dur="500" fill="hold"/>
+                                        <p:tgtEl>
+                                          <p:spTgt spid="8">
+                                            <p:txEl>
+                                              <p:pRg st="0" end="0"/>
+                                            </p:txEl>
+                                          </p:spTgt>
+                                        </p:tgtEl>
+                                        <p:attrNameLst>
+                                          <p:attrName>ppt_x</p:attrName>
+                                        </p:attrNameLst>
+                                      </p:cBhvr>
+                                      <p:tavLst>
+                                        <p:tav tm="0">
+                                          <p:val>
+                                            <p:strVal val="#ppt_x"/>
+                                          </p:val>
+                                        </p:tav>
+                                        <p:tav tm="100000">
+                                          <p:val>
+                                            <p:strVal val="#ppt_x"/>
+                                          </p:val>
+                                        </p:tav>
+                                      </p:tavLst>
+                                    </p:anim>
+                                    <p:anim calcmode="lin" valueType="num">
+                                      <p:cBhvr additive="base">
+                                        <p:cTn id="8" dur="500" fill="hold"/>
+                                        <p:tgtEl>
+                                          <p:spTgt spid="8">
+                                            <p:txEl>
+                                              <p:pRg st="0" end="0"/>
+                                            </p:txEl>
+                                          </p:spTgt>
+                                        </p:tgtEl>
+                                        <p:attrNameLst>
+                                          <p:attrName>ppt_y</p:attrName>
+                                        </p:attrNameLst>
+                                      </p:cBhvr>
+                                      <p:tavLst>
+                                        <p:tav tm="0">
+                                          <p:val>
+                                            <p:strVal val="1+#ppt_h/2"/>
+                                          </p:val>
+                                        </p:tav>
+                                        <p:tav tm="100000">
+                                          <p:val>
+                                            <p:strVal val="#ppt_y"/>
+                                          </p:val>
+                                        </p:tav>
+                                      </p:tavLst>
+                                    </p:anim>
+                                  </p:childTnLst>
+                                </p:cTn>
+                              </p:par>
+                            </p:childTnLst>
+                          </p:cTn>
+                        </p:par>
+                      </p:childTnLst>
+                    </p:cTn>
+                  </p:par>
+                  <p:par>
+                    <p:cTn id="9" fill="hold">
+                      <p:stCondLst>
+                        <p:cond delay="indefinite"/>
+                      </p:stCondLst>
+                      <p:childTnLst>
+                        <p:par>
+                          <p:cTn id="10" fill="hold">
+                            <p:stCondLst>
+                              <p:cond delay="0"/>
+                            </p:stCondLst>
+                            <p:childTnLst>
+                              <p:par>
+                                <p:cTn id="11" presetID="2" presetClass="entr" presetSubtype="4" fill="hold" nodeType="clickEffect">
+                                  <p:stCondLst>
+                                    <p:cond delay="0"/>
+                                  </p:stCondLst>
+                                  <p:childTnLst>
+                                    <p:set>
+                                      <p:cBhvr>
+                                        <p:cTn id="12" dur="1" fill="hold">
+                                          <p:stCondLst>
+                                            <p:cond delay="0"/>
+                                          </p:stCondLst>
+                                        </p:cTn>
+                                        <p:tgtEl>
+                                          <p:spTgt spid="8">
+                                            <p:txEl>
+                                              <p:pRg st="3" end="3"/>
+                                            </p:txEl>
+                                          </p:spTgt>
+                                        </p:tgtEl>
+                                        <p:attrNameLst>
+                                          <p:attrName>style.visibility</p:attrName>
+                                        </p:attrNameLst>
+                                      </p:cBhvr>
+                                      <p:to>
+                                        <p:strVal val="visible"/>
+                                      </p:to>
+                                    </p:set>
+                                    <p:anim calcmode="lin" valueType="num">
+                                      <p:cBhvr additive="base">
+                                        <p:cTn id="13" dur="500" fill="hold"/>
+                                        <p:tgtEl>
+                                          <p:spTgt spid="8">
+                                            <p:txEl>
+                                              <p:pRg st="3" end="3"/>
+                                            </p:txEl>
+                                          </p:spTgt>
+                                        </p:tgtEl>
+                                        <p:attrNameLst>
+                                          <p:attrName>ppt_x</p:attrName>
+                                        </p:attrNameLst>
+                                      </p:cBhvr>
+                                      <p:tavLst>
+                                        <p:tav tm="0">
+                                          <p:val>
+                                            <p:strVal val="#ppt_x"/>
+                                          </p:val>
+                                        </p:tav>
+                                        <p:tav tm="100000">
+                                          <p:val>
+                                            <p:strVal val="#ppt_x"/>
+                                          </p:val>
+                                        </p:tav>
+                                      </p:tavLst>
+                                    </p:anim>
+                                    <p:anim calcmode="lin" valueType="num">
+                                      <p:cBhvr additive="base">
+                                        <p:cTn id="14" dur="500" fill="hold"/>
+                                        <p:tgtEl>
+                                          <p:spTgt spid="8">
+                                            <p:txEl>
+                                              <p:pRg st="3" end="3"/>
+                                            </p:txEl>
+                                          </p:spTgt>
+                                        </p:tgtEl>
+                                        <p:attrNameLst>
+                                          <p:attrName>ppt_y</p:attrName>
+                                        </p:attrNameLst>
+                                      </p:cBhvr>
+                                      <p:tavLst>
+                                        <p:tav tm="0">
+                                          <p:val>
+                                            <p:strVal val="1+#ppt_h/2"/>
+                                          </p:val>
+                                        </p:tav>
+                                        <p:tav tm="100000">
+                                          <p:val>
+                                            <p:strVal val="#ppt_y"/>
+                                          </p:val>
+                                        </p:tav>
+                                      </p:tavLst>
+                                    </p:anim>
+                                  </p:childTnLst>
+                                </p:cTn>
+                              </p:par>
+                            </p:childTnLst>
+                          </p:cTn>
+                        </p:par>
+                      </p:childTnLst>
+                    </p:cTn>
+                  </p:par>
+                </p:childTnLst>
+              </p:cTn>
+              <p:prevCondLst>
+                <p:cond evt="onPrev" delay="0">
+                  <p:tgtEl>
+                    <p:sldTgt/>
+                  </p:tgtEl>
+                </p:cond>
+              </p:prevCondLst>
+              <p:nextCondLst>
+                <p:cond evt="onNext" delay="0">
+                  <p:tgtEl>
+                    <p:sldTgt/>
+                  </p:tgtEl>
+                </p:cond>
+              </p:nextCondLst>
+            </p:seq>
+          </p:childTnLst>
+        </p:cTn>
+      </p:par>
+    </p:tnLst>
+  </p:timing>
 </p:sld>
 </file>
 
@@ -6789,6 +8309,13 @@
               <a:buFontTx/>
               <a:buChar char="-"/>
             </a:pPr>
+            <a:endParaRPr lang="fr-FR" dirty="0"/>
+          </a:p>
+          <a:p>
+            <a:pPr>
+              <a:buFontTx/>
+              <a:buChar char="-"/>
+            </a:pPr>
             <a:r>
               <a:rPr lang="fr-FR" dirty="0"/>
               <a:t>Lecture SD défaillante malgré multiples essais</a:t>
@@ -6803,6 +8330,13 @@
               <a:rPr lang="fr-FR" dirty="0"/>
               <a:t>USB inutilisable </a:t>
             </a:r>
+          </a:p>
+          <a:p>
+            <a:pPr>
+              <a:buFontTx/>
+              <a:buChar char="-"/>
+            </a:pPr>
+            <a:endParaRPr lang="fr-FR" dirty="0"/>
           </a:p>
           <a:p>
             <a:pPr>
@@ -6833,18 +8367,442 @@
   <p:clrMapOvr>
     <a:masterClrMapping/>
   </p:clrMapOvr>
-  <mc:AlternateContent xmlns:mc="http://schemas.openxmlformats.org/markup-compatibility/2006">
-    <mc:Choice xmlns:p14="http://schemas.microsoft.com/office/powerpoint/2010/main" Requires="p14">
+  <mc:AlternateContent xmlns:mc="http://schemas.openxmlformats.org/markup-compatibility/2006" xmlns:p14="http://schemas.microsoft.com/office/powerpoint/2010/main">
+    <mc:Choice Requires="p14">
       <p:transition spd="slow" p14:dur="1600">
         <p14:conveyor dir="l"/>
       </p:transition>
     </mc:Choice>
-    <mc:Fallback>
+    <mc:Fallback xmlns="">
       <p:transition spd="slow">
         <p:fade/>
       </p:transition>
     </mc:Fallback>
   </mc:AlternateContent>
+  <p:timing>
+    <p:tnLst>
+      <p:par>
+        <p:cTn id="1" dur="indefinite" restart="never" nodeType="tmRoot">
+          <p:childTnLst>
+            <p:seq concurrent="1" nextAc="seek">
+              <p:cTn id="2" dur="indefinite" nodeType="mainSeq">
+                <p:childTnLst>
+                  <p:par>
+                    <p:cTn id="3" fill="hold">
+                      <p:stCondLst>
+                        <p:cond delay="indefinite"/>
+                      </p:stCondLst>
+                      <p:childTnLst>
+                        <p:par>
+                          <p:cTn id="4" fill="hold">
+                            <p:stCondLst>
+                              <p:cond delay="0"/>
+                            </p:stCondLst>
+                            <p:childTnLst>
+                              <p:par>
+                                <p:cTn id="5" presetID="2" presetClass="entr" presetSubtype="4" fill="hold" nodeType="clickEffect">
+                                  <p:stCondLst>
+                                    <p:cond delay="0"/>
+                                  </p:stCondLst>
+                                  <p:childTnLst>
+                                    <p:set>
+                                      <p:cBhvr>
+                                        <p:cTn id="6" dur="1" fill="hold">
+                                          <p:stCondLst>
+                                            <p:cond delay="0"/>
+                                          </p:stCondLst>
+                                        </p:cTn>
+                                        <p:tgtEl>
+                                          <p:spTgt spid="8">
+                                            <p:txEl>
+                                              <p:pRg st="0" end="0"/>
+                                            </p:txEl>
+                                          </p:spTgt>
+                                        </p:tgtEl>
+                                        <p:attrNameLst>
+                                          <p:attrName>style.visibility</p:attrName>
+                                        </p:attrNameLst>
+                                      </p:cBhvr>
+                                      <p:to>
+                                        <p:strVal val="visible"/>
+                                      </p:to>
+                                    </p:set>
+                                    <p:anim calcmode="lin" valueType="num">
+                                      <p:cBhvr additive="base">
+                                        <p:cTn id="7" dur="500" fill="hold"/>
+                                        <p:tgtEl>
+                                          <p:spTgt spid="8">
+                                            <p:txEl>
+                                              <p:pRg st="0" end="0"/>
+                                            </p:txEl>
+                                          </p:spTgt>
+                                        </p:tgtEl>
+                                        <p:attrNameLst>
+                                          <p:attrName>ppt_x</p:attrName>
+                                        </p:attrNameLst>
+                                      </p:cBhvr>
+                                      <p:tavLst>
+                                        <p:tav tm="0">
+                                          <p:val>
+                                            <p:strVal val="#ppt_x"/>
+                                          </p:val>
+                                        </p:tav>
+                                        <p:tav tm="100000">
+                                          <p:val>
+                                            <p:strVal val="#ppt_x"/>
+                                          </p:val>
+                                        </p:tav>
+                                      </p:tavLst>
+                                    </p:anim>
+                                    <p:anim calcmode="lin" valueType="num">
+                                      <p:cBhvr additive="base">
+                                        <p:cTn id="8" dur="500" fill="hold"/>
+                                        <p:tgtEl>
+                                          <p:spTgt spid="8">
+                                            <p:txEl>
+                                              <p:pRg st="0" end="0"/>
+                                            </p:txEl>
+                                          </p:spTgt>
+                                        </p:tgtEl>
+                                        <p:attrNameLst>
+                                          <p:attrName>ppt_y</p:attrName>
+                                        </p:attrNameLst>
+                                      </p:cBhvr>
+                                      <p:tavLst>
+                                        <p:tav tm="0">
+                                          <p:val>
+                                            <p:strVal val="1+#ppt_h/2"/>
+                                          </p:val>
+                                        </p:tav>
+                                        <p:tav tm="100000">
+                                          <p:val>
+                                            <p:strVal val="#ppt_y"/>
+                                          </p:val>
+                                        </p:tav>
+                                      </p:tavLst>
+                                    </p:anim>
+                                  </p:childTnLst>
+                                </p:cTn>
+                              </p:par>
+                            </p:childTnLst>
+                          </p:cTn>
+                        </p:par>
+                      </p:childTnLst>
+                    </p:cTn>
+                  </p:par>
+                  <p:par>
+                    <p:cTn id="9" fill="hold">
+                      <p:stCondLst>
+                        <p:cond delay="indefinite"/>
+                      </p:stCondLst>
+                      <p:childTnLst>
+                        <p:par>
+                          <p:cTn id="10" fill="hold">
+                            <p:stCondLst>
+                              <p:cond delay="0"/>
+                            </p:stCondLst>
+                            <p:childTnLst>
+                              <p:par>
+                                <p:cTn id="11" presetID="2" presetClass="entr" presetSubtype="4" fill="hold" nodeType="clickEffect">
+                                  <p:stCondLst>
+                                    <p:cond delay="0"/>
+                                  </p:stCondLst>
+                                  <p:childTnLst>
+                                    <p:set>
+                                      <p:cBhvr>
+                                        <p:cTn id="12" dur="1" fill="hold">
+                                          <p:stCondLst>
+                                            <p:cond delay="0"/>
+                                          </p:stCondLst>
+                                        </p:cTn>
+                                        <p:tgtEl>
+                                          <p:spTgt spid="8">
+                                            <p:txEl>
+                                              <p:pRg st="2" end="2"/>
+                                            </p:txEl>
+                                          </p:spTgt>
+                                        </p:tgtEl>
+                                        <p:attrNameLst>
+                                          <p:attrName>style.visibility</p:attrName>
+                                        </p:attrNameLst>
+                                      </p:cBhvr>
+                                      <p:to>
+                                        <p:strVal val="visible"/>
+                                      </p:to>
+                                    </p:set>
+                                    <p:anim calcmode="lin" valueType="num">
+                                      <p:cBhvr additive="base">
+                                        <p:cTn id="13" dur="500" fill="hold"/>
+                                        <p:tgtEl>
+                                          <p:spTgt spid="8">
+                                            <p:txEl>
+                                              <p:pRg st="2" end="2"/>
+                                            </p:txEl>
+                                          </p:spTgt>
+                                        </p:tgtEl>
+                                        <p:attrNameLst>
+                                          <p:attrName>ppt_x</p:attrName>
+                                        </p:attrNameLst>
+                                      </p:cBhvr>
+                                      <p:tavLst>
+                                        <p:tav tm="0">
+                                          <p:val>
+                                            <p:strVal val="#ppt_x"/>
+                                          </p:val>
+                                        </p:tav>
+                                        <p:tav tm="100000">
+                                          <p:val>
+                                            <p:strVal val="#ppt_x"/>
+                                          </p:val>
+                                        </p:tav>
+                                      </p:tavLst>
+                                    </p:anim>
+                                    <p:anim calcmode="lin" valueType="num">
+                                      <p:cBhvr additive="base">
+                                        <p:cTn id="14" dur="500" fill="hold"/>
+                                        <p:tgtEl>
+                                          <p:spTgt spid="8">
+                                            <p:txEl>
+                                              <p:pRg st="2" end="2"/>
+                                            </p:txEl>
+                                          </p:spTgt>
+                                        </p:tgtEl>
+                                        <p:attrNameLst>
+                                          <p:attrName>ppt_y</p:attrName>
+                                        </p:attrNameLst>
+                                      </p:cBhvr>
+                                      <p:tavLst>
+                                        <p:tav tm="0">
+                                          <p:val>
+                                            <p:strVal val="1+#ppt_h/2"/>
+                                          </p:val>
+                                        </p:tav>
+                                        <p:tav tm="100000">
+                                          <p:val>
+                                            <p:strVal val="#ppt_y"/>
+                                          </p:val>
+                                        </p:tav>
+                                      </p:tavLst>
+                                    </p:anim>
+                                  </p:childTnLst>
+                                </p:cTn>
+                              </p:par>
+                              <p:par>
+                                <p:cTn id="15" presetID="2" presetClass="entr" presetSubtype="4" fill="hold" nodeType="withEffect">
+                                  <p:stCondLst>
+                                    <p:cond delay="0"/>
+                                  </p:stCondLst>
+                                  <p:childTnLst>
+                                    <p:set>
+                                      <p:cBhvr>
+                                        <p:cTn id="16" dur="1" fill="hold">
+                                          <p:stCondLst>
+                                            <p:cond delay="0"/>
+                                          </p:stCondLst>
+                                        </p:cTn>
+                                        <p:tgtEl>
+                                          <p:spTgt spid="8">
+                                            <p:txEl>
+                                              <p:pRg st="3" end="3"/>
+                                            </p:txEl>
+                                          </p:spTgt>
+                                        </p:tgtEl>
+                                        <p:attrNameLst>
+                                          <p:attrName>style.visibility</p:attrName>
+                                        </p:attrNameLst>
+                                      </p:cBhvr>
+                                      <p:to>
+                                        <p:strVal val="visible"/>
+                                      </p:to>
+                                    </p:set>
+                                    <p:anim calcmode="lin" valueType="num">
+                                      <p:cBhvr additive="base">
+                                        <p:cTn id="17" dur="500" fill="hold"/>
+                                        <p:tgtEl>
+                                          <p:spTgt spid="8">
+                                            <p:txEl>
+                                              <p:pRg st="3" end="3"/>
+                                            </p:txEl>
+                                          </p:spTgt>
+                                        </p:tgtEl>
+                                        <p:attrNameLst>
+                                          <p:attrName>ppt_x</p:attrName>
+                                        </p:attrNameLst>
+                                      </p:cBhvr>
+                                      <p:tavLst>
+                                        <p:tav tm="0">
+                                          <p:val>
+                                            <p:strVal val="#ppt_x"/>
+                                          </p:val>
+                                        </p:tav>
+                                        <p:tav tm="100000">
+                                          <p:val>
+                                            <p:strVal val="#ppt_x"/>
+                                          </p:val>
+                                        </p:tav>
+                                      </p:tavLst>
+                                    </p:anim>
+                                    <p:anim calcmode="lin" valueType="num">
+                                      <p:cBhvr additive="base">
+                                        <p:cTn id="18" dur="500" fill="hold"/>
+                                        <p:tgtEl>
+                                          <p:spTgt spid="8">
+                                            <p:txEl>
+                                              <p:pRg st="3" end="3"/>
+                                            </p:txEl>
+                                          </p:spTgt>
+                                        </p:tgtEl>
+                                        <p:attrNameLst>
+                                          <p:attrName>ppt_y</p:attrName>
+                                        </p:attrNameLst>
+                                      </p:cBhvr>
+                                      <p:tavLst>
+                                        <p:tav tm="0">
+                                          <p:val>
+                                            <p:strVal val="1+#ppt_h/2"/>
+                                          </p:val>
+                                        </p:tav>
+                                        <p:tav tm="100000">
+                                          <p:val>
+                                            <p:strVal val="#ppt_y"/>
+                                          </p:val>
+                                        </p:tav>
+                                      </p:tavLst>
+                                    </p:anim>
+                                  </p:childTnLst>
+                                </p:cTn>
+                              </p:par>
+                            </p:childTnLst>
+                          </p:cTn>
+                        </p:par>
+                      </p:childTnLst>
+                    </p:cTn>
+                  </p:par>
+                  <p:par>
+                    <p:cTn id="19" fill="hold">
+                      <p:stCondLst>
+                        <p:cond delay="indefinite"/>
+                      </p:stCondLst>
+                      <p:childTnLst>
+                        <p:par>
+                          <p:cTn id="20" fill="hold">
+                            <p:stCondLst>
+                              <p:cond delay="0"/>
+                            </p:stCondLst>
+                            <p:childTnLst>
+                              <p:par>
+                                <p:cTn id="21" presetID="2" presetClass="entr" presetSubtype="4" fill="hold" nodeType="clickEffect">
+                                  <p:stCondLst>
+                                    <p:cond delay="0"/>
+                                  </p:stCondLst>
+                                  <p:childTnLst>
+                                    <p:set>
+                                      <p:cBhvr>
+                                        <p:cTn id="22" dur="1" fill="hold">
+                                          <p:stCondLst>
+                                            <p:cond delay="0"/>
+                                          </p:stCondLst>
+                                        </p:cTn>
+                                        <p:tgtEl>
+                                          <p:spTgt spid="8">
+                                            <p:txEl>
+                                              <p:pRg st="5" end="5"/>
+                                            </p:txEl>
+                                          </p:spTgt>
+                                        </p:tgtEl>
+                                        <p:attrNameLst>
+                                          <p:attrName>style.visibility</p:attrName>
+                                        </p:attrNameLst>
+                                      </p:cBhvr>
+                                      <p:to>
+                                        <p:strVal val="visible"/>
+                                      </p:to>
+                                    </p:set>
+                                    <p:anim calcmode="lin" valueType="num">
+                                      <p:cBhvr additive="base">
+                                        <p:cTn id="23" dur="500" fill="hold"/>
+                                        <p:tgtEl>
+                                          <p:spTgt spid="8">
+                                            <p:txEl>
+                                              <p:pRg st="5" end="5"/>
+                                            </p:txEl>
+                                          </p:spTgt>
+                                        </p:tgtEl>
+                                        <p:attrNameLst>
+                                          <p:attrName>ppt_x</p:attrName>
+                                        </p:attrNameLst>
+                                      </p:cBhvr>
+                                      <p:tavLst>
+                                        <p:tav tm="0">
+                                          <p:val>
+                                            <p:strVal val="#ppt_x"/>
+                                          </p:val>
+                                        </p:tav>
+                                        <p:tav tm="100000">
+                                          <p:val>
+                                            <p:strVal val="#ppt_x"/>
+                                          </p:val>
+                                        </p:tav>
+                                      </p:tavLst>
+                                    </p:anim>
+                                    <p:anim calcmode="lin" valueType="num">
+                                      <p:cBhvr additive="base">
+                                        <p:cTn id="24" dur="500" fill="hold"/>
+                                        <p:tgtEl>
+                                          <p:spTgt spid="8">
+                                            <p:txEl>
+                                              <p:pRg st="5" end="5"/>
+                                            </p:txEl>
+                                          </p:spTgt>
+                                        </p:tgtEl>
+                                        <p:attrNameLst>
+                                          <p:attrName>ppt_y</p:attrName>
+                                        </p:attrNameLst>
+                                      </p:cBhvr>
+                                      <p:tavLst>
+                                        <p:tav tm="0">
+                                          <p:val>
+                                            <p:strVal val="1+#ppt_h/2"/>
+                                          </p:val>
+                                        </p:tav>
+                                        <p:tav tm="100000">
+                                          <p:val>
+                                            <p:strVal val="#ppt_y"/>
+                                          </p:val>
+                                        </p:tav>
+                                      </p:tavLst>
+                                    </p:anim>
+                                  </p:childTnLst>
+                                </p:cTn>
+                              </p:par>
+                            </p:childTnLst>
+                          </p:cTn>
+                        </p:par>
+                      </p:childTnLst>
+                    </p:cTn>
+                  </p:par>
+                </p:childTnLst>
+              </p:cTn>
+              <p:prevCondLst>
+                <p:cond evt="onPrev" delay="0">
+                  <p:tgtEl>
+                    <p:sldTgt/>
+                  </p:tgtEl>
+                </p:cond>
+              </p:prevCondLst>
+              <p:nextCondLst>
+                <p:cond evt="onNext" delay="0">
+                  <p:tgtEl>
+                    <p:sldTgt/>
+                  </p:tgtEl>
+                </p:cond>
+              </p:nextCondLst>
+            </p:seq>
+          </p:childTnLst>
+        </p:cTn>
+      </p:par>
+    </p:tnLst>
+  </p:timing>
 </p:sld>
 </file>
 
@@ -7352,15 +9310,27 @@
               <a:buFontTx/>
               <a:buChar char="-"/>
             </a:pPr>
+            <a:endParaRPr lang="fr-FR" dirty="0"/>
+          </a:p>
+          <a:p>
+            <a:pPr>
+              <a:buFontTx/>
+              <a:buChar char="-"/>
+            </a:pPr>
             <a:r>
               <a:rPr lang="fr-FR" dirty="0"/>
               <a:t>Activation des fonctionnalités via variables globales </a:t>
             </a:r>
           </a:p>
           <a:p>
-            <a:pPr>
-              <a:buFontTx/>
-              <a:buChar char="-"/>
+            <a:pPr marL="0" indent="0">
+              <a:buNone/>
+            </a:pPr>
+            <a:endParaRPr lang="fr-FR" dirty="0"/>
+          </a:p>
+          <a:p>
+            <a:pPr marL="0" indent="0">
+              <a:buNone/>
             </a:pPr>
             <a:r>
               <a:rPr lang="fr-FR" dirty="0">
@@ -7382,18 +9352,357 @@
   <p:clrMapOvr>
     <a:masterClrMapping/>
   </p:clrMapOvr>
-  <mc:AlternateContent xmlns:mc="http://schemas.openxmlformats.org/markup-compatibility/2006">
-    <mc:Choice xmlns:p14="http://schemas.microsoft.com/office/powerpoint/2010/main" Requires="p14">
+  <mc:AlternateContent xmlns:mc="http://schemas.openxmlformats.org/markup-compatibility/2006" xmlns:p14="http://schemas.microsoft.com/office/powerpoint/2010/main">
+    <mc:Choice Requires="p14">
       <p:transition spd="slow" p14:dur="1600">
         <p14:conveyor dir="l"/>
       </p:transition>
     </mc:Choice>
-    <mc:Fallback>
+    <mc:Fallback xmlns="">
       <p:transition spd="slow">
         <p:fade/>
       </p:transition>
     </mc:Fallback>
   </mc:AlternateContent>
+  <p:timing>
+    <p:tnLst>
+      <p:par>
+        <p:cTn id="1" dur="indefinite" restart="never" nodeType="tmRoot">
+          <p:childTnLst>
+            <p:seq concurrent="1" nextAc="seek">
+              <p:cTn id="2" dur="indefinite" nodeType="mainSeq">
+                <p:childTnLst>
+                  <p:par>
+                    <p:cTn id="3" fill="hold">
+                      <p:stCondLst>
+                        <p:cond delay="indefinite"/>
+                      </p:stCondLst>
+                      <p:childTnLst>
+                        <p:par>
+                          <p:cTn id="4" fill="hold">
+                            <p:stCondLst>
+                              <p:cond delay="0"/>
+                            </p:stCondLst>
+                            <p:childTnLst>
+                              <p:par>
+                                <p:cTn id="5" presetID="2" presetClass="entr" presetSubtype="4" fill="hold" nodeType="clickEffect">
+                                  <p:stCondLst>
+                                    <p:cond delay="0"/>
+                                  </p:stCondLst>
+                                  <p:childTnLst>
+                                    <p:set>
+                                      <p:cBhvr>
+                                        <p:cTn id="6" dur="1" fill="hold">
+                                          <p:stCondLst>
+                                            <p:cond delay="0"/>
+                                          </p:stCondLst>
+                                        </p:cTn>
+                                        <p:tgtEl>
+                                          <p:spTgt spid="8">
+                                            <p:txEl>
+                                              <p:pRg st="0" end="0"/>
+                                            </p:txEl>
+                                          </p:spTgt>
+                                        </p:tgtEl>
+                                        <p:attrNameLst>
+                                          <p:attrName>style.visibility</p:attrName>
+                                        </p:attrNameLst>
+                                      </p:cBhvr>
+                                      <p:to>
+                                        <p:strVal val="visible"/>
+                                      </p:to>
+                                    </p:set>
+                                    <p:anim calcmode="lin" valueType="num">
+                                      <p:cBhvr additive="base">
+                                        <p:cTn id="7" dur="500" fill="hold"/>
+                                        <p:tgtEl>
+                                          <p:spTgt spid="8">
+                                            <p:txEl>
+                                              <p:pRg st="0" end="0"/>
+                                            </p:txEl>
+                                          </p:spTgt>
+                                        </p:tgtEl>
+                                        <p:attrNameLst>
+                                          <p:attrName>ppt_x</p:attrName>
+                                        </p:attrNameLst>
+                                      </p:cBhvr>
+                                      <p:tavLst>
+                                        <p:tav tm="0">
+                                          <p:val>
+                                            <p:strVal val="#ppt_x"/>
+                                          </p:val>
+                                        </p:tav>
+                                        <p:tav tm="100000">
+                                          <p:val>
+                                            <p:strVal val="#ppt_x"/>
+                                          </p:val>
+                                        </p:tav>
+                                      </p:tavLst>
+                                    </p:anim>
+                                    <p:anim calcmode="lin" valueType="num">
+                                      <p:cBhvr additive="base">
+                                        <p:cTn id="8" dur="500" fill="hold"/>
+                                        <p:tgtEl>
+                                          <p:spTgt spid="8">
+                                            <p:txEl>
+                                              <p:pRg st="0" end="0"/>
+                                            </p:txEl>
+                                          </p:spTgt>
+                                        </p:tgtEl>
+                                        <p:attrNameLst>
+                                          <p:attrName>ppt_y</p:attrName>
+                                        </p:attrNameLst>
+                                      </p:cBhvr>
+                                      <p:tavLst>
+                                        <p:tav tm="0">
+                                          <p:val>
+                                            <p:strVal val="1+#ppt_h/2"/>
+                                          </p:val>
+                                        </p:tav>
+                                        <p:tav tm="100000">
+                                          <p:val>
+                                            <p:strVal val="#ppt_y"/>
+                                          </p:val>
+                                        </p:tav>
+                                      </p:tavLst>
+                                    </p:anim>
+                                  </p:childTnLst>
+                                </p:cTn>
+                              </p:par>
+                            </p:childTnLst>
+                          </p:cTn>
+                        </p:par>
+                      </p:childTnLst>
+                    </p:cTn>
+                  </p:par>
+                  <p:par>
+                    <p:cTn id="9" fill="hold">
+                      <p:stCondLst>
+                        <p:cond delay="indefinite"/>
+                      </p:stCondLst>
+                      <p:childTnLst>
+                        <p:par>
+                          <p:cTn id="10" fill="hold">
+                            <p:stCondLst>
+                              <p:cond delay="0"/>
+                            </p:stCondLst>
+                            <p:childTnLst>
+                              <p:par>
+                                <p:cTn id="11" presetID="2" presetClass="entr" presetSubtype="4" fill="hold" nodeType="clickEffect">
+                                  <p:stCondLst>
+                                    <p:cond delay="0"/>
+                                  </p:stCondLst>
+                                  <p:childTnLst>
+                                    <p:set>
+                                      <p:cBhvr>
+                                        <p:cTn id="12" dur="1" fill="hold">
+                                          <p:stCondLst>
+                                            <p:cond delay="0"/>
+                                          </p:stCondLst>
+                                        </p:cTn>
+                                        <p:tgtEl>
+                                          <p:spTgt spid="8">
+                                            <p:txEl>
+                                              <p:pRg st="2" end="2"/>
+                                            </p:txEl>
+                                          </p:spTgt>
+                                        </p:tgtEl>
+                                        <p:attrNameLst>
+                                          <p:attrName>style.visibility</p:attrName>
+                                        </p:attrNameLst>
+                                      </p:cBhvr>
+                                      <p:to>
+                                        <p:strVal val="visible"/>
+                                      </p:to>
+                                    </p:set>
+                                    <p:anim calcmode="lin" valueType="num">
+                                      <p:cBhvr additive="base">
+                                        <p:cTn id="13" dur="500" fill="hold"/>
+                                        <p:tgtEl>
+                                          <p:spTgt spid="8">
+                                            <p:txEl>
+                                              <p:pRg st="2" end="2"/>
+                                            </p:txEl>
+                                          </p:spTgt>
+                                        </p:tgtEl>
+                                        <p:attrNameLst>
+                                          <p:attrName>ppt_x</p:attrName>
+                                        </p:attrNameLst>
+                                      </p:cBhvr>
+                                      <p:tavLst>
+                                        <p:tav tm="0">
+                                          <p:val>
+                                            <p:strVal val="#ppt_x"/>
+                                          </p:val>
+                                        </p:tav>
+                                        <p:tav tm="100000">
+                                          <p:val>
+                                            <p:strVal val="#ppt_x"/>
+                                          </p:val>
+                                        </p:tav>
+                                      </p:tavLst>
+                                    </p:anim>
+                                    <p:anim calcmode="lin" valueType="num">
+                                      <p:cBhvr additive="base">
+                                        <p:cTn id="14" dur="500" fill="hold"/>
+                                        <p:tgtEl>
+                                          <p:spTgt spid="8">
+                                            <p:txEl>
+                                              <p:pRg st="2" end="2"/>
+                                            </p:txEl>
+                                          </p:spTgt>
+                                        </p:tgtEl>
+                                        <p:attrNameLst>
+                                          <p:attrName>ppt_y</p:attrName>
+                                        </p:attrNameLst>
+                                      </p:cBhvr>
+                                      <p:tavLst>
+                                        <p:tav tm="0">
+                                          <p:val>
+                                            <p:strVal val="1+#ppt_h/2"/>
+                                          </p:val>
+                                        </p:tav>
+                                        <p:tav tm="100000">
+                                          <p:val>
+                                            <p:strVal val="#ppt_y"/>
+                                          </p:val>
+                                        </p:tav>
+                                      </p:tavLst>
+                                    </p:anim>
+                                  </p:childTnLst>
+                                </p:cTn>
+                              </p:par>
+                            </p:childTnLst>
+                          </p:cTn>
+                        </p:par>
+                      </p:childTnLst>
+                    </p:cTn>
+                  </p:par>
+                  <p:par>
+                    <p:cTn id="15" fill="hold">
+                      <p:stCondLst>
+                        <p:cond delay="indefinite"/>
+                      </p:stCondLst>
+                      <p:childTnLst>
+                        <p:par>
+                          <p:cTn id="16" fill="hold">
+                            <p:stCondLst>
+                              <p:cond delay="0"/>
+                            </p:stCondLst>
+                            <p:childTnLst>
+                              <p:par>
+                                <p:cTn id="17" presetID="2" presetClass="entr" presetSubtype="4" fill="hold" nodeType="clickEffect">
+                                  <p:stCondLst>
+                                    <p:cond delay="0"/>
+                                  </p:stCondLst>
+                                  <p:childTnLst>
+                                    <p:set>
+                                      <p:cBhvr>
+                                        <p:cTn id="18" dur="1" fill="hold">
+                                          <p:stCondLst>
+                                            <p:cond delay="0"/>
+                                          </p:stCondLst>
+                                        </p:cTn>
+                                        <p:tgtEl>
+                                          <p:spTgt spid="8">
+                                            <p:txEl>
+                                              <p:pRg st="4" end="4"/>
+                                            </p:txEl>
+                                          </p:spTgt>
+                                        </p:tgtEl>
+                                        <p:attrNameLst>
+                                          <p:attrName>style.visibility</p:attrName>
+                                        </p:attrNameLst>
+                                      </p:cBhvr>
+                                      <p:to>
+                                        <p:strVal val="visible"/>
+                                      </p:to>
+                                    </p:set>
+                                    <p:anim calcmode="lin" valueType="num">
+                                      <p:cBhvr additive="base">
+                                        <p:cTn id="19" dur="500" fill="hold"/>
+                                        <p:tgtEl>
+                                          <p:spTgt spid="8">
+                                            <p:txEl>
+                                              <p:pRg st="4" end="4"/>
+                                            </p:txEl>
+                                          </p:spTgt>
+                                        </p:tgtEl>
+                                        <p:attrNameLst>
+                                          <p:attrName>ppt_x</p:attrName>
+                                        </p:attrNameLst>
+                                      </p:cBhvr>
+                                      <p:tavLst>
+                                        <p:tav tm="0">
+                                          <p:val>
+                                            <p:strVal val="#ppt_x"/>
+                                          </p:val>
+                                        </p:tav>
+                                        <p:tav tm="100000">
+                                          <p:val>
+                                            <p:strVal val="#ppt_x"/>
+                                          </p:val>
+                                        </p:tav>
+                                      </p:tavLst>
+                                    </p:anim>
+                                    <p:anim calcmode="lin" valueType="num">
+                                      <p:cBhvr additive="base">
+                                        <p:cTn id="20" dur="500" fill="hold"/>
+                                        <p:tgtEl>
+                                          <p:spTgt spid="8">
+                                            <p:txEl>
+                                              <p:pRg st="4" end="4"/>
+                                            </p:txEl>
+                                          </p:spTgt>
+                                        </p:tgtEl>
+                                        <p:attrNameLst>
+                                          <p:attrName>ppt_y</p:attrName>
+                                        </p:attrNameLst>
+                                      </p:cBhvr>
+                                      <p:tavLst>
+                                        <p:tav tm="0">
+                                          <p:val>
+                                            <p:strVal val="1+#ppt_h/2"/>
+                                          </p:val>
+                                        </p:tav>
+                                        <p:tav tm="100000">
+                                          <p:val>
+                                            <p:strVal val="#ppt_y"/>
+                                          </p:val>
+                                        </p:tav>
+                                      </p:tavLst>
+                                    </p:anim>
+                                  </p:childTnLst>
+                                </p:cTn>
+                              </p:par>
+                            </p:childTnLst>
+                          </p:cTn>
+                        </p:par>
+                      </p:childTnLst>
+                    </p:cTn>
+                  </p:par>
+                </p:childTnLst>
+              </p:cTn>
+              <p:prevCondLst>
+                <p:cond evt="onPrev" delay="0">
+                  <p:tgtEl>
+                    <p:sldTgt/>
+                  </p:tgtEl>
+                </p:cond>
+              </p:prevCondLst>
+              <p:nextCondLst>
+                <p:cond evt="onNext" delay="0">
+                  <p:tgtEl>
+                    <p:sldTgt/>
+                  </p:tgtEl>
+                </p:cond>
+              </p:nextCondLst>
+            </p:seq>
+          </p:childTnLst>
+        </p:cTn>
+      </p:par>
+    </p:tnLst>
+  </p:timing>
 </p:sld>
 </file>
 
@@ -7998,18 +10307,242 @@
   <p:clrMapOvr>
     <a:masterClrMapping/>
   </p:clrMapOvr>
-  <mc:AlternateContent xmlns:mc="http://schemas.openxmlformats.org/markup-compatibility/2006">
-    <mc:Choice xmlns:p14="http://schemas.microsoft.com/office/powerpoint/2010/main" Requires="p14">
+  <mc:AlternateContent xmlns:mc="http://schemas.openxmlformats.org/markup-compatibility/2006" xmlns:p14="http://schemas.microsoft.com/office/powerpoint/2010/main">
+    <mc:Choice Requires="p14">
       <p:transition spd="slow" p14:dur="1600">
         <p14:conveyor dir="l"/>
       </p:transition>
     </mc:Choice>
-    <mc:Fallback>
+    <mc:Fallback xmlns="">
       <p:transition spd="slow">
         <p:fade/>
       </p:transition>
     </mc:Fallback>
   </mc:AlternateContent>
+  <p:timing>
+    <p:tnLst>
+      <p:par>
+        <p:cTn id="1" dur="indefinite" restart="never" nodeType="tmRoot">
+          <p:childTnLst>
+            <p:seq concurrent="1" nextAc="seek">
+              <p:cTn id="2" dur="indefinite" nodeType="mainSeq">
+                <p:childTnLst>
+                  <p:par>
+                    <p:cTn id="3" fill="hold">
+                      <p:stCondLst>
+                        <p:cond delay="indefinite"/>
+                      </p:stCondLst>
+                      <p:childTnLst>
+                        <p:par>
+                          <p:cTn id="4" fill="hold">
+                            <p:stCondLst>
+                              <p:cond delay="0"/>
+                            </p:stCondLst>
+                            <p:childTnLst>
+                              <p:par>
+                                <p:cTn id="5" presetID="2" presetClass="entr" presetSubtype="4" fill="hold" nodeType="clickEffect">
+                                  <p:stCondLst>
+                                    <p:cond delay="0"/>
+                                  </p:stCondLst>
+                                  <p:childTnLst>
+                                    <p:set>
+                                      <p:cBhvr>
+                                        <p:cTn id="6" dur="1" fill="hold">
+                                          <p:stCondLst>
+                                            <p:cond delay="0"/>
+                                          </p:stCondLst>
+                                        </p:cTn>
+                                        <p:tgtEl>
+                                          <p:spTgt spid="8">
+                                            <p:txEl>
+                                              <p:pRg st="0" end="0"/>
+                                            </p:txEl>
+                                          </p:spTgt>
+                                        </p:tgtEl>
+                                        <p:attrNameLst>
+                                          <p:attrName>style.visibility</p:attrName>
+                                        </p:attrNameLst>
+                                      </p:cBhvr>
+                                      <p:to>
+                                        <p:strVal val="visible"/>
+                                      </p:to>
+                                    </p:set>
+                                    <p:anim calcmode="lin" valueType="num">
+                                      <p:cBhvr additive="base">
+                                        <p:cTn id="7" dur="500" fill="hold"/>
+                                        <p:tgtEl>
+                                          <p:spTgt spid="8">
+                                            <p:txEl>
+                                              <p:pRg st="0" end="0"/>
+                                            </p:txEl>
+                                          </p:spTgt>
+                                        </p:tgtEl>
+                                        <p:attrNameLst>
+                                          <p:attrName>ppt_x</p:attrName>
+                                        </p:attrNameLst>
+                                      </p:cBhvr>
+                                      <p:tavLst>
+                                        <p:tav tm="0">
+                                          <p:val>
+                                            <p:strVal val="#ppt_x"/>
+                                          </p:val>
+                                        </p:tav>
+                                        <p:tav tm="100000">
+                                          <p:val>
+                                            <p:strVal val="#ppt_x"/>
+                                          </p:val>
+                                        </p:tav>
+                                      </p:tavLst>
+                                    </p:anim>
+                                    <p:anim calcmode="lin" valueType="num">
+                                      <p:cBhvr additive="base">
+                                        <p:cTn id="8" dur="500" fill="hold"/>
+                                        <p:tgtEl>
+                                          <p:spTgt spid="8">
+                                            <p:txEl>
+                                              <p:pRg st="0" end="0"/>
+                                            </p:txEl>
+                                          </p:spTgt>
+                                        </p:tgtEl>
+                                        <p:attrNameLst>
+                                          <p:attrName>ppt_y</p:attrName>
+                                        </p:attrNameLst>
+                                      </p:cBhvr>
+                                      <p:tavLst>
+                                        <p:tav tm="0">
+                                          <p:val>
+                                            <p:strVal val="1+#ppt_h/2"/>
+                                          </p:val>
+                                        </p:tav>
+                                        <p:tav tm="100000">
+                                          <p:val>
+                                            <p:strVal val="#ppt_y"/>
+                                          </p:val>
+                                        </p:tav>
+                                      </p:tavLst>
+                                    </p:anim>
+                                  </p:childTnLst>
+                                </p:cTn>
+                              </p:par>
+                            </p:childTnLst>
+                          </p:cTn>
+                        </p:par>
+                      </p:childTnLst>
+                    </p:cTn>
+                  </p:par>
+                  <p:par>
+                    <p:cTn id="9" fill="hold">
+                      <p:stCondLst>
+                        <p:cond delay="indefinite"/>
+                      </p:stCondLst>
+                      <p:childTnLst>
+                        <p:par>
+                          <p:cTn id="10" fill="hold">
+                            <p:stCondLst>
+                              <p:cond delay="0"/>
+                            </p:stCondLst>
+                            <p:childTnLst>
+                              <p:par>
+                                <p:cTn id="11" presetID="2" presetClass="entr" presetSubtype="4" fill="hold" nodeType="clickEffect">
+                                  <p:stCondLst>
+                                    <p:cond delay="0"/>
+                                  </p:stCondLst>
+                                  <p:childTnLst>
+                                    <p:set>
+                                      <p:cBhvr>
+                                        <p:cTn id="12" dur="1" fill="hold">
+                                          <p:stCondLst>
+                                            <p:cond delay="0"/>
+                                          </p:stCondLst>
+                                        </p:cTn>
+                                        <p:tgtEl>
+                                          <p:spTgt spid="9"/>
+                                        </p:tgtEl>
+                                        <p:attrNameLst>
+                                          <p:attrName>style.visibility</p:attrName>
+                                        </p:attrNameLst>
+                                      </p:cBhvr>
+                                      <p:to>
+                                        <p:strVal val="visible"/>
+                                      </p:to>
+                                    </p:set>
+                                    <p:anim calcmode="lin" valueType="num">
+                                      <p:cBhvr additive="base">
+                                        <p:cTn id="13" dur="500" fill="hold"/>
+                                        <p:tgtEl>
+                                          <p:spTgt spid="9"/>
+                                        </p:tgtEl>
+                                        <p:attrNameLst>
+                                          <p:attrName>ppt_x</p:attrName>
+                                        </p:attrNameLst>
+                                      </p:cBhvr>
+                                      <p:tavLst>
+                                        <p:tav tm="0">
+                                          <p:val>
+                                            <p:strVal val="#ppt_x"/>
+                                          </p:val>
+                                        </p:tav>
+                                        <p:tav tm="100000">
+                                          <p:val>
+                                            <p:strVal val="#ppt_x"/>
+                                          </p:val>
+                                        </p:tav>
+                                      </p:tavLst>
+                                    </p:anim>
+                                    <p:anim calcmode="lin" valueType="num">
+                                      <p:cBhvr additive="base">
+                                        <p:cTn id="14" dur="500" fill="hold"/>
+                                        <p:tgtEl>
+                                          <p:spTgt spid="9"/>
+                                        </p:tgtEl>
+                                        <p:attrNameLst>
+                                          <p:attrName>ppt_y</p:attrName>
+                                        </p:attrNameLst>
+                                      </p:cBhvr>
+                                      <p:tavLst>
+                                        <p:tav tm="0">
+                                          <p:val>
+                                            <p:strVal val="1+#ppt_h/2"/>
+                                          </p:val>
+                                        </p:tav>
+                                        <p:tav tm="100000">
+                                          <p:val>
+                                            <p:strVal val="#ppt_y"/>
+                                          </p:val>
+                                        </p:tav>
+                                      </p:tavLst>
+                                    </p:anim>
+                                  </p:childTnLst>
+                                </p:cTn>
+                              </p:par>
+                            </p:childTnLst>
+                          </p:cTn>
+                        </p:par>
+                      </p:childTnLst>
+                    </p:cTn>
+                  </p:par>
+                </p:childTnLst>
+              </p:cTn>
+              <p:prevCondLst>
+                <p:cond evt="onPrev" delay="0">
+                  <p:tgtEl>
+                    <p:sldTgt/>
+                  </p:tgtEl>
+                </p:cond>
+              </p:prevCondLst>
+              <p:nextCondLst>
+                <p:cond evt="onNext" delay="0">
+                  <p:tgtEl>
+                    <p:sldTgt/>
+                  </p:tgtEl>
+                </p:cond>
+              </p:nextCondLst>
+            </p:seq>
+          </p:childTnLst>
+        </p:cTn>
+      </p:par>
+    </p:tnLst>
+  </p:timing>
 </p:sld>
 </file>
 
@@ -8029,7 +10562,7 @@
         <p:cNvPr id="1" name="">
           <a:extLst>
             <a:ext uri="{FF2B5EF4-FFF2-40B4-BE49-F238E27FC236}">
-              <a16:creationId xmlns:a16="http://schemas.microsoft.com/office/drawing/2014/main" id="{0413B919-8FBE-8334-FAAF-E6E472264E93}"/>
+              <a16:creationId xmlns:a16="http://schemas.microsoft.com/office/drawing/2014/main" id="{AF007F06-3C7E-37D9-1ADB-5F504260E6BC}"/>
             </a:ext>
           </a:extLst>
         </p:cNvPr>
@@ -8049,7 +10582,7 @@
           <p:cNvPr id="1035" name="Rectangle 1034">
             <a:extLst>
               <a:ext uri="{FF2B5EF4-FFF2-40B4-BE49-F238E27FC236}">
-                <a16:creationId xmlns:a16="http://schemas.microsoft.com/office/drawing/2014/main" id="{02FE04C6-33E8-5895-B982-E9094E26C3D9}"/>
+                <a16:creationId xmlns:a16="http://schemas.microsoft.com/office/drawing/2014/main" id="{07B22980-BAC1-631F-CF3A-1695CFBA666E}"/>
               </a:ext>
               <a:ext uri="{C183D7F6-B498-43B3-948B-1728B52AA6E4}">
                 <adec:decorative xmlns:adec="http://schemas.microsoft.com/office/drawing/2017/decorative" val="1"/>
@@ -8125,7 +10658,7 @@
           <p:cNvPr id="1037" name="Rectangle 1036">
             <a:extLst>
               <a:ext uri="{FF2B5EF4-FFF2-40B4-BE49-F238E27FC236}">
-                <a16:creationId xmlns:a16="http://schemas.microsoft.com/office/drawing/2014/main" id="{C3456088-671C-B329-ADFA-977B7C39899F}"/>
+                <a16:creationId xmlns:a16="http://schemas.microsoft.com/office/drawing/2014/main" id="{B4F1A0A0-62B9-7CCC-BE0B-5B040F639D2A}"/>
               </a:ext>
               <a:ext uri="{C183D7F6-B498-43B3-948B-1728B52AA6E4}">
                 <adec:decorative xmlns:adec="http://schemas.microsoft.com/office/drawing/2017/decorative" val="1"/>
@@ -8200,7 +10733,7 @@
           <p:cNvPr id="1039" name="Rectangle 1038">
             <a:extLst>
               <a:ext uri="{FF2B5EF4-FFF2-40B4-BE49-F238E27FC236}">
-                <a16:creationId xmlns:a16="http://schemas.microsoft.com/office/drawing/2014/main" id="{B5BCFCF0-AE6B-916C-1887-96FD7A5163D4}"/>
+                <a16:creationId xmlns:a16="http://schemas.microsoft.com/office/drawing/2014/main" id="{18494F02-2449-EF5B-BFDF-391585B8B86C}"/>
               </a:ext>
               <a:ext uri="{C183D7F6-B498-43B3-948B-1728B52AA6E4}">
                 <adec:decorative xmlns:adec="http://schemas.microsoft.com/office/drawing/2017/decorative" val="1"/>
@@ -8276,7 +10809,7 @@
           <p:cNvPr id="1041" name="Rectangle 1040">
             <a:extLst>
               <a:ext uri="{FF2B5EF4-FFF2-40B4-BE49-F238E27FC236}">
-                <a16:creationId xmlns:a16="http://schemas.microsoft.com/office/drawing/2014/main" id="{7996698D-EAD4-3316-E723-07537C191167}"/>
+                <a16:creationId xmlns:a16="http://schemas.microsoft.com/office/drawing/2014/main" id="{F4F92A60-D534-104C-4617-DD0197B292CE}"/>
               </a:ext>
               <a:ext uri="{C183D7F6-B498-43B3-948B-1728B52AA6E4}">
                 <adec:decorative xmlns:adec="http://schemas.microsoft.com/office/drawing/2017/decorative" val="1"/>
@@ -8351,7 +10884,7 @@
           <p:cNvPr id="1043" name="Rectangle 1042">
             <a:extLst>
               <a:ext uri="{FF2B5EF4-FFF2-40B4-BE49-F238E27FC236}">
-                <a16:creationId xmlns:a16="http://schemas.microsoft.com/office/drawing/2014/main" id="{4CBFDFAA-511A-769D-FE5F-BC41416DE2AE}"/>
+                <a16:creationId xmlns:a16="http://schemas.microsoft.com/office/drawing/2014/main" id="{7D7A93DA-A453-E87B-C27D-F51208358815}"/>
               </a:ext>
               <a:ext uri="{C183D7F6-B498-43B3-948B-1728B52AA6E4}">
                 <adec:decorative xmlns:adec="http://schemas.microsoft.com/office/drawing/2017/decorative" val="1"/>
@@ -8427,7 +10960,7 @@
           <p:cNvPr id="2" name="Title 1">
             <a:extLst>
               <a:ext uri="{FF2B5EF4-FFF2-40B4-BE49-F238E27FC236}">
-                <a16:creationId xmlns:a16="http://schemas.microsoft.com/office/drawing/2014/main" id="{F39DBC08-8DC2-E7CF-DB35-318117482B6D}"/>
+                <a16:creationId xmlns:a16="http://schemas.microsoft.com/office/drawing/2014/main" id="{306F7B90-CB27-E886-DE13-43CF0459A14F}"/>
               </a:ext>
             </a:extLst>
           </p:cNvPr>
@@ -8477,8 +11010,37 @@
                   <a:srgbClr val="FFFFFF"/>
                 </a:solidFill>
               </a:rPr>
-              <a:t> - Config Harmony</a:t>
+              <a:t> - </a:t>
             </a:r>
+            <a:r>
+              <a:rPr lang="en-US" sz="3500" dirty="0" err="1">
+                <a:solidFill>
+                  <a:srgbClr val="FFFFFF"/>
+                </a:solidFill>
+              </a:rPr>
+              <a:t>Limites</a:t>
+            </a:r>
+            <a:r>
+              <a:rPr lang="en-US" sz="3500" dirty="0">
+                <a:solidFill>
+                  <a:srgbClr val="FFFFFF"/>
+                </a:solidFill>
+              </a:rPr>
+              <a:t> </a:t>
+            </a:r>
+            <a:r>
+              <a:rPr lang="en-US" sz="3500" dirty="0" err="1">
+                <a:solidFill>
+                  <a:srgbClr val="FFFFFF"/>
+                </a:solidFill>
+              </a:rPr>
+              <a:t>rencontrées</a:t>
+            </a:r>
+            <a:endParaRPr lang="en-US" sz="3500" dirty="0">
+              <a:solidFill>
+                <a:srgbClr val="FFFFFF"/>
+              </a:solidFill>
+            </a:endParaRPr>
           </a:p>
         </p:txBody>
       </p:sp>
@@ -8487,7 +11049,7 @@
           <p:cNvPr id="8" name="Espace réservé du contenu 7">
             <a:extLst>
               <a:ext uri="{FF2B5EF4-FFF2-40B4-BE49-F238E27FC236}">
-                <a16:creationId xmlns:a16="http://schemas.microsoft.com/office/drawing/2014/main" id="{53C5FCD6-D7B6-963B-D0B4-DB53BBC5E883}"/>
+                <a16:creationId xmlns:a16="http://schemas.microsoft.com/office/drawing/2014/main" id="{6BDBA584-1351-34D6-8664-AE22115764E9}"/>
               </a:ext>
             </a:extLst>
           </p:cNvPr>
@@ -8503,34 +11065,20 @@
           <a:bodyPr/>
           <a:lstStyle/>
           <a:p>
-            <a:pPr marL="0" indent="0">
-              <a:buNone/>
-            </a:pPr>
-            <a:endParaRPr lang="fr-FR" dirty="0"/>
-          </a:p>
-          <a:p>
-            <a:pPr>
-              <a:buFontTx/>
-              <a:buChar char="-"/>
-            </a:pPr>
-            <a:r>
-              <a:rPr lang="fr-FR" dirty="0" err="1"/>
-              <a:t>Timers</a:t>
-            </a:r>
-            <a:r>
-              <a:rPr lang="fr-FR" dirty="0"/>
-              <a:t> répartis pour : écran</a:t>
-            </a:r>
-          </a:p>
-          <a:p>
             <a:pPr>
               <a:buFontTx/>
               <a:buChar char="-"/>
             </a:pPr>
             <a:r>
               <a:rPr lang="fr-FR" dirty="0"/>
-              <a:t> ADC en mode scan</a:t>
+              <a:t>Difficulté à maintenir clarté dans l’assemblage</a:t>
             </a:r>
+          </a:p>
+          <a:p>
+            <a:pPr marL="0" indent="0">
+              <a:buNone/>
+            </a:pPr>
+            <a:endParaRPr lang="fr-FR" dirty="0"/>
           </a:p>
           <a:p>
             <a:pPr>
@@ -8539,17 +11087,7 @@
             </a:pPr>
             <a:r>
               <a:rPr lang="fr-FR" dirty="0"/>
-              <a:t> touches</a:t>
-            </a:r>
-          </a:p>
-          <a:p>
-            <a:pPr>
-              <a:buFontTx/>
-              <a:buChar char="-"/>
-            </a:pPr>
-            <a:r>
-              <a:rPr lang="fr-FR" dirty="0"/>
-              <a:t> SPI – I2C driver ES</a:t>
+              <a:t>Structure logicielle à re-repenser ?</a:t>
             </a:r>
           </a:p>
         </p:txBody>
@@ -8557,25 +11095,261 @@
     </p:spTree>
     <p:extLst>
       <p:ext uri="{BB962C8B-B14F-4D97-AF65-F5344CB8AC3E}">
-        <p14:creationId xmlns:p14="http://schemas.microsoft.com/office/powerpoint/2010/main" val="1451176124"/>
+        <p14:creationId xmlns:p14="http://schemas.microsoft.com/office/powerpoint/2010/main" val="2674336488"/>
       </p:ext>
     </p:extLst>
   </p:cSld>
   <p:clrMapOvr>
     <a:masterClrMapping/>
   </p:clrMapOvr>
-  <mc:AlternateContent xmlns:mc="http://schemas.openxmlformats.org/markup-compatibility/2006">
-    <mc:Choice xmlns:p14="http://schemas.microsoft.com/office/powerpoint/2010/main" Requires="p14">
+  <mc:AlternateContent xmlns:mc="http://schemas.openxmlformats.org/markup-compatibility/2006" xmlns:p14="http://schemas.microsoft.com/office/powerpoint/2010/main">
+    <mc:Choice Requires="p14">
       <p:transition spd="slow" p14:dur="1600">
         <p14:conveyor dir="l"/>
       </p:transition>
     </mc:Choice>
-    <mc:Fallback>
+    <mc:Fallback xmlns="">
       <p:transition spd="slow">
         <p:fade/>
       </p:transition>
     </mc:Fallback>
   </mc:AlternateContent>
+  <p:timing>
+    <p:tnLst>
+      <p:par>
+        <p:cTn id="1" dur="indefinite" restart="never" nodeType="tmRoot">
+          <p:childTnLst>
+            <p:seq concurrent="1" nextAc="seek">
+              <p:cTn id="2" dur="indefinite" nodeType="mainSeq">
+                <p:childTnLst>
+                  <p:par>
+                    <p:cTn id="3" fill="hold">
+                      <p:stCondLst>
+                        <p:cond delay="indefinite"/>
+                      </p:stCondLst>
+                      <p:childTnLst>
+                        <p:par>
+                          <p:cTn id="4" fill="hold">
+                            <p:stCondLst>
+                              <p:cond delay="0"/>
+                            </p:stCondLst>
+                            <p:childTnLst>
+                              <p:par>
+                                <p:cTn id="5" presetID="2" presetClass="entr" presetSubtype="4" fill="hold" nodeType="clickEffect">
+                                  <p:stCondLst>
+                                    <p:cond delay="0"/>
+                                  </p:stCondLst>
+                                  <p:childTnLst>
+                                    <p:set>
+                                      <p:cBhvr>
+                                        <p:cTn id="6" dur="1" fill="hold">
+                                          <p:stCondLst>
+                                            <p:cond delay="0"/>
+                                          </p:stCondLst>
+                                        </p:cTn>
+                                        <p:tgtEl>
+                                          <p:spTgt spid="8">
+                                            <p:txEl>
+                                              <p:pRg st="0" end="0"/>
+                                            </p:txEl>
+                                          </p:spTgt>
+                                        </p:tgtEl>
+                                        <p:attrNameLst>
+                                          <p:attrName>style.visibility</p:attrName>
+                                        </p:attrNameLst>
+                                      </p:cBhvr>
+                                      <p:to>
+                                        <p:strVal val="visible"/>
+                                      </p:to>
+                                    </p:set>
+                                    <p:anim calcmode="lin" valueType="num">
+                                      <p:cBhvr additive="base">
+                                        <p:cTn id="7" dur="500" fill="hold"/>
+                                        <p:tgtEl>
+                                          <p:spTgt spid="8">
+                                            <p:txEl>
+                                              <p:pRg st="0" end="0"/>
+                                            </p:txEl>
+                                          </p:spTgt>
+                                        </p:tgtEl>
+                                        <p:attrNameLst>
+                                          <p:attrName>ppt_x</p:attrName>
+                                        </p:attrNameLst>
+                                      </p:cBhvr>
+                                      <p:tavLst>
+                                        <p:tav tm="0">
+                                          <p:val>
+                                            <p:strVal val="#ppt_x"/>
+                                          </p:val>
+                                        </p:tav>
+                                        <p:tav tm="100000">
+                                          <p:val>
+                                            <p:strVal val="#ppt_x"/>
+                                          </p:val>
+                                        </p:tav>
+                                      </p:tavLst>
+                                    </p:anim>
+                                    <p:anim calcmode="lin" valueType="num">
+                                      <p:cBhvr additive="base">
+                                        <p:cTn id="8" dur="500" fill="hold"/>
+                                        <p:tgtEl>
+                                          <p:spTgt spid="8">
+                                            <p:txEl>
+                                              <p:pRg st="0" end="0"/>
+                                            </p:txEl>
+                                          </p:spTgt>
+                                        </p:tgtEl>
+                                        <p:attrNameLst>
+                                          <p:attrName>ppt_y</p:attrName>
+                                        </p:attrNameLst>
+                                      </p:cBhvr>
+                                      <p:tavLst>
+                                        <p:tav tm="0">
+                                          <p:val>
+                                            <p:strVal val="1+#ppt_h/2"/>
+                                          </p:val>
+                                        </p:tav>
+                                        <p:tav tm="100000">
+                                          <p:val>
+                                            <p:strVal val="#ppt_y"/>
+                                          </p:val>
+                                        </p:tav>
+                                      </p:tavLst>
+                                    </p:anim>
+                                  </p:childTnLst>
+                                </p:cTn>
+                              </p:par>
+                            </p:childTnLst>
+                          </p:cTn>
+                        </p:par>
+                      </p:childTnLst>
+                    </p:cTn>
+                  </p:par>
+                  <p:par>
+                    <p:cTn id="9" fill="hold">
+                      <p:stCondLst>
+                        <p:cond delay="indefinite"/>
+                      </p:stCondLst>
+                      <p:childTnLst>
+                        <p:par>
+                          <p:cTn id="10" fill="hold">
+                            <p:stCondLst>
+                              <p:cond delay="0"/>
+                            </p:stCondLst>
+                            <p:childTnLst>
+                              <p:par>
+                                <p:cTn id="11" presetID="2" presetClass="entr" presetSubtype="4" fill="hold" nodeType="clickEffect">
+                                  <p:stCondLst>
+                                    <p:cond delay="0"/>
+                                  </p:stCondLst>
+                                  <p:childTnLst>
+                                    <p:set>
+                                      <p:cBhvr>
+                                        <p:cTn id="12" dur="1" fill="hold">
+                                          <p:stCondLst>
+                                            <p:cond delay="0"/>
+                                          </p:stCondLst>
+                                        </p:cTn>
+                                        <p:tgtEl>
+                                          <p:spTgt spid="8">
+                                            <p:txEl>
+                                              <p:pRg st="2" end="2"/>
+                                            </p:txEl>
+                                          </p:spTgt>
+                                        </p:tgtEl>
+                                        <p:attrNameLst>
+                                          <p:attrName>style.visibility</p:attrName>
+                                        </p:attrNameLst>
+                                      </p:cBhvr>
+                                      <p:to>
+                                        <p:strVal val="visible"/>
+                                      </p:to>
+                                    </p:set>
+                                    <p:anim calcmode="lin" valueType="num">
+                                      <p:cBhvr additive="base">
+                                        <p:cTn id="13" dur="500" fill="hold"/>
+                                        <p:tgtEl>
+                                          <p:spTgt spid="8">
+                                            <p:txEl>
+                                              <p:pRg st="2" end="2"/>
+                                            </p:txEl>
+                                          </p:spTgt>
+                                        </p:tgtEl>
+                                        <p:attrNameLst>
+                                          <p:attrName>ppt_x</p:attrName>
+                                        </p:attrNameLst>
+                                      </p:cBhvr>
+                                      <p:tavLst>
+                                        <p:tav tm="0">
+                                          <p:val>
+                                            <p:strVal val="#ppt_x"/>
+                                          </p:val>
+                                        </p:tav>
+                                        <p:tav tm="100000">
+                                          <p:val>
+                                            <p:strVal val="#ppt_x"/>
+                                          </p:val>
+                                        </p:tav>
+                                      </p:tavLst>
+                                    </p:anim>
+                                    <p:anim calcmode="lin" valueType="num">
+                                      <p:cBhvr additive="base">
+                                        <p:cTn id="14" dur="500" fill="hold"/>
+                                        <p:tgtEl>
+                                          <p:spTgt spid="8">
+                                            <p:txEl>
+                                              <p:pRg st="2" end="2"/>
+                                            </p:txEl>
+                                          </p:spTgt>
+                                        </p:tgtEl>
+                                        <p:attrNameLst>
+                                          <p:attrName>ppt_y</p:attrName>
+                                        </p:attrNameLst>
+                                      </p:cBhvr>
+                                      <p:tavLst>
+                                        <p:tav tm="0">
+                                          <p:val>
+                                            <p:strVal val="1+#ppt_h/2"/>
+                                          </p:val>
+                                        </p:tav>
+                                        <p:tav tm="100000">
+                                          <p:val>
+                                            <p:strVal val="#ppt_y"/>
+                                          </p:val>
+                                        </p:tav>
+                                      </p:tavLst>
+                                    </p:anim>
+                                  </p:childTnLst>
+                                </p:cTn>
+                              </p:par>
+                            </p:childTnLst>
+                          </p:cTn>
+                        </p:par>
+                      </p:childTnLst>
+                    </p:cTn>
+                  </p:par>
+                </p:childTnLst>
+              </p:cTn>
+              <p:prevCondLst>
+                <p:cond evt="onPrev" delay="0">
+                  <p:tgtEl>
+                    <p:sldTgt/>
+                  </p:tgtEl>
+                </p:cond>
+              </p:prevCondLst>
+              <p:nextCondLst>
+                <p:cond evt="onNext" delay="0">
+                  <p:tgtEl>
+                    <p:sldTgt/>
+                  </p:tgtEl>
+                </p:cond>
+              </p:nextCondLst>
+            </p:seq>
+          </p:childTnLst>
+        </p:cTn>
+      </p:par>
+    </p:tnLst>
+  </p:timing>
 </p:sld>
 </file>
 
@@ -8595,7 +11369,7 @@
         <p:cNvPr id="1" name="">
           <a:extLst>
             <a:ext uri="{FF2B5EF4-FFF2-40B4-BE49-F238E27FC236}">
-              <a16:creationId xmlns:a16="http://schemas.microsoft.com/office/drawing/2014/main" id="{AF007F06-3C7E-37D9-1ADB-5F504260E6BC}"/>
+              <a16:creationId xmlns:a16="http://schemas.microsoft.com/office/drawing/2014/main" id="{11AFDD5F-8F9D-9152-B337-DD37562A2317}"/>
             </a:ext>
           </a:extLst>
         </p:cNvPr>
@@ -8615,7 +11389,7 @@
           <p:cNvPr id="1035" name="Rectangle 1034">
             <a:extLst>
               <a:ext uri="{FF2B5EF4-FFF2-40B4-BE49-F238E27FC236}">
-                <a16:creationId xmlns:a16="http://schemas.microsoft.com/office/drawing/2014/main" id="{07B22980-BAC1-631F-CF3A-1695CFBA666E}"/>
+                <a16:creationId xmlns:a16="http://schemas.microsoft.com/office/drawing/2014/main" id="{9A594BB8-AABC-B8A5-70A6-85D7449F1227}"/>
               </a:ext>
               <a:ext uri="{C183D7F6-B498-43B3-948B-1728B52AA6E4}">
                 <adec:decorative xmlns:adec="http://schemas.microsoft.com/office/drawing/2017/decorative" val="1"/>
@@ -8691,7 +11465,7 @@
           <p:cNvPr id="1037" name="Rectangle 1036">
             <a:extLst>
               <a:ext uri="{FF2B5EF4-FFF2-40B4-BE49-F238E27FC236}">
-                <a16:creationId xmlns:a16="http://schemas.microsoft.com/office/drawing/2014/main" id="{B4F1A0A0-62B9-7CCC-BE0B-5B040F639D2A}"/>
+                <a16:creationId xmlns:a16="http://schemas.microsoft.com/office/drawing/2014/main" id="{8855731A-3F1E-65F2-19A6-94204F7261E2}"/>
               </a:ext>
               <a:ext uri="{C183D7F6-B498-43B3-948B-1728B52AA6E4}">
                 <adec:decorative xmlns:adec="http://schemas.microsoft.com/office/drawing/2017/decorative" val="1"/>
@@ -8766,7 +11540,7 @@
           <p:cNvPr id="1039" name="Rectangle 1038">
             <a:extLst>
               <a:ext uri="{FF2B5EF4-FFF2-40B4-BE49-F238E27FC236}">
-                <a16:creationId xmlns:a16="http://schemas.microsoft.com/office/drawing/2014/main" id="{18494F02-2449-EF5B-BFDF-391585B8B86C}"/>
+                <a16:creationId xmlns:a16="http://schemas.microsoft.com/office/drawing/2014/main" id="{BA62C3B4-547B-128E-40FA-226AD13C8AA1}"/>
               </a:ext>
               <a:ext uri="{C183D7F6-B498-43B3-948B-1728B52AA6E4}">
                 <adec:decorative xmlns:adec="http://schemas.microsoft.com/office/drawing/2017/decorative" val="1"/>
@@ -8842,7 +11616,7 @@
           <p:cNvPr id="1041" name="Rectangle 1040">
             <a:extLst>
               <a:ext uri="{FF2B5EF4-FFF2-40B4-BE49-F238E27FC236}">
-                <a16:creationId xmlns:a16="http://schemas.microsoft.com/office/drawing/2014/main" id="{F4F92A60-D534-104C-4617-DD0197B292CE}"/>
+                <a16:creationId xmlns:a16="http://schemas.microsoft.com/office/drawing/2014/main" id="{B4DEF2DB-6DB5-3DC0-CF8C-5F17BA52EBAA}"/>
               </a:ext>
               <a:ext uri="{C183D7F6-B498-43B3-948B-1728B52AA6E4}">
                 <adec:decorative xmlns:adec="http://schemas.microsoft.com/office/drawing/2017/decorative" val="1"/>
@@ -8917,7 +11691,7 @@
           <p:cNvPr id="1043" name="Rectangle 1042">
             <a:extLst>
               <a:ext uri="{FF2B5EF4-FFF2-40B4-BE49-F238E27FC236}">
-                <a16:creationId xmlns:a16="http://schemas.microsoft.com/office/drawing/2014/main" id="{7D7A93DA-A453-E87B-C27D-F51208358815}"/>
+                <a16:creationId xmlns:a16="http://schemas.microsoft.com/office/drawing/2014/main" id="{2DC1B83B-EA2E-3B50-304D-B14419235B2B}"/>
               </a:ext>
               <a:ext uri="{C183D7F6-B498-43B3-948B-1728B52AA6E4}">
                 <adec:decorative xmlns:adec="http://schemas.microsoft.com/office/drawing/2017/decorative" val="1"/>
@@ -8993,571 +11767,6 @@
           <p:cNvPr id="2" name="Title 1">
             <a:extLst>
               <a:ext uri="{FF2B5EF4-FFF2-40B4-BE49-F238E27FC236}">
-                <a16:creationId xmlns:a16="http://schemas.microsoft.com/office/drawing/2014/main" id="{306F7B90-CB27-E886-DE13-43CF0459A14F}"/>
-              </a:ext>
-            </a:extLst>
-          </p:cNvPr>
-          <p:cNvSpPr>
-            <a:spLocks noGrp="1"/>
-          </p:cNvSpPr>
-          <p:nvPr>
-            <p:ph type="title"/>
-          </p:nvPr>
-        </p:nvSpPr>
-        <p:spPr>
-          <a:xfrm>
-            <a:off x="524785" y="353160"/>
-            <a:ext cx="5318475" cy="898581"/>
-          </a:xfrm>
-        </p:spPr>
-        <p:txBody>
-          <a:bodyPr vert="horz" lIns="91440" tIns="45720" rIns="91440" bIns="45720" rtlCol="0" anchor="ctr">
-            <a:normAutofit fontScale="90000"/>
-          </a:bodyPr>
-          <a:lstStyle/>
-          <a:p>
-            <a:pPr algn="l" defTabSz="914400">
-              <a:lnSpc>
-                <a:spcPct val="90000"/>
-              </a:lnSpc>
-            </a:pPr>
-            <a:r>
-              <a:rPr lang="en-US" sz="3500" dirty="0">
-                <a:solidFill>
-                  <a:srgbClr val="FFFFFF"/>
-                </a:solidFill>
-              </a:rPr>
-              <a:t>3. </a:t>
-            </a:r>
-            <a:r>
-              <a:rPr lang="en-US" sz="3500" dirty="0" err="1">
-                <a:solidFill>
-                  <a:srgbClr val="FFFFFF"/>
-                </a:solidFill>
-              </a:rPr>
-              <a:t>Programmation</a:t>
-            </a:r>
-            <a:r>
-              <a:rPr lang="en-US" sz="3500" dirty="0">
-                <a:solidFill>
-                  <a:srgbClr val="FFFFFF"/>
-                </a:solidFill>
-              </a:rPr>
-              <a:t> - </a:t>
-            </a:r>
-            <a:r>
-              <a:rPr lang="en-US" sz="3500" dirty="0" err="1">
-                <a:solidFill>
-                  <a:srgbClr val="FFFFFF"/>
-                </a:solidFill>
-              </a:rPr>
-              <a:t>Limites</a:t>
-            </a:r>
-            <a:r>
-              <a:rPr lang="en-US" sz="3500" dirty="0">
-                <a:solidFill>
-                  <a:srgbClr val="FFFFFF"/>
-                </a:solidFill>
-              </a:rPr>
-              <a:t> </a:t>
-            </a:r>
-            <a:r>
-              <a:rPr lang="en-US" sz="3500" dirty="0" err="1">
-                <a:solidFill>
-                  <a:srgbClr val="FFFFFF"/>
-                </a:solidFill>
-              </a:rPr>
-              <a:t>rencontrées</a:t>
-            </a:r>
-            <a:endParaRPr lang="en-US" sz="3500" dirty="0">
-              <a:solidFill>
-                <a:srgbClr val="FFFFFF"/>
-              </a:solidFill>
-            </a:endParaRPr>
-          </a:p>
-        </p:txBody>
-      </p:sp>
-      <p:sp>
-        <p:nvSpPr>
-          <p:cNvPr id="8" name="Espace réservé du contenu 7">
-            <a:extLst>
-              <a:ext uri="{FF2B5EF4-FFF2-40B4-BE49-F238E27FC236}">
-                <a16:creationId xmlns:a16="http://schemas.microsoft.com/office/drawing/2014/main" id="{6BDBA584-1351-34D6-8664-AE22115764E9}"/>
-              </a:ext>
-            </a:extLst>
-          </p:cNvPr>
-          <p:cNvSpPr>
-            <a:spLocks noGrp="1"/>
-          </p:cNvSpPr>
-          <p:nvPr>
-            <p:ph idx="1"/>
-          </p:nvPr>
-        </p:nvSpPr>
-        <p:spPr/>
-        <p:txBody>
-          <a:bodyPr/>
-          <a:lstStyle/>
-          <a:p>
-            <a:pPr>
-              <a:buFontTx/>
-              <a:buChar char="-"/>
-            </a:pPr>
-            <a:r>
-              <a:rPr lang="fr-FR" dirty="0"/>
-              <a:t>Difficulté à maintenir clarté dans l’assemblage</a:t>
-            </a:r>
-          </a:p>
-          <a:p>
-            <a:pPr>
-              <a:buFontTx/>
-              <a:buChar char="-"/>
-            </a:pPr>
-            <a:r>
-              <a:rPr lang="fr-FR" dirty="0"/>
-              <a:t>Structure logicielle à repenser</a:t>
-            </a:r>
-          </a:p>
-        </p:txBody>
-      </p:sp>
-    </p:spTree>
-    <p:extLst>
-      <p:ext uri="{BB962C8B-B14F-4D97-AF65-F5344CB8AC3E}">
-        <p14:creationId xmlns:p14="http://schemas.microsoft.com/office/powerpoint/2010/main" val="2674336488"/>
-      </p:ext>
-    </p:extLst>
-  </p:cSld>
-  <p:clrMapOvr>
-    <a:masterClrMapping/>
-  </p:clrMapOvr>
-  <mc:AlternateContent xmlns:mc="http://schemas.openxmlformats.org/markup-compatibility/2006">
-    <mc:Choice xmlns:p14="http://schemas.microsoft.com/office/powerpoint/2010/main" Requires="p14">
-      <p:transition spd="slow" p14:dur="1600">
-        <p14:conveyor dir="l"/>
-      </p:transition>
-    </mc:Choice>
-    <mc:Fallback>
-      <p:transition spd="slow">
-        <p:fade/>
-      </p:transition>
-    </mc:Fallback>
-  </mc:AlternateContent>
-</p:sld>
-</file>
-
-<file path=ppt/slides/slide18.xml><?xml version="1.0" encoding="utf-8"?>
-<p:sld xmlns:a="http://schemas.openxmlformats.org/drawingml/2006/main" xmlns:r="http://schemas.openxmlformats.org/officeDocument/2006/relationships" xmlns:p="http://schemas.openxmlformats.org/presentationml/2006/main">
-  <p:cSld>
-    <p:bg>
-      <p:bgPr>
-        <a:solidFill>
-          <a:schemeClr val="bg1"/>
-        </a:solidFill>
-        <a:effectLst/>
-      </p:bgPr>
-    </p:bg>
-    <p:spTree>
-      <p:nvGrpSpPr>
-        <p:cNvPr id="1" name="">
-          <a:extLst>
-            <a:ext uri="{FF2B5EF4-FFF2-40B4-BE49-F238E27FC236}">
-              <a16:creationId xmlns:a16="http://schemas.microsoft.com/office/drawing/2014/main" id="{11AFDD5F-8F9D-9152-B337-DD37562A2317}"/>
-            </a:ext>
-          </a:extLst>
-        </p:cNvPr>
-        <p:cNvGrpSpPr/>
-        <p:nvPr/>
-      </p:nvGrpSpPr>
-      <p:grpSpPr>
-        <a:xfrm>
-          <a:off x="0" y="0"/>
-          <a:ext cx="0" cy="0"/>
-          <a:chOff x="0" y="0"/>
-          <a:chExt cx="0" cy="0"/>
-        </a:xfrm>
-      </p:grpSpPr>
-      <p:sp useBgFill="1">
-        <p:nvSpPr>
-          <p:cNvPr id="1035" name="Rectangle 1034">
-            <a:extLst>
-              <a:ext uri="{FF2B5EF4-FFF2-40B4-BE49-F238E27FC236}">
-                <a16:creationId xmlns:a16="http://schemas.microsoft.com/office/drawing/2014/main" id="{9A594BB8-AABC-B8A5-70A6-85D7449F1227}"/>
-              </a:ext>
-              <a:ext uri="{C183D7F6-B498-43B3-948B-1728B52AA6E4}">
-                <adec:decorative xmlns:adec="http://schemas.microsoft.com/office/drawing/2017/decorative" val="1"/>
-              </a:ext>
-            </a:extLst>
-          </p:cNvPr>
-          <p:cNvSpPr>
-            <a:spLocks noGrp="1" noRot="1" noChangeAspect="1" noMove="1" noResize="1" noEditPoints="1" noAdjustHandles="1" noChangeArrowheads="1" noChangeShapeType="1" noTextEdit="1"/>
-          </p:cNvSpPr>
-          <p:nvPr>
-            <p:extLst>
-              <p:ext uri="{386F3935-93C4-4BCD-93E2-E3B085C9AB24}">
-                <p16:designElem xmlns:p16="http://schemas.microsoft.com/office/powerpoint/2015/main" val="1"/>
-              </p:ext>
-            </p:extLst>
-          </p:nvPr>
-        </p:nvSpPr>
-        <p:spPr>
-          <a:xfrm>
-            <a:off x="0" y="0"/>
-            <a:ext cx="9144000" cy="6858000"/>
-          </a:xfrm>
-          <a:prstGeom prst="rect">
-            <a:avLst/>
-          </a:prstGeom>
-          <a:ln w="12700" cap="flat" cmpd="sng" algn="ctr">
-            <a:noFill/>
-            <a:prstDash val="solid"/>
-            <a:miter lim="800000"/>
-          </a:ln>
-          <a:effectLst/>
-          <a:extLst>
-            <a:ext uri="{91240B29-F687-4F45-9708-019B960494DF}">
-              <a14:hiddenLine xmlns:a14="http://schemas.microsoft.com/office/drawing/2010/main" w="12700" cap="flat" cmpd="sng" algn="ctr">
-                <a:solidFill>
-                  <a:schemeClr val="accent1">
-                    <a:shade val="50000"/>
-                  </a:schemeClr>
-                </a:solidFill>
-                <a:prstDash val="solid"/>
-                <a:miter lim="800000"/>
-              </a14:hiddenLine>
-            </a:ext>
-          </a:extLst>
-        </p:spPr>
-        <p:style>
-          <a:lnRef idx="2">
-            <a:schemeClr val="accent1">
-              <a:shade val="50000"/>
-            </a:schemeClr>
-          </a:lnRef>
-          <a:fillRef idx="1">
-            <a:schemeClr val="accent1"/>
-          </a:fillRef>
-          <a:effectRef idx="0">
-            <a:schemeClr val="accent1"/>
-          </a:effectRef>
-          <a:fontRef idx="minor">
-            <a:schemeClr val="lt1"/>
-          </a:fontRef>
-        </p:style>
-        <p:txBody>
-          <a:bodyPr rtlCol="0" anchor="ctr"/>
-          <a:lstStyle/>
-          <a:p>
-            <a:pPr algn="ctr"/>
-            <a:endParaRPr lang="en-US" sz="2000"/>
-          </a:p>
-        </p:txBody>
-      </p:sp>
-      <p:sp>
-        <p:nvSpPr>
-          <p:cNvPr id="1037" name="Rectangle 1036">
-            <a:extLst>
-              <a:ext uri="{FF2B5EF4-FFF2-40B4-BE49-F238E27FC236}">
-                <a16:creationId xmlns:a16="http://schemas.microsoft.com/office/drawing/2014/main" id="{8855731A-3F1E-65F2-19A6-94204F7261E2}"/>
-              </a:ext>
-              <a:ext uri="{C183D7F6-B498-43B3-948B-1728B52AA6E4}">
-                <adec:decorative xmlns:adec="http://schemas.microsoft.com/office/drawing/2017/decorative" val="1"/>
-              </a:ext>
-            </a:extLst>
-          </p:cNvPr>
-          <p:cNvSpPr>
-            <a:spLocks noGrp="1" noRot="1" noChangeAspect="1" noMove="1" noResize="1" noEditPoints="1" noAdjustHandles="1" noChangeArrowheads="1" noChangeShapeType="1" noTextEdit="1"/>
-          </p:cNvSpPr>
-          <p:nvPr>
-            <p:extLst>
-              <p:ext uri="{386F3935-93C4-4BCD-93E2-E3B085C9AB24}">
-                <p16:designElem xmlns:p16="http://schemas.microsoft.com/office/powerpoint/2015/main" val="1"/>
-              </p:ext>
-            </p:extLst>
-          </p:nvPr>
-        </p:nvSpPr>
-        <p:spPr>
-          <a:xfrm flipH="1">
-            <a:off x="1" y="492"/>
-            <a:ext cx="9143999" cy="1575955"/>
-          </a:xfrm>
-          <a:prstGeom prst="rect">
-            <a:avLst/>
-          </a:prstGeom>
-          <a:gradFill>
-            <a:gsLst>
-              <a:gs pos="0">
-                <a:schemeClr val="accent1">
-                  <a:lumMod val="50000"/>
-                </a:schemeClr>
-              </a:gs>
-              <a:gs pos="100000">
-                <a:schemeClr val="accent1">
-                  <a:lumMod val="75000"/>
-                </a:schemeClr>
-              </a:gs>
-            </a:gsLst>
-            <a:lin ang="8400000" scaled="0"/>
-          </a:gradFill>
-          <a:ln>
-            <a:noFill/>
-          </a:ln>
-        </p:spPr>
-        <p:style>
-          <a:lnRef idx="2">
-            <a:schemeClr val="accent1">
-              <a:shade val="50000"/>
-            </a:schemeClr>
-          </a:lnRef>
-          <a:fillRef idx="1">
-            <a:schemeClr val="accent1"/>
-          </a:fillRef>
-          <a:effectRef idx="0">
-            <a:schemeClr val="accent1"/>
-          </a:effectRef>
-          <a:fontRef idx="minor">
-            <a:schemeClr val="lt1"/>
-          </a:fontRef>
-        </p:style>
-        <p:txBody>
-          <a:bodyPr rtlCol="0" anchor="ctr"/>
-          <a:lstStyle/>
-          <a:p>
-            <a:pPr algn="ctr"/>
-            <a:endParaRPr lang="en-US"/>
-          </a:p>
-        </p:txBody>
-      </p:sp>
-      <p:sp>
-        <p:nvSpPr>
-          <p:cNvPr id="1039" name="Rectangle 1038">
-            <a:extLst>
-              <a:ext uri="{FF2B5EF4-FFF2-40B4-BE49-F238E27FC236}">
-                <a16:creationId xmlns:a16="http://schemas.microsoft.com/office/drawing/2014/main" id="{BA62C3B4-547B-128E-40FA-226AD13C8AA1}"/>
-              </a:ext>
-              <a:ext uri="{C183D7F6-B498-43B3-948B-1728B52AA6E4}">
-                <adec:decorative xmlns:adec="http://schemas.microsoft.com/office/drawing/2017/decorative" val="1"/>
-              </a:ext>
-            </a:extLst>
-          </p:cNvPr>
-          <p:cNvSpPr>
-            <a:spLocks noGrp="1" noRot="1" noChangeAspect="1" noMove="1" noResize="1" noEditPoints="1" noAdjustHandles="1" noChangeArrowheads="1" noChangeShapeType="1" noTextEdit="1"/>
-          </p:cNvSpPr>
-          <p:nvPr>
-            <p:extLst>
-              <p:ext uri="{386F3935-93C4-4BCD-93E2-E3B085C9AB24}">
-                <p16:designElem xmlns:p16="http://schemas.microsoft.com/office/powerpoint/2015/main" val="1"/>
-              </p:ext>
-            </p:extLst>
-          </p:nvPr>
-        </p:nvSpPr>
-        <p:spPr>
-          <a:xfrm rot="10800000" flipH="1">
-            <a:off x="6096642" y="35"/>
-            <a:ext cx="3047358" cy="1576412"/>
-          </a:xfrm>
-          <a:prstGeom prst="rect">
-            <a:avLst/>
-          </a:prstGeom>
-          <a:gradFill>
-            <a:gsLst>
-              <a:gs pos="19000">
-                <a:schemeClr val="accent1">
-                  <a:lumMod val="50000"/>
-                  <a:alpha val="68000"/>
-                </a:schemeClr>
-              </a:gs>
-              <a:gs pos="100000">
-                <a:schemeClr val="accent1">
-                  <a:alpha val="79000"/>
-                </a:schemeClr>
-              </a:gs>
-            </a:gsLst>
-            <a:lin ang="19200000" scaled="0"/>
-          </a:gradFill>
-          <a:ln>
-            <a:noFill/>
-          </a:ln>
-        </p:spPr>
-        <p:style>
-          <a:lnRef idx="2">
-            <a:schemeClr val="accent1">
-              <a:shade val="50000"/>
-            </a:schemeClr>
-          </a:lnRef>
-          <a:fillRef idx="1">
-            <a:schemeClr val="accent1"/>
-          </a:fillRef>
-          <a:effectRef idx="0">
-            <a:schemeClr val="accent1"/>
-          </a:effectRef>
-          <a:fontRef idx="minor">
-            <a:schemeClr val="lt1"/>
-          </a:fontRef>
-        </p:style>
-        <p:txBody>
-          <a:bodyPr rtlCol="0" anchor="ctr"/>
-          <a:lstStyle/>
-          <a:p>
-            <a:pPr algn="ctr"/>
-            <a:endParaRPr lang="en-US"/>
-          </a:p>
-        </p:txBody>
-      </p:sp>
-      <p:sp>
-        <p:nvSpPr>
-          <p:cNvPr id="1041" name="Rectangle 1040">
-            <a:extLst>
-              <a:ext uri="{FF2B5EF4-FFF2-40B4-BE49-F238E27FC236}">
-                <a16:creationId xmlns:a16="http://schemas.microsoft.com/office/drawing/2014/main" id="{B4DEF2DB-6DB5-3DC0-CF8C-5F17BA52EBAA}"/>
-              </a:ext>
-              <a:ext uri="{C183D7F6-B498-43B3-948B-1728B52AA6E4}">
-                <adec:decorative xmlns:adec="http://schemas.microsoft.com/office/drawing/2017/decorative" val="1"/>
-              </a:ext>
-            </a:extLst>
-          </p:cNvPr>
-          <p:cNvSpPr>
-            <a:spLocks noGrp="1" noRot="1" noChangeAspect="1" noMove="1" noResize="1" noEditPoints="1" noAdjustHandles="1" noChangeArrowheads="1" noChangeShapeType="1" noTextEdit="1"/>
-          </p:cNvSpPr>
-          <p:nvPr>
-            <p:extLst>
-              <p:ext uri="{386F3935-93C4-4BCD-93E2-E3B085C9AB24}">
-                <p16:designElem xmlns:p16="http://schemas.microsoft.com/office/powerpoint/2015/main" val="1"/>
-              </p:ext>
-            </p:extLst>
-          </p:nvPr>
-        </p:nvSpPr>
-        <p:spPr>
-          <a:xfrm rot="5400000">
-            <a:off x="3783778" y="-3783777"/>
-            <a:ext cx="1576446" cy="9144001"/>
-          </a:xfrm>
-          <a:prstGeom prst="rect">
-            <a:avLst/>
-          </a:prstGeom>
-          <a:gradFill>
-            <a:gsLst>
-              <a:gs pos="16000">
-                <a:srgbClr val="000000">
-                  <a:alpha val="0"/>
-                </a:srgbClr>
-              </a:gs>
-              <a:gs pos="99000">
-                <a:srgbClr val="000000">
-                  <a:alpha val="87000"/>
-                </a:srgbClr>
-              </a:gs>
-            </a:gsLst>
-            <a:lin ang="11400000" scaled="0"/>
-          </a:gradFill>
-          <a:ln>
-            <a:noFill/>
-          </a:ln>
-        </p:spPr>
-        <p:style>
-          <a:lnRef idx="2">
-            <a:schemeClr val="accent1">
-              <a:shade val="50000"/>
-            </a:schemeClr>
-          </a:lnRef>
-          <a:fillRef idx="1">
-            <a:schemeClr val="accent1"/>
-          </a:fillRef>
-          <a:effectRef idx="0">
-            <a:schemeClr val="accent1"/>
-          </a:effectRef>
-          <a:fontRef idx="minor">
-            <a:schemeClr val="lt1"/>
-          </a:fontRef>
-        </p:style>
-        <p:txBody>
-          <a:bodyPr rtlCol="0" anchor="ctr"/>
-          <a:lstStyle/>
-          <a:p>
-            <a:pPr algn="ctr"/>
-            <a:endParaRPr lang="en-US" dirty="0"/>
-          </a:p>
-        </p:txBody>
-      </p:sp>
-      <p:sp>
-        <p:nvSpPr>
-          <p:cNvPr id="1043" name="Rectangle 1042">
-            <a:extLst>
-              <a:ext uri="{FF2B5EF4-FFF2-40B4-BE49-F238E27FC236}">
-                <a16:creationId xmlns:a16="http://schemas.microsoft.com/office/drawing/2014/main" id="{2DC1B83B-EA2E-3B50-304D-B14419235B2B}"/>
-              </a:ext>
-              <a:ext uri="{C183D7F6-B498-43B3-948B-1728B52AA6E4}">
-                <adec:decorative xmlns:adec="http://schemas.microsoft.com/office/drawing/2017/decorative" val="1"/>
-              </a:ext>
-            </a:extLst>
-          </p:cNvPr>
-          <p:cNvSpPr>
-            <a:spLocks noGrp="1" noRot="1" noChangeAspect="1" noMove="1" noResize="1" noEditPoints="1" noAdjustHandles="1" noChangeArrowheads="1" noChangeShapeType="1" noTextEdit="1"/>
-          </p:cNvSpPr>
-          <p:nvPr>
-            <p:extLst>
-              <p:ext uri="{386F3935-93C4-4BCD-93E2-E3B085C9AB24}">
-                <p16:designElem xmlns:p16="http://schemas.microsoft.com/office/powerpoint/2015/main" val="1"/>
-              </p:ext>
-            </p:extLst>
-          </p:nvPr>
-        </p:nvSpPr>
-        <p:spPr>
-          <a:xfrm>
-            <a:off x="2869075" y="986"/>
-            <a:ext cx="3227567" cy="1575461"/>
-          </a:xfrm>
-          <a:prstGeom prst="rect">
-            <a:avLst/>
-          </a:prstGeom>
-          <a:gradFill>
-            <a:gsLst>
-              <a:gs pos="0">
-                <a:schemeClr val="accent1">
-                  <a:alpha val="17000"/>
-                </a:schemeClr>
-              </a:gs>
-              <a:gs pos="74000">
-                <a:schemeClr val="accent1">
-                  <a:lumMod val="50000"/>
-                  <a:alpha val="0"/>
-                </a:schemeClr>
-              </a:gs>
-            </a:gsLst>
-            <a:lin ang="14400000" scaled="0"/>
-          </a:gradFill>
-          <a:ln>
-            <a:noFill/>
-          </a:ln>
-        </p:spPr>
-        <p:style>
-          <a:lnRef idx="2">
-            <a:schemeClr val="accent1">
-              <a:shade val="50000"/>
-            </a:schemeClr>
-          </a:lnRef>
-          <a:fillRef idx="1">
-            <a:schemeClr val="accent1"/>
-          </a:fillRef>
-          <a:effectRef idx="0">
-            <a:schemeClr val="accent1"/>
-          </a:effectRef>
-          <a:fontRef idx="minor">
-            <a:schemeClr val="lt1"/>
-          </a:fontRef>
-        </p:style>
-        <p:txBody>
-          <a:bodyPr rtlCol="0" anchor="ctr"/>
-          <a:lstStyle/>
-          <a:p>
-            <a:pPr algn="ctr"/>
-            <a:endParaRPr lang="en-US"/>
-          </a:p>
-        </p:txBody>
-      </p:sp>
-      <p:sp>
-        <p:nvSpPr>
-          <p:cNvPr id="2" name="Title 1">
-            <a:extLst>
-              <a:ext uri="{FF2B5EF4-FFF2-40B4-BE49-F238E27FC236}">
                 <a16:creationId xmlns:a16="http://schemas.microsoft.com/office/drawing/2014/main" id="{A5A1821F-4A22-9320-55CF-2DD69F8F4174}"/>
               </a:ext>
             </a:extLst>
@@ -9645,7 +11854,7 @@
         <p:spPr/>
         <p:txBody>
           <a:bodyPr>
-            <a:normAutofit lnSpcReduction="10000"/>
+            <a:normAutofit fontScale="92500" lnSpcReduction="10000"/>
           </a:bodyPr>
           <a:lstStyle/>
           <a:p>
@@ -9710,9 +11919,16 @@
               <a:buFontTx/>
               <a:buChar char="-"/>
             </a:pPr>
+            <a:endParaRPr lang="fr-FR" dirty="0"/>
+          </a:p>
+          <a:p>
+            <a:pPr>
+              <a:buFontTx/>
+              <a:buChar char="-"/>
+            </a:pPr>
             <a:r>
               <a:rPr lang="fr-FR" dirty="0"/>
-              <a:t>Lien git: https://github.com/Sweedy3960/SPB7_Test</a:t>
+              <a:t>Lien git (nouveau repo): https://github.com/Sweedy3960/SPB7_Test</a:t>
             </a:r>
           </a:p>
         </p:txBody>
@@ -9727,22 +11943,670 @@
   <p:clrMapOvr>
     <a:masterClrMapping/>
   </p:clrMapOvr>
-  <mc:AlternateContent xmlns:mc="http://schemas.openxmlformats.org/markup-compatibility/2006">
-    <mc:Choice xmlns:p14="http://schemas.microsoft.com/office/powerpoint/2010/main" Requires="p14">
+  <mc:AlternateContent xmlns:mc="http://schemas.openxmlformats.org/markup-compatibility/2006" xmlns:p14="http://schemas.microsoft.com/office/powerpoint/2010/main">
+    <mc:Choice Requires="p14">
       <p:transition spd="slow" p14:dur="1600">
         <p14:conveyor dir="l"/>
       </p:transition>
     </mc:Choice>
-    <mc:Fallback>
+    <mc:Fallback xmlns="">
       <p:transition spd="slow">
         <p:fade/>
       </p:transition>
     </mc:Fallback>
   </mc:AlternateContent>
+  <p:timing>
+    <p:tnLst>
+      <p:par>
+        <p:cTn id="1" dur="indefinite" restart="never" nodeType="tmRoot">
+          <p:childTnLst>
+            <p:seq concurrent="1" nextAc="seek">
+              <p:cTn id="2" dur="indefinite" nodeType="mainSeq">
+                <p:childTnLst>
+                  <p:par>
+                    <p:cTn id="3" fill="hold">
+                      <p:stCondLst>
+                        <p:cond delay="indefinite"/>
+                      </p:stCondLst>
+                      <p:childTnLst>
+                        <p:par>
+                          <p:cTn id="4" fill="hold">
+                            <p:stCondLst>
+                              <p:cond delay="0"/>
+                            </p:stCondLst>
+                            <p:childTnLst>
+                              <p:par>
+                                <p:cTn id="5" presetID="2" presetClass="entr" presetSubtype="4" fill="hold" nodeType="clickEffect">
+                                  <p:stCondLst>
+                                    <p:cond delay="0"/>
+                                  </p:stCondLst>
+                                  <p:childTnLst>
+                                    <p:set>
+                                      <p:cBhvr>
+                                        <p:cTn id="6" dur="1" fill="hold">
+                                          <p:stCondLst>
+                                            <p:cond delay="0"/>
+                                          </p:stCondLst>
+                                        </p:cTn>
+                                        <p:tgtEl>
+                                          <p:spTgt spid="8">
+                                            <p:txEl>
+                                              <p:pRg st="0" end="0"/>
+                                            </p:txEl>
+                                          </p:spTgt>
+                                        </p:tgtEl>
+                                        <p:attrNameLst>
+                                          <p:attrName>style.visibility</p:attrName>
+                                        </p:attrNameLst>
+                                      </p:cBhvr>
+                                      <p:to>
+                                        <p:strVal val="visible"/>
+                                      </p:to>
+                                    </p:set>
+                                    <p:anim calcmode="lin" valueType="num">
+                                      <p:cBhvr additive="base">
+                                        <p:cTn id="7" dur="500" fill="hold"/>
+                                        <p:tgtEl>
+                                          <p:spTgt spid="8">
+                                            <p:txEl>
+                                              <p:pRg st="0" end="0"/>
+                                            </p:txEl>
+                                          </p:spTgt>
+                                        </p:tgtEl>
+                                        <p:attrNameLst>
+                                          <p:attrName>ppt_x</p:attrName>
+                                        </p:attrNameLst>
+                                      </p:cBhvr>
+                                      <p:tavLst>
+                                        <p:tav tm="0">
+                                          <p:val>
+                                            <p:strVal val="#ppt_x"/>
+                                          </p:val>
+                                        </p:tav>
+                                        <p:tav tm="100000">
+                                          <p:val>
+                                            <p:strVal val="#ppt_x"/>
+                                          </p:val>
+                                        </p:tav>
+                                      </p:tavLst>
+                                    </p:anim>
+                                    <p:anim calcmode="lin" valueType="num">
+                                      <p:cBhvr additive="base">
+                                        <p:cTn id="8" dur="500" fill="hold"/>
+                                        <p:tgtEl>
+                                          <p:spTgt spid="8">
+                                            <p:txEl>
+                                              <p:pRg st="0" end="0"/>
+                                            </p:txEl>
+                                          </p:spTgt>
+                                        </p:tgtEl>
+                                        <p:attrNameLst>
+                                          <p:attrName>ppt_y</p:attrName>
+                                        </p:attrNameLst>
+                                      </p:cBhvr>
+                                      <p:tavLst>
+                                        <p:tav tm="0">
+                                          <p:val>
+                                            <p:strVal val="1+#ppt_h/2"/>
+                                          </p:val>
+                                        </p:tav>
+                                        <p:tav tm="100000">
+                                          <p:val>
+                                            <p:strVal val="#ppt_y"/>
+                                          </p:val>
+                                        </p:tav>
+                                      </p:tavLst>
+                                    </p:anim>
+                                  </p:childTnLst>
+                                </p:cTn>
+                              </p:par>
+                            </p:childTnLst>
+                          </p:cTn>
+                        </p:par>
+                      </p:childTnLst>
+                    </p:cTn>
+                  </p:par>
+                  <p:par>
+                    <p:cTn id="9" fill="hold">
+                      <p:stCondLst>
+                        <p:cond delay="indefinite"/>
+                      </p:stCondLst>
+                      <p:childTnLst>
+                        <p:par>
+                          <p:cTn id="10" fill="hold">
+                            <p:stCondLst>
+                              <p:cond delay="0"/>
+                            </p:stCondLst>
+                            <p:childTnLst>
+                              <p:par>
+                                <p:cTn id="11" presetID="2" presetClass="entr" presetSubtype="4" fill="hold" nodeType="clickEffect">
+                                  <p:stCondLst>
+                                    <p:cond delay="0"/>
+                                  </p:stCondLst>
+                                  <p:childTnLst>
+                                    <p:set>
+                                      <p:cBhvr>
+                                        <p:cTn id="12" dur="1" fill="hold">
+                                          <p:stCondLst>
+                                            <p:cond delay="0"/>
+                                          </p:stCondLst>
+                                        </p:cTn>
+                                        <p:tgtEl>
+                                          <p:spTgt spid="8">
+                                            <p:txEl>
+                                              <p:pRg st="1" end="1"/>
+                                            </p:txEl>
+                                          </p:spTgt>
+                                        </p:tgtEl>
+                                        <p:attrNameLst>
+                                          <p:attrName>style.visibility</p:attrName>
+                                        </p:attrNameLst>
+                                      </p:cBhvr>
+                                      <p:to>
+                                        <p:strVal val="visible"/>
+                                      </p:to>
+                                    </p:set>
+                                    <p:anim calcmode="lin" valueType="num">
+                                      <p:cBhvr additive="base">
+                                        <p:cTn id="13" dur="500" fill="hold"/>
+                                        <p:tgtEl>
+                                          <p:spTgt spid="8">
+                                            <p:txEl>
+                                              <p:pRg st="1" end="1"/>
+                                            </p:txEl>
+                                          </p:spTgt>
+                                        </p:tgtEl>
+                                        <p:attrNameLst>
+                                          <p:attrName>ppt_x</p:attrName>
+                                        </p:attrNameLst>
+                                      </p:cBhvr>
+                                      <p:tavLst>
+                                        <p:tav tm="0">
+                                          <p:val>
+                                            <p:strVal val="#ppt_x"/>
+                                          </p:val>
+                                        </p:tav>
+                                        <p:tav tm="100000">
+                                          <p:val>
+                                            <p:strVal val="#ppt_x"/>
+                                          </p:val>
+                                        </p:tav>
+                                      </p:tavLst>
+                                    </p:anim>
+                                    <p:anim calcmode="lin" valueType="num">
+                                      <p:cBhvr additive="base">
+                                        <p:cTn id="14" dur="500" fill="hold"/>
+                                        <p:tgtEl>
+                                          <p:spTgt spid="8">
+                                            <p:txEl>
+                                              <p:pRg st="1" end="1"/>
+                                            </p:txEl>
+                                          </p:spTgt>
+                                        </p:tgtEl>
+                                        <p:attrNameLst>
+                                          <p:attrName>ppt_y</p:attrName>
+                                        </p:attrNameLst>
+                                      </p:cBhvr>
+                                      <p:tavLst>
+                                        <p:tav tm="0">
+                                          <p:val>
+                                            <p:strVal val="1+#ppt_h/2"/>
+                                          </p:val>
+                                        </p:tav>
+                                        <p:tav tm="100000">
+                                          <p:val>
+                                            <p:strVal val="#ppt_y"/>
+                                          </p:val>
+                                        </p:tav>
+                                      </p:tavLst>
+                                    </p:anim>
+                                  </p:childTnLst>
+                                </p:cTn>
+                              </p:par>
+                            </p:childTnLst>
+                          </p:cTn>
+                        </p:par>
+                      </p:childTnLst>
+                    </p:cTn>
+                  </p:par>
+                  <p:par>
+                    <p:cTn id="15" fill="hold">
+                      <p:stCondLst>
+                        <p:cond delay="indefinite"/>
+                      </p:stCondLst>
+                      <p:childTnLst>
+                        <p:par>
+                          <p:cTn id="16" fill="hold">
+                            <p:stCondLst>
+                              <p:cond delay="0"/>
+                            </p:stCondLst>
+                            <p:childTnLst>
+                              <p:par>
+                                <p:cTn id="17" presetID="2" presetClass="entr" presetSubtype="4" fill="hold" nodeType="clickEffect">
+                                  <p:stCondLst>
+                                    <p:cond delay="0"/>
+                                  </p:stCondLst>
+                                  <p:childTnLst>
+                                    <p:set>
+                                      <p:cBhvr>
+                                        <p:cTn id="18" dur="1" fill="hold">
+                                          <p:stCondLst>
+                                            <p:cond delay="0"/>
+                                          </p:stCondLst>
+                                        </p:cTn>
+                                        <p:tgtEl>
+                                          <p:spTgt spid="8">
+                                            <p:txEl>
+                                              <p:pRg st="2" end="2"/>
+                                            </p:txEl>
+                                          </p:spTgt>
+                                        </p:tgtEl>
+                                        <p:attrNameLst>
+                                          <p:attrName>style.visibility</p:attrName>
+                                        </p:attrNameLst>
+                                      </p:cBhvr>
+                                      <p:to>
+                                        <p:strVal val="visible"/>
+                                      </p:to>
+                                    </p:set>
+                                    <p:anim calcmode="lin" valueType="num">
+                                      <p:cBhvr additive="base">
+                                        <p:cTn id="19" dur="500" fill="hold"/>
+                                        <p:tgtEl>
+                                          <p:spTgt spid="8">
+                                            <p:txEl>
+                                              <p:pRg st="2" end="2"/>
+                                            </p:txEl>
+                                          </p:spTgt>
+                                        </p:tgtEl>
+                                        <p:attrNameLst>
+                                          <p:attrName>ppt_x</p:attrName>
+                                        </p:attrNameLst>
+                                      </p:cBhvr>
+                                      <p:tavLst>
+                                        <p:tav tm="0">
+                                          <p:val>
+                                            <p:strVal val="#ppt_x"/>
+                                          </p:val>
+                                        </p:tav>
+                                        <p:tav tm="100000">
+                                          <p:val>
+                                            <p:strVal val="#ppt_x"/>
+                                          </p:val>
+                                        </p:tav>
+                                      </p:tavLst>
+                                    </p:anim>
+                                    <p:anim calcmode="lin" valueType="num">
+                                      <p:cBhvr additive="base">
+                                        <p:cTn id="20" dur="500" fill="hold"/>
+                                        <p:tgtEl>
+                                          <p:spTgt spid="8">
+                                            <p:txEl>
+                                              <p:pRg st="2" end="2"/>
+                                            </p:txEl>
+                                          </p:spTgt>
+                                        </p:tgtEl>
+                                        <p:attrNameLst>
+                                          <p:attrName>ppt_y</p:attrName>
+                                        </p:attrNameLst>
+                                      </p:cBhvr>
+                                      <p:tavLst>
+                                        <p:tav tm="0">
+                                          <p:val>
+                                            <p:strVal val="1+#ppt_h/2"/>
+                                          </p:val>
+                                        </p:tav>
+                                        <p:tav tm="100000">
+                                          <p:val>
+                                            <p:strVal val="#ppt_y"/>
+                                          </p:val>
+                                        </p:tav>
+                                      </p:tavLst>
+                                    </p:anim>
+                                  </p:childTnLst>
+                                </p:cTn>
+                              </p:par>
+                            </p:childTnLst>
+                          </p:cTn>
+                        </p:par>
+                      </p:childTnLst>
+                    </p:cTn>
+                  </p:par>
+                  <p:par>
+                    <p:cTn id="21" fill="hold">
+                      <p:stCondLst>
+                        <p:cond delay="indefinite"/>
+                      </p:stCondLst>
+                      <p:childTnLst>
+                        <p:par>
+                          <p:cTn id="22" fill="hold">
+                            <p:stCondLst>
+                              <p:cond delay="0"/>
+                            </p:stCondLst>
+                            <p:childTnLst>
+                              <p:par>
+                                <p:cTn id="23" presetID="2" presetClass="entr" presetSubtype="4" fill="hold" nodeType="clickEffect">
+                                  <p:stCondLst>
+                                    <p:cond delay="0"/>
+                                  </p:stCondLst>
+                                  <p:childTnLst>
+                                    <p:set>
+                                      <p:cBhvr>
+                                        <p:cTn id="24" dur="1" fill="hold">
+                                          <p:stCondLst>
+                                            <p:cond delay="0"/>
+                                          </p:stCondLst>
+                                        </p:cTn>
+                                        <p:tgtEl>
+                                          <p:spTgt spid="8">
+                                            <p:txEl>
+                                              <p:pRg st="3" end="3"/>
+                                            </p:txEl>
+                                          </p:spTgt>
+                                        </p:tgtEl>
+                                        <p:attrNameLst>
+                                          <p:attrName>style.visibility</p:attrName>
+                                        </p:attrNameLst>
+                                      </p:cBhvr>
+                                      <p:to>
+                                        <p:strVal val="visible"/>
+                                      </p:to>
+                                    </p:set>
+                                    <p:anim calcmode="lin" valueType="num">
+                                      <p:cBhvr additive="base">
+                                        <p:cTn id="25" dur="500" fill="hold"/>
+                                        <p:tgtEl>
+                                          <p:spTgt spid="8">
+                                            <p:txEl>
+                                              <p:pRg st="3" end="3"/>
+                                            </p:txEl>
+                                          </p:spTgt>
+                                        </p:tgtEl>
+                                        <p:attrNameLst>
+                                          <p:attrName>ppt_x</p:attrName>
+                                        </p:attrNameLst>
+                                      </p:cBhvr>
+                                      <p:tavLst>
+                                        <p:tav tm="0">
+                                          <p:val>
+                                            <p:strVal val="#ppt_x"/>
+                                          </p:val>
+                                        </p:tav>
+                                        <p:tav tm="100000">
+                                          <p:val>
+                                            <p:strVal val="#ppt_x"/>
+                                          </p:val>
+                                        </p:tav>
+                                      </p:tavLst>
+                                    </p:anim>
+                                    <p:anim calcmode="lin" valueType="num">
+                                      <p:cBhvr additive="base">
+                                        <p:cTn id="26" dur="500" fill="hold"/>
+                                        <p:tgtEl>
+                                          <p:spTgt spid="8">
+                                            <p:txEl>
+                                              <p:pRg st="3" end="3"/>
+                                            </p:txEl>
+                                          </p:spTgt>
+                                        </p:tgtEl>
+                                        <p:attrNameLst>
+                                          <p:attrName>ppt_y</p:attrName>
+                                        </p:attrNameLst>
+                                      </p:cBhvr>
+                                      <p:tavLst>
+                                        <p:tav tm="0">
+                                          <p:val>
+                                            <p:strVal val="1+#ppt_h/2"/>
+                                          </p:val>
+                                        </p:tav>
+                                        <p:tav tm="100000">
+                                          <p:val>
+                                            <p:strVal val="#ppt_y"/>
+                                          </p:val>
+                                        </p:tav>
+                                      </p:tavLst>
+                                    </p:anim>
+                                  </p:childTnLst>
+                                </p:cTn>
+                              </p:par>
+                            </p:childTnLst>
+                          </p:cTn>
+                        </p:par>
+                      </p:childTnLst>
+                    </p:cTn>
+                  </p:par>
+                  <p:par>
+                    <p:cTn id="27" fill="hold">
+                      <p:stCondLst>
+                        <p:cond delay="indefinite"/>
+                      </p:stCondLst>
+                      <p:childTnLst>
+                        <p:par>
+                          <p:cTn id="28" fill="hold">
+                            <p:stCondLst>
+                              <p:cond delay="0"/>
+                            </p:stCondLst>
+                            <p:childTnLst>
+                              <p:par>
+                                <p:cTn id="29" presetID="2" presetClass="entr" presetSubtype="4" fill="hold" nodeType="clickEffect">
+                                  <p:stCondLst>
+                                    <p:cond delay="0"/>
+                                  </p:stCondLst>
+                                  <p:childTnLst>
+                                    <p:set>
+                                      <p:cBhvr>
+                                        <p:cTn id="30" dur="1" fill="hold">
+                                          <p:stCondLst>
+                                            <p:cond delay="0"/>
+                                          </p:stCondLst>
+                                        </p:cTn>
+                                        <p:tgtEl>
+                                          <p:spTgt spid="8">
+                                            <p:txEl>
+                                              <p:pRg st="4" end="4"/>
+                                            </p:txEl>
+                                          </p:spTgt>
+                                        </p:tgtEl>
+                                        <p:attrNameLst>
+                                          <p:attrName>style.visibility</p:attrName>
+                                        </p:attrNameLst>
+                                      </p:cBhvr>
+                                      <p:to>
+                                        <p:strVal val="visible"/>
+                                      </p:to>
+                                    </p:set>
+                                    <p:anim calcmode="lin" valueType="num">
+                                      <p:cBhvr additive="base">
+                                        <p:cTn id="31" dur="500" fill="hold"/>
+                                        <p:tgtEl>
+                                          <p:spTgt spid="8">
+                                            <p:txEl>
+                                              <p:pRg st="4" end="4"/>
+                                            </p:txEl>
+                                          </p:spTgt>
+                                        </p:tgtEl>
+                                        <p:attrNameLst>
+                                          <p:attrName>ppt_x</p:attrName>
+                                        </p:attrNameLst>
+                                      </p:cBhvr>
+                                      <p:tavLst>
+                                        <p:tav tm="0">
+                                          <p:val>
+                                            <p:strVal val="#ppt_x"/>
+                                          </p:val>
+                                        </p:tav>
+                                        <p:tav tm="100000">
+                                          <p:val>
+                                            <p:strVal val="#ppt_x"/>
+                                          </p:val>
+                                        </p:tav>
+                                      </p:tavLst>
+                                    </p:anim>
+                                    <p:anim calcmode="lin" valueType="num">
+                                      <p:cBhvr additive="base">
+                                        <p:cTn id="32" dur="500" fill="hold"/>
+                                        <p:tgtEl>
+                                          <p:spTgt spid="8">
+                                            <p:txEl>
+                                              <p:pRg st="4" end="4"/>
+                                            </p:txEl>
+                                          </p:spTgt>
+                                        </p:tgtEl>
+                                        <p:attrNameLst>
+                                          <p:attrName>ppt_y</p:attrName>
+                                        </p:attrNameLst>
+                                      </p:cBhvr>
+                                      <p:tavLst>
+                                        <p:tav tm="0">
+                                          <p:val>
+                                            <p:strVal val="1+#ppt_h/2"/>
+                                          </p:val>
+                                        </p:tav>
+                                        <p:tav tm="100000">
+                                          <p:val>
+                                            <p:strVal val="#ppt_y"/>
+                                          </p:val>
+                                        </p:tav>
+                                      </p:tavLst>
+                                    </p:anim>
+                                  </p:childTnLst>
+                                </p:cTn>
+                              </p:par>
+                            </p:childTnLst>
+                          </p:cTn>
+                        </p:par>
+                      </p:childTnLst>
+                    </p:cTn>
+                  </p:par>
+                  <p:par>
+                    <p:cTn id="33" fill="hold">
+                      <p:stCondLst>
+                        <p:cond delay="indefinite"/>
+                      </p:stCondLst>
+                      <p:childTnLst>
+                        <p:par>
+                          <p:cTn id="34" fill="hold">
+                            <p:stCondLst>
+                              <p:cond delay="0"/>
+                            </p:stCondLst>
+                            <p:childTnLst>
+                              <p:par>
+                                <p:cTn id="35" presetID="2" presetClass="entr" presetSubtype="4" fill="hold" nodeType="clickEffect">
+                                  <p:stCondLst>
+                                    <p:cond delay="0"/>
+                                  </p:stCondLst>
+                                  <p:childTnLst>
+                                    <p:set>
+                                      <p:cBhvr>
+                                        <p:cTn id="36" dur="1" fill="hold">
+                                          <p:stCondLst>
+                                            <p:cond delay="0"/>
+                                          </p:stCondLst>
+                                        </p:cTn>
+                                        <p:tgtEl>
+                                          <p:spTgt spid="8">
+                                            <p:txEl>
+                                              <p:pRg st="7" end="7"/>
+                                            </p:txEl>
+                                          </p:spTgt>
+                                        </p:tgtEl>
+                                        <p:attrNameLst>
+                                          <p:attrName>style.visibility</p:attrName>
+                                        </p:attrNameLst>
+                                      </p:cBhvr>
+                                      <p:to>
+                                        <p:strVal val="visible"/>
+                                      </p:to>
+                                    </p:set>
+                                    <p:anim calcmode="lin" valueType="num">
+                                      <p:cBhvr additive="base">
+                                        <p:cTn id="37" dur="500" fill="hold"/>
+                                        <p:tgtEl>
+                                          <p:spTgt spid="8">
+                                            <p:txEl>
+                                              <p:pRg st="7" end="7"/>
+                                            </p:txEl>
+                                          </p:spTgt>
+                                        </p:tgtEl>
+                                        <p:attrNameLst>
+                                          <p:attrName>ppt_x</p:attrName>
+                                        </p:attrNameLst>
+                                      </p:cBhvr>
+                                      <p:tavLst>
+                                        <p:tav tm="0">
+                                          <p:val>
+                                            <p:strVal val="#ppt_x"/>
+                                          </p:val>
+                                        </p:tav>
+                                        <p:tav tm="100000">
+                                          <p:val>
+                                            <p:strVal val="#ppt_x"/>
+                                          </p:val>
+                                        </p:tav>
+                                      </p:tavLst>
+                                    </p:anim>
+                                    <p:anim calcmode="lin" valueType="num">
+                                      <p:cBhvr additive="base">
+                                        <p:cTn id="38" dur="500" fill="hold"/>
+                                        <p:tgtEl>
+                                          <p:spTgt spid="8">
+                                            <p:txEl>
+                                              <p:pRg st="7" end="7"/>
+                                            </p:txEl>
+                                          </p:spTgt>
+                                        </p:tgtEl>
+                                        <p:attrNameLst>
+                                          <p:attrName>ppt_y</p:attrName>
+                                        </p:attrNameLst>
+                                      </p:cBhvr>
+                                      <p:tavLst>
+                                        <p:tav tm="0">
+                                          <p:val>
+                                            <p:strVal val="1+#ppt_h/2"/>
+                                          </p:val>
+                                        </p:tav>
+                                        <p:tav tm="100000">
+                                          <p:val>
+                                            <p:strVal val="#ppt_y"/>
+                                          </p:val>
+                                        </p:tav>
+                                      </p:tavLst>
+                                    </p:anim>
+                                  </p:childTnLst>
+                                </p:cTn>
+                              </p:par>
+                            </p:childTnLst>
+                          </p:cTn>
+                        </p:par>
+                      </p:childTnLst>
+                    </p:cTn>
+                  </p:par>
+                </p:childTnLst>
+              </p:cTn>
+              <p:prevCondLst>
+                <p:cond evt="onPrev" delay="0">
+                  <p:tgtEl>
+                    <p:sldTgt/>
+                  </p:tgtEl>
+                </p:cond>
+              </p:prevCondLst>
+              <p:nextCondLst>
+                <p:cond evt="onNext" delay="0">
+                  <p:tgtEl>
+                    <p:sldTgt/>
+                  </p:tgtEl>
+                </p:cond>
+              </p:nextCondLst>
+            </p:seq>
+          </p:childTnLst>
+        </p:cTn>
+      </p:par>
+    </p:tnLst>
+  </p:timing>
 </p:sld>
 </file>
 
-<file path=ppt/slides/slide19.xml><?xml version="1.0" encoding="utf-8"?>
+<file path=ppt/slides/slide18.xml><?xml version="1.0" encoding="utf-8"?>
 <p:sld xmlns:a="http://schemas.openxmlformats.org/drawingml/2006/main" xmlns:r="http://schemas.openxmlformats.org/officeDocument/2006/relationships" xmlns:p="http://schemas.openxmlformats.org/presentationml/2006/main">
   <p:cSld>
     <p:spTree>
@@ -9810,6 +12674,89 @@
     <p:extLst>
       <p:ext uri="{BB962C8B-B14F-4D97-AF65-F5344CB8AC3E}">
         <p14:creationId xmlns:p14="http://schemas.microsoft.com/office/powerpoint/2010/main" val="1783110142"/>
+      </p:ext>
+    </p:extLst>
+  </p:cSld>
+  <p:clrMapOvr>
+    <a:masterClrMapping/>
+  </p:clrMapOvr>
+</p:sld>
+</file>
+
+<file path=ppt/slides/slide19.xml><?xml version="1.0" encoding="utf-8"?>
+<p:sld xmlns:a="http://schemas.openxmlformats.org/drawingml/2006/main" xmlns:r="http://schemas.openxmlformats.org/officeDocument/2006/relationships" xmlns:p="http://schemas.openxmlformats.org/presentationml/2006/main">
+  <p:cSld>
+    <p:spTree>
+      <p:nvGrpSpPr>
+        <p:cNvPr id="1" name="">
+          <a:extLst>
+            <a:ext uri="{FF2B5EF4-FFF2-40B4-BE49-F238E27FC236}">
+              <a16:creationId xmlns:a16="http://schemas.microsoft.com/office/drawing/2014/main" id="{CD026ADC-A2BA-D96F-E98B-BE96B4B41368}"/>
+            </a:ext>
+          </a:extLst>
+        </p:cNvPr>
+        <p:cNvGrpSpPr/>
+        <p:nvPr/>
+      </p:nvGrpSpPr>
+      <p:grpSpPr>
+        <a:xfrm>
+          <a:off x="0" y="0"/>
+          <a:ext cx="0" cy="0"/>
+          <a:chOff x="0" y="0"/>
+          <a:chExt cx="0" cy="0"/>
+        </a:xfrm>
+      </p:grpSpPr>
+      <p:pic>
+        <p:nvPicPr>
+          <p:cNvPr id="8194" name="Picture 2" descr="PlantUML diagram">
+            <a:extLst>
+              <a:ext uri="{FF2B5EF4-FFF2-40B4-BE49-F238E27FC236}">
+                <a16:creationId xmlns:a16="http://schemas.microsoft.com/office/drawing/2014/main" id="{8D880815-71EE-50CE-8A9F-CFA7CF0D882B}"/>
+              </a:ext>
+            </a:extLst>
+          </p:cNvPr>
+          <p:cNvPicPr>
+            <a:picLocks noChangeAspect="1" noChangeArrowheads="1"/>
+          </p:cNvPicPr>
+          <p:nvPr/>
+        </p:nvPicPr>
+        <p:blipFill>
+          <a:blip r:embed="rId2">
+            <a:extLst>
+              <a:ext uri="{28A0092B-C50C-407E-A947-70E740481C1C}">
+                <a14:useLocalDpi xmlns:a14="http://schemas.microsoft.com/office/drawing/2010/main" val="0"/>
+              </a:ext>
+            </a:extLst>
+          </a:blip>
+          <a:srcRect/>
+          <a:stretch>
+            <a:fillRect/>
+          </a:stretch>
+        </p:blipFill>
+        <p:spPr bwMode="auto">
+          <a:xfrm>
+            <a:off x="0" y="1353093"/>
+            <a:ext cx="9144000" cy="3976687"/>
+          </a:xfrm>
+          <a:prstGeom prst="rect">
+            <a:avLst/>
+          </a:prstGeom>
+          <a:noFill/>
+          <a:extLst>
+            <a:ext uri="{909E8E84-426E-40DD-AFC4-6F175D3DCCD1}">
+              <a14:hiddenFill xmlns:a14="http://schemas.microsoft.com/office/drawing/2010/main">
+                <a:solidFill>
+                  <a:srgbClr val="FFFFFF"/>
+                </a:solidFill>
+              </a14:hiddenFill>
+            </a:ext>
+          </a:extLst>
+        </p:spPr>
+      </p:pic>
+    </p:spTree>
+    <p:extLst>
+      <p:ext uri="{BB962C8B-B14F-4D97-AF65-F5344CB8AC3E}">
+        <p14:creationId xmlns:p14="http://schemas.microsoft.com/office/powerpoint/2010/main" val="332336919"/>
       </p:ext>
     </p:extLst>
   </p:cSld>
@@ -10523,56 +13470,43 @@
           <a:lstStyle/>
           <a:p>
             <a:r>
-              <a:rPr lang="fr-FR" sz="1700" dirty="0"/>
+              <a:rPr lang="fr-FR" dirty="0"/>
               <a:t>1. Introduction</a:t>
             </a:r>
           </a:p>
           <a:p>
             <a:r>
-              <a:rPr lang="fr-FR" sz="1700" dirty="0"/>
-              <a:t>2.</a:t>
+              <a:rPr lang="fr-FR" dirty="0"/>
+              <a:t>2.Tests et Mesures </a:t>
             </a:r>
+          </a:p>
+          <a:p>
             <a:r>
-              <a:rPr lang="fr-FR" sz="1800" dirty="0"/>
-              <a:t>Tests et Mesures</a:t>
-            </a:r>
-            <a:r>
-              <a:rPr lang="fr-FR" sz="1700" dirty="0"/>
-              <a:t> </a:t>
-            </a:r>
-          </a:p>
-          <a:p>
-            <a:r>
-              <a:rPr lang="fr-FR" sz="1700" dirty="0"/>
+              <a:rPr lang="fr-FR" dirty="0"/>
               <a:t>3. Programmation</a:t>
             </a:r>
           </a:p>
           <a:p>
             <a:r>
-              <a:rPr lang="fr-FR" sz="1700" dirty="0"/>
-              <a:t>4.</a:t>
+              <a:rPr lang="fr-FR" dirty="0"/>
+              <a:t>4. Fait depuis le rendu</a:t>
             </a:r>
+          </a:p>
+          <a:p>
             <a:r>
-              <a:rPr lang="fr-FR" sz="1800" dirty="0"/>
-              <a:t> Fait depuis le rendu</a:t>
-            </a:r>
-            <a:endParaRPr lang="fr-FR" sz="1700" dirty="0"/>
-          </a:p>
-          <a:p>
-            <a:r>
-              <a:rPr lang="fr-FR" sz="1700" dirty="0"/>
+              <a:rPr lang="fr-FR" dirty="0"/>
               <a:t>5. Etat actuel</a:t>
             </a:r>
           </a:p>
           <a:p>
             <a:r>
-              <a:rPr lang="fr-FR" sz="1700" dirty="0"/>
+              <a:rPr lang="fr-FR" dirty="0"/>
               <a:t>6. Démonstration</a:t>
             </a:r>
           </a:p>
           <a:p>
             <a:r>
-              <a:rPr lang="fr-FR" sz="1700" dirty="0"/>
+              <a:rPr lang="fr-FR" dirty="0"/>
               <a:t>7. Conclusion</a:t>
             </a:r>
           </a:p>
@@ -11058,89 +13992,6 @@
 <file path=ppt/slides/slide20.xml><?xml version="1.0" encoding="utf-8"?>
 <p:sld xmlns:a="http://schemas.openxmlformats.org/drawingml/2006/main" xmlns:r="http://schemas.openxmlformats.org/officeDocument/2006/relationships" xmlns:p="http://schemas.openxmlformats.org/presentationml/2006/main">
   <p:cSld>
-    <p:spTree>
-      <p:nvGrpSpPr>
-        <p:cNvPr id="1" name="">
-          <a:extLst>
-            <a:ext uri="{FF2B5EF4-FFF2-40B4-BE49-F238E27FC236}">
-              <a16:creationId xmlns:a16="http://schemas.microsoft.com/office/drawing/2014/main" id="{CD026ADC-A2BA-D96F-E98B-BE96B4B41368}"/>
-            </a:ext>
-          </a:extLst>
-        </p:cNvPr>
-        <p:cNvGrpSpPr/>
-        <p:nvPr/>
-      </p:nvGrpSpPr>
-      <p:grpSpPr>
-        <a:xfrm>
-          <a:off x="0" y="0"/>
-          <a:ext cx="0" cy="0"/>
-          <a:chOff x="0" y="0"/>
-          <a:chExt cx="0" cy="0"/>
-        </a:xfrm>
-      </p:grpSpPr>
-      <p:pic>
-        <p:nvPicPr>
-          <p:cNvPr id="8194" name="Picture 2" descr="PlantUML diagram">
-            <a:extLst>
-              <a:ext uri="{FF2B5EF4-FFF2-40B4-BE49-F238E27FC236}">
-                <a16:creationId xmlns:a16="http://schemas.microsoft.com/office/drawing/2014/main" id="{8D880815-71EE-50CE-8A9F-CFA7CF0D882B}"/>
-              </a:ext>
-            </a:extLst>
-          </p:cNvPr>
-          <p:cNvPicPr>
-            <a:picLocks noChangeAspect="1" noChangeArrowheads="1"/>
-          </p:cNvPicPr>
-          <p:nvPr/>
-        </p:nvPicPr>
-        <p:blipFill>
-          <a:blip r:embed="rId2">
-            <a:extLst>
-              <a:ext uri="{28A0092B-C50C-407E-A947-70E740481C1C}">
-                <a14:useLocalDpi xmlns:a14="http://schemas.microsoft.com/office/drawing/2010/main" val="0"/>
-              </a:ext>
-            </a:extLst>
-          </a:blip>
-          <a:srcRect/>
-          <a:stretch>
-            <a:fillRect/>
-          </a:stretch>
-        </p:blipFill>
-        <p:spPr bwMode="auto">
-          <a:xfrm>
-            <a:off x="0" y="1575035"/>
-            <a:ext cx="9144000" cy="3976687"/>
-          </a:xfrm>
-          <a:prstGeom prst="rect">
-            <a:avLst/>
-          </a:prstGeom>
-          <a:noFill/>
-          <a:extLst>
-            <a:ext uri="{909E8E84-426E-40DD-AFC4-6F175D3DCCD1}">
-              <a14:hiddenFill xmlns:a14="http://schemas.microsoft.com/office/drawing/2010/main">
-                <a:solidFill>
-                  <a:srgbClr val="FFFFFF"/>
-                </a:solidFill>
-              </a14:hiddenFill>
-            </a:ext>
-          </a:extLst>
-        </p:spPr>
-      </p:pic>
-    </p:spTree>
-    <p:extLst>
-      <p:ext uri="{BB962C8B-B14F-4D97-AF65-F5344CB8AC3E}">
-        <p14:creationId xmlns:p14="http://schemas.microsoft.com/office/powerpoint/2010/main" val="332336919"/>
-      </p:ext>
-    </p:extLst>
-  </p:cSld>
-  <p:clrMapOvr>
-    <a:masterClrMapping/>
-  </p:clrMapOvr>
-</p:sld>
-</file>
-
-<file path=ppt/slides/slide21.xml><?xml version="1.0" encoding="utf-8"?>
-<p:sld xmlns:a="http://schemas.openxmlformats.org/drawingml/2006/main" xmlns:r="http://schemas.openxmlformats.org/officeDocument/2006/relationships" xmlns:p="http://schemas.openxmlformats.org/presentationml/2006/main">
-  <p:cSld>
     <p:bg>
       <p:bgPr>
         <a:solidFill>
@@ -11728,6 +14579,272 @@
           </a:prstGeom>
         </p:spPr>
       </p:pic>
+      <p:pic>
+        <p:nvPicPr>
+          <p:cNvPr id="3" name="Image 2">
+            <a:extLst>
+              <a:ext uri="{FF2B5EF4-FFF2-40B4-BE49-F238E27FC236}">
+                <a16:creationId xmlns:a16="http://schemas.microsoft.com/office/drawing/2014/main" id="{5054ACD5-E65D-4DC9-B9F0-36472B874543}"/>
+              </a:ext>
+            </a:extLst>
+          </p:cNvPr>
+          <p:cNvPicPr>
+            <a:picLocks noChangeAspect="1"/>
+          </p:cNvPicPr>
+          <p:nvPr/>
+        </p:nvPicPr>
+        <p:blipFill rotWithShape="1">
+          <a:blip r:embed="rId3"/>
+          <a:srcRect b="19841"/>
+          <a:stretch/>
+        </p:blipFill>
+        <p:spPr>
+          <a:xfrm>
+            <a:off x="2319597" y="4481404"/>
+            <a:ext cx="2391109" cy="1244693"/>
+          </a:xfrm>
+          <a:prstGeom prst="rect">
+            <a:avLst/>
+          </a:prstGeom>
+        </p:spPr>
+      </p:pic>
+      <p:pic>
+        <p:nvPicPr>
+          <p:cNvPr id="4" name="Image 3">
+            <a:extLst>
+              <a:ext uri="{FF2B5EF4-FFF2-40B4-BE49-F238E27FC236}">
+                <a16:creationId xmlns:a16="http://schemas.microsoft.com/office/drawing/2014/main" id="{DFC69AD3-92D1-4EBB-9393-C4BFEFD9C457}"/>
+              </a:ext>
+            </a:extLst>
+          </p:cNvPr>
+          <p:cNvPicPr>
+            <a:picLocks noChangeAspect="1"/>
+          </p:cNvPicPr>
+          <p:nvPr/>
+        </p:nvPicPr>
+        <p:blipFill rotWithShape="1">
+          <a:blip r:embed="rId4"/>
+          <a:srcRect l="27451"/>
+          <a:stretch/>
+        </p:blipFill>
+        <p:spPr>
+          <a:xfrm>
+            <a:off x="4375153" y="4528012"/>
+            <a:ext cx="2218518" cy="981212"/>
+          </a:xfrm>
+          <a:prstGeom prst="rect">
+            <a:avLst/>
+          </a:prstGeom>
+        </p:spPr>
+      </p:pic>
+      <p:sp>
+        <p:nvSpPr>
+          <p:cNvPr id="5" name="ZoneTexte 4">
+            <a:extLst>
+              <a:ext uri="{FF2B5EF4-FFF2-40B4-BE49-F238E27FC236}">
+                <a16:creationId xmlns:a16="http://schemas.microsoft.com/office/drawing/2014/main" id="{C85E8AD9-E7AE-4902-A9B1-BD45D06E3E20}"/>
+              </a:ext>
+            </a:extLst>
+          </p:cNvPr>
+          <p:cNvSpPr txBox="1"/>
+          <p:nvPr/>
+        </p:nvSpPr>
+        <p:spPr>
+          <a:xfrm>
+            <a:off x="2527323" y="3840557"/>
+            <a:ext cx="1934768" cy="584775"/>
+          </a:xfrm>
+          <a:prstGeom prst="rect">
+            <a:avLst/>
+          </a:prstGeom>
+          <a:noFill/>
+        </p:spPr>
+        <p:txBody>
+          <a:bodyPr wrap="square" rtlCol="0">
+            <a:spAutoFit/>
+          </a:bodyPr>
+          <a:lstStyle/>
+          <a:p>
+            <a:r>
+              <a:rPr lang="fr-CH" sz="3200" dirty="0"/>
+              <a:t>SAG:</a:t>
+            </a:r>
+          </a:p>
+        </p:txBody>
+      </p:sp>
+      <p:sp>
+        <p:nvSpPr>
+          <p:cNvPr id="13" name="ZoneTexte 12">
+            <a:extLst>
+              <a:ext uri="{FF2B5EF4-FFF2-40B4-BE49-F238E27FC236}">
+                <a16:creationId xmlns:a16="http://schemas.microsoft.com/office/drawing/2014/main" id="{DC3097B1-146E-4688-A295-8C6DA9E8ABF3}"/>
+              </a:ext>
+            </a:extLst>
+          </p:cNvPr>
+          <p:cNvSpPr txBox="1"/>
+          <p:nvPr/>
+        </p:nvSpPr>
+        <p:spPr>
+          <a:xfrm>
+            <a:off x="3748465" y="3915201"/>
+            <a:ext cx="2536926" cy="584775"/>
+          </a:xfrm>
+          <a:prstGeom prst="rect">
+            <a:avLst/>
+          </a:prstGeom>
+          <a:noFill/>
+        </p:spPr>
+        <p:txBody>
+          <a:bodyPr wrap="square" rtlCol="0">
+            <a:spAutoFit/>
+          </a:bodyPr>
+          <a:lstStyle/>
+          <a:p>
+            <a:r>
+              <a:rPr lang="fr-CH" sz="3200" dirty="0" err="1"/>
+              <a:t>ScreenHolder</a:t>
+            </a:r>
+            <a:r>
+              <a:rPr lang="fr-CH" sz="3200" dirty="0"/>
+              <a:t>:</a:t>
+            </a:r>
+          </a:p>
+        </p:txBody>
+      </p:sp>
+      <p:pic>
+        <p:nvPicPr>
+          <p:cNvPr id="6" name="Image 5">
+            <a:extLst>
+              <a:ext uri="{FF2B5EF4-FFF2-40B4-BE49-F238E27FC236}">
+                <a16:creationId xmlns:a16="http://schemas.microsoft.com/office/drawing/2014/main" id="{0C0D61D3-72BF-432F-95A5-BE377EFB6FE6}"/>
+              </a:ext>
+            </a:extLst>
+          </p:cNvPr>
+          <p:cNvPicPr>
+            <a:picLocks noChangeAspect="1"/>
+          </p:cNvPicPr>
+          <p:nvPr/>
+        </p:nvPicPr>
+        <p:blipFill>
+          <a:blip r:embed="rId5"/>
+          <a:stretch>
+            <a:fillRect/>
+          </a:stretch>
+        </p:blipFill>
+        <p:spPr>
+          <a:xfrm>
+            <a:off x="6506603" y="4552687"/>
+            <a:ext cx="2267266" cy="733527"/>
+          </a:xfrm>
+          <a:prstGeom prst="rect">
+            <a:avLst/>
+          </a:prstGeom>
+        </p:spPr>
+      </p:pic>
+      <p:sp>
+        <p:nvSpPr>
+          <p:cNvPr id="15" name="ZoneTexte 14">
+            <a:extLst>
+              <a:ext uri="{FF2B5EF4-FFF2-40B4-BE49-F238E27FC236}">
+                <a16:creationId xmlns:a16="http://schemas.microsoft.com/office/drawing/2014/main" id="{D710DF56-6F6A-4219-8D5E-F80564EA74CE}"/>
+              </a:ext>
+            </a:extLst>
+          </p:cNvPr>
+          <p:cNvSpPr txBox="1"/>
+          <p:nvPr/>
+        </p:nvSpPr>
+        <p:spPr>
+          <a:xfrm>
+            <a:off x="6336655" y="3863181"/>
+            <a:ext cx="2536926" cy="584775"/>
+          </a:xfrm>
+          <a:prstGeom prst="rect">
+            <a:avLst/>
+          </a:prstGeom>
+          <a:noFill/>
+        </p:spPr>
+        <p:txBody>
+          <a:bodyPr wrap="square" rtlCol="0">
+            <a:spAutoFit/>
+          </a:bodyPr>
+          <a:lstStyle/>
+          <a:p>
+            <a:r>
+              <a:rPr lang="fr-CH" sz="3200" dirty="0" err="1"/>
+              <a:t>TouchCapa</a:t>
+            </a:r>
+            <a:r>
+              <a:rPr lang="fr-CH" sz="3200" dirty="0"/>
+              <a:t>:</a:t>
+            </a:r>
+          </a:p>
+        </p:txBody>
+      </p:sp>
+      <p:pic>
+        <p:nvPicPr>
+          <p:cNvPr id="7" name="Image 6">
+            <a:extLst>
+              <a:ext uri="{FF2B5EF4-FFF2-40B4-BE49-F238E27FC236}">
+                <a16:creationId xmlns:a16="http://schemas.microsoft.com/office/drawing/2014/main" id="{E4535231-B259-4298-8453-F588183D6D65}"/>
+              </a:ext>
+            </a:extLst>
+          </p:cNvPr>
+          <p:cNvPicPr>
+            <a:picLocks noChangeAspect="1"/>
+          </p:cNvPicPr>
+          <p:nvPr/>
+        </p:nvPicPr>
+        <p:blipFill>
+          <a:blip r:embed="rId6"/>
+          <a:stretch>
+            <a:fillRect/>
+          </a:stretch>
+        </p:blipFill>
+        <p:spPr>
+          <a:xfrm>
+            <a:off x="1207363" y="2104481"/>
+            <a:ext cx="5843260" cy="1336010"/>
+          </a:xfrm>
+          <a:prstGeom prst="rect">
+            <a:avLst/>
+          </a:prstGeom>
+        </p:spPr>
+      </p:pic>
+      <p:sp>
+        <p:nvSpPr>
+          <p:cNvPr id="9" name="ZoneTexte 8">
+            <a:extLst>
+              <a:ext uri="{FF2B5EF4-FFF2-40B4-BE49-F238E27FC236}">
+                <a16:creationId xmlns:a16="http://schemas.microsoft.com/office/drawing/2014/main" id="{90463A14-6CB9-4E24-BFDE-D07179F3D05D}"/>
+              </a:ext>
+            </a:extLst>
+          </p:cNvPr>
+          <p:cNvSpPr txBox="1"/>
+          <p:nvPr/>
+        </p:nvSpPr>
+        <p:spPr>
+          <a:xfrm>
+            <a:off x="1207363" y="5885895"/>
+            <a:ext cx="6019060" cy="646331"/>
+          </a:xfrm>
+          <a:prstGeom prst="rect">
+            <a:avLst/>
+          </a:prstGeom>
+          <a:noFill/>
+        </p:spPr>
+        <p:txBody>
+          <a:bodyPr wrap="square" rtlCol="0">
+            <a:spAutoFit/>
+          </a:bodyPr>
+          <a:lstStyle/>
+          <a:p>
+            <a:r>
+              <a:rPr lang="fr-CH" dirty="0"/>
+              <a:t>+ Prix des PCB mécanique manquante ~+25% total = 174.78 + 43.7 = ~220CHF</a:t>
+            </a:r>
+          </a:p>
+        </p:txBody>
+      </p:sp>
     </p:spTree>
     <p:extLst>
       <p:ext uri="{BB962C8B-B14F-4D97-AF65-F5344CB8AC3E}">
@@ -11738,13 +14855,13 @@
   <p:clrMapOvr>
     <a:masterClrMapping/>
   </p:clrMapOvr>
-  <mc:AlternateContent xmlns:mc="http://schemas.openxmlformats.org/markup-compatibility/2006">
-    <mc:Choice xmlns:p14="http://schemas.microsoft.com/office/powerpoint/2010/main" Requires="p14">
+  <mc:AlternateContent xmlns:mc="http://schemas.openxmlformats.org/markup-compatibility/2006" xmlns:p14="http://schemas.microsoft.com/office/powerpoint/2010/main">
+    <mc:Choice Requires="p14">
       <p:transition spd="slow" p14:dur="1600">
         <p14:conveyor dir="l"/>
       </p:transition>
     </mc:Choice>
-    <mc:Fallback>
+    <mc:Fallback xmlns="">
       <p:transition spd="slow">
         <p:fade/>
       </p:transition>
@@ -11753,7 +14870,7 @@
 </p:sld>
 </file>
 
-<file path=ppt/slides/slide22.xml><?xml version="1.0" encoding="utf-8"?>
+<file path=ppt/slides/slide21.xml><?xml version="1.0" encoding="utf-8"?>
 <p:sld xmlns:a="http://schemas.openxmlformats.org/drawingml/2006/main" xmlns:r="http://schemas.openxmlformats.org/officeDocument/2006/relationships" xmlns:p="http://schemas.openxmlformats.org/presentationml/2006/main">
   <p:cSld>
     <p:bg>
@@ -12334,13 +15451,13 @@
   <p:clrMapOvr>
     <a:masterClrMapping/>
   </p:clrMapOvr>
-  <mc:AlternateContent xmlns:mc="http://schemas.openxmlformats.org/markup-compatibility/2006">
-    <mc:Choice xmlns:p14="http://schemas.microsoft.com/office/powerpoint/2010/main" Requires="p14">
+  <mc:AlternateContent xmlns:mc="http://schemas.openxmlformats.org/markup-compatibility/2006" xmlns:p14="http://schemas.microsoft.com/office/powerpoint/2010/main">
+    <mc:Choice Requires="p14">
       <p:transition spd="slow" p14:dur="1600">
         <p14:conveyor dir="l"/>
       </p:transition>
     </mc:Choice>
-    <mc:Fallback>
+    <mc:Fallback xmlns="">
       <p:transition spd="slow">
         <p:fade/>
       </p:transition>
@@ -12349,7 +15466,7 @@
 </p:sld>
 </file>
 
-<file path=ppt/slides/slide23.xml><?xml version="1.0" encoding="utf-8"?>
+<file path=ppt/slides/slide22.xml><?xml version="1.0" encoding="utf-8"?>
 <p:sld xmlns:a="http://schemas.openxmlformats.org/drawingml/2006/main" xmlns:r="http://schemas.openxmlformats.org/officeDocument/2006/relationships" xmlns:p="http://schemas.openxmlformats.org/presentationml/2006/main">
   <p:cSld>
     <p:bg>
@@ -12859,13 +15976,13 @@
   <p:clrMapOvr>
     <a:masterClrMapping/>
   </p:clrMapOvr>
-  <mc:AlternateContent xmlns:mc="http://schemas.openxmlformats.org/markup-compatibility/2006">
-    <mc:Choice xmlns:p14="http://schemas.microsoft.com/office/powerpoint/2010/main" Requires="p14">
+  <mc:AlternateContent xmlns:mc="http://schemas.openxmlformats.org/markup-compatibility/2006" xmlns:p14="http://schemas.microsoft.com/office/powerpoint/2010/main">
+    <mc:Choice Requires="p14">
       <p:transition spd="slow" p14:dur="1600">
         <p14:conveyor dir="l"/>
       </p:transition>
     </mc:Choice>
-    <mc:Fallback>
+    <mc:Fallback xmlns="">
       <p:transition spd="slow">
         <p:fade/>
       </p:transition>
@@ -12874,7 +15991,7 @@
 </p:sld>
 </file>
 
-<file path=ppt/slides/slide24.xml><?xml version="1.0" encoding="utf-8"?>
+<file path=ppt/slides/slide23.xml><?xml version="1.0" encoding="utf-8"?>
 <p:sld xmlns:a="http://schemas.openxmlformats.org/drawingml/2006/main" xmlns:r="http://schemas.openxmlformats.org/officeDocument/2006/relationships" xmlns:p="http://schemas.openxmlformats.org/presentationml/2006/main">
   <p:cSld>
     <p:bg>
@@ -13424,13 +16541,13 @@
   <p:clrMapOvr>
     <a:masterClrMapping/>
   </p:clrMapOvr>
-  <mc:AlternateContent xmlns:mc="http://schemas.openxmlformats.org/markup-compatibility/2006">
-    <mc:Choice xmlns:p14="http://schemas.microsoft.com/office/powerpoint/2010/main" Requires="p14">
+  <mc:AlternateContent xmlns:mc="http://schemas.openxmlformats.org/markup-compatibility/2006" xmlns:p14="http://schemas.microsoft.com/office/powerpoint/2010/main">
+    <mc:Choice Requires="p14">
       <p:transition spd="slow" p14:dur="1600">
         <p14:conveyor dir="l"/>
       </p:transition>
     </mc:Choice>
-    <mc:Fallback>
+    <mc:Fallback xmlns="">
       <p:transition spd="slow">
         <p:fade/>
       </p:transition>
@@ -14143,7 +17260,7 @@
           <a:lstStyle/>
           <a:p>
             <a:r>
-              <a:rPr lang="fr-FR" sz="1700" dirty="0"/>
+              <a:rPr lang="fr-FR" sz="1800" dirty="0"/>
               <a:t>Contexte du projet: </a:t>
             </a:r>
           </a:p>
@@ -14153,7 +17270,7 @@
               <a:buChar char="-"/>
             </a:pPr>
             <a:r>
-              <a:rPr lang="fr-FR" sz="1700" dirty="0"/>
+              <a:rPr lang="fr-FR" sz="1800" dirty="0"/>
               <a:t>Il s’agit de réaliser une évolution d’un boîtier de test pour Sprinkler (détection incendie - DI). Intégration mécanique, densité des composants, fonctionnalités</a:t>
             </a:r>
           </a:p>
@@ -14163,15 +17280,19 @@
               <a:buChar char="-"/>
             </a:pPr>
             <a:r>
-              <a:rPr lang="fr-FR" sz="1700" dirty="0"/>
+              <a:rPr lang="fr-FR" sz="1800" dirty="0"/>
               <a:t>I/O extendeur pour Esser 4in/2out</a:t>
             </a:r>
           </a:p>
           <a:p>
-            <a:pPr marL="0" indent="0">
-              <a:buNone/>
+            <a:pPr>
+              <a:buFontTx/>
+              <a:buChar char="-"/>
             </a:pPr>
-            <a:endParaRPr lang="fr-FR" sz="1700" dirty="0"/>
+            <a:r>
+              <a:rPr lang="fr-FR" sz="1800" dirty="0"/>
+              <a:t>Le système est censé reporter l’état de certaines entrée sur les sorties en fonction de la configuration initiale affichée l’état et le nom des signaux sur le LCD et utiliser les LEDS pour afficher l’état et faire une sauvegarde </a:t>
+            </a:r>
           </a:p>
           <a:p>
             <a:pPr marL="0" indent="0">
@@ -14398,6 +17519,67 @@
                       </p:childTnLst>
                     </p:cTn>
                   </p:par>
+                  <p:par>
+                    <p:cTn id="18" fill="hold">
+                      <p:stCondLst>
+                        <p:cond delay="indefinite"/>
+                      </p:stCondLst>
+                      <p:childTnLst>
+                        <p:par>
+                          <p:cTn id="19" fill="hold">
+                            <p:stCondLst>
+                              <p:cond delay="0"/>
+                            </p:stCondLst>
+                            <p:childTnLst>
+                              <p:par>
+                                <p:cTn id="20" presetID="10" presetClass="entr" presetSubtype="0" fill="hold" nodeType="clickEffect">
+                                  <p:stCondLst>
+                                    <p:cond delay="0"/>
+                                  </p:stCondLst>
+                                  <p:childTnLst>
+                                    <p:set>
+                                      <p:cBhvr>
+                                        <p:cTn id="21" dur="1" fill="hold">
+                                          <p:stCondLst>
+                                            <p:cond delay="0"/>
+                                          </p:stCondLst>
+                                        </p:cTn>
+                                        <p:tgtEl>
+                                          <p:spTgt spid="3">
+                                            <p:txEl>
+                                              <p:pRg st="3" end="3"/>
+                                            </p:txEl>
+                                          </p:spTgt>
+                                        </p:tgtEl>
+                                        <p:attrNameLst>
+                                          <p:attrName>style.visibility</p:attrName>
+                                        </p:attrNameLst>
+                                      </p:cBhvr>
+                                      <p:to>
+                                        <p:strVal val="visible"/>
+                                      </p:to>
+                                    </p:set>
+                                    <p:animEffect transition="in" filter="fade">
+                                      <p:cBhvr>
+                                        <p:cTn id="22" dur="500"/>
+                                        <p:tgtEl>
+                                          <p:spTgt spid="3">
+                                            <p:txEl>
+                                              <p:pRg st="3" end="3"/>
+                                            </p:txEl>
+                                          </p:spTgt>
+                                        </p:tgtEl>
+                                      </p:cBhvr>
+                                    </p:animEffect>
+                                  </p:childTnLst>
+                                </p:cTn>
+                              </p:par>
+                            </p:childTnLst>
+                          </p:cTn>
+                        </p:par>
+                      </p:childTnLst>
+                    </p:cTn>
+                  </p:par>
                 </p:childTnLst>
               </p:cTn>
               <p:prevCondLst>
@@ -15128,6 +18310,733 @@
       </p:transition>
     </mc:Fallback>
   </mc:AlternateContent>
+  <p:timing>
+    <p:tnLst>
+      <p:par>
+        <p:cTn id="1" dur="indefinite" restart="never" nodeType="tmRoot">
+          <p:childTnLst>
+            <p:seq concurrent="1" nextAc="seek">
+              <p:cTn id="2" dur="indefinite" nodeType="mainSeq">
+                <p:childTnLst>
+                  <p:par>
+                    <p:cTn id="3" fill="hold">
+                      <p:stCondLst>
+                        <p:cond delay="indefinite"/>
+                      </p:stCondLst>
+                      <p:childTnLst>
+                        <p:par>
+                          <p:cTn id="4" fill="hold">
+                            <p:stCondLst>
+                              <p:cond delay="0"/>
+                            </p:stCondLst>
+                            <p:childTnLst>
+                              <p:par>
+                                <p:cTn id="5" presetID="2" presetClass="entr" presetSubtype="4" fill="hold" nodeType="clickEffect">
+                                  <p:stCondLst>
+                                    <p:cond delay="0"/>
+                                  </p:stCondLst>
+                                  <p:childTnLst>
+                                    <p:set>
+                                      <p:cBhvr>
+                                        <p:cTn id="6" dur="1" fill="hold">
+                                          <p:stCondLst>
+                                            <p:cond delay="0"/>
+                                          </p:stCondLst>
+                                        </p:cTn>
+                                        <p:tgtEl>
+                                          <p:spTgt spid="5">
+                                            <p:txEl>
+                                              <p:pRg st="0" end="0"/>
+                                            </p:txEl>
+                                          </p:spTgt>
+                                        </p:tgtEl>
+                                        <p:attrNameLst>
+                                          <p:attrName>style.visibility</p:attrName>
+                                        </p:attrNameLst>
+                                      </p:cBhvr>
+                                      <p:to>
+                                        <p:strVal val="visible"/>
+                                      </p:to>
+                                    </p:set>
+                                    <p:anim calcmode="lin" valueType="num">
+                                      <p:cBhvr additive="base">
+                                        <p:cTn id="7" dur="500" fill="hold"/>
+                                        <p:tgtEl>
+                                          <p:spTgt spid="5">
+                                            <p:txEl>
+                                              <p:pRg st="0" end="0"/>
+                                            </p:txEl>
+                                          </p:spTgt>
+                                        </p:tgtEl>
+                                        <p:attrNameLst>
+                                          <p:attrName>ppt_x</p:attrName>
+                                        </p:attrNameLst>
+                                      </p:cBhvr>
+                                      <p:tavLst>
+                                        <p:tav tm="0">
+                                          <p:val>
+                                            <p:strVal val="#ppt_x"/>
+                                          </p:val>
+                                        </p:tav>
+                                        <p:tav tm="100000">
+                                          <p:val>
+                                            <p:strVal val="#ppt_x"/>
+                                          </p:val>
+                                        </p:tav>
+                                      </p:tavLst>
+                                    </p:anim>
+                                    <p:anim calcmode="lin" valueType="num">
+                                      <p:cBhvr additive="base">
+                                        <p:cTn id="8" dur="500" fill="hold"/>
+                                        <p:tgtEl>
+                                          <p:spTgt spid="5">
+                                            <p:txEl>
+                                              <p:pRg st="0" end="0"/>
+                                            </p:txEl>
+                                          </p:spTgt>
+                                        </p:tgtEl>
+                                        <p:attrNameLst>
+                                          <p:attrName>ppt_y</p:attrName>
+                                        </p:attrNameLst>
+                                      </p:cBhvr>
+                                      <p:tavLst>
+                                        <p:tav tm="0">
+                                          <p:val>
+                                            <p:strVal val="1+#ppt_h/2"/>
+                                          </p:val>
+                                        </p:tav>
+                                        <p:tav tm="100000">
+                                          <p:val>
+                                            <p:strVal val="#ppt_y"/>
+                                          </p:val>
+                                        </p:tav>
+                                      </p:tavLst>
+                                    </p:anim>
+                                  </p:childTnLst>
+                                </p:cTn>
+                              </p:par>
+                            </p:childTnLst>
+                          </p:cTn>
+                        </p:par>
+                      </p:childTnLst>
+                    </p:cTn>
+                  </p:par>
+                  <p:par>
+                    <p:cTn id="9" fill="hold">
+                      <p:stCondLst>
+                        <p:cond delay="indefinite"/>
+                      </p:stCondLst>
+                      <p:childTnLst>
+                        <p:par>
+                          <p:cTn id="10" fill="hold">
+                            <p:stCondLst>
+                              <p:cond delay="0"/>
+                            </p:stCondLst>
+                            <p:childTnLst>
+                              <p:par>
+                                <p:cTn id="11" presetID="2" presetClass="entr" presetSubtype="4" fill="hold" nodeType="clickEffect">
+                                  <p:stCondLst>
+                                    <p:cond delay="0"/>
+                                  </p:stCondLst>
+                                  <p:childTnLst>
+                                    <p:set>
+                                      <p:cBhvr>
+                                        <p:cTn id="12" dur="1" fill="hold">
+                                          <p:stCondLst>
+                                            <p:cond delay="0"/>
+                                          </p:stCondLst>
+                                        </p:cTn>
+                                        <p:tgtEl>
+                                          <p:spTgt spid="8"/>
+                                        </p:tgtEl>
+                                        <p:attrNameLst>
+                                          <p:attrName>style.visibility</p:attrName>
+                                        </p:attrNameLst>
+                                      </p:cBhvr>
+                                      <p:to>
+                                        <p:strVal val="visible"/>
+                                      </p:to>
+                                    </p:set>
+                                    <p:anim calcmode="lin" valueType="num">
+                                      <p:cBhvr additive="base">
+                                        <p:cTn id="13" dur="500" fill="hold"/>
+                                        <p:tgtEl>
+                                          <p:spTgt spid="8"/>
+                                        </p:tgtEl>
+                                        <p:attrNameLst>
+                                          <p:attrName>ppt_x</p:attrName>
+                                        </p:attrNameLst>
+                                      </p:cBhvr>
+                                      <p:tavLst>
+                                        <p:tav tm="0">
+                                          <p:val>
+                                            <p:strVal val="#ppt_x"/>
+                                          </p:val>
+                                        </p:tav>
+                                        <p:tav tm="100000">
+                                          <p:val>
+                                            <p:strVal val="#ppt_x"/>
+                                          </p:val>
+                                        </p:tav>
+                                      </p:tavLst>
+                                    </p:anim>
+                                    <p:anim calcmode="lin" valueType="num">
+                                      <p:cBhvr additive="base">
+                                        <p:cTn id="14" dur="500" fill="hold"/>
+                                        <p:tgtEl>
+                                          <p:spTgt spid="8"/>
+                                        </p:tgtEl>
+                                        <p:attrNameLst>
+                                          <p:attrName>ppt_y</p:attrName>
+                                        </p:attrNameLst>
+                                      </p:cBhvr>
+                                      <p:tavLst>
+                                        <p:tav tm="0">
+                                          <p:val>
+                                            <p:strVal val="1+#ppt_h/2"/>
+                                          </p:val>
+                                        </p:tav>
+                                        <p:tav tm="100000">
+                                          <p:val>
+                                            <p:strVal val="#ppt_y"/>
+                                          </p:val>
+                                        </p:tav>
+                                      </p:tavLst>
+                                    </p:anim>
+                                  </p:childTnLst>
+                                </p:cTn>
+                              </p:par>
+                            </p:childTnLst>
+                          </p:cTn>
+                        </p:par>
+                      </p:childTnLst>
+                    </p:cTn>
+                  </p:par>
+                  <p:par>
+                    <p:cTn id="15" fill="hold">
+                      <p:stCondLst>
+                        <p:cond delay="indefinite"/>
+                      </p:stCondLst>
+                      <p:childTnLst>
+                        <p:par>
+                          <p:cTn id="16" fill="hold">
+                            <p:stCondLst>
+                              <p:cond delay="0"/>
+                            </p:stCondLst>
+                            <p:childTnLst>
+                              <p:par>
+                                <p:cTn id="17" presetID="2" presetClass="entr" presetSubtype="4" fill="hold" nodeType="clickEffect">
+                                  <p:stCondLst>
+                                    <p:cond delay="0"/>
+                                  </p:stCondLst>
+                                  <p:childTnLst>
+                                    <p:set>
+                                      <p:cBhvr>
+                                        <p:cTn id="18" dur="1" fill="hold">
+                                          <p:stCondLst>
+                                            <p:cond delay="0"/>
+                                          </p:stCondLst>
+                                        </p:cTn>
+                                        <p:tgtEl>
+                                          <p:spTgt spid="6"/>
+                                        </p:tgtEl>
+                                        <p:attrNameLst>
+                                          <p:attrName>style.visibility</p:attrName>
+                                        </p:attrNameLst>
+                                      </p:cBhvr>
+                                      <p:to>
+                                        <p:strVal val="visible"/>
+                                      </p:to>
+                                    </p:set>
+                                    <p:anim calcmode="lin" valueType="num">
+                                      <p:cBhvr additive="base">
+                                        <p:cTn id="19" dur="500" fill="hold"/>
+                                        <p:tgtEl>
+                                          <p:spTgt spid="6"/>
+                                        </p:tgtEl>
+                                        <p:attrNameLst>
+                                          <p:attrName>ppt_x</p:attrName>
+                                        </p:attrNameLst>
+                                      </p:cBhvr>
+                                      <p:tavLst>
+                                        <p:tav tm="0">
+                                          <p:val>
+                                            <p:strVal val="#ppt_x"/>
+                                          </p:val>
+                                        </p:tav>
+                                        <p:tav tm="100000">
+                                          <p:val>
+                                            <p:strVal val="#ppt_x"/>
+                                          </p:val>
+                                        </p:tav>
+                                      </p:tavLst>
+                                    </p:anim>
+                                    <p:anim calcmode="lin" valueType="num">
+                                      <p:cBhvr additive="base">
+                                        <p:cTn id="20" dur="500" fill="hold"/>
+                                        <p:tgtEl>
+                                          <p:spTgt spid="6"/>
+                                        </p:tgtEl>
+                                        <p:attrNameLst>
+                                          <p:attrName>ppt_y</p:attrName>
+                                        </p:attrNameLst>
+                                      </p:cBhvr>
+                                      <p:tavLst>
+                                        <p:tav tm="0">
+                                          <p:val>
+                                            <p:strVal val="1+#ppt_h/2"/>
+                                          </p:val>
+                                        </p:tav>
+                                        <p:tav tm="100000">
+                                          <p:val>
+                                            <p:strVal val="#ppt_y"/>
+                                          </p:val>
+                                        </p:tav>
+                                      </p:tavLst>
+                                    </p:anim>
+                                  </p:childTnLst>
+                                </p:cTn>
+                              </p:par>
+                            </p:childTnLst>
+                          </p:cTn>
+                        </p:par>
+                      </p:childTnLst>
+                    </p:cTn>
+                  </p:par>
+                  <p:par>
+                    <p:cTn id="21" fill="hold">
+                      <p:stCondLst>
+                        <p:cond delay="indefinite"/>
+                      </p:stCondLst>
+                      <p:childTnLst>
+                        <p:par>
+                          <p:cTn id="22" fill="hold">
+                            <p:stCondLst>
+                              <p:cond delay="0"/>
+                            </p:stCondLst>
+                            <p:childTnLst>
+                              <p:par>
+                                <p:cTn id="23" presetID="2" presetClass="entr" presetSubtype="4" fill="hold" nodeType="clickEffect">
+                                  <p:stCondLst>
+                                    <p:cond delay="0"/>
+                                  </p:stCondLst>
+                                  <p:childTnLst>
+                                    <p:set>
+                                      <p:cBhvr>
+                                        <p:cTn id="24" dur="1" fill="hold">
+                                          <p:stCondLst>
+                                            <p:cond delay="0"/>
+                                          </p:stCondLst>
+                                        </p:cTn>
+                                        <p:tgtEl>
+                                          <p:spTgt spid="5">
+                                            <p:txEl>
+                                              <p:pRg st="1" end="1"/>
+                                            </p:txEl>
+                                          </p:spTgt>
+                                        </p:tgtEl>
+                                        <p:attrNameLst>
+                                          <p:attrName>style.visibility</p:attrName>
+                                        </p:attrNameLst>
+                                      </p:cBhvr>
+                                      <p:to>
+                                        <p:strVal val="visible"/>
+                                      </p:to>
+                                    </p:set>
+                                    <p:anim calcmode="lin" valueType="num">
+                                      <p:cBhvr additive="base">
+                                        <p:cTn id="25" dur="500" fill="hold"/>
+                                        <p:tgtEl>
+                                          <p:spTgt spid="5">
+                                            <p:txEl>
+                                              <p:pRg st="1" end="1"/>
+                                            </p:txEl>
+                                          </p:spTgt>
+                                        </p:tgtEl>
+                                        <p:attrNameLst>
+                                          <p:attrName>ppt_x</p:attrName>
+                                        </p:attrNameLst>
+                                      </p:cBhvr>
+                                      <p:tavLst>
+                                        <p:tav tm="0">
+                                          <p:val>
+                                            <p:strVal val="#ppt_x"/>
+                                          </p:val>
+                                        </p:tav>
+                                        <p:tav tm="100000">
+                                          <p:val>
+                                            <p:strVal val="#ppt_x"/>
+                                          </p:val>
+                                        </p:tav>
+                                      </p:tavLst>
+                                    </p:anim>
+                                    <p:anim calcmode="lin" valueType="num">
+                                      <p:cBhvr additive="base">
+                                        <p:cTn id="26" dur="500" fill="hold"/>
+                                        <p:tgtEl>
+                                          <p:spTgt spid="5">
+                                            <p:txEl>
+                                              <p:pRg st="1" end="1"/>
+                                            </p:txEl>
+                                          </p:spTgt>
+                                        </p:tgtEl>
+                                        <p:attrNameLst>
+                                          <p:attrName>ppt_y</p:attrName>
+                                        </p:attrNameLst>
+                                      </p:cBhvr>
+                                      <p:tavLst>
+                                        <p:tav tm="0">
+                                          <p:val>
+                                            <p:strVal val="1+#ppt_h/2"/>
+                                          </p:val>
+                                        </p:tav>
+                                        <p:tav tm="100000">
+                                          <p:val>
+                                            <p:strVal val="#ppt_y"/>
+                                          </p:val>
+                                        </p:tav>
+                                      </p:tavLst>
+                                    </p:anim>
+                                  </p:childTnLst>
+                                </p:cTn>
+                              </p:par>
+                            </p:childTnLst>
+                          </p:cTn>
+                        </p:par>
+                      </p:childTnLst>
+                    </p:cTn>
+                  </p:par>
+                  <p:par>
+                    <p:cTn id="27" fill="hold">
+                      <p:stCondLst>
+                        <p:cond delay="indefinite"/>
+                      </p:stCondLst>
+                      <p:childTnLst>
+                        <p:par>
+                          <p:cTn id="28" fill="hold">
+                            <p:stCondLst>
+                              <p:cond delay="0"/>
+                            </p:stCondLst>
+                            <p:childTnLst>
+                              <p:par>
+                                <p:cTn id="29" presetID="2" presetClass="entr" presetSubtype="4" fill="hold" nodeType="clickEffect">
+                                  <p:stCondLst>
+                                    <p:cond delay="0"/>
+                                  </p:stCondLst>
+                                  <p:childTnLst>
+                                    <p:set>
+                                      <p:cBhvr>
+                                        <p:cTn id="30" dur="1" fill="hold">
+                                          <p:stCondLst>
+                                            <p:cond delay="0"/>
+                                          </p:stCondLst>
+                                        </p:cTn>
+                                        <p:tgtEl>
+                                          <p:spTgt spid="5">
+                                            <p:txEl>
+                                              <p:pRg st="2" end="2"/>
+                                            </p:txEl>
+                                          </p:spTgt>
+                                        </p:tgtEl>
+                                        <p:attrNameLst>
+                                          <p:attrName>style.visibility</p:attrName>
+                                        </p:attrNameLst>
+                                      </p:cBhvr>
+                                      <p:to>
+                                        <p:strVal val="visible"/>
+                                      </p:to>
+                                    </p:set>
+                                    <p:anim calcmode="lin" valueType="num">
+                                      <p:cBhvr additive="base">
+                                        <p:cTn id="31" dur="500" fill="hold"/>
+                                        <p:tgtEl>
+                                          <p:spTgt spid="5">
+                                            <p:txEl>
+                                              <p:pRg st="2" end="2"/>
+                                            </p:txEl>
+                                          </p:spTgt>
+                                        </p:tgtEl>
+                                        <p:attrNameLst>
+                                          <p:attrName>ppt_x</p:attrName>
+                                        </p:attrNameLst>
+                                      </p:cBhvr>
+                                      <p:tavLst>
+                                        <p:tav tm="0">
+                                          <p:val>
+                                            <p:strVal val="#ppt_x"/>
+                                          </p:val>
+                                        </p:tav>
+                                        <p:tav tm="100000">
+                                          <p:val>
+                                            <p:strVal val="#ppt_x"/>
+                                          </p:val>
+                                        </p:tav>
+                                      </p:tavLst>
+                                    </p:anim>
+                                    <p:anim calcmode="lin" valueType="num">
+                                      <p:cBhvr additive="base">
+                                        <p:cTn id="32" dur="500" fill="hold"/>
+                                        <p:tgtEl>
+                                          <p:spTgt spid="5">
+                                            <p:txEl>
+                                              <p:pRg st="2" end="2"/>
+                                            </p:txEl>
+                                          </p:spTgt>
+                                        </p:tgtEl>
+                                        <p:attrNameLst>
+                                          <p:attrName>ppt_y</p:attrName>
+                                        </p:attrNameLst>
+                                      </p:cBhvr>
+                                      <p:tavLst>
+                                        <p:tav tm="0">
+                                          <p:val>
+                                            <p:strVal val="1+#ppt_h/2"/>
+                                          </p:val>
+                                        </p:tav>
+                                        <p:tav tm="100000">
+                                          <p:val>
+                                            <p:strVal val="#ppt_y"/>
+                                          </p:val>
+                                        </p:tav>
+                                      </p:tavLst>
+                                    </p:anim>
+                                  </p:childTnLst>
+                                </p:cTn>
+                              </p:par>
+                            </p:childTnLst>
+                          </p:cTn>
+                        </p:par>
+                      </p:childTnLst>
+                    </p:cTn>
+                  </p:par>
+                  <p:par>
+                    <p:cTn id="33" fill="hold">
+                      <p:stCondLst>
+                        <p:cond delay="indefinite"/>
+                      </p:stCondLst>
+                      <p:childTnLst>
+                        <p:par>
+                          <p:cTn id="34" fill="hold">
+                            <p:stCondLst>
+                              <p:cond delay="0"/>
+                            </p:stCondLst>
+                            <p:childTnLst>
+                              <p:par>
+                                <p:cTn id="35" presetID="2" presetClass="entr" presetSubtype="4" fill="hold" nodeType="clickEffect">
+                                  <p:stCondLst>
+                                    <p:cond delay="0"/>
+                                  </p:stCondLst>
+                                  <p:childTnLst>
+                                    <p:set>
+                                      <p:cBhvr>
+                                        <p:cTn id="36" dur="1" fill="hold">
+                                          <p:stCondLst>
+                                            <p:cond delay="0"/>
+                                          </p:stCondLst>
+                                        </p:cTn>
+                                        <p:tgtEl>
+                                          <p:spTgt spid="5">
+                                            <p:txEl>
+                                              <p:pRg st="3" end="3"/>
+                                            </p:txEl>
+                                          </p:spTgt>
+                                        </p:tgtEl>
+                                        <p:attrNameLst>
+                                          <p:attrName>style.visibility</p:attrName>
+                                        </p:attrNameLst>
+                                      </p:cBhvr>
+                                      <p:to>
+                                        <p:strVal val="visible"/>
+                                      </p:to>
+                                    </p:set>
+                                    <p:anim calcmode="lin" valueType="num">
+                                      <p:cBhvr additive="base">
+                                        <p:cTn id="37" dur="500" fill="hold"/>
+                                        <p:tgtEl>
+                                          <p:spTgt spid="5">
+                                            <p:txEl>
+                                              <p:pRg st="3" end="3"/>
+                                            </p:txEl>
+                                          </p:spTgt>
+                                        </p:tgtEl>
+                                        <p:attrNameLst>
+                                          <p:attrName>ppt_x</p:attrName>
+                                        </p:attrNameLst>
+                                      </p:cBhvr>
+                                      <p:tavLst>
+                                        <p:tav tm="0">
+                                          <p:val>
+                                            <p:strVal val="#ppt_x"/>
+                                          </p:val>
+                                        </p:tav>
+                                        <p:tav tm="100000">
+                                          <p:val>
+                                            <p:strVal val="#ppt_x"/>
+                                          </p:val>
+                                        </p:tav>
+                                      </p:tavLst>
+                                    </p:anim>
+                                    <p:anim calcmode="lin" valueType="num">
+                                      <p:cBhvr additive="base">
+                                        <p:cTn id="38" dur="500" fill="hold"/>
+                                        <p:tgtEl>
+                                          <p:spTgt spid="5">
+                                            <p:txEl>
+                                              <p:pRg st="3" end="3"/>
+                                            </p:txEl>
+                                          </p:spTgt>
+                                        </p:tgtEl>
+                                        <p:attrNameLst>
+                                          <p:attrName>ppt_y</p:attrName>
+                                        </p:attrNameLst>
+                                      </p:cBhvr>
+                                      <p:tavLst>
+                                        <p:tav tm="0">
+                                          <p:val>
+                                            <p:strVal val="1+#ppt_h/2"/>
+                                          </p:val>
+                                        </p:tav>
+                                        <p:tav tm="100000">
+                                          <p:val>
+                                            <p:strVal val="#ppt_y"/>
+                                          </p:val>
+                                        </p:tav>
+                                      </p:tavLst>
+                                    </p:anim>
+                                  </p:childTnLst>
+                                </p:cTn>
+                              </p:par>
+                            </p:childTnLst>
+                          </p:cTn>
+                        </p:par>
+                      </p:childTnLst>
+                    </p:cTn>
+                  </p:par>
+                  <p:par>
+                    <p:cTn id="39" fill="hold">
+                      <p:stCondLst>
+                        <p:cond delay="indefinite"/>
+                      </p:stCondLst>
+                      <p:childTnLst>
+                        <p:par>
+                          <p:cTn id="40" fill="hold">
+                            <p:stCondLst>
+                              <p:cond delay="0"/>
+                            </p:stCondLst>
+                            <p:childTnLst>
+                              <p:par>
+                                <p:cTn id="41" presetID="2" presetClass="entr" presetSubtype="4" fill="hold" nodeType="clickEffect">
+                                  <p:stCondLst>
+                                    <p:cond delay="0"/>
+                                  </p:stCondLst>
+                                  <p:childTnLst>
+                                    <p:set>
+                                      <p:cBhvr>
+                                        <p:cTn id="42" dur="1" fill="hold">
+                                          <p:stCondLst>
+                                            <p:cond delay="0"/>
+                                          </p:stCondLst>
+                                        </p:cTn>
+                                        <p:tgtEl>
+                                          <p:spTgt spid="5">
+                                            <p:txEl>
+                                              <p:pRg st="4" end="4"/>
+                                            </p:txEl>
+                                          </p:spTgt>
+                                        </p:tgtEl>
+                                        <p:attrNameLst>
+                                          <p:attrName>style.visibility</p:attrName>
+                                        </p:attrNameLst>
+                                      </p:cBhvr>
+                                      <p:to>
+                                        <p:strVal val="visible"/>
+                                      </p:to>
+                                    </p:set>
+                                    <p:anim calcmode="lin" valueType="num">
+                                      <p:cBhvr additive="base">
+                                        <p:cTn id="43" dur="500" fill="hold"/>
+                                        <p:tgtEl>
+                                          <p:spTgt spid="5">
+                                            <p:txEl>
+                                              <p:pRg st="4" end="4"/>
+                                            </p:txEl>
+                                          </p:spTgt>
+                                        </p:tgtEl>
+                                        <p:attrNameLst>
+                                          <p:attrName>ppt_x</p:attrName>
+                                        </p:attrNameLst>
+                                      </p:cBhvr>
+                                      <p:tavLst>
+                                        <p:tav tm="0">
+                                          <p:val>
+                                            <p:strVal val="#ppt_x"/>
+                                          </p:val>
+                                        </p:tav>
+                                        <p:tav tm="100000">
+                                          <p:val>
+                                            <p:strVal val="#ppt_x"/>
+                                          </p:val>
+                                        </p:tav>
+                                      </p:tavLst>
+                                    </p:anim>
+                                    <p:anim calcmode="lin" valueType="num">
+                                      <p:cBhvr additive="base">
+                                        <p:cTn id="44" dur="500" fill="hold"/>
+                                        <p:tgtEl>
+                                          <p:spTgt spid="5">
+                                            <p:txEl>
+                                              <p:pRg st="4" end="4"/>
+                                            </p:txEl>
+                                          </p:spTgt>
+                                        </p:tgtEl>
+                                        <p:attrNameLst>
+                                          <p:attrName>ppt_y</p:attrName>
+                                        </p:attrNameLst>
+                                      </p:cBhvr>
+                                      <p:tavLst>
+                                        <p:tav tm="0">
+                                          <p:val>
+                                            <p:strVal val="1+#ppt_h/2"/>
+                                          </p:val>
+                                        </p:tav>
+                                        <p:tav tm="100000">
+                                          <p:val>
+                                            <p:strVal val="#ppt_y"/>
+                                          </p:val>
+                                        </p:tav>
+                                      </p:tavLst>
+                                    </p:anim>
+                                  </p:childTnLst>
+                                </p:cTn>
+                              </p:par>
+                            </p:childTnLst>
+                          </p:cTn>
+                        </p:par>
+                      </p:childTnLst>
+                    </p:cTn>
+                  </p:par>
+                </p:childTnLst>
+              </p:cTn>
+              <p:prevCondLst>
+                <p:cond evt="onPrev" delay="0">
+                  <p:tgtEl>
+                    <p:sldTgt/>
+                  </p:tgtEl>
+                </p:cond>
+              </p:prevCondLst>
+              <p:nextCondLst>
+                <p:cond evt="onNext" delay="0">
+                  <p:tgtEl>
+                    <p:sldTgt/>
+                  </p:tgtEl>
+                </p:cond>
+              </p:nextCondLst>
+            </p:seq>
+          </p:childTnLst>
+        </p:cTn>
+      </p:par>
+    </p:tnLst>
+  </p:timing>
 </p:sld>
 </file>
 
@@ -15680,7 +19589,7 @@
         </p:blipFill>
         <p:spPr bwMode="auto">
           <a:xfrm>
-            <a:off x="1053915" y="3198580"/>
+            <a:off x="663297" y="3518177"/>
             <a:ext cx="2130107" cy="2059220"/>
           </a:xfrm>
           <a:prstGeom prst="rect">
@@ -15697,6 +19606,96 @@
           </a:extLst>
         </p:spPr>
       </p:pic>
+      <p:pic>
+        <p:nvPicPr>
+          <p:cNvPr id="3" name="Image 2">
+            <a:extLst>
+              <a:ext uri="{FF2B5EF4-FFF2-40B4-BE49-F238E27FC236}">
+                <a16:creationId xmlns:a16="http://schemas.microsoft.com/office/drawing/2014/main" id="{02E97D9E-1556-4C74-B720-DA7B4E3A9231}"/>
+              </a:ext>
+            </a:extLst>
+          </p:cNvPr>
+          <p:cNvPicPr>
+            <a:picLocks noChangeAspect="1"/>
+          </p:cNvPicPr>
+          <p:nvPr/>
+        </p:nvPicPr>
+        <p:blipFill>
+          <a:blip r:embed="rId3"/>
+          <a:stretch>
+            <a:fillRect/>
+          </a:stretch>
+        </p:blipFill>
+        <p:spPr>
+          <a:xfrm>
+            <a:off x="3113943" y="1904608"/>
+            <a:ext cx="2455420" cy="1896743"/>
+          </a:xfrm>
+          <a:prstGeom prst="rect">
+            <a:avLst/>
+          </a:prstGeom>
+        </p:spPr>
+      </p:pic>
+      <p:pic>
+        <p:nvPicPr>
+          <p:cNvPr id="4" name="Image 3">
+            <a:extLst>
+              <a:ext uri="{FF2B5EF4-FFF2-40B4-BE49-F238E27FC236}">
+                <a16:creationId xmlns:a16="http://schemas.microsoft.com/office/drawing/2014/main" id="{AC9472DB-00A0-482C-BF23-03EEA0EBBB95}"/>
+              </a:ext>
+            </a:extLst>
+          </p:cNvPr>
+          <p:cNvPicPr>
+            <a:picLocks noChangeAspect="1"/>
+          </p:cNvPicPr>
+          <p:nvPr/>
+        </p:nvPicPr>
+        <p:blipFill>
+          <a:blip r:embed="rId4"/>
+          <a:stretch>
+            <a:fillRect/>
+          </a:stretch>
+        </p:blipFill>
+        <p:spPr>
+          <a:xfrm>
+            <a:off x="2880005" y="3929191"/>
+            <a:ext cx="3435610" cy="2317609"/>
+          </a:xfrm>
+          <a:prstGeom prst="rect">
+            <a:avLst/>
+          </a:prstGeom>
+        </p:spPr>
+      </p:pic>
+      <p:pic>
+        <p:nvPicPr>
+          <p:cNvPr id="5" name="Image 4">
+            <a:extLst>
+              <a:ext uri="{FF2B5EF4-FFF2-40B4-BE49-F238E27FC236}">
+                <a16:creationId xmlns:a16="http://schemas.microsoft.com/office/drawing/2014/main" id="{D2893C77-47C2-4D7D-A63C-2935626CE2C8}"/>
+              </a:ext>
+            </a:extLst>
+          </p:cNvPr>
+          <p:cNvPicPr>
+            <a:picLocks noChangeAspect="1"/>
+          </p:cNvPicPr>
+          <p:nvPr/>
+        </p:nvPicPr>
+        <p:blipFill>
+          <a:blip r:embed="rId5"/>
+          <a:stretch>
+            <a:fillRect/>
+          </a:stretch>
+        </p:blipFill>
+        <p:spPr>
+          <a:xfrm>
+            <a:off x="6350598" y="3022591"/>
+            <a:ext cx="2130107" cy="1813199"/>
+          </a:xfrm>
+          <a:prstGeom prst="rect">
+            <a:avLst/>
+          </a:prstGeom>
+        </p:spPr>
+      </p:pic>
     </p:spTree>
     <p:extLst>
       <p:ext uri="{BB962C8B-B14F-4D97-AF65-F5344CB8AC3E}">
@@ -15707,18 +19706,515 @@
   <p:clrMapOvr>
     <a:masterClrMapping/>
   </p:clrMapOvr>
-  <mc:AlternateContent xmlns:mc="http://schemas.openxmlformats.org/markup-compatibility/2006">
-    <mc:Choice xmlns:p14="http://schemas.microsoft.com/office/powerpoint/2010/main" Requires="p14">
+  <mc:AlternateContent xmlns:mc="http://schemas.openxmlformats.org/markup-compatibility/2006" xmlns:p14="http://schemas.microsoft.com/office/powerpoint/2010/main">
+    <mc:Choice Requires="p14">
       <p:transition spd="slow" p14:dur="1600">
         <p14:conveyor dir="l"/>
       </p:transition>
     </mc:Choice>
-    <mc:Fallback>
+    <mc:Fallback xmlns="">
       <p:transition spd="slow">
         <p:fade/>
       </p:transition>
     </mc:Fallback>
   </mc:AlternateContent>
+  <p:timing>
+    <p:tnLst>
+      <p:par>
+        <p:cTn id="1" dur="indefinite" restart="never" nodeType="tmRoot">
+          <p:childTnLst>
+            <p:seq concurrent="1" nextAc="seek">
+              <p:cTn id="2" dur="indefinite" nodeType="mainSeq">
+                <p:childTnLst>
+                  <p:par>
+                    <p:cTn id="3" fill="hold">
+                      <p:stCondLst>
+                        <p:cond delay="indefinite"/>
+                      </p:stCondLst>
+                      <p:childTnLst>
+                        <p:par>
+                          <p:cTn id="4" fill="hold">
+                            <p:stCondLst>
+                              <p:cond delay="0"/>
+                            </p:stCondLst>
+                            <p:childTnLst>
+                              <p:par>
+                                <p:cTn id="5" presetID="2" presetClass="entr" presetSubtype="4" fill="hold" nodeType="clickEffect">
+                                  <p:stCondLst>
+                                    <p:cond delay="0"/>
+                                  </p:stCondLst>
+                                  <p:childTnLst>
+                                    <p:set>
+                                      <p:cBhvr>
+                                        <p:cTn id="6" dur="1" fill="hold">
+                                          <p:stCondLst>
+                                            <p:cond delay="0"/>
+                                          </p:stCondLst>
+                                        </p:cTn>
+                                        <p:tgtEl>
+                                          <p:spTgt spid="6">
+                                            <p:txEl>
+                                              <p:pRg st="1" end="1"/>
+                                            </p:txEl>
+                                          </p:spTgt>
+                                        </p:tgtEl>
+                                        <p:attrNameLst>
+                                          <p:attrName>style.visibility</p:attrName>
+                                        </p:attrNameLst>
+                                      </p:cBhvr>
+                                      <p:to>
+                                        <p:strVal val="visible"/>
+                                      </p:to>
+                                    </p:set>
+                                    <p:anim calcmode="lin" valueType="num">
+                                      <p:cBhvr additive="base">
+                                        <p:cTn id="7" dur="500" fill="hold"/>
+                                        <p:tgtEl>
+                                          <p:spTgt spid="6">
+                                            <p:txEl>
+                                              <p:pRg st="1" end="1"/>
+                                            </p:txEl>
+                                          </p:spTgt>
+                                        </p:tgtEl>
+                                        <p:attrNameLst>
+                                          <p:attrName>ppt_x</p:attrName>
+                                        </p:attrNameLst>
+                                      </p:cBhvr>
+                                      <p:tavLst>
+                                        <p:tav tm="0">
+                                          <p:val>
+                                            <p:strVal val="#ppt_x"/>
+                                          </p:val>
+                                        </p:tav>
+                                        <p:tav tm="100000">
+                                          <p:val>
+                                            <p:strVal val="#ppt_x"/>
+                                          </p:val>
+                                        </p:tav>
+                                      </p:tavLst>
+                                    </p:anim>
+                                    <p:anim calcmode="lin" valueType="num">
+                                      <p:cBhvr additive="base">
+                                        <p:cTn id="8" dur="500" fill="hold"/>
+                                        <p:tgtEl>
+                                          <p:spTgt spid="6">
+                                            <p:txEl>
+                                              <p:pRg st="1" end="1"/>
+                                            </p:txEl>
+                                          </p:spTgt>
+                                        </p:tgtEl>
+                                        <p:attrNameLst>
+                                          <p:attrName>ppt_y</p:attrName>
+                                        </p:attrNameLst>
+                                      </p:cBhvr>
+                                      <p:tavLst>
+                                        <p:tav tm="0">
+                                          <p:val>
+                                            <p:strVal val="1+#ppt_h/2"/>
+                                          </p:val>
+                                        </p:tav>
+                                        <p:tav tm="100000">
+                                          <p:val>
+                                            <p:strVal val="#ppt_y"/>
+                                          </p:val>
+                                        </p:tav>
+                                      </p:tavLst>
+                                    </p:anim>
+                                  </p:childTnLst>
+                                </p:cTn>
+                              </p:par>
+                            </p:childTnLst>
+                          </p:cTn>
+                        </p:par>
+                      </p:childTnLst>
+                    </p:cTn>
+                  </p:par>
+                  <p:par>
+                    <p:cTn id="9" fill="hold">
+                      <p:stCondLst>
+                        <p:cond delay="indefinite"/>
+                      </p:stCondLst>
+                      <p:childTnLst>
+                        <p:par>
+                          <p:cTn id="10" fill="hold">
+                            <p:stCondLst>
+                              <p:cond delay="0"/>
+                            </p:stCondLst>
+                            <p:childTnLst>
+                              <p:par>
+                                <p:cTn id="11" presetID="2" presetClass="entr" presetSubtype="4" fill="hold" nodeType="clickEffect">
+                                  <p:stCondLst>
+                                    <p:cond delay="0"/>
+                                  </p:stCondLst>
+                                  <p:childTnLst>
+                                    <p:set>
+                                      <p:cBhvr>
+                                        <p:cTn id="12" dur="1" fill="hold">
+                                          <p:stCondLst>
+                                            <p:cond delay="0"/>
+                                          </p:stCondLst>
+                                        </p:cTn>
+                                        <p:tgtEl>
+                                          <p:spTgt spid="7"/>
+                                        </p:tgtEl>
+                                        <p:attrNameLst>
+                                          <p:attrName>style.visibility</p:attrName>
+                                        </p:attrNameLst>
+                                      </p:cBhvr>
+                                      <p:to>
+                                        <p:strVal val="visible"/>
+                                      </p:to>
+                                    </p:set>
+                                    <p:anim calcmode="lin" valueType="num">
+                                      <p:cBhvr additive="base">
+                                        <p:cTn id="13" dur="500" fill="hold"/>
+                                        <p:tgtEl>
+                                          <p:spTgt spid="7"/>
+                                        </p:tgtEl>
+                                        <p:attrNameLst>
+                                          <p:attrName>ppt_x</p:attrName>
+                                        </p:attrNameLst>
+                                      </p:cBhvr>
+                                      <p:tavLst>
+                                        <p:tav tm="0">
+                                          <p:val>
+                                            <p:strVal val="#ppt_x"/>
+                                          </p:val>
+                                        </p:tav>
+                                        <p:tav tm="100000">
+                                          <p:val>
+                                            <p:strVal val="#ppt_x"/>
+                                          </p:val>
+                                        </p:tav>
+                                      </p:tavLst>
+                                    </p:anim>
+                                    <p:anim calcmode="lin" valueType="num">
+                                      <p:cBhvr additive="base">
+                                        <p:cTn id="14" dur="500" fill="hold"/>
+                                        <p:tgtEl>
+                                          <p:spTgt spid="7"/>
+                                        </p:tgtEl>
+                                        <p:attrNameLst>
+                                          <p:attrName>ppt_y</p:attrName>
+                                        </p:attrNameLst>
+                                      </p:cBhvr>
+                                      <p:tavLst>
+                                        <p:tav tm="0">
+                                          <p:val>
+                                            <p:strVal val="1+#ppt_h/2"/>
+                                          </p:val>
+                                        </p:tav>
+                                        <p:tav tm="100000">
+                                          <p:val>
+                                            <p:strVal val="#ppt_y"/>
+                                          </p:val>
+                                        </p:tav>
+                                      </p:tavLst>
+                                    </p:anim>
+                                  </p:childTnLst>
+                                </p:cTn>
+                              </p:par>
+                            </p:childTnLst>
+                          </p:cTn>
+                        </p:par>
+                      </p:childTnLst>
+                    </p:cTn>
+                  </p:par>
+                  <p:par>
+                    <p:cTn id="15" fill="hold">
+                      <p:stCondLst>
+                        <p:cond delay="indefinite"/>
+                      </p:stCondLst>
+                      <p:childTnLst>
+                        <p:par>
+                          <p:cTn id="16" fill="hold">
+                            <p:stCondLst>
+                              <p:cond delay="0"/>
+                            </p:stCondLst>
+                            <p:childTnLst>
+                              <p:par>
+                                <p:cTn id="17" presetID="2" presetClass="entr" presetSubtype="4" fill="hold" nodeType="clickEffect">
+                                  <p:stCondLst>
+                                    <p:cond delay="0"/>
+                                  </p:stCondLst>
+                                  <p:childTnLst>
+                                    <p:set>
+                                      <p:cBhvr>
+                                        <p:cTn id="18" dur="1" fill="hold">
+                                          <p:stCondLst>
+                                            <p:cond delay="0"/>
+                                          </p:stCondLst>
+                                        </p:cTn>
+                                        <p:tgtEl>
+                                          <p:spTgt spid="3"/>
+                                        </p:tgtEl>
+                                        <p:attrNameLst>
+                                          <p:attrName>style.visibility</p:attrName>
+                                        </p:attrNameLst>
+                                      </p:cBhvr>
+                                      <p:to>
+                                        <p:strVal val="visible"/>
+                                      </p:to>
+                                    </p:set>
+                                    <p:anim calcmode="lin" valueType="num">
+                                      <p:cBhvr additive="base">
+                                        <p:cTn id="19" dur="500" fill="hold"/>
+                                        <p:tgtEl>
+                                          <p:spTgt spid="3"/>
+                                        </p:tgtEl>
+                                        <p:attrNameLst>
+                                          <p:attrName>ppt_x</p:attrName>
+                                        </p:attrNameLst>
+                                      </p:cBhvr>
+                                      <p:tavLst>
+                                        <p:tav tm="0">
+                                          <p:val>
+                                            <p:strVal val="#ppt_x"/>
+                                          </p:val>
+                                        </p:tav>
+                                        <p:tav tm="100000">
+                                          <p:val>
+                                            <p:strVal val="#ppt_x"/>
+                                          </p:val>
+                                        </p:tav>
+                                      </p:tavLst>
+                                    </p:anim>
+                                    <p:anim calcmode="lin" valueType="num">
+                                      <p:cBhvr additive="base">
+                                        <p:cTn id="20" dur="500" fill="hold"/>
+                                        <p:tgtEl>
+                                          <p:spTgt spid="3"/>
+                                        </p:tgtEl>
+                                        <p:attrNameLst>
+                                          <p:attrName>ppt_y</p:attrName>
+                                        </p:attrNameLst>
+                                      </p:cBhvr>
+                                      <p:tavLst>
+                                        <p:tav tm="0">
+                                          <p:val>
+                                            <p:strVal val="1+#ppt_h/2"/>
+                                          </p:val>
+                                        </p:tav>
+                                        <p:tav tm="100000">
+                                          <p:val>
+                                            <p:strVal val="#ppt_y"/>
+                                          </p:val>
+                                        </p:tav>
+                                      </p:tavLst>
+                                    </p:anim>
+                                  </p:childTnLst>
+                                </p:cTn>
+                              </p:par>
+                            </p:childTnLst>
+                          </p:cTn>
+                        </p:par>
+                      </p:childTnLst>
+                    </p:cTn>
+                  </p:par>
+                  <p:par>
+                    <p:cTn id="21" fill="hold">
+                      <p:stCondLst>
+                        <p:cond delay="indefinite"/>
+                      </p:stCondLst>
+                      <p:childTnLst>
+                        <p:par>
+                          <p:cTn id="22" fill="hold">
+                            <p:stCondLst>
+                              <p:cond delay="0"/>
+                            </p:stCondLst>
+                            <p:childTnLst>
+                              <p:par>
+                                <p:cTn id="23" presetID="2" presetClass="entr" presetSubtype="4" fill="hold" nodeType="clickEffect">
+                                  <p:stCondLst>
+                                    <p:cond delay="0"/>
+                                  </p:stCondLst>
+                                  <p:childTnLst>
+                                    <p:set>
+                                      <p:cBhvr>
+                                        <p:cTn id="24" dur="1" fill="hold">
+                                          <p:stCondLst>
+                                            <p:cond delay="0"/>
+                                          </p:stCondLst>
+                                        </p:cTn>
+                                        <p:tgtEl>
+                                          <p:spTgt spid="4"/>
+                                        </p:tgtEl>
+                                        <p:attrNameLst>
+                                          <p:attrName>style.visibility</p:attrName>
+                                        </p:attrNameLst>
+                                      </p:cBhvr>
+                                      <p:to>
+                                        <p:strVal val="visible"/>
+                                      </p:to>
+                                    </p:set>
+                                    <p:anim calcmode="lin" valueType="num">
+                                      <p:cBhvr additive="base">
+                                        <p:cTn id="25" dur="500" fill="hold"/>
+                                        <p:tgtEl>
+                                          <p:spTgt spid="4"/>
+                                        </p:tgtEl>
+                                        <p:attrNameLst>
+                                          <p:attrName>ppt_x</p:attrName>
+                                        </p:attrNameLst>
+                                      </p:cBhvr>
+                                      <p:tavLst>
+                                        <p:tav tm="0">
+                                          <p:val>
+                                            <p:strVal val="#ppt_x"/>
+                                          </p:val>
+                                        </p:tav>
+                                        <p:tav tm="100000">
+                                          <p:val>
+                                            <p:strVal val="#ppt_x"/>
+                                          </p:val>
+                                        </p:tav>
+                                      </p:tavLst>
+                                    </p:anim>
+                                    <p:anim calcmode="lin" valueType="num">
+                                      <p:cBhvr additive="base">
+                                        <p:cTn id="26" dur="500" fill="hold"/>
+                                        <p:tgtEl>
+                                          <p:spTgt spid="4"/>
+                                        </p:tgtEl>
+                                        <p:attrNameLst>
+                                          <p:attrName>ppt_y</p:attrName>
+                                        </p:attrNameLst>
+                                      </p:cBhvr>
+                                      <p:tavLst>
+                                        <p:tav tm="0">
+                                          <p:val>
+                                            <p:strVal val="1+#ppt_h/2"/>
+                                          </p:val>
+                                        </p:tav>
+                                        <p:tav tm="100000">
+                                          <p:val>
+                                            <p:strVal val="#ppt_y"/>
+                                          </p:val>
+                                        </p:tav>
+                                      </p:tavLst>
+                                    </p:anim>
+                                  </p:childTnLst>
+                                </p:cTn>
+                              </p:par>
+                            </p:childTnLst>
+                          </p:cTn>
+                        </p:par>
+                      </p:childTnLst>
+                    </p:cTn>
+                  </p:par>
+                  <p:par>
+                    <p:cTn id="27" fill="hold">
+                      <p:stCondLst>
+                        <p:cond delay="indefinite"/>
+                      </p:stCondLst>
+                      <p:childTnLst>
+                        <p:par>
+                          <p:cTn id="28" fill="hold">
+                            <p:stCondLst>
+                              <p:cond delay="0"/>
+                            </p:stCondLst>
+                            <p:childTnLst>
+                              <p:par>
+                                <p:cTn id="29" presetID="2" presetClass="entr" presetSubtype="4" fill="hold" nodeType="clickEffect">
+                                  <p:stCondLst>
+                                    <p:cond delay="0"/>
+                                  </p:stCondLst>
+                                  <p:childTnLst>
+                                    <p:set>
+                                      <p:cBhvr>
+                                        <p:cTn id="30" dur="1" fill="hold">
+                                          <p:stCondLst>
+                                            <p:cond delay="0"/>
+                                          </p:stCondLst>
+                                        </p:cTn>
+                                        <p:tgtEl>
+                                          <p:spTgt spid="5"/>
+                                        </p:tgtEl>
+                                        <p:attrNameLst>
+                                          <p:attrName>style.visibility</p:attrName>
+                                        </p:attrNameLst>
+                                      </p:cBhvr>
+                                      <p:to>
+                                        <p:strVal val="visible"/>
+                                      </p:to>
+                                    </p:set>
+                                    <p:anim calcmode="lin" valueType="num">
+                                      <p:cBhvr additive="base">
+                                        <p:cTn id="31" dur="500" fill="hold"/>
+                                        <p:tgtEl>
+                                          <p:spTgt spid="5"/>
+                                        </p:tgtEl>
+                                        <p:attrNameLst>
+                                          <p:attrName>ppt_x</p:attrName>
+                                        </p:attrNameLst>
+                                      </p:cBhvr>
+                                      <p:tavLst>
+                                        <p:tav tm="0">
+                                          <p:val>
+                                            <p:strVal val="#ppt_x"/>
+                                          </p:val>
+                                        </p:tav>
+                                        <p:tav tm="100000">
+                                          <p:val>
+                                            <p:strVal val="#ppt_x"/>
+                                          </p:val>
+                                        </p:tav>
+                                      </p:tavLst>
+                                    </p:anim>
+                                    <p:anim calcmode="lin" valueType="num">
+                                      <p:cBhvr additive="base">
+                                        <p:cTn id="32" dur="500" fill="hold"/>
+                                        <p:tgtEl>
+                                          <p:spTgt spid="5"/>
+                                        </p:tgtEl>
+                                        <p:attrNameLst>
+                                          <p:attrName>ppt_y</p:attrName>
+                                        </p:attrNameLst>
+                                      </p:cBhvr>
+                                      <p:tavLst>
+                                        <p:tav tm="0">
+                                          <p:val>
+                                            <p:strVal val="1+#ppt_h/2"/>
+                                          </p:val>
+                                        </p:tav>
+                                        <p:tav tm="100000">
+                                          <p:val>
+                                            <p:strVal val="#ppt_y"/>
+                                          </p:val>
+                                        </p:tav>
+                                      </p:tavLst>
+                                    </p:anim>
+                                  </p:childTnLst>
+                                </p:cTn>
+                              </p:par>
+                            </p:childTnLst>
+                          </p:cTn>
+                        </p:par>
+                      </p:childTnLst>
+                    </p:cTn>
+                  </p:par>
+                </p:childTnLst>
+              </p:cTn>
+              <p:prevCondLst>
+                <p:cond evt="onPrev" delay="0">
+                  <p:tgtEl>
+                    <p:sldTgt/>
+                  </p:tgtEl>
+                </p:cond>
+              </p:prevCondLst>
+              <p:nextCondLst>
+                <p:cond evt="onNext" delay="0">
+                  <p:tgtEl>
+                    <p:sldTgt/>
+                  </p:tgtEl>
+                </p:cond>
+              </p:nextCondLst>
+            </p:seq>
+          </p:childTnLst>
+        </p:cTn>
+      </p:par>
+    </p:tnLst>
+  </p:timing>
 </p:sld>
 </file>
 
@@ -16271,8 +20767,8 @@
         </p:blipFill>
         <p:spPr bwMode="auto">
           <a:xfrm rot="5400000">
-            <a:off x="2259292" y="2240209"/>
-            <a:ext cx="2224629" cy="4054488"/>
+            <a:off x="1887385" y="2598389"/>
+            <a:ext cx="1776454" cy="3237669"/>
           </a:xfrm>
           <a:prstGeom prst="rect">
             <a:avLst/>
@@ -16288,6 +20784,36 @@
           </a:extLst>
         </p:spPr>
       </p:pic>
+      <p:pic>
+        <p:nvPicPr>
+          <p:cNvPr id="3" name="Image 2">
+            <a:extLst>
+              <a:ext uri="{FF2B5EF4-FFF2-40B4-BE49-F238E27FC236}">
+                <a16:creationId xmlns:a16="http://schemas.microsoft.com/office/drawing/2014/main" id="{90236AF5-609D-4FA4-91B4-01D3EAC5DCA6}"/>
+              </a:ext>
+            </a:extLst>
+          </p:cNvPr>
+          <p:cNvPicPr>
+            <a:picLocks noChangeAspect="1"/>
+          </p:cNvPicPr>
+          <p:nvPr/>
+        </p:nvPicPr>
+        <p:blipFill>
+          <a:blip r:embed="rId3"/>
+          <a:stretch>
+            <a:fillRect/>
+          </a:stretch>
+        </p:blipFill>
+        <p:spPr>
+          <a:xfrm>
+            <a:off x="5287331" y="2662863"/>
+            <a:ext cx="2848373" cy="2400635"/>
+          </a:xfrm>
+          <a:prstGeom prst="rect">
+            <a:avLst/>
+          </a:prstGeom>
+        </p:spPr>
+      </p:pic>
     </p:spTree>
     <p:extLst>
       <p:ext uri="{BB962C8B-B14F-4D97-AF65-F5344CB8AC3E}">
@@ -16298,18 +20824,336 @@
   <p:clrMapOvr>
     <a:masterClrMapping/>
   </p:clrMapOvr>
-  <mc:AlternateContent xmlns:mc="http://schemas.openxmlformats.org/markup-compatibility/2006">
-    <mc:Choice xmlns:p14="http://schemas.microsoft.com/office/powerpoint/2010/main" Requires="p14">
+  <mc:AlternateContent xmlns:mc="http://schemas.openxmlformats.org/markup-compatibility/2006" xmlns:p14="http://schemas.microsoft.com/office/powerpoint/2010/main">
+    <mc:Choice Requires="p14">
       <p:transition spd="slow" p14:dur="1600">
         <p14:conveyor dir="l"/>
       </p:transition>
     </mc:Choice>
-    <mc:Fallback>
+    <mc:Fallback xmlns="">
       <p:transition spd="slow">
         <p:fade/>
       </p:transition>
     </mc:Fallback>
   </mc:AlternateContent>
+  <p:timing>
+    <p:tnLst>
+      <p:par>
+        <p:cTn id="1" dur="indefinite" restart="never" nodeType="tmRoot">
+          <p:childTnLst>
+            <p:seq concurrent="1" nextAc="seek">
+              <p:cTn id="2" dur="indefinite" nodeType="mainSeq">
+                <p:childTnLst>
+                  <p:par>
+                    <p:cTn id="3" fill="hold">
+                      <p:stCondLst>
+                        <p:cond delay="indefinite"/>
+                      </p:stCondLst>
+                      <p:childTnLst>
+                        <p:par>
+                          <p:cTn id="4" fill="hold">
+                            <p:stCondLst>
+                              <p:cond delay="0"/>
+                            </p:stCondLst>
+                            <p:childTnLst>
+                              <p:par>
+                                <p:cTn id="5" presetID="2" presetClass="entr" presetSubtype="4" fill="hold" grpId="0" nodeType="clickEffect">
+                                  <p:stCondLst>
+                                    <p:cond delay="0"/>
+                                  </p:stCondLst>
+                                  <p:childTnLst>
+                                    <p:set>
+                                      <p:cBhvr>
+                                        <p:cTn id="6" dur="1" fill="hold">
+                                          <p:stCondLst>
+                                            <p:cond delay="0"/>
+                                          </p:stCondLst>
+                                        </p:cTn>
+                                        <p:tgtEl>
+                                          <p:spTgt spid="6">
+                                            <p:txEl>
+                                              <p:pRg st="1" end="1"/>
+                                            </p:txEl>
+                                          </p:spTgt>
+                                        </p:tgtEl>
+                                        <p:attrNameLst>
+                                          <p:attrName>style.visibility</p:attrName>
+                                        </p:attrNameLst>
+                                      </p:cBhvr>
+                                      <p:to>
+                                        <p:strVal val="visible"/>
+                                      </p:to>
+                                    </p:set>
+                                    <p:anim calcmode="lin" valueType="num">
+                                      <p:cBhvr additive="base">
+                                        <p:cTn id="7" dur="500" fill="hold"/>
+                                        <p:tgtEl>
+                                          <p:spTgt spid="6">
+                                            <p:txEl>
+                                              <p:pRg st="1" end="1"/>
+                                            </p:txEl>
+                                          </p:spTgt>
+                                        </p:tgtEl>
+                                        <p:attrNameLst>
+                                          <p:attrName>ppt_x</p:attrName>
+                                        </p:attrNameLst>
+                                      </p:cBhvr>
+                                      <p:tavLst>
+                                        <p:tav tm="0">
+                                          <p:val>
+                                            <p:strVal val="#ppt_x"/>
+                                          </p:val>
+                                        </p:tav>
+                                        <p:tav tm="100000">
+                                          <p:val>
+                                            <p:strVal val="#ppt_x"/>
+                                          </p:val>
+                                        </p:tav>
+                                      </p:tavLst>
+                                    </p:anim>
+                                    <p:anim calcmode="lin" valueType="num">
+                                      <p:cBhvr additive="base">
+                                        <p:cTn id="8" dur="500" fill="hold"/>
+                                        <p:tgtEl>
+                                          <p:spTgt spid="6">
+                                            <p:txEl>
+                                              <p:pRg st="1" end="1"/>
+                                            </p:txEl>
+                                          </p:spTgt>
+                                        </p:tgtEl>
+                                        <p:attrNameLst>
+                                          <p:attrName>ppt_y</p:attrName>
+                                        </p:attrNameLst>
+                                      </p:cBhvr>
+                                      <p:tavLst>
+                                        <p:tav tm="0">
+                                          <p:val>
+                                            <p:strVal val="1+#ppt_h/2"/>
+                                          </p:val>
+                                        </p:tav>
+                                        <p:tav tm="100000">
+                                          <p:val>
+                                            <p:strVal val="#ppt_y"/>
+                                          </p:val>
+                                        </p:tav>
+                                      </p:tavLst>
+                                    </p:anim>
+                                  </p:childTnLst>
+                                </p:cTn>
+                              </p:par>
+                            </p:childTnLst>
+                          </p:cTn>
+                        </p:par>
+                      </p:childTnLst>
+                    </p:cTn>
+                  </p:par>
+                  <p:par>
+                    <p:cTn id="9" fill="hold">
+                      <p:stCondLst>
+                        <p:cond delay="indefinite"/>
+                      </p:stCondLst>
+                      <p:childTnLst>
+                        <p:par>
+                          <p:cTn id="10" fill="hold">
+                            <p:stCondLst>
+                              <p:cond delay="0"/>
+                            </p:stCondLst>
+                            <p:childTnLst>
+                              <p:par>
+                                <p:cTn id="11" presetID="2" presetClass="entr" presetSubtype="4" fill="hold" nodeType="clickEffect">
+                                  <p:stCondLst>
+                                    <p:cond delay="0"/>
+                                  </p:stCondLst>
+                                  <p:childTnLst>
+                                    <p:set>
+                                      <p:cBhvr>
+                                        <p:cTn id="12" dur="1" fill="hold">
+                                          <p:stCondLst>
+                                            <p:cond delay="0"/>
+                                          </p:stCondLst>
+                                        </p:cTn>
+                                        <p:tgtEl>
+                                          <p:spTgt spid="4"/>
+                                        </p:tgtEl>
+                                        <p:attrNameLst>
+                                          <p:attrName>style.visibility</p:attrName>
+                                        </p:attrNameLst>
+                                      </p:cBhvr>
+                                      <p:to>
+                                        <p:strVal val="visible"/>
+                                      </p:to>
+                                    </p:set>
+                                    <p:anim calcmode="lin" valueType="num">
+                                      <p:cBhvr additive="base">
+                                        <p:cTn id="13" dur="500" fill="hold"/>
+                                        <p:tgtEl>
+                                          <p:spTgt spid="4"/>
+                                        </p:tgtEl>
+                                        <p:attrNameLst>
+                                          <p:attrName>ppt_x</p:attrName>
+                                        </p:attrNameLst>
+                                      </p:cBhvr>
+                                      <p:tavLst>
+                                        <p:tav tm="0">
+                                          <p:val>
+                                            <p:strVal val="#ppt_x"/>
+                                          </p:val>
+                                        </p:tav>
+                                        <p:tav tm="100000">
+                                          <p:val>
+                                            <p:strVal val="#ppt_x"/>
+                                          </p:val>
+                                        </p:tav>
+                                      </p:tavLst>
+                                    </p:anim>
+                                    <p:anim calcmode="lin" valueType="num">
+                                      <p:cBhvr additive="base">
+                                        <p:cTn id="14" dur="500" fill="hold"/>
+                                        <p:tgtEl>
+                                          <p:spTgt spid="4"/>
+                                        </p:tgtEl>
+                                        <p:attrNameLst>
+                                          <p:attrName>ppt_y</p:attrName>
+                                        </p:attrNameLst>
+                                      </p:cBhvr>
+                                      <p:tavLst>
+                                        <p:tav tm="0">
+                                          <p:val>
+                                            <p:strVal val="1+#ppt_h/2"/>
+                                          </p:val>
+                                        </p:tav>
+                                        <p:tav tm="100000">
+                                          <p:val>
+                                            <p:strVal val="#ppt_y"/>
+                                          </p:val>
+                                        </p:tav>
+                                      </p:tavLst>
+                                    </p:anim>
+                                  </p:childTnLst>
+                                </p:cTn>
+                              </p:par>
+                            </p:childTnLst>
+                          </p:cTn>
+                        </p:par>
+                      </p:childTnLst>
+                    </p:cTn>
+                  </p:par>
+                  <p:par>
+                    <p:cTn id="15" fill="hold">
+                      <p:stCondLst>
+                        <p:cond delay="indefinite"/>
+                      </p:stCondLst>
+                      <p:childTnLst>
+                        <p:par>
+                          <p:cTn id="16" fill="hold">
+                            <p:stCondLst>
+                              <p:cond delay="0"/>
+                            </p:stCondLst>
+                            <p:childTnLst>
+                              <p:par>
+                                <p:cTn id="17" presetID="2" presetClass="entr" presetSubtype="4" fill="hold" nodeType="clickEffect">
+                                  <p:stCondLst>
+                                    <p:cond delay="0"/>
+                                  </p:stCondLst>
+                                  <p:childTnLst>
+                                    <p:set>
+                                      <p:cBhvr>
+                                        <p:cTn id="18" dur="1" fill="hold">
+                                          <p:stCondLst>
+                                            <p:cond delay="0"/>
+                                          </p:stCondLst>
+                                        </p:cTn>
+                                        <p:tgtEl>
+                                          <p:spTgt spid="3"/>
+                                        </p:tgtEl>
+                                        <p:attrNameLst>
+                                          <p:attrName>style.visibility</p:attrName>
+                                        </p:attrNameLst>
+                                      </p:cBhvr>
+                                      <p:to>
+                                        <p:strVal val="visible"/>
+                                      </p:to>
+                                    </p:set>
+                                    <p:anim calcmode="lin" valueType="num">
+                                      <p:cBhvr additive="base">
+                                        <p:cTn id="19" dur="500" fill="hold"/>
+                                        <p:tgtEl>
+                                          <p:spTgt spid="3"/>
+                                        </p:tgtEl>
+                                        <p:attrNameLst>
+                                          <p:attrName>ppt_x</p:attrName>
+                                        </p:attrNameLst>
+                                      </p:cBhvr>
+                                      <p:tavLst>
+                                        <p:tav tm="0">
+                                          <p:val>
+                                            <p:strVal val="#ppt_x"/>
+                                          </p:val>
+                                        </p:tav>
+                                        <p:tav tm="100000">
+                                          <p:val>
+                                            <p:strVal val="#ppt_x"/>
+                                          </p:val>
+                                        </p:tav>
+                                      </p:tavLst>
+                                    </p:anim>
+                                    <p:anim calcmode="lin" valueType="num">
+                                      <p:cBhvr additive="base">
+                                        <p:cTn id="20" dur="500" fill="hold"/>
+                                        <p:tgtEl>
+                                          <p:spTgt spid="3"/>
+                                        </p:tgtEl>
+                                        <p:attrNameLst>
+                                          <p:attrName>ppt_y</p:attrName>
+                                        </p:attrNameLst>
+                                      </p:cBhvr>
+                                      <p:tavLst>
+                                        <p:tav tm="0">
+                                          <p:val>
+                                            <p:strVal val="1+#ppt_h/2"/>
+                                          </p:val>
+                                        </p:tav>
+                                        <p:tav tm="100000">
+                                          <p:val>
+                                            <p:strVal val="#ppt_y"/>
+                                          </p:val>
+                                        </p:tav>
+                                      </p:tavLst>
+                                    </p:anim>
+                                  </p:childTnLst>
+                                </p:cTn>
+                              </p:par>
+                            </p:childTnLst>
+                          </p:cTn>
+                        </p:par>
+                      </p:childTnLst>
+                    </p:cTn>
+                  </p:par>
+                </p:childTnLst>
+              </p:cTn>
+              <p:prevCondLst>
+                <p:cond evt="onPrev" delay="0">
+                  <p:tgtEl>
+                    <p:sldTgt/>
+                  </p:tgtEl>
+                </p:cond>
+              </p:prevCondLst>
+              <p:nextCondLst>
+                <p:cond evt="onNext" delay="0">
+                  <p:tgtEl>
+                    <p:sldTgt/>
+                  </p:tgtEl>
+                </p:cond>
+              </p:nextCondLst>
+            </p:seq>
+          </p:childTnLst>
+        </p:cTn>
+      </p:par>
+    </p:tnLst>
+    <p:bldLst>
+      <p:bldP spid="6" grpId="0" build="p"/>
+    </p:bldLst>
+  </p:timing>
 </p:sld>
 </file>
 
@@ -16868,7 +21712,7 @@
         </p:blipFill>
         <p:spPr bwMode="auto">
           <a:xfrm>
-            <a:off x="5414838" y="2927368"/>
+            <a:off x="2832470" y="3049811"/>
             <a:ext cx="2857197" cy="2628339"/>
           </a:xfrm>
           <a:prstGeom prst="rect">
@@ -16912,7 +21756,7 @@
         </p:blipFill>
         <p:spPr bwMode="auto">
           <a:xfrm>
-            <a:off x="1069485" y="3030661"/>
+            <a:off x="454277" y="3030661"/>
             <a:ext cx="2238258" cy="2859031"/>
           </a:xfrm>
           <a:prstGeom prst="rect">
@@ -16929,6 +21773,36 @@
           </a:extLst>
         </p:spPr>
       </p:pic>
+      <p:pic>
+        <p:nvPicPr>
+          <p:cNvPr id="5" name="Image 4">
+            <a:extLst>
+              <a:ext uri="{FF2B5EF4-FFF2-40B4-BE49-F238E27FC236}">
+                <a16:creationId xmlns:a16="http://schemas.microsoft.com/office/drawing/2014/main" id="{2A33EB1C-9AD7-498F-B3FF-4A0A220F8899}"/>
+              </a:ext>
+            </a:extLst>
+          </p:cNvPr>
+          <p:cNvPicPr>
+            <a:picLocks noChangeAspect="1"/>
+          </p:cNvPicPr>
+          <p:nvPr/>
+        </p:nvPicPr>
+        <p:blipFill>
+          <a:blip r:embed="rId4"/>
+          <a:stretch>
+            <a:fillRect/>
+          </a:stretch>
+        </p:blipFill>
+        <p:spPr>
+          <a:xfrm>
+            <a:off x="5767531" y="3176252"/>
+            <a:ext cx="2841405" cy="1528913"/>
+          </a:xfrm>
+          <a:prstGeom prst="rect">
+            <a:avLst/>
+          </a:prstGeom>
+        </p:spPr>
+      </p:pic>
     </p:spTree>
     <p:extLst>
       <p:ext uri="{BB962C8B-B14F-4D97-AF65-F5344CB8AC3E}">
@@ -16939,18 +21813,409 @@
   <p:clrMapOvr>
     <a:masterClrMapping/>
   </p:clrMapOvr>
-  <mc:AlternateContent xmlns:mc="http://schemas.openxmlformats.org/markup-compatibility/2006">
-    <mc:Choice xmlns:p14="http://schemas.microsoft.com/office/powerpoint/2010/main" Requires="p14">
+  <mc:AlternateContent xmlns:mc="http://schemas.openxmlformats.org/markup-compatibility/2006" xmlns:p14="http://schemas.microsoft.com/office/powerpoint/2010/main">
+    <mc:Choice Requires="p14">
       <p:transition spd="slow" p14:dur="1600">
         <p14:conveyor dir="l"/>
       </p:transition>
     </mc:Choice>
-    <mc:Fallback>
+    <mc:Fallback xmlns="">
       <p:transition spd="slow">
         <p:fade/>
       </p:transition>
     </mc:Fallback>
   </mc:AlternateContent>
+  <p:timing>
+    <p:tnLst>
+      <p:par>
+        <p:cTn id="1" dur="indefinite" restart="never" nodeType="tmRoot">
+          <p:childTnLst>
+            <p:seq concurrent="1" nextAc="seek">
+              <p:cTn id="2" dur="indefinite" nodeType="mainSeq">
+                <p:childTnLst>
+                  <p:par>
+                    <p:cTn id="3" fill="hold">
+                      <p:stCondLst>
+                        <p:cond delay="indefinite"/>
+                      </p:stCondLst>
+                      <p:childTnLst>
+                        <p:par>
+                          <p:cTn id="4" fill="hold">
+                            <p:stCondLst>
+                              <p:cond delay="0"/>
+                            </p:stCondLst>
+                            <p:childTnLst>
+                              <p:par>
+                                <p:cTn id="5" presetID="2" presetClass="entr" presetSubtype="4" fill="hold" grpId="0" nodeType="clickEffect">
+                                  <p:stCondLst>
+                                    <p:cond delay="0"/>
+                                  </p:stCondLst>
+                                  <p:childTnLst>
+                                    <p:set>
+                                      <p:cBhvr>
+                                        <p:cTn id="6" dur="1" fill="hold">
+                                          <p:stCondLst>
+                                            <p:cond delay="0"/>
+                                          </p:stCondLst>
+                                        </p:cTn>
+                                        <p:tgtEl>
+                                          <p:spTgt spid="6">
+                                            <p:txEl>
+                                              <p:pRg st="1" end="1"/>
+                                            </p:txEl>
+                                          </p:spTgt>
+                                        </p:tgtEl>
+                                        <p:attrNameLst>
+                                          <p:attrName>style.visibility</p:attrName>
+                                        </p:attrNameLst>
+                                      </p:cBhvr>
+                                      <p:to>
+                                        <p:strVal val="visible"/>
+                                      </p:to>
+                                    </p:set>
+                                    <p:anim calcmode="lin" valueType="num">
+                                      <p:cBhvr additive="base">
+                                        <p:cTn id="7" dur="500" fill="hold"/>
+                                        <p:tgtEl>
+                                          <p:spTgt spid="6">
+                                            <p:txEl>
+                                              <p:pRg st="1" end="1"/>
+                                            </p:txEl>
+                                          </p:spTgt>
+                                        </p:tgtEl>
+                                        <p:attrNameLst>
+                                          <p:attrName>ppt_x</p:attrName>
+                                        </p:attrNameLst>
+                                      </p:cBhvr>
+                                      <p:tavLst>
+                                        <p:tav tm="0">
+                                          <p:val>
+                                            <p:strVal val="#ppt_x"/>
+                                          </p:val>
+                                        </p:tav>
+                                        <p:tav tm="100000">
+                                          <p:val>
+                                            <p:strVal val="#ppt_x"/>
+                                          </p:val>
+                                        </p:tav>
+                                      </p:tavLst>
+                                    </p:anim>
+                                    <p:anim calcmode="lin" valueType="num">
+                                      <p:cBhvr additive="base">
+                                        <p:cTn id="8" dur="500" fill="hold"/>
+                                        <p:tgtEl>
+                                          <p:spTgt spid="6">
+                                            <p:txEl>
+                                              <p:pRg st="1" end="1"/>
+                                            </p:txEl>
+                                          </p:spTgt>
+                                        </p:tgtEl>
+                                        <p:attrNameLst>
+                                          <p:attrName>ppt_y</p:attrName>
+                                        </p:attrNameLst>
+                                      </p:cBhvr>
+                                      <p:tavLst>
+                                        <p:tav tm="0">
+                                          <p:val>
+                                            <p:strVal val="1+#ppt_h/2"/>
+                                          </p:val>
+                                        </p:tav>
+                                        <p:tav tm="100000">
+                                          <p:val>
+                                            <p:strVal val="#ppt_y"/>
+                                          </p:val>
+                                        </p:tav>
+                                      </p:tavLst>
+                                    </p:anim>
+                                  </p:childTnLst>
+                                </p:cTn>
+                              </p:par>
+                            </p:childTnLst>
+                          </p:cTn>
+                        </p:par>
+                      </p:childTnLst>
+                    </p:cTn>
+                  </p:par>
+                  <p:par>
+                    <p:cTn id="9" fill="hold">
+                      <p:stCondLst>
+                        <p:cond delay="indefinite"/>
+                      </p:stCondLst>
+                      <p:childTnLst>
+                        <p:par>
+                          <p:cTn id="10" fill="hold">
+                            <p:stCondLst>
+                              <p:cond delay="0"/>
+                            </p:stCondLst>
+                            <p:childTnLst>
+                              <p:par>
+                                <p:cTn id="11" presetID="2" presetClass="entr" presetSubtype="4" fill="hold" nodeType="clickEffect">
+                                  <p:stCondLst>
+                                    <p:cond delay="0"/>
+                                  </p:stCondLst>
+                                  <p:childTnLst>
+                                    <p:set>
+                                      <p:cBhvr>
+                                        <p:cTn id="12" dur="1" fill="hold">
+                                          <p:stCondLst>
+                                            <p:cond delay="0"/>
+                                          </p:stCondLst>
+                                        </p:cTn>
+                                        <p:tgtEl>
+                                          <p:spTgt spid="4"/>
+                                        </p:tgtEl>
+                                        <p:attrNameLst>
+                                          <p:attrName>style.visibility</p:attrName>
+                                        </p:attrNameLst>
+                                      </p:cBhvr>
+                                      <p:to>
+                                        <p:strVal val="visible"/>
+                                      </p:to>
+                                    </p:set>
+                                    <p:anim calcmode="lin" valueType="num">
+                                      <p:cBhvr additive="base">
+                                        <p:cTn id="13" dur="500" fill="hold"/>
+                                        <p:tgtEl>
+                                          <p:spTgt spid="4"/>
+                                        </p:tgtEl>
+                                        <p:attrNameLst>
+                                          <p:attrName>ppt_x</p:attrName>
+                                        </p:attrNameLst>
+                                      </p:cBhvr>
+                                      <p:tavLst>
+                                        <p:tav tm="0">
+                                          <p:val>
+                                            <p:strVal val="#ppt_x"/>
+                                          </p:val>
+                                        </p:tav>
+                                        <p:tav tm="100000">
+                                          <p:val>
+                                            <p:strVal val="#ppt_x"/>
+                                          </p:val>
+                                        </p:tav>
+                                      </p:tavLst>
+                                    </p:anim>
+                                    <p:anim calcmode="lin" valueType="num">
+                                      <p:cBhvr additive="base">
+                                        <p:cTn id="14" dur="500" fill="hold"/>
+                                        <p:tgtEl>
+                                          <p:spTgt spid="4"/>
+                                        </p:tgtEl>
+                                        <p:attrNameLst>
+                                          <p:attrName>ppt_y</p:attrName>
+                                        </p:attrNameLst>
+                                      </p:cBhvr>
+                                      <p:tavLst>
+                                        <p:tav tm="0">
+                                          <p:val>
+                                            <p:strVal val="1+#ppt_h/2"/>
+                                          </p:val>
+                                        </p:tav>
+                                        <p:tav tm="100000">
+                                          <p:val>
+                                            <p:strVal val="#ppt_y"/>
+                                          </p:val>
+                                        </p:tav>
+                                      </p:tavLst>
+                                    </p:anim>
+                                  </p:childTnLst>
+                                </p:cTn>
+                              </p:par>
+                              <p:par>
+                                <p:cTn id="15" presetID="2" presetClass="entr" presetSubtype="4" fill="hold" nodeType="withEffect">
+                                  <p:stCondLst>
+                                    <p:cond delay="0"/>
+                                  </p:stCondLst>
+                                  <p:childTnLst>
+                                    <p:set>
+                                      <p:cBhvr>
+                                        <p:cTn id="16" dur="1" fill="hold">
+                                          <p:stCondLst>
+                                            <p:cond delay="0"/>
+                                          </p:stCondLst>
+                                        </p:cTn>
+                                        <p:tgtEl>
+                                          <p:spTgt spid="3"/>
+                                        </p:tgtEl>
+                                        <p:attrNameLst>
+                                          <p:attrName>style.visibility</p:attrName>
+                                        </p:attrNameLst>
+                                      </p:cBhvr>
+                                      <p:to>
+                                        <p:strVal val="visible"/>
+                                      </p:to>
+                                    </p:set>
+                                    <p:anim calcmode="lin" valueType="num">
+                                      <p:cBhvr additive="base">
+                                        <p:cTn id="17" dur="500" fill="hold"/>
+                                        <p:tgtEl>
+                                          <p:spTgt spid="3"/>
+                                        </p:tgtEl>
+                                        <p:attrNameLst>
+                                          <p:attrName>ppt_x</p:attrName>
+                                        </p:attrNameLst>
+                                      </p:cBhvr>
+                                      <p:tavLst>
+                                        <p:tav tm="0">
+                                          <p:val>
+                                            <p:strVal val="#ppt_x"/>
+                                          </p:val>
+                                        </p:tav>
+                                        <p:tav tm="100000">
+                                          <p:val>
+                                            <p:strVal val="#ppt_x"/>
+                                          </p:val>
+                                        </p:tav>
+                                      </p:tavLst>
+                                    </p:anim>
+                                    <p:anim calcmode="lin" valueType="num">
+                                      <p:cBhvr additive="base">
+                                        <p:cTn id="18" dur="500" fill="hold"/>
+                                        <p:tgtEl>
+                                          <p:spTgt spid="3"/>
+                                        </p:tgtEl>
+                                        <p:attrNameLst>
+                                          <p:attrName>ppt_y</p:attrName>
+                                        </p:attrNameLst>
+                                      </p:cBhvr>
+                                      <p:tavLst>
+                                        <p:tav tm="0">
+                                          <p:val>
+                                            <p:strVal val="1+#ppt_h/2"/>
+                                          </p:val>
+                                        </p:tav>
+                                        <p:tav tm="100000">
+                                          <p:val>
+                                            <p:strVal val="#ppt_y"/>
+                                          </p:val>
+                                        </p:tav>
+                                      </p:tavLst>
+                                    </p:anim>
+                                  </p:childTnLst>
+                                </p:cTn>
+                              </p:par>
+                            </p:childTnLst>
+                          </p:cTn>
+                        </p:par>
+                      </p:childTnLst>
+                    </p:cTn>
+                  </p:par>
+                  <p:par>
+                    <p:cTn id="19" fill="hold">
+                      <p:stCondLst>
+                        <p:cond delay="indefinite"/>
+                      </p:stCondLst>
+                      <p:childTnLst>
+                        <p:par>
+                          <p:cTn id="20" fill="hold">
+                            <p:stCondLst>
+                              <p:cond delay="0"/>
+                            </p:stCondLst>
+                            <p:childTnLst>
+                              <p:par>
+                                <p:cTn id="21" presetID="2" presetClass="entr" presetSubtype="4" fill="hold" nodeType="clickEffect">
+                                  <p:stCondLst>
+                                    <p:cond delay="0"/>
+                                  </p:stCondLst>
+                                  <p:childTnLst>
+                                    <p:set>
+                                      <p:cBhvr>
+                                        <p:cTn id="22" dur="1" fill="hold">
+                                          <p:stCondLst>
+                                            <p:cond delay="0"/>
+                                          </p:stCondLst>
+                                        </p:cTn>
+                                        <p:tgtEl>
+                                          <p:spTgt spid="5"/>
+                                        </p:tgtEl>
+                                        <p:attrNameLst>
+                                          <p:attrName>style.visibility</p:attrName>
+                                        </p:attrNameLst>
+                                      </p:cBhvr>
+                                      <p:to>
+                                        <p:strVal val="visible"/>
+                                      </p:to>
+                                    </p:set>
+                                    <p:anim calcmode="lin" valueType="num">
+                                      <p:cBhvr additive="base">
+                                        <p:cTn id="23" dur="500" fill="hold"/>
+                                        <p:tgtEl>
+                                          <p:spTgt spid="5"/>
+                                        </p:tgtEl>
+                                        <p:attrNameLst>
+                                          <p:attrName>ppt_x</p:attrName>
+                                        </p:attrNameLst>
+                                      </p:cBhvr>
+                                      <p:tavLst>
+                                        <p:tav tm="0">
+                                          <p:val>
+                                            <p:strVal val="#ppt_x"/>
+                                          </p:val>
+                                        </p:tav>
+                                        <p:tav tm="100000">
+                                          <p:val>
+                                            <p:strVal val="#ppt_x"/>
+                                          </p:val>
+                                        </p:tav>
+                                      </p:tavLst>
+                                    </p:anim>
+                                    <p:anim calcmode="lin" valueType="num">
+                                      <p:cBhvr additive="base">
+                                        <p:cTn id="24" dur="500" fill="hold"/>
+                                        <p:tgtEl>
+                                          <p:spTgt spid="5"/>
+                                        </p:tgtEl>
+                                        <p:attrNameLst>
+                                          <p:attrName>ppt_y</p:attrName>
+                                        </p:attrNameLst>
+                                      </p:cBhvr>
+                                      <p:tavLst>
+                                        <p:tav tm="0">
+                                          <p:val>
+                                            <p:strVal val="1+#ppt_h/2"/>
+                                          </p:val>
+                                        </p:tav>
+                                        <p:tav tm="100000">
+                                          <p:val>
+                                            <p:strVal val="#ppt_y"/>
+                                          </p:val>
+                                        </p:tav>
+                                      </p:tavLst>
+                                    </p:anim>
+                                  </p:childTnLst>
+                                </p:cTn>
+                              </p:par>
+                            </p:childTnLst>
+                          </p:cTn>
+                        </p:par>
+                      </p:childTnLst>
+                    </p:cTn>
+                  </p:par>
+                </p:childTnLst>
+              </p:cTn>
+              <p:prevCondLst>
+                <p:cond evt="onPrev" delay="0">
+                  <p:tgtEl>
+                    <p:sldTgt/>
+                  </p:tgtEl>
+                </p:cond>
+              </p:prevCondLst>
+              <p:nextCondLst>
+                <p:cond evt="onNext" delay="0">
+                  <p:tgtEl>
+                    <p:sldTgt/>
+                  </p:tgtEl>
+                </p:cond>
+              </p:nextCondLst>
+            </p:seq>
+          </p:childTnLst>
+        </p:cTn>
+      </p:par>
+    </p:tnLst>
+    <p:bldLst>
+      <p:bldP spid="6" grpId="0" build="p"/>
+    </p:bldLst>
+  </p:timing>
 </p:sld>
 </file>
 
@@ -17517,7 +22782,7 @@
         </p:blipFill>
         <p:spPr bwMode="auto">
           <a:xfrm>
-            <a:off x="958132" y="3263592"/>
+            <a:off x="524785" y="3053122"/>
             <a:ext cx="2965836" cy="2103539"/>
           </a:xfrm>
           <a:prstGeom prst="rect">
@@ -17534,6 +22799,65 @@
           </a:extLst>
         </p:spPr>
       </p:pic>
+      <p:pic>
+        <p:nvPicPr>
+          <p:cNvPr id="4" name="Image 3">
+            <a:extLst>
+              <a:ext uri="{FF2B5EF4-FFF2-40B4-BE49-F238E27FC236}">
+                <a16:creationId xmlns:a16="http://schemas.microsoft.com/office/drawing/2014/main" id="{F86ACEA2-78E1-4ADE-B2EC-4D00CA4D16C4}"/>
+              </a:ext>
+            </a:extLst>
+          </p:cNvPr>
+          <p:cNvPicPr>
+            <a:picLocks noChangeAspect="1"/>
+          </p:cNvPicPr>
+          <p:nvPr/>
+        </p:nvPicPr>
+        <p:blipFill>
+          <a:blip r:embed="rId3"/>
+          <a:stretch>
+            <a:fillRect/>
+          </a:stretch>
+        </p:blipFill>
+        <p:spPr>
+          <a:xfrm>
+            <a:off x="4033720" y="2600942"/>
+            <a:ext cx="3896269" cy="2524477"/>
+          </a:xfrm>
+          <a:prstGeom prst="rect">
+            <a:avLst/>
+          </a:prstGeom>
+        </p:spPr>
+      </p:pic>
+      <p:pic>
+        <p:nvPicPr>
+          <p:cNvPr id="5" name="Image 4">
+            <a:extLst>
+              <a:ext uri="{FF2B5EF4-FFF2-40B4-BE49-F238E27FC236}">
+                <a16:creationId xmlns:a16="http://schemas.microsoft.com/office/drawing/2014/main" id="{B5DE8E16-4F5E-48B8-AC2E-24AEAE2123F3}"/>
+              </a:ext>
+            </a:extLst>
+          </p:cNvPr>
+          <p:cNvPicPr>
+            <a:picLocks noChangeAspect="1"/>
+          </p:cNvPicPr>
+          <p:nvPr/>
+        </p:nvPicPr>
+        <p:blipFill rotWithShape="1">
+          <a:blip r:embed="rId4"/>
+          <a:srcRect l="975" t="3299" r="6695" b="-3299"/>
+          <a:stretch/>
+        </p:blipFill>
+        <p:spPr>
+          <a:xfrm>
+            <a:off x="457200" y="5457523"/>
+            <a:ext cx="8442666" cy="1120818"/>
+          </a:xfrm>
+          <a:prstGeom prst="rect">
+            <a:avLst/>
+          </a:prstGeom>
+        </p:spPr>
+      </p:pic>
     </p:spTree>
     <p:extLst>
       <p:ext uri="{BB962C8B-B14F-4D97-AF65-F5344CB8AC3E}">
@@ -17544,18 +22868,424 @@
   <p:clrMapOvr>
     <a:masterClrMapping/>
   </p:clrMapOvr>
-  <mc:AlternateContent xmlns:mc="http://schemas.openxmlformats.org/markup-compatibility/2006">
-    <mc:Choice xmlns:p14="http://schemas.microsoft.com/office/powerpoint/2010/main" Requires="p14">
+  <mc:AlternateContent xmlns:mc="http://schemas.openxmlformats.org/markup-compatibility/2006" xmlns:p14="http://schemas.microsoft.com/office/powerpoint/2010/main">
+    <mc:Choice Requires="p14">
       <p:transition spd="slow" p14:dur="1600">
         <p14:conveyor dir="l"/>
       </p:transition>
     </mc:Choice>
-    <mc:Fallback>
+    <mc:Fallback xmlns="">
       <p:transition spd="slow">
         <p:fade/>
       </p:transition>
     </mc:Fallback>
   </mc:AlternateContent>
+  <p:timing>
+    <p:tnLst>
+      <p:par>
+        <p:cTn id="1" dur="indefinite" restart="never" nodeType="tmRoot">
+          <p:childTnLst>
+            <p:seq concurrent="1" nextAc="seek">
+              <p:cTn id="2" dur="indefinite" nodeType="mainSeq">
+                <p:childTnLst>
+                  <p:par>
+                    <p:cTn id="3" fill="hold">
+                      <p:stCondLst>
+                        <p:cond delay="indefinite"/>
+                      </p:stCondLst>
+                      <p:childTnLst>
+                        <p:par>
+                          <p:cTn id="4" fill="hold">
+                            <p:stCondLst>
+                              <p:cond delay="0"/>
+                            </p:stCondLst>
+                            <p:childTnLst>
+                              <p:par>
+                                <p:cTn id="5" presetID="2" presetClass="entr" presetSubtype="4" fill="hold" nodeType="clickEffect">
+                                  <p:stCondLst>
+                                    <p:cond delay="0"/>
+                                  </p:stCondLst>
+                                  <p:childTnLst>
+                                    <p:set>
+                                      <p:cBhvr>
+                                        <p:cTn id="6" dur="1" fill="hold">
+                                          <p:stCondLst>
+                                            <p:cond delay="0"/>
+                                          </p:stCondLst>
+                                        </p:cTn>
+                                        <p:tgtEl>
+                                          <p:spTgt spid="6">
+                                            <p:txEl>
+                                              <p:pRg st="1" end="1"/>
+                                            </p:txEl>
+                                          </p:spTgt>
+                                        </p:tgtEl>
+                                        <p:attrNameLst>
+                                          <p:attrName>style.visibility</p:attrName>
+                                        </p:attrNameLst>
+                                      </p:cBhvr>
+                                      <p:to>
+                                        <p:strVal val="visible"/>
+                                      </p:to>
+                                    </p:set>
+                                    <p:anim calcmode="lin" valueType="num">
+                                      <p:cBhvr additive="base">
+                                        <p:cTn id="7" dur="500" fill="hold"/>
+                                        <p:tgtEl>
+                                          <p:spTgt spid="6">
+                                            <p:txEl>
+                                              <p:pRg st="1" end="1"/>
+                                            </p:txEl>
+                                          </p:spTgt>
+                                        </p:tgtEl>
+                                        <p:attrNameLst>
+                                          <p:attrName>ppt_x</p:attrName>
+                                        </p:attrNameLst>
+                                      </p:cBhvr>
+                                      <p:tavLst>
+                                        <p:tav tm="0">
+                                          <p:val>
+                                            <p:strVal val="#ppt_x"/>
+                                          </p:val>
+                                        </p:tav>
+                                        <p:tav tm="100000">
+                                          <p:val>
+                                            <p:strVal val="#ppt_x"/>
+                                          </p:val>
+                                        </p:tav>
+                                      </p:tavLst>
+                                    </p:anim>
+                                    <p:anim calcmode="lin" valueType="num">
+                                      <p:cBhvr additive="base">
+                                        <p:cTn id="8" dur="500" fill="hold"/>
+                                        <p:tgtEl>
+                                          <p:spTgt spid="6">
+                                            <p:txEl>
+                                              <p:pRg st="1" end="1"/>
+                                            </p:txEl>
+                                          </p:spTgt>
+                                        </p:tgtEl>
+                                        <p:attrNameLst>
+                                          <p:attrName>ppt_y</p:attrName>
+                                        </p:attrNameLst>
+                                      </p:cBhvr>
+                                      <p:tavLst>
+                                        <p:tav tm="0">
+                                          <p:val>
+                                            <p:strVal val="1+#ppt_h/2"/>
+                                          </p:val>
+                                        </p:tav>
+                                        <p:tav tm="100000">
+                                          <p:val>
+                                            <p:strVal val="#ppt_y"/>
+                                          </p:val>
+                                        </p:tav>
+                                      </p:tavLst>
+                                    </p:anim>
+                                  </p:childTnLst>
+                                </p:cTn>
+                              </p:par>
+                            </p:childTnLst>
+                          </p:cTn>
+                        </p:par>
+                      </p:childTnLst>
+                    </p:cTn>
+                  </p:par>
+                  <p:par>
+                    <p:cTn id="9" fill="hold">
+                      <p:stCondLst>
+                        <p:cond delay="indefinite"/>
+                      </p:stCondLst>
+                      <p:childTnLst>
+                        <p:par>
+                          <p:cTn id="10" fill="hold">
+                            <p:stCondLst>
+                              <p:cond delay="0"/>
+                            </p:stCondLst>
+                            <p:childTnLst>
+                              <p:par>
+                                <p:cTn id="11" presetID="2" presetClass="entr" presetSubtype="4" fill="hold" nodeType="clickEffect">
+                                  <p:stCondLst>
+                                    <p:cond delay="0"/>
+                                  </p:stCondLst>
+                                  <p:childTnLst>
+                                    <p:set>
+                                      <p:cBhvr>
+                                        <p:cTn id="12" dur="1" fill="hold">
+                                          <p:stCondLst>
+                                            <p:cond delay="0"/>
+                                          </p:stCondLst>
+                                        </p:cTn>
+                                        <p:tgtEl>
+                                          <p:spTgt spid="3"/>
+                                        </p:tgtEl>
+                                        <p:attrNameLst>
+                                          <p:attrName>style.visibility</p:attrName>
+                                        </p:attrNameLst>
+                                      </p:cBhvr>
+                                      <p:to>
+                                        <p:strVal val="visible"/>
+                                      </p:to>
+                                    </p:set>
+                                    <p:anim calcmode="lin" valueType="num">
+                                      <p:cBhvr additive="base">
+                                        <p:cTn id="13" dur="500" fill="hold"/>
+                                        <p:tgtEl>
+                                          <p:spTgt spid="3"/>
+                                        </p:tgtEl>
+                                        <p:attrNameLst>
+                                          <p:attrName>ppt_x</p:attrName>
+                                        </p:attrNameLst>
+                                      </p:cBhvr>
+                                      <p:tavLst>
+                                        <p:tav tm="0">
+                                          <p:val>
+                                            <p:strVal val="#ppt_x"/>
+                                          </p:val>
+                                        </p:tav>
+                                        <p:tav tm="100000">
+                                          <p:val>
+                                            <p:strVal val="#ppt_x"/>
+                                          </p:val>
+                                        </p:tav>
+                                      </p:tavLst>
+                                    </p:anim>
+                                    <p:anim calcmode="lin" valueType="num">
+                                      <p:cBhvr additive="base">
+                                        <p:cTn id="14" dur="500" fill="hold"/>
+                                        <p:tgtEl>
+                                          <p:spTgt spid="3"/>
+                                        </p:tgtEl>
+                                        <p:attrNameLst>
+                                          <p:attrName>ppt_y</p:attrName>
+                                        </p:attrNameLst>
+                                      </p:cBhvr>
+                                      <p:tavLst>
+                                        <p:tav tm="0">
+                                          <p:val>
+                                            <p:strVal val="1+#ppt_h/2"/>
+                                          </p:val>
+                                        </p:tav>
+                                        <p:tav tm="100000">
+                                          <p:val>
+                                            <p:strVal val="#ppt_y"/>
+                                          </p:val>
+                                        </p:tav>
+                                      </p:tavLst>
+                                    </p:anim>
+                                  </p:childTnLst>
+                                </p:cTn>
+                              </p:par>
+                            </p:childTnLst>
+                          </p:cTn>
+                        </p:par>
+                      </p:childTnLst>
+                    </p:cTn>
+                  </p:par>
+                  <p:par>
+                    <p:cTn id="15" fill="hold">
+                      <p:stCondLst>
+                        <p:cond delay="indefinite"/>
+                      </p:stCondLst>
+                      <p:childTnLst>
+                        <p:par>
+                          <p:cTn id="16" fill="hold">
+                            <p:stCondLst>
+                              <p:cond delay="0"/>
+                            </p:stCondLst>
+                            <p:childTnLst>
+                              <p:par>
+                                <p:cTn id="17" presetID="2" presetClass="entr" presetSubtype="4" fill="hold" nodeType="clickEffect">
+                                  <p:stCondLst>
+                                    <p:cond delay="0"/>
+                                  </p:stCondLst>
+                                  <p:childTnLst>
+                                    <p:set>
+                                      <p:cBhvr>
+                                        <p:cTn id="18" dur="1" fill="hold">
+                                          <p:stCondLst>
+                                            <p:cond delay="0"/>
+                                          </p:stCondLst>
+                                        </p:cTn>
+                                        <p:tgtEl>
+                                          <p:spTgt spid="4"/>
+                                        </p:tgtEl>
+                                        <p:attrNameLst>
+                                          <p:attrName>style.visibility</p:attrName>
+                                        </p:attrNameLst>
+                                      </p:cBhvr>
+                                      <p:to>
+                                        <p:strVal val="visible"/>
+                                      </p:to>
+                                    </p:set>
+                                    <p:anim calcmode="lin" valueType="num">
+                                      <p:cBhvr additive="base">
+                                        <p:cTn id="19" dur="500" fill="hold"/>
+                                        <p:tgtEl>
+                                          <p:spTgt spid="4"/>
+                                        </p:tgtEl>
+                                        <p:attrNameLst>
+                                          <p:attrName>ppt_x</p:attrName>
+                                        </p:attrNameLst>
+                                      </p:cBhvr>
+                                      <p:tavLst>
+                                        <p:tav tm="0">
+                                          <p:val>
+                                            <p:strVal val="#ppt_x"/>
+                                          </p:val>
+                                        </p:tav>
+                                        <p:tav tm="100000">
+                                          <p:val>
+                                            <p:strVal val="#ppt_x"/>
+                                          </p:val>
+                                        </p:tav>
+                                      </p:tavLst>
+                                    </p:anim>
+                                    <p:anim calcmode="lin" valueType="num">
+                                      <p:cBhvr additive="base">
+                                        <p:cTn id="20" dur="500" fill="hold"/>
+                                        <p:tgtEl>
+                                          <p:spTgt spid="4"/>
+                                        </p:tgtEl>
+                                        <p:attrNameLst>
+                                          <p:attrName>ppt_y</p:attrName>
+                                        </p:attrNameLst>
+                                      </p:cBhvr>
+                                      <p:tavLst>
+                                        <p:tav tm="0">
+                                          <p:val>
+                                            <p:strVal val="1+#ppt_h/2"/>
+                                          </p:val>
+                                        </p:tav>
+                                        <p:tav tm="100000">
+                                          <p:val>
+                                            <p:strVal val="#ppt_y"/>
+                                          </p:val>
+                                        </p:tav>
+                                      </p:tavLst>
+                                    </p:anim>
+                                  </p:childTnLst>
+                                </p:cTn>
+                              </p:par>
+                            </p:childTnLst>
+                          </p:cTn>
+                        </p:par>
+                      </p:childTnLst>
+                    </p:cTn>
+                  </p:par>
+                  <p:par>
+                    <p:cTn id="21" fill="hold">
+                      <p:stCondLst>
+                        <p:cond delay="indefinite"/>
+                      </p:stCondLst>
+                      <p:childTnLst>
+                        <p:par>
+                          <p:cTn id="22" fill="hold">
+                            <p:stCondLst>
+                              <p:cond delay="0"/>
+                            </p:stCondLst>
+                            <p:childTnLst>
+                              <p:par>
+                                <p:cTn id="23" presetID="2" presetClass="entr" presetSubtype="4" fill="hold" nodeType="clickEffect">
+                                  <p:stCondLst>
+                                    <p:cond delay="0"/>
+                                  </p:stCondLst>
+                                  <p:childTnLst>
+                                    <p:set>
+                                      <p:cBhvr>
+                                        <p:cTn id="24" dur="1" fill="hold">
+                                          <p:stCondLst>
+                                            <p:cond delay="0"/>
+                                          </p:stCondLst>
+                                        </p:cTn>
+                                        <p:tgtEl>
+                                          <p:spTgt spid="5"/>
+                                        </p:tgtEl>
+                                        <p:attrNameLst>
+                                          <p:attrName>style.visibility</p:attrName>
+                                        </p:attrNameLst>
+                                      </p:cBhvr>
+                                      <p:to>
+                                        <p:strVal val="visible"/>
+                                      </p:to>
+                                    </p:set>
+                                    <p:anim calcmode="lin" valueType="num">
+                                      <p:cBhvr additive="base">
+                                        <p:cTn id="25" dur="500" fill="hold"/>
+                                        <p:tgtEl>
+                                          <p:spTgt spid="5"/>
+                                        </p:tgtEl>
+                                        <p:attrNameLst>
+                                          <p:attrName>ppt_x</p:attrName>
+                                        </p:attrNameLst>
+                                      </p:cBhvr>
+                                      <p:tavLst>
+                                        <p:tav tm="0">
+                                          <p:val>
+                                            <p:strVal val="#ppt_x"/>
+                                          </p:val>
+                                        </p:tav>
+                                        <p:tav tm="100000">
+                                          <p:val>
+                                            <p:strVal val="#ppt_x"/>
+                                          </p:val>
+                                        </p:tav>
+                                      </p:tavLst>
+                                    </p:anim>
+                                    <p:anim calcmode="lin" valueType="num">
+                                      <p:cBhvr additive="base">
+                                        <p:cTn id="26" dur="500" fill="hold"/>
+                                        <p:tgtEl>
+                                          <p:spTgt spid="5"/>
+                                        </p:tgtEl>
+                                        <p:attrNameLst>
+                                          <p:attrName>ppt_y</p:attrName>
+                                        </p:attrNameLst>
+                                      </p:cBhvr>
+                                      <p:tavLst>
+                                        <p:tav tm="0">
+                                          <p:val>
+                                            <p:strVal val="1+#ppt_h/2"/>
+                                          </p:val>
+                                        </p:tav>
+                                        <p:tav tm="100000">
+                                          <p:val>
+                                            <p:strVal val="#ppt_y"/>
+                                          </p:val>
+                                        </p:tav>
+                                      </p:tavLst>
+                                    </p:anim>
+                                  </p:childTnLst>
+                                </p:cTn>
+                              </p:par>
+                            </p:childTnLst>
+                          </p:cTn>
+                        </p:par>
+                      </p:childTnLst>
+                    </p:cTn>
+                  </p:par>
+                </p:childTnLst>
+              </p:cTn>
+              <p:prevCondLst>
+                <p:cond evt="onPrev" delay="0">
+                  <p:tgtEl>
+                    <p:sldTgt/>
+                  </p:tgtEl>
+                </p:cond>
+              </p:prevCondLst>
+              <p:nextCondLst>
+                <p:cond evt="onNext" delay="0">
+                  <p:tgtEl>
+                    <p:sldTgt/>
+                  </p:tgtEl>
+                </p:cond>
+              </p:nextCondLst>
+            </p:seq>
+          </p:childTnLst>
+        </p:cTn>
+      </p:par>
+    </p:tnLst>
+  </p:timing>
 </p:sld>
 </file>
 
@@ -18122,7 +23852,7 @@
         </p:blipFill>
         <p:spPr bwMode="auto">
           <a:xfrm>
-            <a:off x="2496709" y="3363402"/>
+            <a:off x="650154" y="2848498"/>
             <a:ext cx="2735249" cy="1630017"/>
           </a:xfrm>
           <a:prstGeom prst="rect">
@@ -18139,6 +23869,66 @@
           </a:extLst>
         </p:spPr>
       </p:pic>
+      <p:pic>
+        <p:nvPicPr>
+          <p:cNvPr id="4" name="Image 3">
+            <a:extLst>
+              <a:ext uri="{FF2B5EF4-FFF2-40B4-BE49-F238E27FC236}">
+                <a16:creationId xmlns:a16="http://schemas.microsoft.com/office/drawing/2014/main" id="{F6B669FA-9439-44FD-817B-C274F69D4C18}"/>
+              </a:ext>
+            </a:extLst>
+          </p:cNvPr>
+          <p:cNvPicPr>
+            <a:picLocks noChangeAspect="1"/>
+          </p:cNvPicPr>
+          <p:nvPr/>
+        </p:nvPicPr>
+        <p:blipFill>
+          <a:blip r:embed="rId3"/>
+          <a:stretch>
+            <a:fillRect/>
+          </a:stretch>
+        </p:blipFill>
+        <p:spPr>
+          <a:xfrm>
+            <a:off x="457198" y="2731373"/>
+            <a:ext cx="3637053" cy="3271353"/>
+          </a:xfrm>
+          <a:prstGeom prst="rect">
+            <a:avLst/>
+          </a:prstGeom>
+        </p:spPr>
+      </p:pic>
+      <p:pic>
+        <p:nvPicPr>
+          <p:cNvPr id="5" name="Image 4">
+            <a:extLst>
+              <a:ext uri="{FF2B5EF4-FFF2-40B4-BE49-F238E27FC236}">
+                <a16:creationId xmlns:a16="http://schemas.microsoft.com/office/drawing/2014/main" id="{8B44E6C3-9C01-4DFF-82D8-CCD4C1B6CCC9}"/>
+              </a:ext>
+            </a:extLst>
+          </p:cNvPr>
+          <p:cNvPicPr>
+            <a:picLocks noChangeAspect="1"/>
+          </p:cNvPicPr>
+          <p:nvPr/>
+        </p:nvPicPr>
+        <p:blipFill>
+          <a:blip r:embed="rId4"/>
+          <a:stretch>
+            <a:fillRect/>
+          </a:stretch>
+        </p:blipFill>
+        <p:spPr>
+          <a:xfrm>
+            <a:off x="4611958" y="2954301"/>
+            <a:ext cx="4267796" cy="3048425"/>
+          </a:xfrm>
+          <a:prstGeom prst="rect">
+            <a:avLst/>
+          </a:prstGeom>
+        </p:spPr>
+      </p:pic>
     </p:spTree>
     <p:extLst>
       <p:ext uri="{BB962C8B-B14F-4D97-AF65-F5344CB8AC3E}">
@@ -18149,18 +23939,427 @@
   <p:clrMapOvr>
     <a:masterClrMapping/>
   </p:clrMapOvr>
-  <mc:AlternateContent xmlns:mc="http://schemas.openxmlformats.org/markup-compatibility/2006">
-    <mc:Choice xmlns:p14="http://schemas.microsoft.com/office/powerpoint/2010/main" Requires="p14">
+  <mc:AlternateContent xmlns:mc="http://schemas.openxmlformats.org/markup-compatibility/2006" xmlns:p14="http://schemas.microsoft.com/office/powerpoint/2010/main">
+    <mc:Choice Requires="p14">
       <p:transition spd="slow" p14:dur="1600">
         <p14:conveyor dir="l"/>
       </p:transition>
     </mc:Choice>
-    <mc:Fallback>
+    <mc:Fallback xmlns="">
       <p:transition spd="slow">
         <p:fade/>
       </p:transition>
     </mc:Fallback>
   </mc:AlternateContent>
+  <p:timing>
+    <p:tnLst>
+      <p:par>
+        <p:cTn id="1" dur="indefinite" restart="never" nodeType="tmRoot">
+          <p:childTnLst>
+            <p:seq concurrent="1" nextAc="seek">
+              <p:cTn id="2" dur="indefinite" nodeType="mainSeq">
+                <p:childTnLst>
+                  <p:par>
+                    <p:cTn id="3" fill="hold">
+                      <p:stCondLst>
+                        <p:cond delay="indefinite"/>
+                      </p:stCondLst>
+                      <p:childTnLst>
+                        <p:par>
+                          <p:cTn id="4" fill="hold">
+                            <p:stCondLst>
+                              <p:cond delay="0"/>
+                            </p:stCondLst>
+                            <p:childTnLst>
+                              <p:par>
+                                <p:cTn id="5" presetID="2" presetClass="entr" presetSubtype="4" fill="hold" grpId="0" nodeType="clickEffect">
+                                  <p:stCondLst>
+                                    <p:cond delay="0"/>
+                                  </p:stCondLst>
+                                  <p:childTnLst>
+                                    <p:set>
+                                      <p:cBhvr>
+                                        <p:cTn id="6" dur="1" fill="hold">
+                                          <p:stCondLst>
+                                            <p:cond delay="0"/>
+                                          </p:stCondLst>
+                                        </p:cTn>
+                                        <p:tgtEl>
+                                          <p:spTgt spid="6">
+                                            <p:txEl>
+                                              <p:pRg st="1" end="1"/>
+                                            </p:txEl>
+                                          </p:spTgt>
+                                        </p:tgtEl>
+                                        <p:attrNameLst>
+                                          <p:attrName>style.visibility</p:attrName>
+                                        </p:attrNameLst>
+                                      </p:cBhvr>
+                                      <p:to>
+                                        <p:strVal val="visible"/>
+                                      </p:to>
+                                    </p:set>
+                                    <p:anim calcmode="lin" valueType="num">
+                                      <p:cBhvr additive="base">
+                                        <p:cTn id="7" dur="500" fill="hold"/>
+                                        <p:tgtEl>
+                                          <p:spTgt spid="6">
+                                            <p:txEl>
+                                              <p:pRg st="1" end="1"/>
+                                            </p:txEl>
+                                          </p:spTgt>
+                                        </p:tgtEl>
+                                        <p:attrNameLst>
+                                          <p:attrName>ppt_x</p:attrName>
+                                        </p:attrNameLst>
+                                      </p:cBhvr>
+                                      <p:tavLst>
+                                        <p:tav tm="0">
+                                          <p:val>
+                                            <p:strVal val="#ppt_x"/>
+                                          </p:val>
+                                        </p:tav>
+                                        <p:tav tm="100000">
+                                          <p:val>
+                                            <p:strVal val="#ppt_x"/>
+                                          </p:val>
+                                        </p:tav>
+                                      </p:tavLst>
+                                    </p:anim>
+                                    <p:anim calcmode="lin" valueType="num">
+                                      <p:cBhvr additive="base">
+                                        <p:cTn id="8" dur="500" fill="hold"/>
+                                        <p:tgtEl>
+                                          <p:spTgt spid="6">
+                                            <p:txEl>
+                                              <p:pRg st="1" end="1"/>
+                                            </p:txEl>
+                                          </p:spTgt>
+                                        </p:tgtEl>
+                                        <p:attrNameLst>
+                                          <p:attrName>ppt_y</p:attrName>
+                                        </p:attrNameLst>
+                                      </p:cBhvr>
+                                      <p:tavLst>
+                                        <p:tav tm="0">
+                                          <p:val>
+                                            <p:strVal val="1+#ppt_h/2"/>
+                                          </p:val>
+                                        </p:tav>
+                                        <p:tav tm="100000">
+                                          <p:val>
+                                            <p:strVal val="#ppt_y"/>
+                                          </p:val>
+                                        </p:tav>
+                                      </p:tavLst>
+                                    </p:anim>
+                                  </p:childTnLst>
+                                </p:cTn>
+                              </p:par>
+                            </p:childTnLst>
+                          </p:cTn>
+                        </p:par>
+                      </p:childTnLst>
+                    </p:cTn>
+                  </p:par>
+                  <p:par>
+                    <p:cTn id="9" fill="hold">
+                      <p:stCondLst>
+                        <p:cond delay="indefinite"/>
+                      </p:stCondLst>
+                      <p:childTnLst>
+                        <p:par>
+                          <p:cTn id="10" fill="hold">
+                            <p:stCondLst>
+                              <p:cond delay="0"/>
+                            </p:stCondLst>
+                            <p:childTnLst>
+                              <p:par>
+                                <p:cTn id="11" presetID="2" presetClass="entr" presetSubtype="4" fill="hold" nodeType="clickEffect">
+                                  <p:stCondLst>
+                                    <p:cond delay="0"/>
+                                  </p:stCondLst>
+                                  <p:childTnLst>
+                                    <p:set>
+                                      <p:cBhvr>
+                                        <p:cTn id="12" dur="1" fill="hold">
+                                          <p:stCondLst>
+                                            <p:cond delay="0"/>
+                                          </p:stCondLst>
+                                        </p:cTn>
+                                        <p:tgtEl>
+                                          <p:spTgt spid="3"/>
+                                        </p:tgtEl>
+                                        <p:attrNameLst>
+                                          <p:attrName>style.visibility</p:attrName>
+                                        </p:attrNameLst>
+                                      </p:cBhvr>
+                                      <p:to>
+                                        <p:strVal val="visible"/>
+                                      </p:to>
+                                    </p:set>
+                                    <p:anim calcmode="lin" valueType="num">
+                                      <p:cBhvr additive="base">
+                                        <p:cTn id="13" dur="500" fill="hold"/>
+                                        <p:tgtEl>
+                                          <p:spTgt spid="3"/>
+                                        </p:tgtEl>
+                                        <p:attrNameLst>
+                                          <p:attrName>ppt_x</p:attrName>
+                                        </p:attrNameLst>
+                                      </p:cBhvr>
+                                      <p:tavLst>
+                                        <p:tav tm="0">
+                                          <p:val>
+                                            <p:strVal val="#ppt_x"/>
+                                          </p:val>
+                                        </p:tav>
+                                        <p:tav tm="100000">
+                                          <p:val>
+                                            <p:strVal val="#ppt_x"/>
+                                          </p:val>
+                                        </p:tav>
+                                      </p:tavLst>
+                                    </p:anim>
+                                    <p:anim calcmode="lin" valueType="num">
+                                      <p:cBhvr additive="base">
+                                        <p:cTn id="14" dur="500" fill="hold"/>
+                                        <p:tgtEl>
+                                          <p:spTgt spid="3"/>
+                                        </p:tgtEl>
+                                        <p:attrNameLst>
+                                          <p:attrName>ppt_y</p:attrName>
+                                        </p:attrNameLst>
+                                      </p:cBhvr>
+                                      <p:tavLst>
+                                        <p:tav tm="0">
+                                          <p:val>
+                                            <p:strVal val="1+#ppt_h/2"/>
+                                          </p:val>
+                                        </p:tav>
+                                        <p:tav tm="100000">
+                                          <p:val>
+                                            <p:strVal val="#ppt_y"/>
+                                          </p:val>
+                                        </p:tav>
+                                      </p:tavLst>
+                                    </p:anim>
+                                  </p:childTnLst>
+                                </p:cTn>
+                              </p:par>
+                            </p:childTnLst>
+                          </p:cTn>
+                        </p:par>
+                      </p:childTnLst>
+                    </p:cTn>
+                  </p:par>
+                  <p:par>
+                    <p:cTn id="15" fill="hold">
+                      <p:stCondLst>
+                        <p:cond delay="indefinite"/>
+                      </p:stCondLst>
+                      <p:childTnLst>
+                        <p:par>
+                          <p:cTn id="16" fill="hold">
+                            <p:stCondLst>
+                              <p:cond delay="0"/>
+                            </p:stCondLst>
+                            <p:childTnLst>
+                              <p:par>
+                                <p:cTn id="17" presetID="2" presetClass="entr" presetSubtype="4" fill="hold" nodeType="clickEffect">
+                                  <p:stCondLst>
+                                    <p:cond delay="0"/>
+                                  </p:stCondLst>
+                                  <p:childTnLst>
+                                    <p:set>
+                                      <p:cBhvr>
+                                        <p:cTn id="18" dur="1" fill="hold">
+                                          <p:stCondLst>
+                                            <p:cond delay="0"/>
+                                          </p:stCondLst>
+                                        </p:cTn>
+                                        <p:tgtEl>
+                                          <p:spTgt spid="4"/>
+                                        </p:tgtEl>
+                                        <p:attrNameLst>
+                                          <p:attrName>style.visibility</p:attrName>
+                                        </p:attrNameLst>
+                                      </p:cBhvr>
+                                      <p:to>
+                                        <p:strVal val="visible"/>
+                                      </p:to>
+                                    </p:set>
+                                    <p:anim calcmode="lin" valueType="num">
+                                      <p:cBhvr additive="base">
+                                        <p:cTn id="19" dur="500" fill="hold"/>
+                                        <p:tgtEl>
+                                          <p:spTgt spid="4"/>
+                                        </p:tgtEl>
+                                        <p:attrNameLst>
+                                          <p:attrName>ppt_x</p:attrName>
+                                        </p:attrNameLst>
+                                      </p:cBhvr>
+                                      <p:tavLst>
+                                        <p:tav tm="0">
+                                          <p:val>
+                                            <p:strVal val="#ppt_x"/>
+                                          </p:val>
+                                        </p:tav>
+                                        <p:tav tm="100000">
+                                          <p:val>
+                                            <p:strVal val="#ppt_x"/>
+                                          </p:val>
+                                        </p:tav>
+                                      </p:tavLst>
+                                    </p:anim>
+                                    <p:anim calcmode="lin" valueType="num">
+                                      <p:cBhvr additive="base">
+                                        <p:cTn id="20" dur="500" fill="hold"/>
+                                        <p:tgtEl>
+                                          <p:spTgt spid="4"/>
+                                        </p:tgtEl>
+                                        <p:attrNameLst>
+                                          <p:attrName>ppt_y</p:attrName>
+                                        </p:attrNameLst>
+                                      </p:cBhvr>
+                                      <p:tavLst>
+                                        <p:tav tm="0">
+                                          <p:val>
+                                            <p:strVal val="1+#ppt_h/2"/>
+                                          </p:val>
+                                        </p:tav>
+                                        <p:tav tm="100000">
+                                          <p:val>
+                                            <p:strVal val="#ppt_y"/>
+                                          </p:val>
+                                        </p:tav>
+                                      </p:tavLst>
+                                    </p:anim>
+                                  </p:childTnLst>
+                                </p:cTn>
+                              </p:par>
+                            </p:childTnLst>
+                          </p:cTn>
+                        </p:par>
+                      </p:childTnLst>
+                    </p:cTn>
+                  </p:par>
+                  <p:par>
+                    <p:cTn id="21" fill="hold">
+                      <p:stCondLst>
+                        <p:cond delay="indefinite"/>
+                      </p:stCondLst>
+                      <p:childTnLst>
+                        <p:par>
+                          <p:cTn id="22" fill="hold">
+                            <p:stCondLst>
+                              <p:cond delay="0"/>
+                            </p:stCondLst>
+                            <p:childTnLst>
+                              <p:par>
+                                <p:cTn id="23" presetID="2" presetClass="entr" presetSubtype="4" fill="hold" nodeType="clickEffect">
+                                  <p:stCondLst>
+                                    <p:cond delay="0"/>
+                                  </p:stCondLst>
+                                  <p:childTnLst>
+                                    <p:set>
+                                      <p:cBhvr>
+                                        <p:cTn id="24" dur="1" fill="hold">
+                                          <p:stCondLst>
+                                            <p:cond delay="0"/>
+                                          </p:stCondLst>
+                                        </p:cTn>
+                                        <p:tgtEl>
+                                          <p:spTgt spid="5"/>
+                                        </p:tgtEl>
+                                        <p:attrNameLst>
+                                          <p:attrName>style.visibility</p:attrName>
+                                        </p:attrNameLst>
+                                      </p:cBhvr>
+                                      <p:to>
+                                        <p:strVal val="visible"/>
+                                      </p:to>
+                                    </p:set>
+                                    <p:anim calcmode="lin" valueType="num">
+                                      <p:cBhvr additive="base">
+                                        <p:cTn id="25" dur="500" fill="hold"/>
+                                        <p:tgtEl>
+                                          <p:spTgt spid="5"/>
+                                        </p:tgtEl>
+                                        <p:attrNameLst>
+                                          <p:attrName>ppt_x</p:attrName>
+                                        </p:attrNameLst>
+                                      </p:cBhvr>
+                                      <p:tavLst>
+                                        <p:tav tm="0">
+                                          <p:val>
+                                            <p:strVal val="#ppt_x"/>
+                                          </p:val>
+                                        </p:tav>
+                                        <p:tav tm="100000">
+                                          <p:val>
+                                            <p:strVal val="#ppt_x"/>
+                                          </p:val>
+                                        </p:tav>
+                                      </p:tavLst>
+                                    </p:anim>
+                                    <p:anim calcmode="lin" valueType="num">
+                                      <p:cBhvr additive="base">
+                                        <p:cTn id="26" dur="500" fill="hold"/>
+                                        <p:tgtEl>
+                                          <p:spTgt spid="5"/>
+                                        </p:tgtEl>
+                                        <p:attrNameLst>
+                                          <p:attrName>ppt_y</p:attrName>
+                                        </p:attrNameLst>
+                                      </p:cBhvr>
+                                      <p:tavLst>
+                                        <p:tav tm="0">
+                                          <p:val>
+                                            <p:strVal val="1+#ppt_h/2"/>
+                                          </p:val>
+                                        </p:tav>
+                                        <p:tav tm="100000">
+                                          <p:val>
+                                            <p:strVal val="#ppt_y"/>
+                                          </p:val>
+                                        </p:tav>
+                                      </p:tavLst>
+                                    </p:anim>
+                                  </p:childTnLst>
+                                </p:cTn>
+                              </p:par>
+                            </p:childTnLst>
+                          </p:cTn>
+                        </p:par>
+                      </p:childTnLst>
+                    </p:cTn>
+                  </p:par>
+                </p:childTnLst>
+              </p:cTn>
+              <p:prevCondLst>
+                <p:cond evt="onPrev" delay="0">
+                  <p:tgtEl>
+                    <p:sldTgt/>
+                  </p:tgtEl>
+                </p:cond>
+              </p:prevCondLst>
+              <p:nextCondLst>
+                <p:cond evt="onNext" delay="0">
+                  <p:tgtEl>
+                    <p:sldTgt/>
+                  </p:tgtEl>
+                </p:cond>
+              </p:nextCondLst>
+            </p:seq>
+          </p:childTnLst>
+        </p:cTn>
+      </p:par>
+    </p:tnLst>
+    <p:bldLst>
+      <p:bldP spid="6" grpId="0" build="p"/>
+    </p:bldLst>
+  </p:timing>
 </p:sld>
 </file>
 
